--- a/Basic_Computer_Skills_for_Forensics/7_USB_Image_Acquisition.pptx
+++ b/Basic_Computer_Skills_for_Forensics/7_USB_Image_Acquisition.pptx
@@ -135,14 +135,6 @@
     </p:ext>
   </p:extLst>
 </p:presentation>
-</file>
-
-<file path=ppt/revisionInfo.xml><?xml version="1.0" encoding="utf-8"?>
-<p1510:revInfo xmlns:a="http://schemas.openxmlformats.org/drawingml/2006/main" xmlns:r="http://schemas.openxmlformats.org/officeDocument/2006/relationships" xmlns:p1510="http://schemas.microsoft.com/office/powerpoint/2015/10/main">
-  <p1510:revLst>
-    <p1510:client id="{551C0DF7-2D2F-4CF1-BD0E-D7B671E7966B}" v="15" dt="2021-07-31T16:24:17.430"/>
-  </p1510:revLst>
-</p1510:revInfo>
 </file>
 
 <file path=ppt/changesInfos/changesInfo1.xml><?xml version="1.0" encoding="utf-8"?>
@@ -799,6 +791,22 @@
       </pc:sldChg>
     </pc:docChg>
   </pc:docChgLst>
+  <pc:docChgLst>
+    <pc:chgData name="Weifeng Xu" userId="e7aed605-a3dd-4d5a-a692-a87037af107b" providerId="ADAL" clId="{E1DC02F5-E919-4A93-A2D0-6D7A4E94E8EF}"/>
+    <pc:docChg chg="modSld">
+      <pc:chgData name="Weifeng Xu" userId="e7aed605-a3dd-4d5a-a692-a87037af107b" providerId="ADAL" clId="{E1DC02F5-E919-4A93-A2D0-6D7A4E94E8EF}" dt="2021-08-31T14:16:56.619" v="1" actId="20577"/>
+      <pc:docMkLst>
+        <pc:docMk/>
+      </pc:docMkLst>
+      <pc:sldChg chg="modNotesTx">
+        <pc:chgData name="Weifeng Xu" userId="e7aed605-a3dd-4d5a-a692-a87037af107b" providerId="ADAL" clId="{E1DC02F5-E919-4A93-A2D0-6D7A4E94E8EF}" dt="2021-08-31T14:16:56.619" v="1" actId="20577"/>
+        <pc:sldMkLst>
+          <pc:docMk/>
+          <pc:sldMk cId="708597567" sldId="352"/>
+        </pc:sldMkLst>
+      </pc:sldChg>
+    </pc:docChg>
+  </pc:docChgLst>
 </pc:chgInfo>
 </file>
 
@@ -884,7 +892,7 @@
           <a:p>
             <a:fld id="{EE41F6E3-57F9-402E-BDBA-5B2DE11C8530}" type="datetimeFigureOut">
               <a:rPr lang="en-US" smtClean="0"/>
-              <a:t>7/31/2021</a:t>
+              <a:t>8/31/2021</a:t>
             </a:fld>
             <a:endParaRPr lang="en-US"/>
           </a:p>
@@ -1282,6 +1290,90 @@
           <a:bodyPr/>
           <a:lstStyle/>
           <a:p>
+            <a:endParaRPr lang="en-US" dirty="0"/>
+          </a:p>
+        </p:txBody>
+      </p:sp>
+      <p:sp>
+        <p:nvSpPr>
+          <p:cNvPr id="4" name="Slide Number Placeholder 3"/>
+          <p:cNvSpPr>
+            <a:spLocks noGrp="1"/>
+          </p:cNvSpPr>
+          <p:nvPr>
+            <p:ph type="sldNum" sz="quarter" idx="5"/>
+          </p:nvPr>
+        </p:nvSpPr>
+        <p:spPr/>
+        <p:txBody>
+          <a:bodyPr/>
+          <a:lstStyle/>
+          <a:p>
+            <a:fld id="{DDBF98C7-164A-4723-84F0-B1E4B080DDEC}" type="slidenum">
+              <a:rPr lang="en-US" smtClean="0"/>
+              <a:t>7</a:t>
+            </a:fld>
+            <a:endParaRPr lang="en-US"/>
+          </a:p>
+        </p:txBody>
+      </p:sp>
+    </p:spTree>
+    <p:extLst>
+      <p:ext uri="{BB962C8B-B14F-4D97-AF65-F5344CB8AC3E}">
+        <p14:creationId xmlns:p14="http://schemas.microsoft.com/office/powerpoint/2010/main" val="3027247694"/>
+      </p:ext>
+    </p:extLst>
+  </p:cSld>
+  <p:clrMapOvr>
+    <a:masterClrMapping/>
+  </p:clrMapOvr>
+</p:notes>
+</file>
+
+<file path=ppt/notesSlides/notesSlide3.xml><?xml version="1.0" encoding="utf-8"?>
+<p:notes xmlns:a="http://schemas.openxmlformats.org/drawingml/2006/main" xmlns:r="http://schemas.openxmlformats.org/officeDocument/2006/relationships" xmlns:p="http://schemas.openxmlformats.org/presentationml/2006/main">
+  <p:cSld>
+    <p:spTree>
+      <p:nvGrpSpPr>
+        <p:cNvPr id="1" name=""/>
+        <p:cNvGrpSpPr/>
+        <p:nvPr/>
+      </p:nvGrpSpPr>
+      <p:grpSpPr>
+        <a:xfrm>
+          <a:off x="0" y="0"/>
+          <a:ext cx="0" cy="0"/>
+          <a:chOff x="0" y="0"/>
+          <a:chExt cx="0" cy="0"/>
+        </a:xfrm>
+      </p:grpSpPr>
+      <p:sp>
+        <p:nvSpPr>
+          <p:cNvPr id="2" name="Slide Image Placeholder 1"/>
+          <p:cNvSpPr>
+            <a:spLocks noGrp="1" noRot="1" noChangeAspect="1"/>
+          </p:cNvSpPr>
+          <p:nvPr>
+            <p:ph type="sldImg"/>
+          </p:nvPr>
+        </p:nvSpPr>
+        <p:spPr/>
+      </p:sp>
+      <p:sp>
+        <p:nvSpPr>
+          <p:cNvPr id="3" name="Notes Placeholder 2"/>
+          <p:cNvSpPr>
+            <a:spLocks noGrp="1"/>
+          </p:cNvSpPr>
+          <p:nvPr>
+            <p:ph type="body" idx="1"/>
+          </p:nvPr>
+        </p:nvSpPr>
+        <p:spPr/>
+        <p:txBody>
+          <a:bodyPr/>
+          <a:lstStyle/>
+          <a:p>
             <a:pPr marL="457200" marR="0" lvl="0" indent="-317500" algn="l" defTabSz="914400" rtl="0" eaLnBrk="1" fontAlgn="auto" latinLnBrk="0" hangingPunct="1">
               <a:lnSpc>
                 <a:spcPct val="100000"/>
@@ -1376,6 +1468,100 @@
     <p:extLst>
       <p:ext uri="{BB962C8B-B14F-4D97-AF65-F5344CB8AC3E}">
         <p14:creationId xmlns:p14="http://schemas.microsoft.com/office/powerpoint/2010/main" val="1858446840"/>
+      </p:ext>
+    </p:extLst>
+  </p:cSld>
+  <p:clrMapOvr>
+    <a:masterClrMapping/>
+  </p:clrMapOvr>
+</p:notes>
+</file>
+
+<file path=ppt/notesSlides/notesSlide4.xml><?xml version="1.0" encoding="utf-8"?>
+<p:notes xmlns:a="http://schemas.openxmlformats.org/drawingml/2006/main" xmlns:r="http://schemas.openxmlformats.org/officeDocument/2006/relationships" xmlns:p="http://schemas.openxmlformats.org/presentationml/2006/main">
+  <p:cSld>
+    <p:spTree>
+      <p:nvGrpSpPr>
+        <p:cNvPr id="1" name=""/>
+        <p:cNvGrpSpPr/>
+        <p:nvPr/>
+      </p:nvGrpSpPr>
+      <p:grpSpPr>
+        <a:xfrm>
+          <a:off x="0" y="0"/>
+          <a:ext cx="0" cy="0"/>
+          <a:chOff x="0" y="0"/>
+          <a:chExt cx="0" cy="0"/>
+        </a:xfrm>
+      </p:grpSpPr>
+      <p:sp>
+        <p:nvSpPr>
+          <p:cNvPr id="2" name="Slide Image Placeholder 1"/>
+          <p:cNvSpPr>
+            <a:spLocks noGrp="1" noRot="1" noChangeAspect="1"/>
+          </p:cNvSpPr>
+          <p:nvPr>
+            <p:ph type="sldImg"/>
+          </p:nvPr>
+        </p:nvSpPr>
+        <p:spPr/>
+      </p:sp>
+      <p:sp>
+        <p:nvSpPr>
+          <p:cNvPr id="3" name="Notes Placeholder 2"/>
+          <p:cNvSpPr>
+            <a:spLocks noGrp="1"/>
+          </p:cNvSpPr>
+          <p:nvPr>
+            <p:ph type="body" idx="1"/>
+          </p:nvPr>
+        </p:nvSpPr>
+        <p:spPr/>
+        <p:txBody>
+          <a:bodyPr/>
+          <a:lstStyle/>
+          <a:p>
+            <a:r>
+              <a:rPr lang="en-GB" dirty="0" err="1"/>
+              <a:t>sudo</a:t>
+            </a:r>
+            <a:r>
+              <a:rPr lang="en-GB" dirty="0"/>
+              <a:t> dd if=/dev/sda5 of=backup.dd status=progress</a:t>
+            </a:r>
+          </a:p>
+          <a:p>
+            <a:endParaRPr lang="en-US" dirty="0"/>
+          </a:p>
+        </p:txBody>
+      </p:sp>
+      <p:sp>
+        <p:nvSpPr>
+          <p:cNvPr id="4" name="Slide Number Placeholder 3"/>
+          <p:cNvSpPr>
+            <a:spLocks noGrp="1"/>
+          </p:cNvSpPr>
+          <p:nvPr>
+            <p:ph type="sldNum" sz="quarter" idx="5"/>
+          </p:nvPr>
+        </p:nvSpPr>
+        <p:spPr/>
+        <p:txBody>
+          <a:bodyPr/>
+          <a:lstStyle/>
+          <a:p>
+            <a:fld id="{DDBF98C7-164A-4723-84F0-B1E4B080DDEC}" type="slidenum">
+              <a:rPr lang="en-US" smtClean="0"/>
+              <a:t>23</a:t>
+            </a:fld>
+            <a:endParaRPr lang="en-US"/>
+          </a:p>
+        </p:txBody>
+      </p:sp>
+    </p:spTree>
+    <p:extLst>
+      <p:ext uri="{BB962C8B-B14F-4D97-AF65-F5344CB8AC3E}">
+        <p14:creationId xmlns:p14="http://schemas.microsoft.com/office/powerpoint/2010/main" val="1574229645"/>
       </p:ext>
     </p:extLst>
   </p:cSld>
@@ -1514,7 +1700,7 @@
           <a:p>
             <a:fld id="{4263717A-E3C1-4BED-ABE0-B7069385E023}" type="datetimeFigureOut">
               <a:rPr lang="en-US" smtClean="0"/>
-              <a:t>7/31/2021</a:t>
+              <a:t>8/31/2021</a:t>
             </a:fld>
             <a:endParaRPr lang="en-US"/>
           </a:p>
@@ -1687,7 +1873,7 @@
           <a:p>
             <a:fld id="{4263717A-E3C1-4BED-ABE0-B7069385E023}" type="datetimeFigureOut">
               <a:rPr lang="en-US" smtClean="0"/>
-              <a:t>7/31/2021</a:t>
+              <a:t>8/31/2021</a:t>
             </a:fld>
             <a:endParaRPr lang="en-US"/>
           </a:p>
@@ -1865,7 +2051,7 @@
           <a:p>
             <a:fld id="{4263717A-E3C1-4BED-ABE0-B7069385E023}" type="datetimeFigureOut">
               <a:rPr lang="en-US" smtClean="0"/>
-              <a:t>7/31/2021</a:t>
+              <a:t>8/31/2021</a:t>
             </a:fld>
             <a:endParaRPr lang="en-US"/>
           </a:p>
@@ -2033,7 +2219,7 @@
           <a:p>
             <a:fld id="{4263717A-E3C1-4BED-ABE0-B7069385E023}" type="datetimeFigureOut">
               <a:rPr lang="en-US" smtClean="0"/>
-              <a:t>7/31/2021</a:t>
+              <a:t>8/31/2021</a:t>
             </a:fld>
             <a:endParaRPr lang="en-US"/>
           </a:p>
@@ -2278,7 +2464,7 @@
           <a:p>
             <a:fld id="{4263717A-E3C1-4BED-ABE0-B7069385E023}" type="datetimeFigureOut">
               <a:rPr lang="en-US" smtClean="0"/>
-              <a:t>7/31/2021</a:t>
+              <a:t>8/31/2021</a:t>
             </a:fld>
             <a:endParaRPr lang="en-US"/>
           </a:p>
@@ -2507,7 +2693,7 @@
           <a:p>
             <a:fld id="{4263717A-E3C1-4BED-ABE0-B7069385E023}" type="datetimeFigureOut">
               <a:rPr lang="en-US" smtClean="0"/>
-              <a:t>7/31/2021</a:t>
+              <a:t>8/31/2021</a:t>
             </a:fld>
             <a:endParaRPr lang="en-US"/>
           </a:p>
@@ -2871,7 +3057,7 @@
           <a:p>
             <a:fld id="{4263717A-E3C1-4BED-ABE0-B7069385E023}" type="datetimeFigureOut">
               <a:rPr lang="en-US" smtClean="0"/>
-              <a:t>7/31/2021</a:t>
+              <a:t>8/31/2021</a:t>
             </a:fld>
             <a:endParaRPr lang="en-US"/>
           </a:p>
@@ -2988,7 +3174,7 @@
           <a:p>
             <a:fld id="{4263717A-E3C1-4BED-ABE0-B7069385E023}" type="datetimeFigureOut">
               <a:rPr lang="en-US" smtClean="0"/>
-              <a:t>7/31/2021</a:t>
+              <a:t>8/31/2021</a:t>
             </a:fld>
             <a:endParaRPr lang="en-US"/>
           </a:p>
@@ -3083,7 +3269,7 @@
           <a:p>
             <a:fld id="{4263717A-E3C1-4BED-ABE0-B7069385E023}" type="datetimeFigureOut">
               <a:rPr lang="en-US" smtClean="0"/>
-              <a:t>7/31/2021</a:t>
+              <a:t>8/31/2021</a:t>
             </a:fld>
             <a:endParaRPr lang="en-US"/>
           </a:p>
@@ -3358,7 +3544,7 @@
           <a:p>
             <a:fld id="{4263717A-E3C1-4BED-ABE0-B7069385E023}" type="datetimeFigureOut">
               <a:rPr lang="en-US" smtClean="0"/>
-              <a:t>7/31/2021</a:t>
+              <a:t>8/31/2021</a:t>
             </a:fld>
             <a:endParaRPr lang="en-US"/>
           </a:p>
@@ -3610,7 +3796,7 @@
           <a:p>
             <a:fld id="{4263717A-E3C1-4BED-ABE0-B7069385E023}" type="datetimeFigureOut">
               <a:rPr lang="en-US" smtClean="0"/>
-              <a:t>7/31/2021</a:t>
+              <a:t>8/31/2021</a:t>
             </a:fld>
             <a:endParaRPr lang="en-US"/>
           </a:p>
@@ -3821,7 +4007,7 @@
           <a:p>
             <a:fld id="{4263717A-E3C1-4BED-ABE0-B7069385E023}" type="datetimeFigureOut">
               <a:rPr lang="en-US" smtClean="0"/>
-              <a:t>7/31/2021</a:t>
+              <a:t>8/31/2021</a:t>
             </a:fld>
             <a:endParaRPr lang="en-US"/>
           </a:p>
@@ -5818,7 +6004,7 @@
           <p:nvPr/>
         </p:nvPicPr>
         <p:blipFill>
-          <a:blip r:embed="rId2"/>
+          <a:blip r:embed="rId3"/>
           <a:stretch>
             <a:fillRect/>
           </a:stretch>
@@ -6617,7 +6803,7 @@
           <p:nvPr/>
         </p:nvPicPr>
         <p:blipFill>
-          <a:blip r:embed="rId2"/>
+          <a:blip r:embed="rId3"/>
           <a:stretch>
             <a:fillRect/>
           </a:stretch>
@@ -6641,7 +6827,7 @@
           <p:nvPr/>
         </p:nvPicPr>
         <p:blipFill>
-          <a:blip r:embed="rId3"/>
+          <a:blip r:embed="rId4"/>
           <a:stretch>
             <a:fillRect/>
           </a:stretch>

--- a/Basic_Computer_Skills_for_Forensics/7_USB_Image_Acquisition.pptx
+++ b/Basic_Computer_Skills_for_Forensics/7_USB_Image_Acquisition.pptx
@@ -5,32 +5,38 @@
     <p:sldMasterId id="2147483648" r:id="rId1"/>
   </p:sldMasterIdLst>
   <p:notesMasterIdLst>
-    <p:notesMasterId r:id="rId25"/>
+    <p:notesMasterId r:id="rId31"/>
   </p:notesMasterIdLst>
   <p:sldIdLst>
     <p:sldId id="256" r:id="rId2"/>
-    <p:sldId id="258" r:id="rId3"/>
-    <p:sldId id="259" r:id="rId4"/>
-    <p:sldId id="257" r:id="rId5"/>
-    <p:sldId id="260" r:id="rId6"/>
-    <p:sldId id="328" r:id="rId7"/>
-    <p:sldId id="331" r:id="rId8"/>
-    <p:sldId id="332" r:id="rId9"/>
-    <p:sldId id="333" r:id="rId10"/>
-    <p:sldId id="334" r:id="rId11"/>
-    <p:sldId id="335" r:id="rId12"/>
-    <p:sldId id="330" r:id="rId13"/>
-    <p:sldId id="336" r:id="rId14"/>
-    <p:sldId id="337" r:id="rId15"/>
-    <p:sldId id="338" r:id="rId16"/>
-    <p:sldId id="344" r:id="rId17"/>
-    <p:sldId id="345" r:id="rId18"/>
-    <p:sldId id="346" r:id="rId19"/>
-    <p:sldId id="347" r:id="rId20"/>
-    <p:sldId id="348" r:id="rId21"/>
-    <p:sldId id="349" r:id="rId22"/>
-    <p:sldId id="351" r:id="rId23"/>
-    <p:sldId id="352" r:id="rId24"/>
+    <p:sldId id="358" r:id="rId3"/>
+    <p:sldId id="258" r:id="rId4"/>
+    <p:sldId id="259" r:id="rId5"/>
+    <p:sldId id="257" r:id="rId6"/>
+    <p:sldId id="260" r:id="rId7"/>
+    <p:sldId id="328" r:id="rId8"/>
+    <p:sldId id="331" r:id="rId9"/>
+    <p:sldId id="332" r:id="rId10"/>
+    <p:sldId id="333" r:id="rId11"/>
+    <p:sldId id="334" r:id="rId12"/>
+    <p:sldId id="335" r:id="rId13"/>
+    <p:sldId id="330" r:id="rId14"/>
+    <p:sldId id="336" r:id="rId15"/>
+    <p:sldId id="337" r:id="rId16"/>
+    <p:sldId id="338" r:id="rId17"/>
+    <p:sldId id="344" r:id="rId18"/>
+    <p:sldId id="345" r:id="rId19"/>
+    <p:sldId id="346" r:id="rId20"/>
+    <p:sldId id="347" r:id="rId21"/>
+    <p:sldId id="348" r:id="rId22"/>
+    <p:sldId id="349" r:id="rId23"/>
+    <p:sldId id="351" r:id="rId24"/>
+    <p:sldId id="352" r:id="rId25"/>
+    <p:sldId id="353" r:id="rId26"/>
+    <p:sldId id="355" r:id="rId27"/>
+    <p:sldId id="354" r:id="rId28"/>
+    <p:sldId id="356" r:id="rId29"/>
+    <p:sldId id="357" r:id="rId30"/>
   </p:sldIdLst>
   <p:sldSz cx="12192000" cy="6858000"/>
   <p:notesSz cx="6858000" cy="9144000"/>
@@ -135,6 +141,14 @@
     </p:ext>
   </p:extLst>
 </p:presentation>
+</file>
+
+<file path=ppt/revisionInfo.xml><?xml version="1.0" encoding="utf-8"?>
+<p1510:revInfo xmlns:a="http://schemas.openxmlformats.org/drawingml/2006/main" xmlns:r="http://schemas.openxmlformats.org/officeDocument/2006/relationships" xmlns:p1510="http://schemas.microsoft.com/office/powerpoint/2015/10/main">
+  <p1510:revLst>
+    <p1510:client id="{E1DC02F5-E919-4A93-A2D0-6D7A4E94E8EF}" v="3" dt="2021-09-13T19:24:21.035"/>
+  </p1510:revLst>
+</p1510:revInfo>
 </file>
 
 <file path=ppt/changesInfos/changesInfo1.xml><?xml version="1.0" encoding="utf-8"?>
@@ -793,17 +807,234 @@
   </pc:docChgLst>
   <pc:docChgLst>
     <pc:chgData name="Weifeng Xu" userId="e7aed605-a3dd-4d5a-a692-a87037af107b" providerId="ADAL" clId="{E1DC02F5-E919-4A93-A2D0-6D7A4E94E8EF}"/>
-    <pc:docChg chg="modSld">
-      <pc:chgData name="Weifeng Xu" userId="e7aed605-a3dd-4d5a-a692-a87037af107b" providerId="ADAL" clId="{E1DC02F5-E919-4A93-A2D0-6D7A4E94E8EF}" dt="2021-08-31T14:16:56.619" v="1" actId="20577"/>
+    <pc:docChg chg="undo custSel addSld delSld modSld">
+      <pc:chgData name="Weifeng Xu" userId="e7aed605-a3dd-4d5a-a692-a87037af107b" providerId="ADAL" clId="{E1DC02F5-E919-4A93-A2D0-6D7A4E94E8EF}" dt="2021-09-13T19:29:32.040" v="488"/>
       <pc:docMkLst>
         <pc:docMk/>
       </pc:docMkLst>
       <pc:sldChg chg="modNotesTx">
-        <pc:chgData name="Weifeng Xu" userId="e7aed605-a3dd-4d5a-a692-a87037af107b" providerId="ADAL" clId="{E1DC02F5-E919-4A93-A2D0-6D7A4E94E8EF}" dt="2021-08-31T14:16:56.619" v="1" actId="20577"/>
+        <pc:chgData name="Weifeng Xu" userId="e7aed605-a3dd-4d5a-a692-a87037af107b" providerId="ADAL" clId="{E1DC02F5-E919-4A93-A2D0-6D7A4E94E8EF}" dt="2021-09-13T19:02:01.647" v="73" actId="20577"/>
         <pc:sldMkLst>
           <pc:docMk/>
           <pc:sldMk cId="708597567" sldId="352"/>
         </pc:sldMkLst>
+      </pc:sldChg>
+      <pc:sldChg chg="addSp delSp modSp new mod modClrScheme chgLayout">
+        <pc:chgData name="Weifeng Xu" userId="e7aed605-a3dd-4d5a-a692-a87037af107b" providerId="ADAL" clId="{E1DC02F5-E919-4A93-A2D0-6D7A4E94E8EF}" dt="2021-09-13T19:29:04.665" v="486" actId="20577"/>
+        <pc:sldMkLst>
+          <pc:docMk/>
+          <pc:sldMk cId="3427908052" sldId="353"/>
+        </pc:sldMkLst>
+        <pc:spChg chg="del mod ord">
+          <ac:chgData name="Weifeng Xu" userId="e7aed605-a3dd-4d5a-a692-a87037af107b" providerId="ADAL" clId="{E1DC02F5-E919-4A93-A2D0-6D7A4E94E8EF}" dt="2021-09-13T19:13:18.863" v="75" actId="700"/>
+          <ac:spMkLst>
+            <pc:docMk/>
+            <pc:sldMk cId="3427908052" sldId="353"/>
+            <ac:spMk id="2" creationId="{5DA307FB-7BE3-4AC6-9D50-338CC18C1350}"/>
+          </ac:spMkLst>
+        </pc:spChg>
+        <pc:spChg chg="add mod ord">
+          <ac:chgData name="Weifeng Xu" userId="e7aed605-a3dd-4d5a-a692-a87037af107b" providerId="ADAL" clId="{E1DC02F5-E919-4A93-A2D0-6D7A4E94E8EF}" dt="2021-09-13T19:29:04.665" v="486" actId="20577"/>
+          <ac:spMkLst>
+            <pc:docMk/>
+            <pc:sldMk cId="3427908052" sldId="353"/>
+            <ac:spMk id="3" creationId="{ECFFC3FD-A54E-4D5B-B43E-B1F48A32F42D}"/>
+          </ac:spMkLst>
+        </pc:spChg>
+        <pc:spChg chg="add mod ord">
+          <ac:chgData name="Weifeng Xu" userId="e7aed605-a3dd-4d5a-a692-a87037af107b" providerId="ADAL" clId="{E1DC02F5-E919-4A93-A2D0-6D7A4E94E8EF}" dt="2021-09-13T19:13:18.863" v="75" actId="700"/>
+          <ac:spMkLst>
+            <pc:docMk/>
+            <pc:sldMk cId="3427908052" sldId="353"/>
+            <ac:spMk id="4" creationId="{FD7A0FC0-D5F6-403E-9688-6AA8F81E27F1}"/>
+          </ac:spMkLst>
+        </pc:spChg>
+      </pc:sldChg>
+      <pc:sldChg chg="addSp delSp modSp new mod modClrScheme chgLayout">
+        <pc:chgData name="Weifeng Xu" userId="e7aed605-a3dd-4d5a-a692-a87037af107b" providerId="ADAL" clId="{E1DC02F5-E919-4A93-A2D0-6D7A4E94E8EF}" dt="2021-09-13T19:26:12.738" v="437" actId="20577"/>
+        <pc:sldMkLst>
+          <pc:docMk/>
+          <pc:sldMk cId="1820608806" sldId="354"/>
+        </pc:sldMkLst>
+        <pc:spChg chg="del mod ord">
+          <ac:chgData name="Weifeng Xu" userId="e7aed605-a3dd-4d5a-a692-a87037af107b" providerId="ADAL" clId="{E1DC02F5-E919-4A93-A2D0-6D7A4E94E8EF}" dt="2021-09-13T19:14:24.474" v="118" actId="700"/>
+          <ac:spMkLst>
+            <pc:docMk/>
+            <pc:sldMk cId="1820608806" sldId="354"/>
+            <ac:spMk id="2" creationId="{89C0FA42-D16D-4646-A8C4-C7B1E1E20FD9}"/>
+          </ac:spMkLst>
+        </pc:spChg>
+        <pc:spChg chg="del">
+          <ac:chgData name="Weifeng Xu" userId="e7aed605-a3dd-4d5a-a692-a87037af107b" providerId="ADAL" clId="{E1DC02F5-E919-4A93-A2D0-6D7A4E94E8EF}" dt="2021-09-13T19:14:24.474" v="118" actId="700"/>
+          <ac:spMkLst>
+            <pc:docMk/>
+            <pc:sldMk cId="1820608806" sldId="354"/>
+            <ac:spMk id="3" creationId="{0ADECA02-312B-43E2-8B5D-0DB24F536EBA}"/>
+          </ac:spMkLst>
+        </pc:spChg>
+        <pc:spChg chg="add mod ord">
+          <ac:chgData name="Weifeng Xu" userId="e7aed605-a3dd-4d5a-a692-a87037af107b" providerId="ADAL" clId="{E1DC02F5-E919-4A93-A2D0-6D7A4E94E8EF}" dt="2021-09-13T19:26:12.738" v="437" actId="20577"/>
+          <ac:spMkLst>
+            <pc:docMk/>
+            <pc:sldMk cId="1820608806" sldId="354"/>
+            <ac:spMk id="4" creationId="{DA2F8CEE-4CA4-40B5-9427-B1E86CEBDE13}"/>
+          </ac:spMkLst>
+        </pc:spChg>
+        <pc:picChg chg="add mod">
+          <ac:chgData name="Weifeng Xu" userId="e7aed605-a3dd-4d5a-a692-a87037af107b" providerId="ADAL" clId="{E1DC02F5-E919-4A93-A2D0-6D7A4E94E8EF}" dt="2021-09-13T19:18:30.223" v="348" actId="1076"/>
+          <ac:picMkLst>
+            <pc:docMk/>
+            <pc:sldMk cId="1820608806" sldId="354"/>
+            <ac:picMk id="6" creationId="{A1B2123E-21A1-4222-8DF6-6A05CD6F3838}"/>
+          </ac:picMkLst>
+        </pc:picChg>
+      </pc:sldChg>
+      <pc:sldChg chg="addSp delSp modSp new mod modClrScheme chgLayout">
+        <pc:chgData name="Weifeng Xu" userId="e7aed605-a3dd-4d5a-a692-a87037af107b" providerId="ADAL" clId="{E1DC02F5-E919-4A93-A2D0-6D7A4E94E8EF}" dt="2021-09-13T19:25:52.308" v="435" actId="20577"/>
+        <pc:sldMkLst>
+          <pc:docMk/>
+          <pc:sldMk cId="59612101" sldId="355"/>
+        </pc:sldMkLst>
+        <pc:spChg chg="del mod ord">
+          <ac:chgData name="Weifeng Xu" userId="e7aed605-a3dd-4d5a-a692-a87037af107b" providerId="ADAL" clId="{E1DC02F5-E919-4A93-A2D0-6D7A4E94E8EF}" dt="2021-09-13T19:16:08.451" v="123" actId="700"/>
+          <ac:spMkLst>
+            <pc:docMk/>
+            <pc:sldMk cId="59612101" sldId="355"/>
+            <ac:spMk id="2" creationId="{6693E71E-821D-4C7A-8943-976921DD99A8}"/>
+          </ac:spMkLst>
+        </pc:spChg>
+        <pc:spChg chg="del">
+          <ac:chgData name="Weifeng Xu" userId="e7aed605-a3dd-4d5a-a692-a87037af107b" providerId="ADAL" clId="{E1DC02F5-E919-4A93-A2D0-6D7A4E94E8EF}" dt="2021-09-13T19:16:08.451" v="123" actId="700"/>
+          <ac:spMkLst>
+            <pc:docMk/>
+            <pc:sldMk cId="59612101" sldId="355"/>
+            <ac:spMk id="3" creationId="{6D126718-71CE-46BD-B41D-1E489E0AF150}"/>
+          </ac:spMkLst>
+        </pc:spChg>
+        <pc:spChg chg="add mod ord">
+          <ac:chgData name="Weifeng Xu" userId="e7aed605-a3dd-4d5a-a692-a87037af107b" providerId="ADAL" clId="{E1DC02F5-E919-4A93-A2D0-6D7A4E94E8EF}" dt="2021-09-13T19:25:17.836" v="424" actId="20577"/>
+          <ac:spMkLst>
+            <pc:docMk/>
+            <pc:sldMk cId="59612101" sldId="355"/>
+            <ac:spMk id="4" creationId="{7240B724-9E29-496F-AE5E-2198AFE08F2F}"/>
+          </ac:spMkLst>
+        </pc:spChg>
+        <pc:spChg chg="add mod ord">
+          <ac:chgData name="Weifeng Xu" userId="e7aed605-a3dd-4d5a-a692-a87037af107b" providerId="ADAL" clId="{E1DC02F5-E919-4A93-A2D0-6D7A4E94E8EF}" dt="2021-09-13T19:25:52.308" v="435" actId="20577"/>
+          <ac:spMkLst>
+            <pc:docMk/>
+            <pc:sldMk cId="59612101" sldId="355"/>
+            <ac:spMk id="5" creationId="{EEDB7A9B-F03A-42F0-BCA0-606BD3EB5706}"/>
+          </ac:spMkLst>
+        </pc:spChg>
+        <pc:picChg chg="add del mod">
+          <ac:chgData name="Weifeng Xu" userId="e7aed605-a3dd-4d5a-a692-a87037af107b" providerId="ADAL" clId="{E1DC02F5-E919-4A93-A2D0-6D7A4E94E8EF}" dt="2021-09-13T19:24:16.327" v="411"/>
+          <ac:picMkLst>
+            <pc:docMk/>
+            <pc:sldMk cId="59612101" sldId="355"/>
+            <ac:picMk id="6" creationId="{409A4D4E-2D51-4036-80FB-87B4D9D98870}"/>
+          </ac:picMkLst>
+        </pc:picChg>
+        <pc:picChg chg="add mod">
+          <ac:chgData name="Weifeng Xu" userId="e7aed605-a3dd-4d5a-a692-a87037af107b" providerId="ADAL" clId="{E1DC02F5-E919-4A93-A2D0-6D7A4E94E8EF}" dt="2021-09-13T19:24:31.182" v="417" actId="1076"/>
+          <ac:picMkLst>
+            <pc:docMk/>
+            <pc:sldMk cId="59612101" sldId="355"/>
+            <ac:picMk id="7" creationId="{12C20A92-53DF-4C26-B2DA-1A4AA84DA494}"/>
+          </ac:picMkLst>
+        </pc:picChg>
+      </pc:sldChg>
+      <pc:sldChg chg="addSp modSp new mod">
+        <pc:chgData name="Weifeng Xu" userId="e7aed605-a3dd-4d5a-a692-a87037af107b" providerId="ADAL" clId="{E1DC02F5-E919-4A93-A2D0-6D7A4E94E8EF}" dt="2021-09-13T19:26:40.828" v="463" actId="313"/>
+        <pc:sldMkLst>
+          <pc:docMk/>
+          <pc:sldMk cId="655236940" sldId="356"/>
+        </pc:sldMkLst>
+        <pc:spChg chg="mod">
+          <ac:chgData name="Weifeng Xu" userId="e7aed605-a3dd-4d5a-a692-a87037af107b" providerId="ADAL" clId="{E1DC02F5-E919-4A93-A2D0-6D7A4E94E8EF}" dt="2021-09-13T19:26:40.828" v="463" actId="313"/>
+          <ac:spMkLst>
+            <pc:docMk/>
+            <pc:sldMk cId="655236940" sldId="356"/>
+            <ac:spMk id="2" creationId="{95FE026C-30BF-4536-AF9A-67B5688E215F}"/>
+          </ac:spMkLst>
+        </pc:spChg>
+        <pc:picChg chg="add mod">
+          <ac:chgData name="Weifeng Xu" userId="e7aed605-a3dd-4d5a-a692-a87037af107b" providerId="ADAL" clId="{E1DC02F5-E919-4A93-A2D0-6D7A4E94E8EF}" dt="2021-09-13T19:20:28.289" v="372" actId="1076"/>
+          <ac:picMkLst>
+            <pc:docMk/>
+            <pc:sldMk cId="655236940" sldId="356"/>
+            <ac:picMk id="4" creationId="{AD775432-1975-4E73-A29B-6B705B48844C}"/>
+          </ac:picMkLst>
+        </pc:picChg>
+      </pc:sldChg>
+      <pc:sldChg chg="addSp delSp modSp new mod">
+        <pc:chgData name="Weifeng Xu" userId="e7aed605-a3dd-4d5a-a692-a87037af107b" providerId="ADAL" clId="{E1DC02F5-E919-4A93-A2D0-6D7A4E94E8EF}" dt="2021-09-13T19:27:59.511" v="470" actId="14100"/>
+        <pc:sldMkLst>
+          <pc:docMk/>
+          <pc:sldMk cId="1655981096" sldId="357"/>
+        </pc:sldMkLst>
+        <pc:spChg chg="mod">
+          <ac:chgData name="Weifeng Xu" userId="e7aed605-a3dd-4d5a-a692-a87037af107b" providerId="ADAL" clId="{E1DC02F5-E919-4A93-A2D0-6D7A4E94E8EF}" dt="2021-09-13T19:21:44.640" v="404" actId="20577"/>
+          <ac:spMkLst>
+            <pc:docMk/>
+            <pc:sldMk cId="1655981096" sldId="357"/>
+            <ac:spMk id="2" creationId="{6BA701DE-AE27-47C6-B424-0681D17AA407}"/>
+          </ac:spMkLst>
+        </pc:spChg>
+        <pc:picChg chg="add del mod">
+          <ac:chgData name="Weifeng Xu" userId="e7aed605-a3dd-4d5a-a692-a87037af107b" providerId="ADAL" clId="{E1DC02F5-E919-4A93-A2D0-6D7A4E94E8EF}" dt="2021-09-13T19:27:52.089" v="466" actId="478"/>
+          <ac:picMkLst>
+            <pc:docMk/>
+            <pc:sldMk cId="1655981096" sldId="357"/>
+            <ac:picMk id="4" creationId="{7F7BD63C-1BAE-4CE9-9EEC-81811F51B5F1}"/>
+          </ac:picMkLst>
+        </pc:picChg>
+        <pc:picChg chg="add mod">
+          <ac:chgData name="Weifeng Xu" userId="e7aed605-a3dd-4d5a-a692-a87037af107b" providerId="ADAL" clId="{E1DC02F5-E919-4A93-A2D0-6D7A4E94E8EF}" dt="2021-09-13T19:27:59.511" v="470" actId="14100"/>
+          <ac:picMkLst>
+            <pc:docMk/>
+            <pc:sldMk cId="1655981096" sldId="357"/>
+            <ac:picMk id="6" creationId="{41FF1E44-AF1E-4DF3-ACB2-39935F7A30CB}"/>
+          </ac:picMkLst>
+        </pc:picChg>
+      </pc:sldChg>
+      <pc:sldChg chg="addSp modSp new del mod">
+        <pc:chgData name="Weifeng Xu" userId="e7aed605-a3dd-4d5a-a692-a87037af107b" providerId="ADAL" clId="{E1DC02F5-E919-4A93-A2D0-6D7A4E94E8EF}" dt="2021-09-13T19:26:23.211" v="439" actId="47"/>
+        <pc:sldMkLst>
+          <pc:docMk/>
+          <pc:sldMk cId="3175629398" sldId="358"/>
+        </pc:sldMkLst>
+        <pc:picChg chg="add mod">
+          <ac:chgData name="Weifeng Xu" userId="e7aed605-a3dd-4d5a-a692-a87037af107b" providerId="ADAL" clId="{E1DC02F5-E919-4A93-A2D0-6D7A4E94E8EF}" dt="2021-09-13T19:26:17.090" v="438" actId="1076"/>
+          <ac:picMkLst>
+            <pc:docMk/>
+            <pc:sldMk cId="3175629398" sldId="358"/>
+            <ac:picMk id="4" creationId="{6B31C139-6970-4A6C-B0A1-4437E4CFCB4C}"/>
+          </ac:picMkLst>
+        </pc:picChg>
+      </pc:sldChg>
+      <pc:sldChg chg="modSp new mod">
+        <pc:chgData name="Weifeng Xu" userId="e7aed605-a3dd-4d5a-a692-a87037af107b" providerId="ADAL" clId="{E1DC02F5-E919-4A93-A2D0-6D7A4E94E8EF}" dt="2021-09-13T19:29:32.040" v="488"/>
+        <pc:sldMkLst>
+          <pc:docMk/>
+          <pc:sldMk cId="4131676587" sldId="358"/>
+        </pc:sldMkLst>
+        <pc:spChg chg="mod">
+          <ac:chgData name="Weifeng Xu" userId="e7aed605-a3dd-4d5a-a692-a87037af107b" providerId="ADAL" clId="{E1DC02F5-E919-4A93-A2D0-6D7A4E94E8EF}" dt="2021-09-13T19:28:34.665" v="479" actId="20577"/>
+          <ac:spMkLst>
+            <pc:docMk/>
+            <pc:sldMk cId="4131676587" sldId="358"/>
+            <ac:spMk id="2" creationId="{4CC713A4-5641-49BC-BC65-986D4CDAB154}"/>
+          </ac:spMkLst>
+        </pc:spChg>
+        <pc:spChg chg="mod">
+          <ac:chgData name="Weifeng Xu" userId="e7aed605-a3dd-4d5a-a692-a87037af107b" providerId="ADAL" clId="{E1DC02F5-E919-4A93-A2D0-6D7A4E94E8EF}" dt="2021-09-13T19:29:32.040" v="488"/>
+          <ac:spMkLst>
+            <pc:docMk/>
+            <pc:sldMk cId="4131676587" sldId="358"/>
+            <ac:spMk id="3" creationId="{80AF8B4B-0AED-47A5-98E8-44AA44B780B5}"/>
+          </ac:spMkLst>
+        </pc:spChg>
       </pc:sldChg>
     </pc:docChg>
   </pc:docChgLst>
@@ -892,7 +1123,7 @@
           <a:p>
             <a:fld id="{EE41F6E3-57F9-402E-BDBA-5B2DE11C8530}" type="datetimeFigureOut">
               <a:rPr lang="en-US" smtClean="0"/>
-              <a:t>8/31/2021</a:t>
+              <a:t>9/13/2021</a:t>
             </a:fld>
             <a:endParaRPr lang="en-US"/>
           </a:p>
@@ -1311,7 +1542,7 @@
           <a:p>
             <a:fld id="{DDBF98C7-164A-4723-84F0-B1E4B080DDEC}" type="slidenum">
               <a:rPr lang="en-US" smtClean="0"/>
-              <a:t>7</a:t>
+              <a:t>8</a:t>
             </a:fld>
             <a:endParaRPr lang="en-US"/>
           </a:p>
@@ -1531,6 +1762,38 @@
             </a:r>
           </a:p>
           <a:p>
+            <a:r>
+              <a:rPr lang="en-GB" dirty="0" err="1"/>
+              <a:t>sudo</a:t>
+            </a:r>
+            <a:r>
+              <a:rPr lang="en-GB" dirty="0"/>
+              <a:t> dd if=/dev/sda5 | </a:t>
+            </a:r>
+            <a:r>
+              <a:rPr lang="en-GB" dirty="0" err="1"/>
+              <a:t>nc</a:t>
+            </a:r>
+            <a:r>
+              <a:rPr lang="en-GB" dirty="0"/>
+              <a:t> 192.168.14.134 8080</a:t>
+            </a:r>
+          </a:p>
+          <a:p>
+            <a:r>
+              <a:rPr lang="en-GB" dirty="0"/>
+              <a:t>md5sum /dev/sda5 | </a:t>
+            </a:r>
+            <a:r>
+              <a:rPr lang="en-GB" dirty="0" err="1"/>
+              <a:t>nc</a:t>
+            </a:r>
+            <a:r>
+              <a:rPr lang="en-GB" dirty="0"/>
+              <a:t> 192.168.14.134 8080</a:t>
+            </a:r>
+          </a:p>
+          <a:p>
             <a:endParaRPr lang="en-US" dirty="0"/>
           </a:p>
         </p:txBody>
@@ -1552,7 +1815,7 @@
           <a:p>
             <a:fld id="{DDBF98C7-164A-4723-84F0-B1E4B080DDEC}" type="slidenum">
               <a:rPr lang="en-US" smtClean="0"/>
-              <a:t>23</a:t>
+              <a:t>24</a:t>
             </a:fld>
             <a:endParaRPr lang="en-US"/>
           </a:p>
@@ -1700,7 +1963,7 @@
           <a:p>
             <a:fld id="{4263717A-E3C1-4BED-ABE0-B7069385E023}" type="datetimeFigureOut">
               <a:rPr lang="en-US" smtClean="0"/>
-              <a:t>8/31/2021</a:t>
+              <a:t>9/13/2021</a:t>
             </a:fld>
             <a:endParaRPr lang="en-US"/>
           </a:p>
@@ -1873,7 +2136,7 @@
           <a:p>
             <a:fld id="{4263717A-E3C1-4BED-ABE0-B7069385E023}" type="datetimeFigureOut">
               <a:rPr lang="en-US" smtClean="0"/>
-              <a:t>8/31/2021</a:t>
+              <a:t>9/13/2021</a:t>
             </a:fld>
             <a:endParaRPr lang="en-US"/>
           </a:p>
@@ -2051,7 +2314,7 @@
           <a:p>
             <a:fld id="{4263717A-E3C1-4BED-ABE0-B7069385E023}" type="datetimeFigureOut">
               <a:rPr lang="en-US" smtClean="0"/>
-              <a:t>8/31/2021</a:t>
+              <a:t>9/13/2021</a:t>
             </a:fld>
             <a:endParaRPr lang="en-US"/>
           </a:p>
@@ -2219,7 +2482,7 @@
           <a:p>
             <a:fld id="{4263717A-E3C1-4BED-ABE0-B7069385E023}" type="datetimeFigureOut">
               <a:rPr lang="en-US" smtClean="0"/>
-              <a:t>8/31/2021</a:t>
+              <a:t>9/13/2021</a:t>
             </a:fld>
             <a:endParaRPr lang="en-US"/>
           </a:p>
@@ -2464,7 +2727,7 @@
           <a:p>
             <a:fld id="{4263717A-E3C1-4BED-ABE0-B7069385E023}" type="datetimeFigureOut">
               <a:rPr lang="en-US" smtClean="0"/>
-              <a:t>8/31/2021</a:t>
+              <a:t>9/13/2021</a:t>
             </a:fld>
             <a:endParaRPr lang="en-US"/>
           </a:p>
@@ -2693,7 +2956,7 @@
           <a:p>
             <a:fld id="{4263717A-E3C1-4BED-ABE0-B7069385E023}" type="datetimeFigureOut">
               <a:rPr lang="en-US" smtClean="0"/>
-              <a:t>8/31/2021</a:t>
+              <a:t>9/13/2021</a:t>
             </a:fld>
             <a:endParaRPr lang="en-US"/>
           </a:p>
@@ -3057,7 +3320,7 @@
           <a:p>
             <a:fld id="{4263717A-E3C1-4BED-ABE0-B7069385E023}" type="datetimeFigureOut">
               <a:rPr lang="en-US" smtClean="0"/>
-              <a:t>8/31/2021</a:t>
+              <a:t>9/13/2021</a:t>
             </a:fld>
             <a:endParaRPr lang="en-US"/>
           </a:p>
@@ -3174,7 +3437,7 @@
           <a:p>
             <a:fld id="{4263717A-E3C1-4BED-ABE0-B7069385E023}" type="datetimeFigureOut">
               <a:rPr lang="en-US" smtClean="0"/>
-              <a:t>8/31/2021</a:t>
+              <a:t>9/13/2021</a:t>
             </a:fld>
             <a:endParaRPr lang="en-US"/>
           </a:p>
@@ -3269,7 +3532,7 @@
           <a:p>
             <a:fld id="{4263717A-E3C1-4BED-ABE0-B7069385E023}" type="datetimeFigureOut">
               <a:rPr lang="en-US" smtClean="0"/>
-              <a:t>8/31/2021</a:t>
+              <a:t>9/13/2021</a:t>
             </a:fld>
             <a:endParaRPr lang="en-US"/>
           </a:p>
@@ -3544,7 +3807,7 @@
           <a:p>
             <a:fld id="{4263717A-E3C1-4BED-ABE0-B7069385E023}" type="datetimeFigureOut">
               <a:rPr lang="en-US" smtClean="0"/>
-              <a:t>8/31/2021</a:t>
+              <a:t>9/13/2021</a:t>
             </a:fld>
             <a:endParaRPr lang="en-US"/>
           </a:p>
@@ -3796,7 +4059,7 @@
           <a:p>
             <a:fld id="{4263717A-E3C1-4BED-ABE0-B7069385E023}" type="datetimeFigureOut">
               <a:rPr lang="en-US" smtClean="0"/>
-              <a:t>8/31/2021</a:t>
+              <a:t>9/13/2021</a:t>
             </a:fld>
             <a:endParaRPr lang="en-US"/>
           </a:p>
@@ -4007,7 +4270,7 @@
           <a:p>
             <a:fld id="{4263717A-E3C1-4BED-ABE0-B7069385E023}" type="datetimeFigureOut">
               <a:rPr lang="en-US" smtClean="0"/>
-              <a:t>8/31/2021</a:t>
+              <a:t>9/13/2021</a:t>
             </a:fld>
             <a:endParaRPr lang="en-US"/>
           </a:p>
@@ -4688,8 +4951,32 @@
         </p:blipFill>
         <p:spPr>
           <a:xfrm>
-            <a:off x="2313483" y="1116037"/>
-            <a:ext cx="6004632" cy="4427377"/>
+            <a:off x="217632" y="1078860"/>
+            <a:ext cx="5004649" cy="4508797"/>
+          </a:xfrm>
+          <a:prstGeom prst="rect">
+            <a:avLst/>
+          </a:prstGeom>
+        </p:spPr>
+      </p:pic>
+      <p:pic>
+        <p:nvPicPr>
+          <p:cNvPr id="4" name="Picture 3"/>
+          <p:cNvPicPr>
+            <a:picLocks noChangeAspect="1"/>
+          </p:cNvPicPr>
+          <p:nvPr/>
+        </p:nvPicPr>
+        <p:blipFill>
+          <a:blip r:embed="rId3"/>
+          <a:stretch>
+            <a:fillRect/>
+          </a:stretch>
+        </p:blipFill>
+        <p:spPr>
+          <a:xfrm>
+            <a:off x="5518309" y="1078860"/>
+            <a:ext cx="6224409" cy="4508797"/>
           </a:xfrm>
           <a:prstGeom prst="rect">
             <a:avLst/>
@@ -4699,7 +4986,7 @@
     </p:spTree>
     <p:extLst>
       <p:ext uri="{BB962C8B-B14F-4D97-AF65-F5344CB8AC3E}">
-        <p14:creationId xmlns:p14="http://schemas.microsoft.com/office/powerpoint/2010/main" val="1181334279"/>
+        <p14:creationId xmlns:p14="http://schemas.microsoft.com/office/powerpoint/2010/main" val="122673006"/>
       </p:ext>
     </p:extLst>
   </p:cSld>
@@ -4746,6 +5033,85 @@
               <a:rPr lang="en" smtClean="0"/>
               <a:pPr algn="ctr"/>
               <a:t>11</a:t>
+            </a:fld>
+            <a:endParaRPr lang="en"/>
+          </a:p>
+        </p:txBody>
+      </p:sp>
+      <p:pic>
+        <p:nvPicPr>
+          <p:cNvPr id="3" name="Picture 2"/>
+          <p:cNvPicPr>
+            <a:picLocks noChangeAspect="1"/>
+          </p:cNvPicPr>
+          <p:nvPr/>
+        </p:nvPicPr>
+        <p:blipFill>
+          <a:blip r:embed="rId2"/>
+          <a:stretch>
+            <a:fillRect/>
+          </a:stretch>
+        </p:blipFill>
+        <p:spPr>
+          <a:xfrm>
+            <a:off x="2313483" y="1116037"/>
+            <a:ext cx="6004632" cy="4427377"/>
+          </a:xfrm>
+          <a:prstGeom prst="rect">
+            <a:avLst/>
+          </a:prstGeom>
+        </p:spPr>
+      </p:pic>
+    </p:spTree>
+    <p:extLst>
+      <p:ext uri="{BB962C8B-B14F-4D97-AF65-F5344CB8AC3E}">
+        <p14:creationId xmlns:p14="http://schemas.microsoft.com/office/powerpoint/2010/main" val="1181334279"/>
+      </p:ext>
+    </p:extLst>
+  </p:cSld>
+  <p:clrMapOvr>
+    <a:masterClrMapping/>
+  </p:clrMapOvr>
+</p:sld>
+</file>
+
+<file path=ppt/slides/slide12.xml><?xml version="1.0" encoding="utf-8"?>
+<p:sld xmlns:a="http://schemas.openxmlformats.org/drawingml/2006/main" xmlns:r="http://schemas.openxmlformats.org/officeDocument/2006/relationships" xmlns:p="http://schemas.openxmlformats.org/presentationml/2006/main">
+  <p:cSld>
+    <p:spTree>
+      <p:nvGrpSpPr>
+        <p:cNvPr id="1" name=""/>
+        <p:cNvGrpSpPr/>
+        <p:nvPr/>
+      </p:nvGrpSpPr>
+      <p:grpSpPr>
+        <a:xfrm>
+          <a:off x="0" y="0"/>
+          <a:ext cx="0" cy="0"/>
+          <a:chOff x="0" y="0"/>
+          <a:chExt cx="0" cy="0"/>
+        </a:xfrm>
+      </p:grpSpPr>
+      <p:sp>
+        <p:nvSpPr>
+          <p:cNvPr id="2" name="Slide Number Placeholder 1"/>
+          <p:cNvSpPr>
+            <a:spLocks noGrp="1"/>
+          </p:cNvSpPr>
+          <p:nvPr>
+            <p:ph type="sldNum" idx="12"/>
+          </p:nvPr>
+        </p:nvSpPr>
+        <p:spPr/>
+        <p:txBody>
+          <a:bodyPr/>
+          <a:lstStyle/>
+          <a:p>
+            <a:pPr algn="ctr"/>
+            <a:fld id="{00000000-1234-1234-1234-123412341234}" type="slidenum">
+              <a:rPr lang="en" smtClean="0"/>
+              <a:pPr algn="ctr"/>
+              <a:t>12</a:t>
             </a:fld>
             <a:endParaRPr lang="en"/>
           </a:p>
@@ -4788,7 +5154,7 @@
 </p:sld>
 </file>
 
-<file path=ppt/slides/slide12.xml><?xml version="1.0" encoding="utf-8"?>
+<file path=ppt/slides/slide13.xml><?xml version="1.0" encoding="utf-8"?>
 <p:sld xmlns:a="http://schemas.openxmlformats.org/drawingml/2006/main" xmlns:r="http://schemas.openxmlformats.org/officeDocument/2006/relationships" xmlns:p="http://schemas.openxmlformats.org/presentationml/2006/main">
   <p:cSld>
     <p:spTree>
@@ -4824,7 +5190,7 @@
             <a:fld id="{00000000-1234-1234-1234-123412341234}" type="slidenum">
               <a:rPr lang="en" smtClean="0"/>
               <a:pPr algn="l"/>
-              <a:t>12</a:t>
+              <a:t>13</a:t>
             </a:fld>
             <a:endParaRPr lang="en"/>
           </a:p>
@@ -4891,7 +5257,7 @@
 </p:sld>
 </file>
 
-<file path=ppt/slides/slide13.xml><?xml version="1.0" encoding="utf-8"?>
+<file path=ppt/slides/slide14.xml><?xml version="1.0" encoding="utf-8"?>
 <p:sld xmlns:a="http://schemas.openxmlformats.org/drawingml/2006/main" xmlns:r="http://schemas.openxmlformats.org/officeDocument/2006/relationships" xmlns:p="http://schemas.openxmlformats.org/presentationml/2006/main">
   <p:cSld>
     <p:spTree>
@@ -4927,7 +5293,7 @@
             <a:fld id="{00000000-1234-1234-1234-123412341234}" type="slidenum">
               <a:rPr lang="en" smtClean="0"/>
               <a:pPr algn="ctr"/>
-              <a:t>13</a:t>
+              <a:t>14</a:t>
             </a:fld>
             <a:endParaRPr lang="en"/>
           </a:p>
@@ -4994,7 +5360,7 @@
 </p:sld>
 </file>
 
-<file path=ppt/slides/slide14.xml><?xml version="1.0" encoding="utf-8"?>
+<file path=ppt/slides/slide15.xml><?xml version="1.0" encoding="utf-8"?>
 <p:sld xmlns:a="http://schemas.openxmlformats.org/drawingml/2006/main" xmlns:r="http://schemas.openxmlformats.org/officeDocument/2006/relationships" xmlns:p="http://schemas.openxmlformats.org/presentationml/2006/main">
   <p:cSld>
     <p:spTree>
@@ -5030,7 +5396,7 @@
             <a:fld id="{00000000-1234-1234-1234-123412341234}" type="slidenum">
               <a:rPr lang="en" smtClean="0"/>
               <a:pPr algn="ctr"/>
-              <a:t>14</a:t>
+              <a:t>15</a:t>
             </a:fld>
             <a:endParaRPr lang="en"/>
           </a:p>
@@ -5073,7 +5439,7 @@
 </p:sld>
 </file>
 
-<file path=ppt/slides/slide15.xml><?xml version="1.0" encoding="utf-8"?>
+<file path=ppt/slides/slide16.xml><?xml version="1.0" encoding="utf-8"?>
 <p:sld xmlns:a="http://schemas.openxmlformats.org/drawingml/2006/main" xmlns:r="http://schemas.openxmlformats.org/officeDocument/2006/relationships" xmlns:p="http://schemas.openxmlformats.org/presentationml/2006/main">
   <p:cSld>
     <p:spTree>
@@ -5156,7 +5522,7 @@
 </p:sld>
 </file>
 
-<file path=ppt/slides/slide16.xml><?xml version="1.0" encoding="utf-8"?>
+<file path=ppt/slides/slide17.xml><?xml version="1.0" encoding="utf-8"?>
 <p:sld xmlns:a="http://schemas.openxmlformats.org/drawingml/2006/main" xmlns:r="http://schemas.openxmlformats.org/officeDocument/2006/relationships" xmlns:p="http://schemas.openxmlformats.org/presentationml/2006/main">
   <p:cSld>
     <p:spTree>
@@ -5210,7 +5576,7 @@
 </p:sld>
 </file>
 
-<file path=ppt/slides/slide17.xml><?xml version="1.0" encoding="utf-8"?>
+<file path=ppt/slides/slide18.xml><?xml version="1.0" encoding="utf-8"?>
 <p:sld xmlns:a="http://schemas.openxmlformats.org/drawingml/2006/main" xmlns:r="http://schemas.openxmlformats.org/officeDocument/2006/relationships" xmlns:p="http://schemas.openxmlformats.org/presentationml/2006/main">
   <p:cSld>
     <p:spTree>
@@ -5246,7 +5612,7 @@
             <a:fld id="{00000000-1234-1234-1234-123412341234}" type="slidenum">
               <a:rPr lang="en" smtClean="0"/>
               <a:pPr algn="ctr"/>
-              <a:t>17</a:t>
+              <a:t>18</a:t>
             </a:fld>
             <a:endParaRPr lang="en"/>
           </a:p>
@@ -5289,7 +5655,7 @@
 </p:sld>
 </file>
 
-<file path=ppt/slides/slide18.xml><?xml version="1.0" encoding="utf-8"?>
+<file path=ppt/slides/slide19.xml><?xml version="1.0" encoding="utf-8"?>
 <p:sld xmlns:a="http://schemas.openxmlformats.org/drawingml/2006/main" xmlns:r="http://schemas.openxmlformats.org/officeDocument/2006/relationships" xmlns:p="http://schemas.openxmlformats.org/presentationml/2006/main">
   <p:cSld>
     <p:spTree>
@@ -5325,7 +5691,7 @@
             <a:fld id="{00000000-1234-1234-1234-123412341234}" type="slidenum">
               <a:rPr lang="en" smtClean="0"/>
               <a:pPr algn="ctr"/>
-              <a:t>18</a:t>
+              <a:t>19</a:t>
             </a:fld>
             <a:endParaRPr lang="en"/>
           </a:p>
@@ -5368,7 +5734,7 @@
 </p:sld>
 </file>
 
-<file path=ppt/slides/slide19.xml><?xml version="1.0" encoding="utf-8"?>
+<file path=ppt/slides/slide2.xml><?xml version="1.0" encoding="utf-8"?>
 <p:sld xmlns:a="http://schemas.openxmlformats.org/drawingml/2006/main" xmlns:r="http://schemas.openxmlformats.org/officeDocument/2006/relationships" xmlns:p="http://schemas.openxmlformats.org/presentationml/2006/main">
   <p:cSld>
     <p:spTree>
@@ -5387,6 +5753,104 @@
       </p:grpSpPr>
       <p:sp>
         <p:nvSpPr>
+          <p:cNvPr id="2" name="Title 1">
+            <a:extLst>
+              <a:ext uri="{FF2B5EF4-FFF2-40B4-BE49-F238E27FC236}">
+                <a16:creationId xmlns:a16="http://schemas.microsoft.com/office/drawing/2014/main" id="{4CC713A4-5641-49BC-BC65-986D4CDAB154}"/>
+              </a:ext>
+            </a:extLst>
+          </p:cNvPr>
+          <p:cNvSpPr>
+            <a:spLocks noGrp="1"/>
+          </p:cNvSpPr>
+          <p:nvPr>
+            <p:ph type="title"/>
+          </p:nvPr>
+        </p:nvSpPr>
+        <p:spPr/>
+        <p:txBody>
+          <a:bodyPr/>
+          <a:lstStyle/>
+          <a:p>
+            <a:r>
+              <a:rPr lang="en-US" dirty="0"/>
+              <a:t>Overview</a:t>
+            </a:r>
+          </a:p>
+        </p:txBody>
+      </p:sp>
+      <p:sp>
+        <p:nvSpPr>
+          <p:cNvPr id="3" name="Content Placeholder 2">
+            <a:extLst>
+              <a:ext uri="{FF2B5EF4-FFF2-40B4-BE49-F238E27FC236}">
+                <a16:creationId xmlns:a16="http://schemas.microsoft.com/office/drawing/2014/main" id="{80AF8B4B-0AED-47A5-98E8-44AA44B780B5}"/>
+              </a:ext>
+            </a:extLst>
+          </p:cNvPr>
+          <p:cNvSpPr>
+            <a:spLocks noGrp="1"/>
+          </p:cNvSpPr>
+          <p:nvPr>
+            <p:ph idx="1"/>
+          </p:nvPr>
+        </p:nvSpPr>
+        <p:spPr/>
+        <p:txBody>
+          <a:bodyPr/>
+          <a:lstStyle/>
+          <a:p>
+            <a:r>
+              <a:rPr lang="en-GB" dirty="0"/>
+              <a:t>What is a disk image?</a:t>
+            </a:r>
+          </a:p>
+          <a:p>
+            <a:r>
+              <a:rPr lang="en-GB" dirty="0"/>
+              <a:t>Acquisition in Windows using FTK Imager</a:t>
+            </a:r>
+          </a:p>
+          <a:p>
+            <a:r>
+              <a:rPr lang="en-US" dirty="0"/>
+              <a:t>Acquisition via Network</a:t>
+            </a:r>
+          </a:p>
+        </p:txBody>
+      </p:sp>
+    </p:spTree>
+    <p:extLst>
+      <p:ext uri="{BB962C8B-B14F-4D97-AF65-F5344CB8AC3E}">
+        <p14:creationId xmlns:p14="http://schemas.microsoft.com/office/powerpoint/2010/main" val="4131676587"/>
+      </p:ext>
+    </p:extLst>
+  </p:cSld>
+  <p:clrMapOvr>
+    <a:masterClrMapping/>
+  </p:clrMapOvr>
+</p:sld>
+</file>
+
+<file path=ppt/slides/slide20.xml><?xml version="1.0" encoding="utf-8"?>
+<p:sld xmlns:a="http://schemas.openxmlformats.org/drawingml/2006/main" xmlns:r="http://schemas.openxmlformats.org/officeDocument/2006/relationships" xmlns:p="http://schemas.openxmlformats.org/presentationml/2006/main">
+  <p:cSld>
+    <p:spTree>
+      <p:nvGrpSpPr>
+        <p:cNvPr id="1" name=""/>
+        <p:cNvGrpSpPr/>
+        <p:nvPr/>
+      </p:nvGrpSpPr>
+      <p:grpSpPr>
+        <a:xfrm>
+          <a:off x="0" y="0"/>
+          <a:ext cx="0" cy="0"/>
+          <a:chOff x="0" y="0"/>
+          <a:chExt cx="0" cy="0"/>
+        </a:xfrm>
+      </p:grpSpPr>
+      <p:sp>
+        <p:nvSpPr>
           <p:cNvPr id="2" name="Slide Number Placeholder 1"/>
           <p:cNvSpPr>
             <a:spLocks noGrp="1"/>
@@ -5404,7 +5868,7 @@
             <a:fld id="{00000000-1234-1234-1234-123412341234}" type="slidenum">
               <a:rPr lang="en" smtClean="0"/>
               <a:pPr algn="ctr"/>
-              <a:t>19</a:t>
+              <a:t>20</a:t>
             </a:fld>
             <a:endParaRPr lang="en"/>
           </a:p>
@@ -5447,7 +5911,7 @@
 </p:sld>
 </file>
 
-<file path=ppt/slides/slide2.xml><?xml version="1.0" encoding="utf-8"?>
+<file path=ppt/slides/slide21.xml><?xml version="1.0" encoding="utf-8"?>
 <p:sld xmlns:a="http://schemas.openxmlformats.org/drawingml/2006/main" xmlns:r="http://schemas.openxmlformats.org/officeDocument/2006/relationships" xmlns:p="http://schemas.openxmlformats.org/presentationml/2006/main">
   <p:cSld>
     <p:spTree>
@@ -5466,198 +5930,6 @@
       </p:grpSpPr>
       <p:sp>
         <p:nvSpPr>
-          <p:cNvPr id="2" name="Title 1">
-            <a:extLst>
-              <a:ext uri="{FF2B5EF4-FFF2-40B4-BE49-F238E27FC236}">
-                <a16:creationId xmlns:a16="http://schemas.microsoft.com/office/drawing/2014/main" id="{E0C68A92-D781-4B3B-A14F-9EDE8CE2C74B}"/>
-              </a:ext>
-            </a:extLst>
-          </p:cNvPr>
-          <p:cNvSpPr>
-            <a:spLocks noGrp="1"/>
-          </p:cNvSpPr>
-          <p:nvPr>
-            <p:ph type="title"/>
-          </p:nvPr>
-        </p:nvSpPr>
-        <p:spPr/>
-        <p:txBody>
-          <a:bodyPr/>
-          <a:lstStyle/>
-          <a:p>
-            <a:r>
-              <a:rPr lang="en-US" dirty="0"/>
-              <a:t>What is a disk image?</a:t>
-            </a:r>
-          </a:p>
-        </p:txBody>
-      </p:sp>
-      <p:sp>
-        <p:nvSpPr>
-          <p:cNvPr id="3" name="Content Placeholder 2">
-            <a:extLst>
-              <a:ext uri="{FF2B5EF4-FFF2-40B4-BE49-F238E27FC236}">
-                <a16:creationId xmlns:a16="http://schemas.microsoft.com/office/drawing/2014/main" id="{9FEFF1C0-97E6-4D4F-A349-32811975D57B}"/>
-              </a:ext>
-            </a:extLst>
-          </p:cNvPr>
-          <p:cNvSpPr>
-            <a:spLocks noGrp="1"/>
-          </p:cNvSpPr>
-          <p:nvPr>
-            <p:ph idx="1"/>
-          </p:nvPr>
-        </p:nvSpPr>
-        <p:spPr/>
-        <p:txBody>
-          <a:bodyPr>
-            <a:normAutofit fontScale="92500" lnSpcReduction="10000"/>
-          </a:bodyPr>
-          <a:lstStyle/>
-          <a:p>
-            <a:r>
-              <a:rPr lang="en-GB" dirty="0"/>
-              <a:t>A disk image is a computer file </a:t>
-            </a:r>
-          </a:p>
-          <a:p>
-            <a:pPr lvl="1"/>
-            <a:r>
-              <a:rPr lang="en-GB" dirty="0"/>
-              <a:t>containing the </a:t>
-            </a:r>
-            <a:r>
-              <a:rPr lang="en-GB" dirty="0">
-                <a:solidFill>
-                  <a:srgbClr val="FF0000"/>
-                </a:solidFill>
-              </a:rPr>
-              <a:t>contents</a:t>
-            </a:r>
-            <a:r>
-              <a:rPr lang="en-GB" dirty="0"/>
-              <a:t> and </a:t>
-            </a:r>
-            <a:r>
-              <a:rPr lang="en-GB" dirty="0">
-                <a:solidFill>
-                  <a:srgbClr val="FF0000"/>
-                </a:solidFill>
-              </a:rPr>
-              <a:t>structure</a:t>
-            </a:r>
-            <a:r>
-              <a:rPr lang="en-GB" dirty="0"/>
-              <a:t> of a disk volume or</a:t>
-            </a:r>
-          </a:p>
-          <a:p>
-            <a:pPr lvl="1"/>
-            <a:r>
-              <a:rPr lang="en-GB" dirty="0"/>
-              <a:t>containing an </a:t>
-            </a:r>
-            <a:r>
-              <a:rPr lang="en-GB" dirty="0">
-                <a:solidFill>
-                  <a:srgbClr val="FF0000"/>
-                </a:solidFill>
-              </a:rPr>
-              <a:t>entire</a:t>
-            </a:r>
-            <a:r>
-              <a:rPr lang="en-GB" dirty="0"/>
-              <a:t> data storage device, </a:t>
-            </a:r>
-          </a:p>
-          <a:p>
-            <a:r>
-              <a:rPr lang="en-GB" dirty="0"/>
-              <a:t>Storage devices</a:t>
-            </a:r>
-          </a:p>
-          <a:p>
-            <a:pPr lvl="1"/>
-            <a:r>
-              <a:rPr lang="en-GB" dirty="0"/>
-              <a:t>a hard disk drive, tape drive, floppy disk, optical disc, or USB flash drive</a:t>
-            </a:r>
-          </a:p>
-          <a:p>
-            <a:r>
-              <a:rPr lang="en-GB" dirty="0"/>
-              <a:t>The file format </a:t>
-            </a:r>
-          </a:p>
-          <a:p>
-            <a:pPr lvl="1"/>
-            <a:r>
-              <a:rPr lang="en-GB" dirty="0"/>
-              <a:t>open standard: such as the ISO image format for optical disc images, </a:t>
-            </a:r>
-          </a:p>
-          <a:p>
-            <a:pPr lvl="1"/>
-            <a:r>
-              <a:rPr lang="en-GB" dirty="0"/>
-              <a:t>unique to a particular software application: encase, FTK</a:t>
-            </a:r>
-            <a:endParaRPr lang="en-US" dirty="0"/>
-          </a:p>
-          <a:p>
-            <a:r>
-              <a:rPr lang="en-US" dirty="0"/>
-              <a:t>Image acquisition can be done in </a:t>
-            </a:r>
-          </a:p>
-          <a:p>
-            <a:pPr lvl="1"/>
-            <a:r>
-              <a:rPr lang="en-US" dirty="0"/>
-              <a:t>Windows</a:t>
-            </a:r>
-          </a:p>
-          <a:p>
-            <a:pPr lvl="1"/>
-            <a:r>
-              <a:rPr lang="en-US" dirty="0"/>
-              <a:t>Linux</a:t>
-            </a:r>
-          </a:p>
-        </p:txBody>
-      </p:sp>
-    </p:spTree>
-    <p:extLst>
-      <p:ext uri="{BB962C8B-B14F-4D97-AF65-F5344CB8AC3E}">
-        <p14:creationId xmlns:p14="http://schemas.microsoft.com/office/powerpoint/2010/main" val="542080552"/>
-      </p:ext>
-    </p:extLst>
-  </p:cSld>
-  <p:clrMapOvr>
-    <a:masterClrMapping/>
-  </p:clrMapOvr>
-</p:sld>
-</file>
-
-<file path=ppt/slides/slide20.xml><?xml version="1.0" encoding="utf-8"?>
-<p:sld xmlns:a="http://schemas.openxmlformats.org/drawingml/2006/main" xmlns:r="http://schemas.openxmlformats.org/officeDocument/2006/relationships" xmlns:p="http://schemas.openxmlformats.org/presentationml/2006/main">
-  <p:cSld>
-    <p:spTree>
-      <p:nvGrpSpPr>
-        <p:cNvPr id="1" name=""/>
-        <p:cNvGrpSpPr/>
-        <p:nvPr/>
-      </p:nvGrpSpPr>
-      <p:grpSpPr>
-        <a:xfrm>
-          <a:off x="0" y="0"/>
-          <a:ext cx="0" cy="0"/>
-          <a:chOff x="0" y="0"/>
-          <a:chExt cx="0" cy="0"/>
-        </a:xfrm>
-      </p:grpSpPr>
-      <p:sp>
-        <p:nvSpPr>
           <p:cNvPr id="2" name="Slide Number Placeholder 1"/>
           <p:cNvSpPr>
             <a:spLocks noGrp="1"/>
@@ -5675,7 +5947,7 @@
             <a:fld id="{00000000-1234-1234-1234-123412341234}" type="slidenum">
               <a:rPr lang="en" smtClean="0"/>
               <a:pPr algn="ctr"/>
-              <a:t>20</a:t>
+              <a:t>21</a:t>
             </a:fld>
             <a:endParaRPr lang="en"/>
           </a:p>
@@ -5742,7 +6014,7 @@
 </p:sld>
 </file>
 
-<file path=ppt/slides/slide21.xml><?xml version="1.0" encoding="utf-8"?>
+<file path=ppt/slides/slide22.xml><?xml version="1.0" encoding="utf-8"?>
 <p:sld xmlns:a="http://schemas.openxmlformats.org/drawingml/2006/main" xmlns:r="http://schemas.openxmlformats.org/officeDocument/2006/relationships" xmlns:p="http://schemas.openxmlformats.org/presentationml/2006/main">
   <p:cSld>
     <p:spTree>
@@ -5778,7 +6050,7 @@
             <a:fld id="{00000000-1234-1234-1234-123412341234}" type="slidenum">
               <a:rPr lang="en" smtClean="0"/>
               <a:pPr algn="ctr"/>
-              <a:t>21</a:t>
+              <a:t>22</a:t>
             </a:fld>
             <a:endParaRPr lang="en"/>
           </a:p>
@@ -5821,7 +6093,7 @@
 </p:sld>
 </file>
 
-<file path=ppt/slides/slide22.xml><?xml version="1.0" encoding="utf-8"?>
+<file path=ppt/slides/slide23.xml><?xml version="1.0" encoding="utf-8"?>
 <p:sld xmlns:a="http://schemas.openxmlformats.org/drawingml/2006/main" xmlns:r="http://schemas.openxmlformats.org/officeDocument/2006/relationships" xmlns:p="http://schemas.openxmlformats.org/presentationml/2006/main">
   <p:cSld>
     <p:spTree>
@@ -5883,7 +6155,7 @@
             <a:fld id="{00000000-1234-1234-1234-123412341234}" type="slidenum">
               <a:rPr lang="en" smtClean="0"/>
               <a:pPr algn="ctr"/>
-              <a:t>22</a:t>
+              <a:t>23</a:t>
             </a:fld>
             <a:endParaRPr lang="en"/>
           </a:p>
@@ -5926,7 +6198,7 @@
 </p:sld>
 </file>
 
-<file path=ppt/slides/slide23.xml><?xml version="1.0" encoding="utf-8"?>
+<file path=ppt/slides/slide24.xml><?xml version="1.0" encoding="utf-8"?>
 <p:sld xmlns:a="http://schemas.openxmlformats.org/drawingml/2006/main" xmlns:r="http://schemas.openxmlformats.org/officeDocument/2006/relationships" xmlns:p="http://schemas.openxmlformats.org/presentationml/2006/main">
   <p:cSld>
     <p:spTree>
@@ -5989,7 +6261,7 @@
             <a:fld id="{00000000-1234-1234-1234-123412341234}" type="slidenum">
               <a:rPr lang="en" smtClean="0"/>
               <a:pPr algn="ctr"/>
-              <a:t>23</a:t>
+              <a:t>24</a:t>
             </a:fld>
             <a:endParaRPr lang="en"/>
           </a:p>
@@ -6032,6 +6304,488 @@
 </p:sld>
 </file>
 
+<file path=ppt/slides/slide25.xml><?xml version="1.0" encoding="utf-8"?>
+<p:sld xmlns:a="http://schemas.openxmlformats.org/drawingml/2006/main" xmlns:r="http://schemas.openxmlformats.org/officeDocument/2006/relationships" xmlns:p="http://schemas.openxmlformats.org/presentationml/2006/main">
+  <p:cSld>
+    <p:spTree>
+      <p:nvGrpSpPr>
+        <p:cNvPr id="1" name=""/>
+        <p:cNvGrpSpPr/>
+        <p:nvPr/>
+      </p:nvGrpSpPr>
+      <p:grpSpPr>
+        <a:xfrm>
+          <a:off x="0" y="0"/>
+          <a:ext cx="0" cy="0"/>
+          <a:chOff x="0" y="0"/>
+          <a:chExt cx="0" cy="0"/>
+        </a:xfrm>
+      </p:grpSpPr>
+      <p:sp>
+        <p:nvSpPr>
+          <p:cNvPr id="3" name="Title 2">
+            <a:extLst>
+              <a:ext uri="{FF2B5EF4-FFF2-40B4-BE49-F238E27FC236}">
+                <a16:creationId xmlns:a16="http://schemas.microsoft.com/office/drawing/2014/main" id="{ECFFC3FD-A54E-4D5B-B43E-B1F48A32F42D}"/>
+              </a:ext>
+            </a:extLst>
+          </p:cNvPr>
+          <p:cNvSpPr>
+            <a:spLocks noGrp="1"/>
+          </p:cNvSpPr>
+          <p:nvPr>
+            <p:ph type="title"/>
+          </p:nvPr>
+        </p:nvSpPr>
+        <p:spPr/>
+        <p:txBody>
+          <a:bodyPr/>
+          <a:lstStyle/>
+          <a:p>
+            <a:r>
+              <a:rPr lang="en-US" dirty="0"/>
+              <a:t>Image Acquisition via Network</a:t>
+            </a:r>
+          </a:p>
+        </p:txBody>
+      </p:sp>
+      <p:sp>
+        <p:nvSpPr>
+          <p:cNvPr id="4" name="Text Placeholder 3">
+            <a:extLst>
+              <a:ext uri="{FF2B5EF4-FFF2-40B4-BE49-F238E27FC236}">
+                <a16:creationId xmlns:a16="http://schemas.microsoft.com/office/drawing/2014/main" id="{FD7A0FC0-D5F6-403E-9688-6AA8F81E27F1}"/>
+              </a:ext>
+            </a:extLst>
+          </p:cNvPr>
+          <p:cNvSpPr>
+            <a:spLocks noGrp="1"/>
+          </p:cNvSpPr>
+          <p:nvPr>
+            <p:ph type="body" idx="1"/>
+          </p:nvPr>
+        </p:nvSpPr>
+        <p:spPr/>
+        <p:txBody>
+          <a:bodyPr/>
+          <a:lstStyle/>
+          <a:p>
+            <a:endParaRPr lang="en-US" dirty="0"/>
+          </a:p>
+        </p:txBody>
+      </p:sp>
+    </p:spTree>
+    <p:extLst>
+      <p:ext uri="{BB962C8B-B14F-4D97-AF65-F5344CB8AC3E}">
+        <p14:creationId xmlns:p14="http://schemas.microsoft.com/office/powerpoint/2010/main" val="3427908052"/>
+      </p:ext>
+    </p:extLst>
+  </p:cSld>
+  <p:clrMapOvr>
+    <a:masterClrMapping/>
+  </p:clrMapOvr>
+</p:sld>
+</file>
+
+<file path=ppt/slides/slide26.xml><?xml version="1.0" encoding="utf-8"?>
+<p:sld xmlns:a="http://schemas.openxmlformats.org/drawingml/2006/main" xmlns:r="http://schemas.openxmlformats.org/officeDocument/2006/relationships" xmlns:p="http://schemas.openxmlformats.org/presentationml/2006/main">
+  <p:cSld>
+    <p:spTree>
+      <p:nvGrpSpPr>
+        <p:cNvPr id="1" name=""/>
+        <p:cNvGrpSpPr/>
+        <p:nvPr/>
+      </p:nvGrpSpPr>
+      <p:grpSpPr>
+        <a:xfrm>
+          <a:off x="0" y="0"/>
+          <a:ext cx="0" cy="0"/>
+          <a:chOff x="0" y="0"/>
+          <a:chExt cx="0" cy="0"/>
+        </a:xfrm>
+      </p:grpSpPr>
+      <p:sp>
+        <p:nvSpPr>
+          <p:cNvPr id="4" name="Title 3">
+            <a:extLst>
+              <a:ext uri="{FF2B5EF4-FFF2-40B4-BE49-F238E27FC236}">
+                <a16:creationId xmlns:a16="http://schemas.microsoft.com/office/drawing/2014/main" id="{7240B724-9E29-496F-AE5E-2198AFE08F2F}"/>
+              </a:ext>
+            </a:extLst>
+          </p:cNvPr>
+          <p:cNvSpPr>
+            <a:spLocks noGrp="1"/>
+          </p:cNvSpPr>
+          <p:nvPr>
+            <p:ph type="title"/>
+          </p:nvPr>
+        </p:nvSpPr>
+        <p:spPr/>
+        <p:txBody>
+          <a:bodyPr/>
+          <a:lstStyle/>
+          <a:p>
+            <a:r>
+              <a:rPr lang="en-US" dirty="0"/>
+              <a:t>Goal: Acquire a disk image in Kali </a:t>
+            </a:r>
+          </a:p>
+        </p:txBody>
+      </p:sp>
+      <p:sp>
+        <p:nvSpPr>
+          <p:cNvPr id="5" name="Content Placeholder 4">
+            <a:extLst>
+              <a:ext uri="{FF2B5EF4-FFF2-40B4-BE49-F238E27FC236}">
+                <a16:creationId xmlns:a16="http://schemas.microsoft.com/office/drawing/2014/main" id="{EEDB7A9B-F03A-42F0-BCA0-606BD3EB5706}"/>
+              </a:ext>
+            </a:extLst>
+          </p:cNvPr>
+          <p:cNvSpPr>
+            <a:spLocks noGrp="1"/>
+          </p:cNvSpPr>
+          <p:nvPr>
+            <p:ph idx="1"/>
+          </p:nvPr>
+        </p:nvSpPr>
+        <p:spPr>
+          <a:xfrm>
+            <a:off x="838200" y="1825625"/>
+            <a:ext cx="10515600" cy="1603375"/>
+          </a:xfrm>
+        </p:spPr>
+        <p:txBody>
+          <a:bodyPr>
+            <a:normAutofit/>
+          </a:bodyPr>
+          <a:lstStyle/>
+          <a:p>
+            <a:r>
+              <a:rPr lang="en-US" dirty="0"/>
+              <a:t>Set up a listener in Windows to listen to network traffic</a:t>
+            </a:r>
+          </a:p>
+          <a:p>
+            <a:r>
+              <a:rPr lang="en-US" dirty="0"/>
+              <a:t>Acquire a disk image in Kali using DD and send the image to Windows</a:t>
+            </a:r>
+          </a:p>
+          <a:p>
+            <a:r>
+              <a:rPr lang="en-US" dirty="0"/>
+              <a:t>Verify hash code of images at both OS</a:t>
+            </a:r>
+          </a:p>
+        </p:txBody>
+      </p:sp>
+      <p:pic>
+        <p:nvPicPr>
+          <p:cNvPr id="7" name="Picture 6">
+            <a:extLst>
+              <a:ext uri="{FF2B5EF4-FFF2-40B4-BE49-F238E27FC236}">
+                <a16:creationId xmlns:a16="http://schemas.microsoft.com/office/drawing/2014/main" id="{12C20A92-53DF-4C26-B2DA-1A4AA84DA494}"/>
+              </a:ext>
+            </a:extLst>
+          </p:cNvPr>
+          <p:cNvPicPr>
+            <a:picLocks noChangeAspect="1"/>
+          </p:cNvPicPr>
+          <p:nvPr/>
+        </p:nvPicPr>
+        <p:blipFill>
+          <a:blip r:embed="rId2"/>
+          <a:stretch>
+            <a:fillRect/>
+          </a:stretch>
+        </p:blipFill>
+        <p:spPr>
+          <a:xfrm>
+            <a:off x="1004245" y="3429000"/>
+            <a:ext cx="6437955" cy="2691759"/>
+          </a:xfrm>
+          <a:prstGeom prst="rect">
+            <a:avLst/>
+          </a:prstGeom>
+        </p:spPr>
+      </p:pic>
+    </p:spTree>
+    <p:extLst>
+      <p:ext uri="{BB962C8B-B14F-4D97-AF65-F5344CB8AC3E}">
+        <p14:creationId xmlns:p14="http://schemas.microsoft.com/office/powerpoint/2010/main" val="59612101"/>
+      </p:ext>
+    </p:extLst>
+  </p:cSld>
+  <p:clrMapOvr>
+    <a:masterClrMapping/>
+  </p:clrMapOvr>
+</p:sld>
+</file>
+
+<file path=ppt/slides/slide27.xml><?xml version="1.0" encoding="utf-8"?>
+<p:sld xmlns:a="http://schemas.openxmlformats.org/drawingml/2006/main" xmlns:r="http://schemas.openxmlformats.org/officeDocument/2006/relationships" xmlns:p="http://schemas.openxmlformats.org/presentationml/2006/main">
+  <p:cSld>
+    <p:spTree>
+      <p:nvGrpSpPr>
+        <p:cNvPr id="1" name=""/>
+        <p:cNvGrpSpPr/>
+        <p:nvPr/>
+      </p:nvGrpSpPr>
+      <p:grpSpPr>
+        <a:xfrm>
+          <a:off x="0" y="0"/>
+          <a:ext cx="0" cy="0"/>
+          <a:chOff x="0" y="0"/>
+          <a:chExt cx="0" cy="0"/>
+        </a:xfrm>
+      </p:grpSpPr>
+      <p:sp>
+        <p:nvSpPr>
+          <p:cNvPr id="4" name="Title 3">
+            <a:extLst>
+              <a:ext uri="{FF2B5EF4-FFF2-40B4-BE49-F238E27FC236}">
+                <a16:creationId xmlns:a16="http://schemas.microsoft.com/office/drawing/2014/main" id="{DA2F8CEE-4CA4-40B5-9427-B1E86CEBDE13}"/>
+              </a:ext>
+            </a:extLst>
+          </p:cNvPr>
+          <p:cNvSpPr>
+            <a:spLocks noGrp="1"/>
+          </p:cNvSpPr>
+          <p:nvPr>
+            <p:ph type="title"/>
+          </p:nvPr>
+        </p:nvSpPr>
+        <p:spPr/>
+        <p:txBody>
+          <a:bodyPr/>
+          <a:lstStyle/>
+          <a:p>
+            <a:r>
+              <a:rPr lang="en-US" dirty="0"/>
+              <a:t>Windows as listener</a:t>
+            </a:r>
+          </a:p>
+        </p:txBody>
+      </p:sp>
+      <p:pic>
+        <p:nvPicPr>
+          <p:cNvPr id="6" name="Picture 5">
+            <a:extLst>
+              <a:ext uri="{FF2B5EF4-FFF2-40B4-BE49-F238E27FC236}">
+                <a16:creationId xmlns:a16="http://schemas.microsoft.com/office/drawing/2014/main" id="{A1B2123E-21A1-4222-8DF6-6A05CD6F3838}"/>
+              </a:ext>
+            </a:extLst>
+          </p:cNvPr>
+          <p:cNvPicPr>
+            <a:picLocks noChangeAspect="1"/>
+          </p:cNvPicPr>
+          <p:nvPr/>
+        </p:nvPicPr>
+        <p:blipFill>
+          <a:blip r:embed="rId2"/>
+          <a:stretch>
+            <a:fillRect/>
+          </a:stretch>
+        </p:blipFill>
+        <p:spPr>
+          <a:xfrm>
+            <a:off x="982374" y="2424167"/>
+            <a:ext cx="9198883" cy="2533540"/>
+          </a:xfrm>
+          <a:prstGeom prst="rect">
+            <a:avLst/>
+          </a:prstGeom>
+        </p:spPr>
+      </p:pic>
+    </p:spTree>
+    <p:extLst>
+      <p:ext uri="{BB962C8B-B14F-4D97-AF65-F5344CB8AC3E}">
+        <p14:creationId xmlns:p14="http://schemas.microsoft.com/office/powerpoint/2010/main" val="1820608806"/>
+      </p:ext>
+    </p:extLst>
+  </p:cSld>
+  <p:clrMapOvr>
+    <a:masterClrMapping/>
+  </p:clrMapOvr>
+</p:sld>
+</file>
+
+<file path=ppt/slides/slide28.xml><?xml version="1.0" encoding="utf-8"?>
+<p:sld xmlns:a="http://schemas.openxmlformats.org/drawingml/2006/main" xmlns:r="http://schemas.openxmlformats.org/officeDocument/2006/relationships" xmlns:p="http://schemas.openxmlformats.org/presentationml/2006/main">
+  <p:cSld>
+    <p:spTree>
+      <p:nvGrpSpPr>
+        <p:cNvPr id="1" name=""/>
+        <p:cNvGrpSpPr/>
+        <p:nvPr/>
+      </p:nvGrpSpPr>
+      <p:grpSpPr>
+        <a:xfrm>
+          <a:off x="0" y="0"/>
+          <a:ext cx="0" cy="0"/>
+          <a:chOff x="0" y="0"/>
+          <a:chExt cx="0" cy="0"/>
+        </a:xfrm>
+      </p:grpSpPr>
+      <p:sp>
+        <p:nvSpPr>
+          <p:cNvPr id="2" name="Title 1">
+            <a:extLst>
+              <a:ext uri="{FF2B5EF4-FFF2-40B4-BE49-F238E27FC236}">
+                <a16:creationId xmlns:a16="http://schemas.microsoft.com/office/drawing/2014/main" id="{95FE026C-30BF-4536-AF9A-67B5688E215F}"/>
+              </a:ext>
+            </a:extLst>
+          </p:cNvPr>
+          <p:cNvSpPr>
+            <a:spLocks noGrp="1"/>
+          </p:cNvSpPr>
+          <p:nvPr>
+            <p:ph type="title"/>
+          </p:nvPr>
+        </p:nvSpPr>
+        <p:spPr/>
+        <p:txBody>
+          <a:bodyPr/>
+          <a:lstStyle/>
+          <a:p>
+            <a:r>
+              <a:rPr lang="en-US" dirty="0"/>
+              <a:t>Network Accusation </a:t>
+            </a:r>
+          </a:p>
+        </p:txBody>
+      </p:sp>
+      <p:pic>
+        <p:nvPicPr>
+          <p:cNvPr id="4" name="Picture 3">
+            <a:extLst>
+              <a:ext uri="{FF2B5EF4-FFF2-40B4-BE49-F238E27FC236}">
+                <a16:creationId xmlns:a16="http://schemas.microsoft.com/office/drawing/2014/main" id="{AD775432-1975-4E73-A29B-6B705B48844C}"/>
+              </a:ext>
+            </a:extLst>
+          </p:cNvPr>
+          <p:cNvPicPr>
+            <a:picLocks noChangeAspect="1"/>
+          </p:cNvPicPr>
+          <p:nvPr/>
+        </p:nvPicPr>
+        <p:blipFill>
+          <a:blip r:embed="rId2"/>
+          <a:stretch>
+            <a:fillRect/>
+          </a:stretch>
+        </p:blipFill>
+        <p:spPr>
+          <a:xfrm>
+            <a:off x="838200" y="2022951"/>
+            <a:ext cx="8343900" cy="3781199"/>
+          </a:xfrm>
+          <a:prstGeom prst="rect">
+            <a:avLst/>
+          </a:prstGeom>
+        </p:spPr>
+      </p:pic>
+    </p:spTree>
+    <p:extLst>
+      <p:ext uri="{BB962C8B-B14F-4D97-AF65-F5344CB8AC3E}">
+        <p14:creationId xmlns:p14="http://schemas.microsoft.com/office/powerpoint/2010/main" val="655236940"/>
+      </p:ext>
+    </p:extLst>
+  </p:cSld>
+  <p:clrMapOvr>
+    <a:masterClrMapping/>
+  </p:clrMapOvr>
+</p:sld>
+</file>
+
+<file path=ppt/slides/slide29.xml><?xml version="1.0" encoding="utf-8"?>
+<p:sld xmlns:a="http://schemas.openxmlformats.org/drawingml/2006/main" xmlns:r="http://schemas.openxmlformats.org/officeDocument/2006/relationships" xmlns:p="http://schemas.openxmlformats.org/presentationml/2006/main">
+  <p:cSld>
+    <p:spTree>
+      <p:nvGrpSpPr>
+        <p:cNvPr id="1" name=""/>
+        <p:cNvGrpSpPr/>
+        <p:nvPr/>
+      </p:nvGrpSpPr>
+      <p:grpSpPr>
+        <a:xfrm>
+          <a:off x="0" y="0"/>
+          <a:ext cx="0" cy="0"/>
+          <a:chOff x="0" y="0"/>
+          <a:chExt cx="0" cy="0"/>
+        </a:xfrm>
+      </p:grpSpPr>
+      <p:sp>
+        <p:nvSpPr>
+          <p:cNvPr id="2" name="Title 1">
+            <a:extLst>
+              <a:ext uri="{FF2B5EF4-FFF2-40B4-BE49-F238E27FC236}">
+                <a16:creationId xmlns:a16="http://schemas.microsoft.com/office/drawing/2014/main" id="{6BA701DE-AE27-47C6-B424-0681D17AA407}"/>
+              </a:ext>
+            </a:extLst>
+          </p:cNvPr>
+          <p:cNvSpPr>
+            <a:spLocks noGrp="1"/>
+          </p:cNvSpPr>
+          <p:nvPr>
+            <p:ph type="title"/>
+          </p:nvPr>
+        </p:nvSpPr>
+        <p:spPr/>
+        <p:txBody>
+          <a:bodyPr/>
+          <a:lstStyle/>
+          <a:p>
+            <a:r>
+              <a:rPr lang="en-US" dirty="0"/>
+              <a:t>Verify the acquired hash</a:t>
+            </a:r>
+          </a:p>
+        </p:txBody>
+      </p:sp>
+      <p:pic>
+        <p:nvPicPr>
+          <p:cNvPr id="6" name="Picture 5">
+            <a:extLst>
+              <a:ext uri="{FF2B5EF4-FFF2-40B4-BE49-F238E27FC236}">
+                <a16:creationId xmlns:a16="http://schemas.microsoft.com/office/drawing/2014/main" id="{41FF1E44-AF1E-4DF3-ACB2-39935F7A30CB}"/>
+              </a:ext>
+            </a:extLst>
+          </p:cNvPr>
+          <p:cNvPicPr>
+            <a:picLocks noChangeAspect="1"/>
+          </p:cNvPicPr>
+          <p:nvPr/>
+        </p:nvPicPr>
+        <p:blipFill>
+          <a:blip r:embed="rId2"/>
+          <a:stretch>
+            <a:fillRect/>
+          </a:stretch>
+        </p:blipFill>
+        <p:spPr>
+          <a:xfrm>
+            <a:off x="838200" y="2447580"/>
+            <a:ext cx="8913720" cy="2302219"/>
+          </a:xfrm>
+          <a:prstGeom prst="rect">
+            <a:avLst/>
+          </a:prstGeom>
+        </p:spPr>
+      </p:pic>
+    </p:spTree>
+    <p:extLst>
+      <p:ext uri="{BB962C8B-B14F-4D97-AF65-F5344CB8AC3E}">
+        <p14:creationId xmlns:p14="http://schemas.microsoft.com/office/powerpoint/2010/main" val="1655981096"/>
+      </p:ext>
+    </p:extLst>
+  </p:cSld>
+  <p:clrMapOvr>
+    <a:masterClrMapping/>
+  </p:clrMapOvr>
+</p:sld>
+</file>
+
 <file path=ppt/slides/slide3.xml><?xml version="1.0" encoding="utf-8"?>
 <p:sld xmlns:a="http://schemas.openxmlformats.org/drawingml/2006/main" xmlns:r="http://schemas.openxmlformats.org/officeDocument/2006/relationships" xmlns:p="http://schemas.openxmlformats.org/presentationml/2006/main">
   <p:cSld>
@@ -6051,6 +6805,198 @@
       </p:grpSpPr>
       <p:sp>
         <p:nvSpPr>
+          <p:cNvPr id="2" name="Title 1">
+            <a:extLst>
+              <a:ext uri="{FF2B5EF4-FFF2-40B4-BE49-F238E27FC236}">
+                <a16:creationId xmlns:a16="http://schemas.microsoft.com/office/drawing/2014/main" id="{E0C68A92-D781-4B3B-A14F-9EDE8CE2C74B}"/>
+              </a:ext>
+            </a:extLst>
+          </p:cNvPr>
+          <p:cNvSpPr>
+            <a:spLocks noGrp="1"/>
+          </p:cNvSpPr>
+          <p:nvPr>
+            <p:ph type="title"/>
+          </p:nvPr>
+        </p:nvSpPr>
+        <p:spPr/>
+        <p:txBody>
+          <a:bodyPr/>
+          <a:lstStyle/>
+          <a:p>
+            <a:r>
+              <a:rPr lang="en-US" dirty="0"/>
+              <a:t>What is a disk image?</a:t>
+            </a:r>
+          </a:p>
+        </p:txBody>
+      </p:sp>
+      <p:sp>
+        <p:nvSpPr>
+          <p:cNvPr id="3" name="Content Placeholder 2">
+            <a:extLst>
+              <a:ext uri="{FF2B5EF4-FFF2-40B4-BE49-F238E27FC236}">
+                <a16:creationId xmlns:a16="http://schemas.microsoft.com/office/drawing/2014/main" id="{9FEFF1C0-97E6-4D4F-A349-32811975D57B}"/>
+              </a:ext>
+            </a:extLst>
+          </p:cNvPr>
+          <p:cNvSpPr>
+            <a:spLocks noGrp="1"/>
+          </p:cNvSpPr>
+          <p:nvPr>
+            <p:ph idx="1"/>
+          </p:nvPr>
+        </p:nvSpPr>
+        <p:spPr/>
+        <p:txBody>
+          <a:bodyPr>
+            <a:normAutofit fontScale="92500" lnSpcReduction="10000"/>
+          </a:bodyPr>
+          <a:lstStyle/>
+          <a:p>
+            <a:r>
+              <a:rPr lang="en-GB" dirty="0"/>
+              <a:t>A disk image is a computer file </a:t>
+            </a:r>
+          </a:p>
+          <a:p>
+            <a:pPr lvl="1"/>
+            <a:r>
+              <a:rPr lang="en-GB" dirty="0"/>
+              <a:t>containing the </a:t>
+            </a:r>
+            <a:r>
+              <a:rPr lang="en-GB" dirty="0">
+                <a:solidFill>
+                  <a:srgbClr val="FF0000"/>
+                </a:solidFill>
+              </a:rPr>
+              <a:t>contents</a:t>
+            </a:r>
+            <a:r>
+              <a:rPr lang="en-GB" dirty="0"/>
+              <a:t> and </a:t>
+            </a:r>
+            <a:r>
+              <a:rPr lang="en-GB" dirty="0">
+                <a:solidFill>
+                  <a:srgbClr val="FF0000"/>
+                </a:solidFill>
+              </a:rPr>
+              <a:t>structure</a:t>
+            </a:r>
+            <a:r>
+              <a:rPr lang="en-GB" dirty="0"/>
+              <a:t> of a disk volume or</a:t>
+            </a:r>
+          </a:p>
+          <a:p>
+            <a:pPr lvl="1"/>
+            <a:r>
+              <a:rPr lang="en-GB" dirty="0"/>
+              <a:t>containing an </a:t>
+            </a:r>
+            <a:r>
+              <a:rPr lang="en-GB" dirty="0">
+                <a:solidFill>
+                  <a:srgbClr val="FF0000"/>
+                </a:solidFill>
+              </a:rPr>
+              <a:t>entire</a:t>
+            </a:r>
+            <a:r>
+              <a:rPr lang="en-GB" dirty="0"/>
+              <a:t> data storage device, </a:t>
+            </a:r>
+          </a:p>
+          <a:p>
+            <a:r>
+              <a:rPr lang="en-GB" dirty="0"/>
+              <a:t>Storage devices</a:t>
+            </a:r>
+          </a:p>
+          <a:p>
+            <a:pPr lvl="1"/>
+            <a:r>
+              <a:rPr lang="en-GB" dirty="0"/>
+              <a:t>a hard disk drive, tape drive, floppy disk, optical disc, or USB flash drive</a:t>
+            </a:r>
+          </a:p>
+          <a:p>
+            <a:r>
+              <a:rPr lang="en-GB" dirty="0"/>
+              <a:t>The file format </a:t>
+            </a:r>
+          </a:p>
+          <a:p>
+            <a:pPr lvl="1"/>
+            <a:r>
+              <a:rPr lang="en-GB" dirty="0"/>
+              <a:t>open standard: such as the ISO image format for optical disc images, </a:t>
+            </a:r>
+          </a:p>
+          <a:p>
+            <a:pPr lvl="1"/>
+            <a:r>
+              <a:rPr lang="en-GB" dirty="0"/>
+              <a:t>unique to a particular software application: encase, FTK</a:t>
+            </a:r>
+            <a:endParaRPr lang="en-US" dirty="0"/>
+          </a:p>
+          <a:p>
+            <a:r>
+              <a:rPr lang="en-US" dirty="0"/>
+              <a:t>Image acquisition can be done in </a:t>
+            </a:r>
+          </a:p>
+          <a:p>
+            <a:pPr lvl="1"/>
+            <a:r>
+              <a:rPr lang="en-US" dirty="0"/>
+              <a:t>Windows</a:t>
+            </a:r>
+          </a:p>
+          <a:p>
+            <a:pPr lvl="1"/>
+            <a:r>
+              <a:rPr lang="en-US" dirty="0"/>
+              <a:t>Linux</a:t>
+            </a:r>
+          </a:p>
+        </p:txBody>
+      </p:sp>
+    </p:spTree>
+    <p:extLst>
+      <p:ext uri="{BB962C8B-B14F-4D97-AF65-F5344CB8AC3E}">
+        <p14:creationId xmlns:p14="http://schemas.microsoft.com/office/powerpoint/2010/main" val="542080552"/>
+      </p:ext>
+    </p:extLst>
+  </p:cSld>
+  <p:clrMapOvr>
+    <a:masterClrMapping/>
+  </p:clrMapOvr>
+</p:sld>
+</file>
+
+<file path=ppt/slides/slide4.xml><?xml version="1.0" encoding="utf-8"?>
+<p:sld xmlns:a="http://schemas.openxmlformats.org/drawingml/2006/main" xmlns:r="http://schemas.openxmlformats.org/officeDocument/2006/relationships" xmlns:p="http://schemas.openxmlformats.org/presentationml/2006/main">
+  <p:cSld>
+    <p:spTree>
+      <p:nvGrpSpPr>
+        <p:cNvPr id="1" name=""/>
+        <p:cNvGrpSpPr/>
+        <p:nvPr/>
+      </p:nvGrpSpPr>
+      <p:grpSpPr>
+        <a:xfrm>
+          <a:off x="0" y="0"/>
+          <a:ext cx="0" cy="0"/>
+          <a:chOff x="0" y="0"/>
+          <a:chExt cx="0" cy="0"/>
+        </a:xfrm>
+      </p:grpSpPr>
+      <p:sp>
+        <p:nvSpPr>
           <p:cNvPr id="4" name="Title 3">
             <a:extLst>
               <a:ext uri="{FF2B5EF4-FFF2-40B4-BE49-F238E27FC236}">
@@ -6115,7 +7061,7 @@
 </p:sld>
 </file>
 
-<file path=ppt/slides/slide4.xml><?xml version="1.0" encoding="utf-8"?>
+<file path=ppt/slides/slide5.xml><?xml version="1.0" encoding="utf-8"?>
 <p:sld xmlns:a="http://schemas.openxmlformats.org/drawingml/2006/main" xmlns:r="http://schemas.openxmlformats.org/officeDocument/2006/relationships" xmlns:p="http://schemas.openxmlformats.org/presentationml/2006/main">
   <p:cSld>
     <p:bg>
@@ -6400,7 +7346,7 @@
 </p:sld>
 </file>
 
-<file path=ppt/slides/slide5.xml><?xml version="1.0" encoding="utf-8"?>
+<file path=ppt/slides/slide6.xml><?xml version="1.0" encoding="utf-8"?>
 <p:sld xmlns:a="http://schemas.openxmlformats.org/drawingml/2006/main" xmlns:r="http://schemas.openxmlformats.org/officeDocument/2006/relationships" xmlns:p="http://schemas.openxmlformats.org/presentationml/2006/main">
   <p:cSld>
     <p:spTree>
@@ -6629,7 +7575,7 @@
 </p:sld>
 </file>
 
-<file path=ppt/slides/slide6.xml><?xml version="1.0" encoding="utf-8"?>
+<file path=ppt/slides/slide7.xml><?xml version="1.0" encoding="utf-8"?>
 <p:sld xmlns:a="http://schemas.openxmlformats.org/drawingml/2006/main" xmlns:r="http://schemas.openxmlformats.org/officeDocument/2006/relationships" xmlns:p="http://schemas.openxmlformats.org/presentationml/2006/main">
   <p:cSld>
     <p:spTree>
@@ -6687,7 +7633,7 @@
             <a:fld id="{00000000-1234-1234-1234-123412341234}" type="slidenum">
               <a:rPr lang="en" smtClean="0"/>
               <a:pPr algn="l"/>
-              <a:t>6</a:t>
+              <a:t>7</a:t>
             </a:fld>
             <a:endParaRPr lang="en"/>
           </a:p>
@@ -6730,7 +7676,7 @@
 </p:sld>
 </file>
 
-<file path=ppt/slides/slide7.xml><?xml version="1.0" encoding="utf-8"?>
+<file path=ppt/slides/slide8.xml><?xml version="1.0" encoding="utf-8"?>
 <p:sld xmlns:a="http://schemas.openxmlformats.org/drawingml/2006/main" xmlns:r="http://schemas.openxmlformats.org/officeDocument/2006/relationships" xmlns:p="http://schemas.openxmlformats.org/presentationml/2006/main">
   <p:cSld>
     <p:spTree>
@@ -6788,7 +7734,7 @@
             <a:fld id="{00000000-1234-1234-1234-123412341234}" type="slidenum">
               <a:rPr lang="en" smtClean="0"/>
               <a:pPr algn="l"/>
-              <a:t>7</a:t>
+              <a:t>8</a:t>
             </a:fld>
             <a:endParaRPr lang="en"/>
           </a:p>
@@ -6855,7 +7801,7 @@
 </p:sld>
 </file>
 
-<file path=ppt/slides/slide8.xml><?xml version="1.0" encoding="utf-8"?>
+<file path=ppt/slides/slide9.xml><?xml version="1.0" encoding="utf-8"?>
 <p:sld xmlns:a="http://schemas.openxmlformats.org/drawingml/2006/main" xmlns:r="http://schemas.openxmlformats.org/officeDocument/2006/relationships" xmlns:p="http://schemas.openxmlformats.org/presentationml/2006/main">
   <p:cSld>
     <p:spTree>
@@ -6891,7 +7837,7 @@
             <a:fld id="{00000000-1234-1234-1234-123412341234}" type="slidenum">
               <a:rPr lang="en" smtClean="0"/>
               <a:pPr algn="l"/>
-              <a:t>8</a:t>
+              <a:t>9</a:t>
             </a:fld>
             <a:endParaRPr lang="en"/>
           </a:p>
@@ -6949,109 +7895,6 @@
     <p:extLst>
       <p:ext uri="{BB962C8B-B14F-4D97-AF65-F5344CB8AC3E}">
         <p14:creationId xmlns:p14="http://schemas.microsoft.com/office/powerpoint/2010/main" val="831770719"/>
-      </p:ext>
-    </p:extLst>
-  </p:cSld>
-  <p:clrMapOvr>
-    <a:masterClrMapping/>
-  </p:clrMapOvr>
-</p:sld>
-</file>
-
-<file path=ppt/slides/slide9.xml><?xml version="1.0" encoding="utf-8"?>
-<p:sld xmlns:a="http://schemas.openxmlformats.org/drawingml/2006/main" xmlns:r="http://schemas.openxmlformats.org/officeDocument/2006/relationships" xmlns:p="http://schemas.openxmlformats.org/presentationml/2006/main">
-  <p:cSld>
-    <p:spTree>
-      <p:nvGrpSpPr>
-        <p:cNvPr id="1" name=""/>
-        <p:cNvGrpSpPr/>
-        <p:nvPr/>
-      </p:nvGrpSpPr>
-      <p:grpSpPr>
-        <a:xfrm>
-          <a:off x="0" y="0"/>
-          <a:ext cx="0" cy="0"/>
-          <a:chOff x="0" y="0"/>
-          <a:chExt cx="0" cy="0"/>
-        </a:xfrm>
-      </p:grpSpPr>
-      <p:sp>
-        <p:nvSpPr>
-          <p:cNvPr id="2" name="Slide Number Placeholder 1"/>
-          <p:cNvSpPr>
-            <a:spLocks noGrp="1"/>
-          </p:cNvSpPr>
-          <p:nvPr>
-            <p:ph type="sldNum" idx="12"/>
-          </p:nvPr>
-        </p:nvSpPr>
-        <p:spPr/>
-        <p:txBody>
-          <a:bodyPr/>
-          <a:lstStyle/>
-          <a:p>
-            <a:pPr algn="ctr"/>
-            <a:fld id="{00000000-1234-1234-1234-123412341234}" type="slidenum">
-              <a:rPr lang="en" smtClean="0"/>
-              <a:pPr algn="ctr"/>
-              <a:t>9</a:t>
-            </a:fld>
-            <a:endParaRPr lang="en"/>
-          </a:p>
-        </p:txBody>
-      </p:sp>
-      <p:pic>
-        <p:nvPicPr>
-          <p:cNvPr id="3" name="Picture 2"/>
-          <p:cNvPicPr>
-            <a:picLocks noChangeAspect="1"/>
-          </p:cNvPicPr>
-          <p:nvPr/>
-        </p:nvPicPr>
-        <p:blipFill>
-          <a:blip r:embed="rId2"/>
-          <a:stretch>
-            <a:fillRect/>
-          </a:stretch>
-        </p:blipFill>
-        <p:spPr>
-          <a:xfrm>
-            <a:off x="217632" y="1078860"/>
-            <a:ext cx="5004649" cy="4508797"/>
-          </a:xfrm>
-          <a:prstGeom prst="rect">
-            <a:avLst/>
-          </a:prstGeom>
-        </p:spPr>
-      </p:pic>
-      <p:pic>
-        <p:nvPicPr>
-          <p:cNvPr id="4" name="Picture 3"/>
-          <p:cNvPicPr>
-            <a:picLocks noChangeAspect="1"/>
-          </p:cNvPicPr>
-          <p:nvPr/>
-        </p:nvPicPr>
-        <p:blipFill>
-          <a:blip r:embed="rId3"/>
-          <a:stretch>
-            <a:fillRect/>
-          </a:stretch>
-        </p:blipFill>
-        <p:spPr>
-          <a:xfrm>
-            <a:off x="5518309" y="1078860"/>
-            <a:ext cx="6224409" cy="4508797"/>
-          </a:xfrm>
-          <a:prstGeom prst="rect">
-            <a:avLst/>
-          </a:prstGeom>
-        </p:spPr>
-      </p:pic>
-    </p:spTree>
-    <p:extLst>
-      <p:ext uri="{BB962C8B-B14F-4D97-AF65-F5344CB8AC3E}">
-        <p14:creationId xmlns:p14="http://schemas.microsoft.com/office/powerpoint/2010/main" val="122673006"/>
       </p:ext>
     </p:extLst>
   </p:cSld>

--- a/Basic_Computer_Skills_for_Forensics/7_USB_Image_Acquisition.pptx
+++ b/Basic_Computer_Skills_for_Forensics/7_USB_Image_Acquisition.pptx
@@ -808,10 +808,25 @@
   <pc:docChgLst>
     <pc:chgData name="Weifeng Xu" userId="e7aed605-a3dd-4d5a-a692-a87037af107b" providerId="ADAL" clId="{E1DC02F5-E919-4A93-A2D0-6D7A4E94E8EF}"/>
     <pc:docChg chg="undo custSel addSld delSld modSld">
-      <pc:chgData name="Weifeng Xu" userId="e7aed605-a3dd-4d5a-a692-a87037af107b" providerId="ADAL" clId="{E1DC02F5-E919-4A93-A2D0-6D7A4E94E8EF}" dt="2021-09-13T19:29:32.040" v="488"/>
+      <pc:chgData name="Weifeng Xu" userId="e7aed605-a3dd-4d5a-a692-a87037af107b" providerId="ADAL" clId="{E1DC02F5-E919-4A93-A2D0-6D7A4E94E8EF}" dt="2021-09-13T19:32:34.684" v="514" actId="20577"/>
       <pc:docMkLst>
         <pc:docMk/>
       </pc:docMkLst>
+      <pc:sldChg chg="modSp mod">
+        <pc:chgData name="Weifeng Xu" userId="e7aed605-a3dd-4d5a-a692-a87037af107b" providerId="ADAL" clId="{E1DC02F5-E919-4A93-A2D0-6D7A4E94E8EF}" dt="2021-09-13T19:32:34.684" v="514" actId="20577"/>
+        <pc:sldMkLst>
+          <pc:docMk/>
+          <pc:sldMk cId="687037807" sldId="338"/>
+        </pc:sldMkLst>
+        <pc:spChg chg="mod">
+          <ac:chgData name="Weifeng Xu" userId="e7aed605-a3dd-4d5a-a692-a87037af107b" providerId="ADAL" clId="{E1DC02F5-E919-4A93-A2D0-6D7A4E94E8EF}" dt="2021-09-13T19:32:34.684" v="514" actId="20577"/>
+          <ac:spMkLst>
+            <pc:docMk/>
+            <pc:sldMk cId="687037807" sldId="338"/>
+            <ac:spMk id="4" creationId="{4CB24BF6-8129-4B15-948E-E66DB75F0552}"/>
+          </ac:spMkLst>
+        </pc:spChg>
+      </pc:sldChg>
       <pc:sldChg chg="modNotesTx">
         <pc:chgData name="Weifeng Xu" userId="e7aed605-a3dd-4d5a-a692-a87037af107b" providerId="ADAL" clId="{E1DC02F5-E919-4A93-A2D0-6D7A4E94E8EF}" dt="2021-09-13T19:02:01.647" v="73" actId="20577"/>
         <pc:sldMkLst>
@@ -1014,7 +1029,7 @@
         </pc:picChg>
       </pc:sldChg>
       <pc:sldChg chg="modSp new mod">
-        <pc:chgData name="Weifeng Xu" userId="e7aed605-a3dd-4d5a-a692-a87037af107b" providerId="ADAL" clId="{E1DC02F5-E919-4A93-A2D0-6D7A4E94E8EF}" dt="2021-09-13T19:29:32.040" v="488"/>
+        <pc:chgData name="Weifeng Xu" userId="e7aed605-a3dd-4d5a-a692-a87037af107b" providerId="ADAL" clId="{E1DC02F5-E919-4A93-A2D0-6D7A4E94E8EF}" dt="2021-09-13T19:32:16.451" v="505" actId="20577"/>
         <pc:sldMkLst>
           <pc:docMk/>
           <pc:sldMk cId="4131676587" sldId="358"/>
@@ -1028,7 +1043,7 @@
           </ac:spMkLst>
         </pc:spChg>
         <pc:spChg chg="mod">
-          <ac:chgData name="Weifeng Xu" userId="e7aed605-a3dd-4d5a-a692-a87037af107b" providerId="ADAL" clId="{E1DC02F5-E919-4A93-A2D0-6D7A4E94E8EF}" dt="2021-09-13T19:29:32.040" v="488"/>
+          <ac:chgData name="Weifeng Xu" userId="e7aed605-a3dd-4d5a-a692-a87037af107b" providerId="ADAL" clId="{E1DC02F5-E919-4A93-A2D0-6D7A4E94E8EF}" dt="2021-09-13T19:32:16.451" v="505" actId="20577"/>
           <ac:spMkLst>
             <pc:docMk/>
             <pc:sldMk cId="4131676587" sldId="358"/>
@@ -5479,8 +5494,13 @@
           <a:p>
             <a:r>
               <a:rPr lang="en-US" dirty="0"/>
-              <a:t>Acquisition a USB in Linux</a:t>
-            </a:r>
+              <a:t>Acquisition a USB in </a:t>
+            </a:r>
+            <a:r>
+              <a:rPr lang="en-US"/>
+              <a:t>Linux using DD</a:t>
+            </a:r>
+            <a:endParaRPr lang="en-US" dirty="0"/>
           </a:p>
         </p:txBody>
       </p:sp>
@@ -5808,8 +5828,15 @@
           <a:p>
             <a:r>
               <a:rPr lang="en-GB" dirty="0"/>
-              <a:t>Acquisition in Windows using FTK Imager</a:t>
-            </a:r>
+              <a:t>Acquisition a USB in Windows using FTK Imager</a:t>
+            </a:r>
+          </a:p>
+          <a:p>
+            <a:r>
+              <a:rPr lang="en-US" dirty="0"/>
+              <a:t>Acquisition a USB in Linux using DD</a:t>
+            </a:r>
+            <a:endParaRPr lang="en-GB" dirty="0"/>
           </a:p>
           <a:p>
             <a:r>

--- a/Basic_Computer_Skills_for_Forensics/7_USB_Image_Acquisition.pptx
+++ b/Basic_Computer_Skills_for_Forensics/7_USB_Image_Acquisition.pptx
@@ -808,7 +808,7 @@
   <pc:docChgLst>
     <pc:chgData name="Weifeng Xu" userId="e7aed605-a3dd-4d5a-a692-a87037af107b" providerId="ADAL" clId="{E1DC02F5-E919-4A93-A2D0-6D7A4E94E8EF}"/>
     <pc:docChg chg="undo custSel addSld delSld modSld">
-      <pc:chgData name="Weifeng Xu" userId="e7aed605-a3dd-4d5a-a692-a87037af107b" providerId="ADAL" clId="{E1DC02F5-E919-4A93-A2D0-6D7A4E94E8EF}" dt="2021-09-13T19:32:34.684" v="514" actId="20577"/>
+      <pc:chgData name="Weifeng Xu" userId="e7aed605-a3dd-4d5a-a692-a87037af107b" providerId="ADAL" clId="{E1DC02F5-E919-4A93-A2D0-6D7A4E94E8EF}" dt="2021-09-26T13:50:22.651" v="548" actId="313"/>
       <pc:docMkLst>
         <pc:docMk/>
       </pc:docMkLst>
@@ -828,7 +828,7 @@
         </pc:spChg>
       </pc:sldChg>
       <pc:sldChg chg="modNotesTx">
-        <pc:chgData name="Weifeng Xu" userId="e7aed605-a3dd-4d5a-a692-a87037af107b" providerId="ADAL" clId="{E1DC02F5-E919-4A93-A2D0-6D7A4E94E8EF}" dt="2021-09-13T19:02:01.647" v="73" actId="20577"/>
+        <pc:chgData name="Weifeng Xu" userId="e7aed605-a3dd-4d5a-a692-a87037af107b" providerId="ADAL" clId="{E1DC02F5-E919-4A93-A2D0-6D7A4E94E8EF}" dt="2021-09-22T19:14:27.481" v="529" actId="20577"/>
         <pc:sldMkLst>
           <pc:docMk/>
           <pc:sldMk cId="708597567" sldId="352"/>
@@ -866,7 +866,7 @@
         </pc:spChg>
       </pc:sldChg>
       <pc:sldChg chg="addSp delSp modSp new mod modClrScheme chgLayout">
-        <pc:chgData name="Weifeng Xu" userId="e7aed605-a3dd-4d5a-a692-a87037af107b" providerId="ADAL" clId="{E1DC02F5-E919-4A93-A2D0-6D7A4E94E8EF}" dt="2021-09-13T19:26:12.738" v="437" actId="20577"/>
+        <pc:chgData name="Weifeng Xu" userId="e7aed605-a3dd-4d5a-a692-a87037af107b" providerId="ADAL" clId="{E1DC02F5-E919-4A93-A2D0-6D7A4E94E8EF}" dt="2021-09-26T13:49:59.351" v="545" actId="20577"/>
         <pc:sldMkLst>
           <pc:docMk/>
           <pc:sldMk cId="1820608806" sldId="354"/>
@@ -888,7 +888,7 @@
           </ac:spMkLst>
         </pc:spChg>
         <pc:spChg chg="add mod ord">
-          <ac:chgData name="Weifeng Xu" userId="e7aed605-a3dd-4d5a-a692-a87037af107b" providerId="ADAL" clId="{E1DC02F5-E919-4A93-A2D0-6D7A4E94E8EF}" dt="2021-09-13T19:26:12.738" v="437" actId="20577"/>
+          <ac:chgData name="Weifeng Xu" userId="e7aed605-a3dd-4d5a-a692-a87037af107b" providerId="ADAL" clId="{E1DC02F5-E919-4A93-A2D0-6D7A4E94E8EF}" dt="2021-09-26T13:49:59.351" v="545" actId="20577"/>
           <ac:spMkLst>
             <pc:docMk/>
             <pc:sldMk cId="1820608806" sldId="354"/>
@@ -960,13 +960,13 @@
         </pc:picChg>
       </pc:sldChg>
       <pc:sldChg chg="addSp modSp new mod">
-        <pc:chgData name="Weifeng Xu" userId="e7aed605-a3dd-4d5a-a692-a87037af107b" providerId="ADAL" clId="{E1DC02F5-E919-4A93-A2D0-6D7A4E94E8EF}" dt="2021-09-13T19:26:40.828" v="463" actId="313"/>
+        <pc:chgData name="Weifeng Xu" userId="e7aed605-a3dd-4d5a-a692-a87037af107b" providerId="ADAL" clId="{E1DC02F5-E919-4A93-A2D0-6D7A4E94E8EF}" dt="2021-09-26T13:50:22.651" v="548" actId="313"/>
         <pc:sldMkLst>
           <pc:docMk/>
           <pc:sldMk cId="655236940" sldId="356"/>
         </pc:sldMkLst>
         <pc:spChg chg="mod">
-          <ac:chgData name="Weifeng Xu" userId="e7aed605-a3dd-4d5a-a692-a87037af107b" providerId="ADAL" clId="{E1DC02F5-E919-4A93-A2D0-6D7A4E94E8EF}" dt="2021-09-13T19:26:40.828" v="463" actId="313"/>
+          <ac:chgData name="Weifeng Xu" userId="e7aed605-a3dd-4d5a-a692-a87037af107b" providerId="ADAL" clId="{E1DC02F5-E919-4A93-A2D0-6D7A4E94E8EF}" dt="2021-09-26T13:50:22.651" v="548" actId="313"/>
           <ac:spMkLst>
             <pc:docMk/>
             <pc:sldMk cId="655236940" sldId="356"/>
@@ -1029,7 +1029,7 @@
         </pc:picChg>
       </pc:sldChg>
       <pc:sldChg chg="modSp new mod">
-        <pc:chgData name="Weifeng Xu" userId="e7aed605-a3dd-4d5a-a692-a87037af107b" providerId="ADAL" clId="{E1DC02F5-E919-4A93-A2D0-6D7A4E94E8EF}" dt="2021-09-13T19:32:16.451" v="505" actId="20577"/>
+        <pc:chgData name="Weifeng Xu" userId="e7aed605-a3dd-4d5a-a692-a87037af107b" providerId="ADAL" clId="{E1DC02F5-E919-4A93-A2D0-6D7A4E94E8EF}" dt="2021-09-26T13:15:47.850" v="532" actId="108"/>
         <pc:sldMkLst>
           <pc:docMk/>
           <pc:sldMk cId="4131676587" sldId="358"/>
@@ -1043,7 +1043,7 @@
           </ac:spMkLst>
         </pc:spChg>
         <pc:spChg chg="mod">
-          <ac:chgData name="Weifeng Xu" userId="e7aed605-a3dd-4d5a-a692-a87037af107b" providerId="ADAL" clId="{E1DC02F5-E919-4A93-A2D0-6D7A4E94E8EF}" dt="2021-09-13T19:32:16.451" v="505" actId="20577"/>
+          <ac:chgData name="Weifeng Xu" userId="e7aed605-a3dd-4d5a-a692-a87037af107b" providerId="ADAL" clId="{E1DC02F5-E919-4A93-A2D0-6D7A4E94E8EF}" dt="2021-09-26T13:15:47.850" v="532" actId="108"/>
           <ac:spMkLst>
             <pc:docMk/>
             <pc:sldMk cId="4131676587" sldId="358"/>
@@ -1138,7 +1138,7 @@
           <a:p>
             <a:fld id="{EE41F6E3-57F9-402E-BDBA-5B2DE11C8530}" type="datetimeFigureOut">
               <a:rPr lang="en-US" smtClean="0"/>
-              <a:t>9/13/2021</a:t>
+              <a:t>9/26/2021</a:t>
             </a:fld>
             <a:endParaRPr lang="en-US"/>
           </a:p>
@@ -1779,6 +1779,24 @@
           <a:p>
             <a:r>
               <a:rPr lang="en-GB" dirty="0" err="1"/>
+              <a:t>nc</a:t>
+            </a:r>
+            <a:r>
+              <a:rPr lang="en-GB" dirty="0"/>
+              <a:t> –</a:t>
+            </a:r>
+            <a:r>
+              <a:rPr lang="en-GB" dirty="0" err="1"/>
+              <a:t>lp</a:t>
+            </a:r>
+            <a:r>
+              <a:rPr lang="en-GB"/>
+              <a:t> 8080</a:t>
+            </a:r>
+          </a:p>
+          <a:p>
+            <a:r>
+              <a:rPr lang="en-GB" dirty="0" err="1"/>
               <a:t>sudo</a:t>
             </a:r>
             <a:r>
@@ -1978,7 +1996,7 @@
           <a:p>
             <a:fld id="{4263717A-E3C1-4BED-ABE0-B7069385E023}" type="datetimeFigureOut">
               <a:rPr lang="en-US" smtClean="0"/>
-              <a:t>9/13/2021</a:t>
+              <a:t>9/26/2021</a:t>
             </a:fld>
             <a:endParaRPr lang="en-US"/>
           </a:p>
@@ -2151,7 +2169,7 @@
           <a:p>
             <a:fld id="{4263717A-E3C1-4BED-ABE0-B7069385E023}" type="datetimeFigureOut">
               <a:rPr lang="en-US" smtClean="0"/>
-              <a:t>9/13/2021</a:t>
+              <a:t>9/26/2021</a:t>
             </a:fld>
             <a:endParaRPr lang="en-US"/>
           </a:p>
@@ -2329,7 +2347,7 @@
           <a:p>
             <a:fld id="{4263717A-E3C1-4BED-ABE0-B7069385E023}" type="datetimeFigureOut">
               <a:rPr lang="en-US" smtClean="0"/>
-              <a:t>9/13/2021</a:t>
+              <a:t>9/26/2021</a:t>
             </a:fld>
             <a:endParaRPr lang="en-US"/>
           </a:p>
@@ -2497,7 +2515,7 @@
           <a:p>
             <a:fld id="{4263717A-E3C1-4BED-ABE0-B7069385E023}" type="datetimeFigureOut">
               <a:rPr lang="en-US" smtClean="0"/>
-              <a:t>9/13/2021</a:t>
+              <a:t>9/26/2021</a:t>
             </a:fld>
             <a:endParaRPr lang="en-US"/>
           </a:p>
@@ -2742,7 +2760,7 @@
           <a:p>
             <a:fld id="{4263717A-E3C1-4BED-ABE0-B7069385E023}" type="datetimeFigureOut">
               <a:rPr lang="en-US" smtClean="0"/>
-              <a:t>9/13/2021</a:t>
+              <a:t>9/26/2021</a:t>
             </a:fld>
             <a:endParaRPr lang="en-US"/>
           </a:p>
@@ -2971,7 +2989,7 @@
           <a:p>
             <a:fld id="{4263717A-E3C1-4BED-ABE0-B7069385E023}" type="datetimeFigureOut">
               <a:rPr lang="en-US" smtClean="0"/>
-              <a:t>9/13/2021</a:t>
+              <a:t>9/26/2021</a:t>
             </a:fld>
             <a:endParaRPr lang="en-US"/>
           </a:p>
@@ -3335,7 +3353,7 @@
           <a:p>
             <a:fld id="{4263717A-E3C1-4BED-ABE0-B7069385E023}" type="datetimeFigureOut">
               <a:rPr lang="en-US" smtClean="0"/>
-              <a:t>9/13/2021</a:t>
+              <a:t>9/26/2021</a:t>
             </a:fld>
             <a:endParaRPr lang="en-US"/>
           </a:p>
@@ -3452,7 +3470,7 @@
           <a:p>
             <a:fld id="{4263717A-E3C1-4BED-ABE0-B7069385E023}" type="datetimeFigureOut">
               <a:rPr lang="en-US" smtClean="0"/>
-              <a:t>9/13/2021</a:t>
+              <a:t>9/26/2021</a:t>
             </a:fld>
             <a:endParaRPr lang="en-US"/>
           </a:p>
@@ -3547,7 +3565,7 @@
           <a:p>
             <a:fld id="{4263717A-E3C1-4BED-ABE0-B7069385E023}" type="datetimeFigureOut">
               <a:rPr lang="en-US" smtClean="0"/>
-              <a:t>9/13/2021</a:t>
+              <a:t>9/26/2021</a:t>
             </a:fld>
             <a:endParaRPr lang="en-US"/>
           </a:p>
@@ -3822,7 +3840,7 @@
           <a:p>
             <a:fld id="{4263717A-E3C1-4BED-ABE0-B7069385E023}" type="datetimeFigureOut">
               <a:rPr lang="en-US" smtClean="0"/>
-              <a:t>9/13/2021</a:t>
+              <a:t>9/26/2021</a:t>
             </a:fld>
             <a:endParaRPr lang="en-US"/>
           </a:p>
@@ -4074,7 +4092,7 @@
           <a:p>
             <a:fld id="{4263717A-E3C1-4BED-ABE0-B7069385E023}" type="datetimeFigureOut">
               <a:rPr lang="en-US" smtClean="0"/>
-              <a:t>9/13/2021</a:t>
+              <a:t>9/26/2021</a:t>
             </a:fld>
             <a:endParaRPr lang="en-US"/>
           </a:p>
@@ -4285,7 +4303,7 @@
           <a:p>
             <a:fld id="{4263717A-E3C1-4BED-ABE0-B7069385E023}" type="datetimeFigureOut">
               <a:rPr lang="en-US" smtClean="0"/>
-              <a:t>9/13/2021</a:t>
+              <a:t>9/26/2021</a:t>
             </a:fld>
             <a:endParaRPr lang="en-US"/>
           </a:p>
@@ -5828,15 +5846,35 @@
           <a:p>
             <a:r>
               <a:rPr lang="en-GB" dirty="0"/>
-              <a:t>Acquisition a USB in Windows using FTK Imager</a:t>
+              <a:t>Acquisition a USB in Windows using </a:t>
+            </a:r>
+            <a:r>
+              <a:rPr lang="en-GB" i="1" dirty="0">
+                <a:solidFill>
+                  <a:srgbClr val="7030A0"/>
+                </a:solidFill>
+              </a:rPr>
+              <a:t>FTK Imager</a:t>
             </a:r>
           </a:p>
           <a:p>
             <a:r>
               <a:rPr lang="en-US" dirty="0"/>
-              <a:t>Acquisition a USB in Linux using DD</a:t>
-            </a:r>
-            <a:endParaRPr lang="en-GB" dirty="0"/>
+              <a:t>Acquisition a USB in Linux using </a:t>
+            </a:r>
+            <a:r>
+              <a:rPr lang="en-US" i="1" dirty="0">
+                <a:solidFill>
+                  <a:srgbClr val="7030A0"/>
+                </a:solidFill>
+              </a:rPr>
+              <a:t>DD</a:t>
+            </a:r>
+            <a:endParaRPr lang="en-GB" i="1" dirty="0">
+              <a:solidFill>
+                <a:srgbClr val="7030A0"/>
+              </a:solidFill>
+            </a:endParaRPr>
           </a:p>
           <a:p>
             <a:r>
@@ -6589,7 +6627,7 @@
           <a:p>
             <a:r>
               <a:rPr lang="en-US" dirty="0"/>
-              <a:t>Windows as listener</a:t>
+              <a:t>Windows as listener (review)</a:t>
             </a:r>
           </a:p>
         </p:txBody>
@@ -6677,7 +6715,7 @@
           <a:p>
             <a:r>
               <a:rPr lang="en-US" dirty="0"/>
-              <a:t>Network Accusation </a:t>
+              <a:t>Network Acquisition </a:t>
             </a:r>
           </a:p>
         </p:txBody>

--- a/Basic_Computer_Skills_for_Forensics/7_USB_Image_Acquisition.pptx
+++ b/Basic_Computer_Skills_for_Forensics/7_USB_Image_Acquisition.pptx
@@ -808,10 +808,25 @@
   <pc:docChgLst>
     <pc:chgData name="Weifeng Xu" userId="e7aed605-a3dd-4d5a-a692-a87037af107b" providerId="ADAL" clId="{E1DC02F5-E919-4A93-A2D0-6D7A4E94E8EF}"/>
     <pc:docChg chg="undo custSel addSld delSld modSld">
-      <pc:chgData name="Weifeng Xu" userId="e7aed605-a3dd-4d5a-a692-a87037af107b" providerId="ADAL" clId="{E1DC02F5-E919-4A93-A2D0-6D7A4E94E8EF}" dt="2021-09-26T13:50:22.651" v="548" actId="313"/>
+      <pc:chgData name="Weifeng Xu" userId="e7aed605-a3dd-4d5a-a692-a87037af107b" providerId="ADAL" clId="{E1DC02F5-E919-4A93-A2D0-6D7A4E94E8EF}" dt="2021-09-27T21:47:01.625" v="563" actId="6549"/>
       <pc:docMkLst>
         <pc:docMk/>
       </pc:docMkLst>
+      <pc:sldChg chg="modSp mod">
+        <pc:chgData name="Weifeng Xu" userId="e7aed605-a3dd-4d5a-a692-a87037af107b" providerId="ADAL" clId="{E1DC02F5-E919-4A93-A2D0-6D7A4E94E8EF}" dt="2021-09-27T21:47:01.625" v="563" actId="6549"/>
+        <pc:sldMkLst>
+          <pc:docMk/>
+          <pc:sldMk cId="542080552" sldId="258"/>
+        </pc:sldMkLst>
+        <pc:spChg chg="mod">
+          <ac:chgData name="Weifeng Xu" userId="e7aed605-a3dd-4d5a-a692-a87037af107b" providerId="ADAL" clId="{E1DC02F5-E919-4A93-A2D0-6D7A4E94E8EF}" dt="2021-09-27T21:47:01.625" v="563" actId="6549"/>
+          <ac:spMkLst>
+            <pc:docMk/>
+            <pc:sldMk cId="542080552" sldId="258"/>
+            <ac:spMk id="3" creationId="{9FEFF1C0-97E6-4D4F-A349-32811975D57B}"/>
+          </ac:spMkLst>
+        </pc:spChg>
+      </pc:sldChg>
       <pc:sldChg chg="modSp mod">
         <pc:chgData name="Weifeng Xu" userId="e7aed605-a3dd-4d5a-a692-a87037af107b" providerId="ADAL" clId="{E1DC02F5-E919-4A93-A2D0-6D7A4E94E8EF}" dt="2021-09-13T19:32:34.684" v="514" actId="20577"/>
         <pc:sldMkLst>
@@ -866,7 +881,7 @@
         </pc:spChg>
       </pc:sldChg>
       <pc:sldChg chg="addSp delSp modSp new mod modClrScheme chgLayout">
-        <pc:chgData name="Weifeng Xu" userId="e7aed605-a3dd-4d5a-a692-a87037af107b" providerId="ADAL" clId="{E1DC02F5-E919-4A93-A2D0-6D7A4E94E8EF}" dt="2021-09-26T13:49:59.351" v="545" actId="20577"/>
+        <pc:chgData name="Weifeng Xu" userId="e7aed605-a3dd-4d5a-a692-a87037af107b" providerId="ADAL" clId="{E1DC02F5-E919-4A93-A2D0-6D7A4E94E8EF}" dt="2021-09-26T14:01:51.614" v="549" actId="20577"/>
         <pc:sldMkLst>
           <pc:docMk/>
           <pc:sldMk cId="1820608806" sldId="354"/>
@@ -888,7 +903,7 @@
           </ac:spMkLst>
         </pc:spChg>
         <pc:spChg chg="add mod ord">
-          <ac:chgData name="Weifeng Xu" userId="e7aed605-a3dd-4d5a-a692-a87037af107b" providerId="ADAL" clId="{E1DC02F5-E919-4A93-A2D0-6D7A4E94E8EF}" dt="2021-09-26T13:49:59.351" v="545" actId="20577"/>
+          <ac:chgData name="Weifeng Xu" userId="e7aed605-a3dd-4d5a-a692-a87037af107b" providerId="ADAL" clId="{E1DC02F5-E919-4A93-A2D0-6D7A4E94E8EF}" dt="2021-09-26T14:01:51.614" v="549" actId="20577"/>
           <ac:spMkLst>
             <pc:docMk/>
             <pc:sldMk cId="1820608806" sldId="354"/>
@@ -1138,7 +1153,7 @@
           <a:p>
             <a:fld id="{EE41F6E3-57F9-402E-BDBA-5B2DE11C8530}" type="datetimeFigureOut">
               <a:rPr lang="en-US" smtClean="0"/>
-              <a:t>9/26/2021</a:t>
+              <a:t>9/27/2021</a:t>
             </a:fld>
             <a:endParaRPr lang="en-US"/>
           </a:p>
@@ -1996,7 +2011,7 @@
           <a:p>
             <a:fld id="{4263717A-E3C1-4BED-ABE0-B7069385E023}" type="datetimeFigureOut">
               <a:rPr lang="en-US" smtClean="0"/>
-              <a:t>9/26/2021</a:t>
+              <a:t>9/27/2021</a:t>
             </a:fld>
             <a:endParaRPr lang="en-US"/>
           </a:p>
@@ -2169,7 +2184,7 @@
           <a:p>
             <a:fld id="{4263717A-E3C1-4BED-ABE0-B7069385E023}" type="datetimeFigureOut">
               <a:rPr lang="en-US" smtClean="0"/>
-              <a:t>9/26/2021</a:t>
+              <a:t>9/27/2021</a:t>
             </a:fld>
             <a:endParaRPr lang="en-US"/>
           </a:p>
@@ -2347,7 +2362,7 @@
           <a:p>
             <a:fld id="{4263717A-E3C1-4BED-ABE0-B7069385E023}" type="datetimeFigureOut">
               <a:rPr lang="en-US" smtClean="0"/>
-              <a:t>9/26/2021</a:t>
+              <a:t>9/27/2021</a:t>
             </a:fld>
             <a:endParaRPr lang="en-US"/>
           </a:p>
@@ -2515,7 +2530,7 @@
           <a:p>
             <a:fld id="{4263717A-E3C1-4BED-ABE0-B7069385E023}" type="datetimeFigureOut">
               <a:rPr lang="en-US" smtClean="0"/>
-              <a:t>9/26/2021</a:t>
+              <a:t>9/27/2021</a:t>
             </a:fld>
             <a:endParaRPr lang="en-US"/>
           </a:p>
@@ -2760,7 +2775,7 @@
           <a:p>
             <a:fld id="{4263717A-E3C1-4BED-ABE0-B7069385E023}" type="datetimeFigureOut">
               <a:rPr lang="en-US" smtClean="0"/>
-              <a:t>9/26/2021</a:t>
+              <a:t>9/27/2021</a:t>
             </a:fld>
             <a:endParaRPr lang="en-US"/>
           </a:p>
@@ -2989,7 +3004,7 @@
           <a:p>
             <a:fld id="{4263717A-E3C1-4BED-ABE0-B7069385E023}" type="datetimeFigureOut">
               <a:rPr lang="en-US" smtClean="0"/>
-              <a:t>9/26/2021</a:t>
+              <a:t>9/27/2021</a:t>
             </a:fld>
             <a:endParaRPr lang="en-US"/>
           </a:p>
@@ -3353,7 +3368,7 @@
           <a:p>
             <a:fld id="{4263717A-E3C1-4BED-ABE0-B7069385E023}" type="datetimeFigureOut">
               <a:rPr lang="en-US" smtClean="0"/>
-              <a:t>9/26/2021</a:t>
+              <a:t>9/27/2021</a:t>
             </a:fld>
             <a:endParaRPr lang="en-US"/>
           </a:p>
@@ -3470,7 +3485,7 @@
           <a:p>
             <a:fld id="{4263717A-E3C1-4BED-ABE0-B7069385E023}" type="datetimeFigureOut">
               <a:rPr lang="en-US" smtClean="0"/>
-              <a:t>9/26/2021</a:t>
+              <a:t>9/27/2021</a:t>
             </a:fld>
             <a:endParaRPr lang="en-US"/>
           </a:p>
@@ -3565,7 +3580,7 @@
           <a:p>
             <a:fld id="{4263717A-E3C1-4BED-ABE0-B7069385E023}" type="datetimeFigureOut">
               <a:rPr lang="en-US" smtClean="0"/>
-              <a:t>9/26/2021</a:t>
+              <a:t>9/27/2021</a:t>
             </a:fld>
             <a:endParaRPr lang="en-US"/>
           </a:p>
@@ -3840,7 +3855,7 @@
           <a:p>
             <a:fld id="{4263717A-E3C1-4BED-ABE0-B7069385E023}" type="datetimeFigureOut">
               <a:rPr lang="en-US" smtClean="0"/>
-              <a:t>9/26/2021</a:t>
+              <a:t>9/27/2021</a:t>
             </a:fld>
             <a:endParaRPr lang="en-US"/>
           </a:p>
@@ -4092,7 +4107,7 @@
           <a:p>
             <a:fld id="{4263717A-E3C1-4BED-ABE0-B7069385E023}" type="datetimeFigureOut">
               <a:rPr lang="en-US" smtClean="0"/>
-              <a:t>9/26/2021</a:t>
+              <a:t>9/27/2021</a:t>
             </a:fld>
             <a:endParaRPr lang="en-US"/>
           </a:p>
@@ -4303,7 +4318,7 @@
           <a:p>
             <a:fld id="{4263717A-E3C1-4BED-ABE0-B7069385E023}" type="datetimeFigureOut">
               <a:rPr lang="en-US" smtClean="0"/>
-              <a:t>9/26/2021</a:t>
+              <a:t>9/27/2021</a:t>
             </a:fld>
             <a:endParaRPr lang="en-US"/>
           </a:p>
@@ -6627,8 +6642,13 @@
           <a:p>
             <a:r>
               <a:rPr lang="en-US" dirty="0"/>
-              <a:t>Windows as listener (review)</a:t>
-            </a:r>
+              <a:t>Windows </a:t>
+            </a:r>
+            <a:r>
+              <a:rPr lang="en-US"/>
+              <a:t>as listener</a:t>
+            </a:r>
+            <a:endParaRPr lang="en-US" dirty="0"/>
           </a:p>
         </p:txBody>
       </p:sp>
@@ -6952,7 +6972,7 @@
             </a:r>
             <a:r>
               <a:rPr lang="en-GB" dirty="0"/>
-              <a:t> of a disk volume or</a:t>
+              <a:t> of a disk volume (partition) or</a:t>
             </a:r>
           </a:p>
           <a:p>

--- a/Basic_Computer_Skills_for_Forensics/7_USB_Image_Acquisition.pptx
+++ b/Basic_Computer_Skills_for_Forensics/7_USB_Image_Acquisition.pptx
@@ -5,7 +5,7 @@
     <p:sldMasterId id="2147483648" r:id="rId1"/>
   </p:sldMasterIdLst>
   <p:notesMasterIdLst>
-    <p:notesMasterId r:id="rId31"/>
+    <p:notesMasterId r:id="rId36"/>
   </p:notesMasterIdLst>
   <p:sldIdLst>
     <p:sldId id="256" r:id="rId2"/>
@@ -23,20 +23,25 @@
     <p:sldId id="330" r:id="rId14"/>
     <p:sldId id="336" r:id="rId15"/>
     <p:sldId id="337" r:id="rId16"/>
-    <p:sldId id="338" r:id="rId17"/>
-    <p:sldId id="344" r:id="rId18"/>
-    <p:sldId id="345" r:id="rId19"/>
-    <p:sldId id="346" r:id="rId20"/>
-    <p:sldId id="347" r:id="rId21"/>
-    <p:sldId id="348" r:id="rId22"/>
-    <p:sldId id="349" r:id="rId23"/>
-    <p:sldId id="351" r:id="rId24"/>
-    <p:sldId id="352" r:id="rId25"/>
-    <p:sldId id="353" r:id="rId26"/>
-    <p:sldId id="355" r:id="rId27"/>
-    <p:sldId id="354" r:id="rId28"/>
-    <p:sldId id="356" r:id="rId29"/>
-    <p:sldId id="357" r:id="rId30"/>
+    <p:sldId id="363" r:id="rId17"/>
+    <p:sldId id="338" r:id="rId18"/>
+    <p:sldId id="344" r:id="rId19"/>
+    <p:sldId id="345" r:id="rId20"/>
+    <p:sldId id="346" r:id="rId21"/>
+    <p:sldId id="347" r:id="rId22"/>
+    <p:sldId id="348" r:id="rId23"/>
+    <p:sldId id="349" r:id="rId24"/>
+    <p:sldId id="351" r:id="rId25"/>
+    <p:sldId id="352" r:id="rId26"/>
+    <p:sldId id="353" r:id="rId27"/>
+    <p:sldId id="355" r:id="rId28"/>
+    <p:sldId id="354" r:id="rId29"/>
+    <p:sldId id="356" r:id="rId30"/>
+    <p:sldId id="357" r:id="rId31"/>
+    <p:sldId id="362" r:id="rId32"/>
+    <p:sldId id="359" r:id="rId33"/>
+    <p:sldId id="360" r:id="rId34"/>
+    <p:sldId id="361" r:id="rId35"/>
   </p:sldIdLst>
   <p:sldSz cx="12192000" cy="6858000"/>
   <p:notesSz cx="6858000" cy="9144000"/>
@@ -146,7 +151,7 @@
 <file path=ppt/revisionInfo.xml><?xml version="1.0" encoding="utf-8"?>
 <p1510:revInfo xmlns:a="http://schemas.openxmlformats.org/drawingml/2006/main" xmlns:r="http://schemas.openxmlformats.org/officeDocument/2006/relationships" xmlns:p1510="http://schemas.microsoft.com/office/powerpoint/2015/10/main">
   <p1510:revLst>
-    <p1510:client id="{E1DC02F5-E919-4A93-A2D0-6D7A4E94E8EF}" v="3" dt="2021-09-13T19:24:21.035"/>
+    <p1510:client id="{E1DC02F5-E919-4A93-A2D0-6D7A4E94E8EF}" v="9" dt="2021-12-13T15:57:49.037"/>
   </p1510:revLst>
 </p1510:revInfo>
 </file>
@@ -808,7 +813,7 @@
   <pc:docChgLst>
     <pc:chgData name="Weifeng Xu" userId="e7aed605-a3dd-4d5a-a692-a87037af107b" providerId="ADAL" clId="{E1DC02F5-E919-4A93-A2D0-6D7A4E94E8EF}"/>
     <pc:docChg chg="undo custSel addSld delSld modSld">
-      <pc:chgData name="Weifeng Xu" userId="e7aed605-a3dd-4d5a-a692-a87037af107b" providerId="ADAL" clId="{E1DC02F5-E919-4A93-A2D0-6D7A4E94E8EF}" dt="2021-09-27T21:47:01.625" v="563" actId="6549"/>
+      <pc:chgData name="Weifeng Xu" userId="e7aed605-a3dd-4d5a-a692-a87037af107b" providerId="ADAL" clId="{E1DC02F5-E919-4A93-A2D0-6D7A4E94E8EF}" dt="2021-12-13T16:02:37.352" v="968" actId="108"/>
       <pc:docMkLst>
         <pc:docMk/>
       </pc:docMkLst>
@@ -920,7 +925,7 @@
         </pc:picChg>
       </pc:sldChg>
       <pc:sldChg chg="addSp delSp modSp new mod modClrScheme chgLayout">
-        <pc:chgData name="Weifeng Xu" userId="e7aed605-a3dd-4d5a-a692-a87037af107b" providerId="ADAL" clId="{E1DC02F5-E919-4A93-A2D0-6D7A4E94E8EF}" dt="2021-09-13T19:25:52.308" v="435" actId="20577"/>
+        <pc:chgData name="Weifeng Xu" userId="e7aed605-a3dd-4d5a-a692-a87037af107b" providerId="ADAL" clId="{E1DC02F5-E919-4A93-A2D0-6D7A4E94E8EF}" dt="2021-12-13T14:55:19.450" v="604" actId="6549"/>
         <pc:sldMkLst>
           <pc:docMk/>
           <pc:sldMk cId="59612101" sldId="355"/>
@@ -942,7 +947,7 @@
           </ac:spMkLst>
         </pc:spChg>
         <pc:spChg chg="add mod ord">
-          <ac:chgData name="Weifeng Xu" userId="e7aed605-a3dd-4d5a-a692-a87037af107b" providerId="ADAL" clId="{E1DC02F5-E919-4A93-A2D0-6D7A4E94E8EF}" dt="2021-09-13T19:25:17.836" v="424" actId="20577"/>
+          <ac:chgData name="Weifeng Xu" userId="e7aed605-a3dd-4d5a-a692-a87037af107b" providerId="ADAL" clId="{E1DC02F5-E919-4A93-A2D0-6D7A4E94E8EF}" dt="2021-12-13T14:55:19.450" v="604" actId="6549"/>
           <ac:spMkLst>
             <pc:docMk/>
             <pc:sldMk cId="59612101" sldId="355"/>
@@ -998,13 +1003,13 @@
         </pc:picChg>
       </pc:sldChg>
       <pc:sldChg chg="addSp delSp modSp new mod">
-        <pc:chgData name="Weifeng Xu" userId="e7aed605-a3dd-4d5a-a692-a87037af107b" providerId="ADAL" clId="{E1DC02F5-E919-4A93-A2D0-6D7A4E94E8EF}" dt="2021-09-13T19:27:59.511" v="470" actId="14100"/>
+        <pc:chgData name="Weifeng Xu" userId="e7aed605-a3dd-4d5a-a692-a87037af107b" providerId="ADAL" clId="{E1DC02F5-E919-4A93-A2D0-6D7A4E94E8EF}" dt="2021-12-13T15:00:30.994" v="796" actId="20577"/>
         <pc:sldMkLst>
           <pc:docMk/>
           <pc:sldMk cId="1655981096" sldId="357"/>
         </pc:sldMkLst>
         <pc:spChg chg="mod">
-          <ac:chgData name="Weifeng Xu" userId="e7aed605-a3dd-4d5a-a692-a87037af107b" providerId="ADAL" clId="{E1DC02F5-E919-4A93-A2D0-6D7A4E94E8EF}" dt="2021-09-13T19:21:44.640" v="404" actId="20577"/>
+          <ac:chgData name="Weifeng Xu" userId="e7aed605-a3dd-4d5a-a692-a87037af107b" providerId="ADAL" clId="{E1DC02F5-E919-4A93-A2D0-6D7A4E94E8EF}" dt="2021-12-13T15:00:30.994" v="796" actId="20577"/>
           <ac:spMkLst>
             <pc:docMk/>
             <pc:sldMk cId="1655981096" sldId="357"/>
@@ -1066,6 +1071,169 @@
           </ac:spMkLst>
         </pc:spChg>
       </pc:sldChg>
+      <pc:sldChg chg="addSp modSp new mod">
+        <pc:chgData name="Weifeng Xu" userId="e7aed605-a3dd-4d5a-a692-a87037af107b" providerId="ADAL" clId="{E1DC02F5-E919-4A93-A2D0-6D7A4E94E8EF}" dt="2021-12-13T14:58:40.868" v="719" actId="20577"/>
+        <pc:sldMkLst>
+          <pc:docMk/>
+          <pc:sldMk cId="3992522744" sldId="359"/>
+        </pc:sldMkLst>
+        <pc:spChg chg="mod">
+          <ac:chgData name="Weifeng Xu" userId="e7aed605-a3dd-4d5a-a692-a87037af107b" providerId="ADAL" clId="{E1DC02F5-E919-4A93-A2D0-6D7A4E94E8EF}" dt="2021-12-13T14:58:40.868" v="719" actId="20577"/>
+          <ac:spMkLst>
+            <pc:docMk/>
+            <pc:sldMk cId="3992522744" sldId="359"/>
+            <ac:spMk id="2" creationId="{AB13E184-3303-42E2-B8C9-659504832D95}"/>
+          </ac:spMkLst>
+        </pc:spChg>
+        <pc:picChg chg="add mod">
+          <ac:chgData name="Weifeng Xu" userId="e7aed605-a3dd-4d5a-a692-a87037af107b" providerId="ADAL" clId="{E1DC02F5-E919-4A93-A2D0-6D7A4E94E8EF}" dt="2021-12-13T14:40:20.211" v="568" actId="14100"/>
+          <ac:picMkLst>
+            <pc:docMk/>
+            <pc:sldMk cId="3992522744" sldId="359"/>
+            <ac:picMk id="4" creationId="{2B8FA0A6-1D6C-4A87-82E4-C207EF0DC8FA}"/>
+          </ac:picMkLst>
+        </pc:picChg>
+      </pc:sldChg>
+      <pc:sldChg chg="addSp delSp modSp new mod">
+        <pc:chgData name="Weifeng Xu" userId="e7aed605-a3dd-4d5a-a692-a87037af107b" providerId="ADAL" clId="{E1DC02F5-E919-4A93-A2D0-6D7A4E94E8EF}" dt="2021-12-13T15:00:05.283" v="788" actId="20577"/>
+        <pc:sldMkLst>
+          <pc:docMk/>
+          <pc:sldMk cId="2603918265" sldId="360"/>
+        </pc:sldMkLst>
+        <pc:spChg chg="mod">
+          <ac:chgData name="Weifeng Xu" userId="e7aed605-a3dd-4d5a-a692-a87037af107b" providerId="ADAL" clId="{E1DC02F5-E919-4A93-A2D0-6D7A4E94E8EF}" dt="2021-12-13T15:00:05.283" v="788" actId="20577"/>
+          <ac:spMkLst>
+            <pc:docMk/>
+            <pc:sldMk cId="2603918265" sldId="360"/>
+            <ac:spMk id="2" creationId="{BA0FC3C2-DA3F-4770-8FD3-B130E52EB1B9}"/>
+          </ac:spMkLst>
+        </pc:spChg>
+        <pc:spChg chg="add del mod">
+          <ac:chgData name="Weifeng Xu" userId="e7aed605-a3dd-4d5a-a692-a87037af107b" providerId="ADAL" clId="{E1DC02F5-E919-4A93-A2D0-6D7A4E94E8EF}" dt="2021-12-13T14:59:19.975" v="736" actId="767"/>
+          <ac:spMkLst>
+            <pc:docMk/>
+            <pc:sldMk cId="2603918265" sldId="360"/>
+            <ac:spMk id="7" creationId="{4B50C26F-6D26-4404-8B3D-78B2597BBF05}"/>
+          </ac:spMkLst>
+        </pc:spChg>
+        <pc:spChg chg="add mod">
+          <ac:chgData name="Weifeng Xu" userId="e7aed605-a3dd-4d5a-a692-a87037af107b" providerId="ADAL" clId="{E1DC02F5-E919-4A93-A2D0-6D7A4E94E8EF}" dt="2021-12-13T14:59:36.785" v="753" actId="1076"/>
+          <ac:spMkLst>
+            <pc:docMk/>
+            <pc:sldMk cId="2603918265" sldId="360"/>
+            <ac:spMk id="8" creationId="{88970998-0931-4E19-8CB3-1CCE0B175418}"/>
+          </ac:spMkLst>
+        </pc:spChg>
+        <pc:spChg chg="add mod">
+          <ac:chgData name="Weifeng Xu" userId="e7aed605-a3dd-4d5a-a692-a87037af107b" providerId="ADAL" clId="{E1DC02F5-E919-4A93-A2D0-6D7A4E94E8EF}" dt="2021-12-13T14:59:52.314" v="772" actId="20577"/>
+          <ac:spMkLst>
+            <pc:docMk/>
+            <pc:sldMk cId="2603918265" sldId="360"/>
+            <ac:spMk id="9" creationId="{C0B8EB65-DA9E-41A1-B75E-E015CA10F24F}"/>
+          </ac:spMkLst>
+        </pc:spChg>
+        <pc:picChg chg="add mod modCrop">
+          <ac:chgData name="Weifeng Xu" userId="e7aed605-a3dd-4d5a-a692-a87037af107b" providerId="ADAL" clId="{E1DC02F5-E919-4A93-A2D0-6D7A4E94E8EF}" dt="2021-12-13T14:52:17.636" v="579" actId="1076"/>
+          <ac:picMkLst>
+            <pc:docMk/>
+            <pc:sldMk cId="2603918265" sldId="360"/>
+            <ac:picMk id="4" creationId="{A5D5BA62-4309-4684-AB74-59359668D6FC}"/>
+          </ac:picMkLst>
+        </pc:picChg>
+        <pc:picChg chg="add mod">
+          <ac:chgData name="Weifeng Xu" userId="e7aed605-a3dd-4d5a-a692-a87037af107b" providerId="ADAL" clId="{E1DC02F5-E919-4A93-A2D0-6D7A4E94E8EF}" dt="2021-12-13T14:52:16.588" v="578" actId="1076"/>
+          <ac:picMkLst>
+            <pc:docMk/>
+            <pc:sldMk cId="2603918265" sldId="360"/>
+            <ac:picMk id="6" creationId="{DB1ACF2B-28E4-41B7-A8A0-8FB8624D8CCD}"/>
+          </ac:picMkLst>
+        </pc:picChg>
+      </pc:sldChg>
+      <pc:sldChg chg="addSp delSp modSp new mod modClrScheme chgLayout">
+        <pc:chgData name="Weifeng Xu" userId="e7aed605-a3dd-4d5a-a692-a87037af107b" providerId="ADAL" clId="{E1DC02F5-E919-4A93-A2D0-6D7A4E94E8EF}" dt="2021-12-13T15:00:42.177" v="802" actId="20577"/>
+        <pc:sldMkLst>
+          <pc:docMk/>
+          <pc:sldMk cId="3328413051" sldId="361"/>
+        </pc:sldMkLst>
+        <pc:spChg chg="del">
+          <ac:chgData name="Weifeng Xu" userId="e7aed605-a3dd-4d5a-a692-a87037af107b" providerId="ADAL" clId="{E1DC02F5-E919-4A93-A2D0-6D7A4E94E8EF}" dt="2021-12-13T14:53:13.612" v="581" actId="700"/>
+          <ac:spMkLst>
+            <pc:docMk/>
+            <pc:sldMk cId="3328413051" sldId="361"/>
+            <ac:spMk id="2" creationId="{8677340E-888C-48D6-BC99-0E96739B6868}"/>
+          </ac:spMkLst>
+        </pc:spChg>
+        <pc:spChg chg="add mod ord">
+          <ac:chgData name="Weifeng Xu" userId="e7aed605-a3dd-4d5a-a692-a87037af107b" providerId="ADAL" clId="{E1DC02F5-E919-4A93-A2D0-6D7A4E94E8EF}" dt="2021-12-13T15:00:42.177" v="802" actId="20577"/>
+          <ac:spMkLst>
+            <pc:docMk/>
+            <pc:sldMk cId="3328413051" sldId="361"/>
+            <ac:spMk id="5" creationId="{8AEBD18F-93BE-4520-A0FE-C81395920CE5}"/>
+          </ac:spMkLst>
+        </pc:spChg>
+        <pc:picChg chg="add mod">
+          <ac:chgData name="Weifeng Xu" userId="e7aed605-a3dd-4d5a-a692-a87037af107b" providerId="ADAL" clId="{E1DC02F5-E919-4A93-A2D0-6D7A4E94E8EF}" dt="2021-12-13T15:00:20.721" v="790" actId="1076"/>
+          <ac:picMkLst>
+            <pc:docMk/>
+            <pc:sldMk cId="3328413051" sldId="361"/>
+            <ac:picMk id="4" creationId="{B7691A99-45D1-4C91-99E7-191C01D17A8D}"/>
+          </ac:picMkLst>
+        </pc:picChg>
+      </pc:sldChg>
+      <pc:sldChg chg="addSp modSp new mod modClrScheme chgLayout">
+        <pc:chgData name="Weifeng Xu" userId="e7aed605-a3dd-4d5a-a692-a87037af107b" providerId="ADAL" clId="{E1DC02F5-E919-4A93-A2D0-6D7A4E94E8EF}" dt="2021-12-13T14:58:25.195" v="689"/>
+        <pc:sldMkLst>
+          <pc:docMk/>
+          <pc:sldMk cId="2344545590" sldId="362"/>
+        </pc:sldMkLst>
+        <pc:spChg chg="mod ord">
+          <ac:chgData name="Weifeng Xu" userId="e7aed605-a3dd-4d5a-a692-a87037af107b" providerId="ADAL" clId="{E1DC02F5-E919-4A93-A2D0-6D7A4E94E8EF}" dt="2021-12-13T14:56:26.045" v="618" actId="700"/>
+          <ac:spMkLst>
+            <pc:docMk/>
+            <pc:sldMk cId="2344545590" sldId="362"/>
+            <ac:spMk id="2" creationId="{E0A1AB2A-4CED-4DD1-9C9C-34F77918C7D2}"/>
+          </ac:spMkLst>
+        </pc:spChg>
+        <pc:spChg chg="add mod ord">
+          <ac:chgData name="Weifeng Xu" userId="e7aed605-a3dd-4d5a-a692-a87037af107b" providerId="ADAL" clId="{E1DC02F5-E919-4A93-A2D0-6D7A4E94E8EF}" dt="2021-12-13T14:58:25.195" v="689"/>
+          <ac:spMkLst>
+            <pc:docMk/>
+            <pc:sldMk cId="2344545590" sldId="362"/>
+            <ac:spMk id="3" creationId="{BF9B68A6-BD88-4FBF-BB17-05A4E678B00D}"/>
+          </ac:spMkLst>
+        </pc:spChg>
+      </pc:sldChg>
+      <pc:sldChg chg="addSp modSp new mod modClrScheme chgLayout">
+        <pc:chgData name="Weifeng Xu" userId="e7aed605-a3dd-4d5a-a692-a87037af107b" providerId="ADAL" clId="{E1DC02F5-E919-4A93-A2D0-6D7A4E94E8EF}" dt="2021-12-13T16:02:37.352" v="968" actId="108"/>
+        <pc:sldMkLst>
+          <pc:docMk/>
+          <pc:sldMk cId="3376442847" sldId="363"/>
+        </pc:sldMkLst>
+        <pc:spChg chg="add mod">
+          <ac:chgData name="Weifeng Xu" userId="e7aed605-a3dd-4d5a-a692-a87037af107b" providerId="ADAL" clId="{E1DC02F5-E919-4A93-A2D0-6D7A4E94E8EF}" dt="2021-12-13T15:57:21.339" v="858" actId="20577"/>
+          <ac:spMkLst>
+            <pc:docMk/>
+            <pc:sldMk cId="3376442847" sldId="363"/>
+            <ac:spMk id="2" creationId="{D81D747D-1BC8-47E8-B050-54475B04757A}"/>
+          </ac:spMkLst>
+        </pc:spChg>
+        <pc:spChg chg="add mod">
+          <ac:chgData name="Weifeng Xu" userId="e7aed605-a3dd-4d5a-a692-a87037af107b" providerId="ADAL" clId="{E1DC02F5-E919-4A93-A2D0-6D7A4E94E8EF}" dt="2021-12-13T16:02:37.352" v="968" actId="108"/>
+          <ac:spMkLst>
+            <pc:docMk/>
+            <pc:sldMk cId="3376442847" sldId="363"/>
+            <ac:spMk id="3" creationId="{F2AD0191-A8F3-4FF5-B489-0CA6106CADF0}"/>
+          </ac:spMkLst>
+        </pc:spChg>
+        <pc:picChg chg="add mod">
+          <ac:chgData name="Weifeng Xu" userId="e7aed605-a3dd-4d5a-a692-a87037af107b" providerId="ADAL" clId="{E1DC02F5-E919-4A93-A2D0-6D7A4E94E8EF}" dt="2021-12-13T16:01:15.701" v="962" actId="1076"/>
+          <ac:picMkLst>
+            <pc:docMk/>
+            <pc:sldMk cId="3376442847" sldId="363"/>
+            <ac:picMk id="5" creationId="{6A0504FE-8A1D-4CD9-9D1D-3B5870781274}"/>
+          </ac:picMkLst>
+        </pc:picChg>
+      </pc:sldChg>
     </pc:docChg>
   </pc:docChgLst>
 </pc:chgInfo>
@@ -1153,7 +1321,7 @@
           <a:p>
             <a:fld id="{EE41F6E3-57F9-402E-BDBA-5B2DE11C8530}" type="datetimeFigureOut">
               <a:rPr lang="en-US" smtClean="0"/>
-              <a:t>9/27/2021</a:t>
+              <a:t>12/13/2021</a:t>
             </a:fld>
             <a:endParaRPr lang="en-US"/>
           </a:p>
@@ -1863,7 +2031,7 @@
           <a:p>
             <a:fld id="{DDBF98C7-164A-4723-84F0-B1E4B080DDEC}" type="slidenum">
               <a:rPr lang="en-US" smtClean="0"/>
-              <a:t>24</a:t>
+              <a:t>25</a:t>
             </a:fld>
             <a:endParaRPr lang="en-US"/>
           </a:p>
@@ -2011,7 +2179,7 @@
           <a:p>
             <a:fld id="{4263717A-E3C1-4BED-ABE0-B7069385E023}" type="datetimeFigureOut">
               <a:rPr lang="en-US" smtClean="0"/>
-              <a:t>9/27/2021</a:t>
+              <a:t>12/13/2021</a:t>
             </a:fld>
             <a:endParaRPr lang="en-US"/>
           </a:p>
@@ -2184,7 +2352,7 @@
           <a:p>
             <a:fld id="{4263717A-E3C1-4BED-ABE0-B7069385E023}" type="datetimeFigureOut">
               <a:rPr lang="en-US" smtClean="0"/>
-              <a:t>9/27/2021</a:t>
+              <a:t>12/13/2021</a:t>
             </a:fld>
             <a:endParaRPr lang="en-US"/>
           </a:p>
@@ -2362,7 +2530,7 @@
           <a:p>
             <a:fld id="{4263717A-E3C1-4BED-ABE0-B7069385E023}" type="datetimeFigureOut">
               <a:rPr lang="en-US" smtClean="0"/>
-              <a:t>9/27/2021</a:t>
+              <a:t>12/13/2021</a:t>
             </a:fld>
             <a:endParaRPr lang="en-US"/>
           </a:p>
@@ -2530,7 +2698,7 @@
           <a:p>
             <a:fld id="{4263717A-E3C1-4BED-ABE0-B7069385E023}" type="datetimeFigureOut">
               <a:rPr lang="en-US" smtClean="0"/>
-              <a:t>9/27/2021</a:t>
+              <a:t>12/13/2021</a:t>
             </a:fld>
             <a:endParaRPr lang="en-US"/>
           </a:p>
@@ -2775,7 +2943,7 @@
           <a:p>
             <a:fld id="{4263717A-E3C1-4BED-ABE0-B7069385E023}" type="datetimeFigureOut">
               <a:rPr lang="en-US" smtClean="0"/>
-              <a:t>9/27/2021</a:t>
+              <a:t>12/13/2021</a:t>
             </a:fld>
             <a:endParaRPr lang="en-US"/>
           </a:p>
@@ -3004,7 +3172,7 @@
           <a:p>
             <a:fld id="{4263717A-E3C1-4BED-ABE0-B7069385E023}" type="datetimeFigureOut">
               <a:rPr lang="en-US" smtClean="0"/>
-              <a:t>9/27/2021</a:t>
+              <a:t>12/13/2021</a:t>
             </a:fld>
             <a:endParaRPr lang="en-US"/>
           </a:p>
@@ -3368,7 +3536,7 @@
           <a:p>
             <a:fld id="{4263717A-E3C1-4BED-ABE0-B7069385E023}" type="datetimeFigureOut">
               <a:rPr lang="en-US" smtClean="0"/>
-              <a:t>9/27/2021</a:t>
+              <a:t>12/13/2021</a:t>
             </a:fld>
             <a:endParaRPr lang="en-US"/>
           </a:p>
@@ -3485,7 +3653,7 @@
           <a:p>
             <a:fld id="{4263717A-E3C1-4BED-ABE0-B7069385E023}" type="datetimeFigureOut">
               <a:rPr lang="en-US" smtClean="0"/>
-              <a:t>9/27/2021</a:t>
+              <a:t>12/13/2021</a:t>
             </a:fld>
             <a:endParaRPr lang="en-US"/>
           </a:p>
@@ -3580,7 +3748,7 @@
           <a:p>
             <a:fld id="{4263717A-E3C1-4BED-ABE0-B7069385E023}" type="datetimeFigureOut">
               <a:rPr lang="en-US" smtClean="0"/>
-              <a:t>9/27/2021</a:t>
+              <a:t>12/13/2021</a:t>
             </a:fld>
             <a:endParaRPr lang="en-US"/>
           </a:p>
@@ -3855,7 +4023,7 @@
           <a:p>
             <a:fld id="{4263717A-E3C1-4BED-ABE0-B7069385E023}" type="datetimeFigureOut">
               <a:rPr lang="en-US" smtClean="0"/>
-              <a:t>9/27/2021</a:t>
+              <a:t>12/13/2021</a:t>
             </a:fld>
             <a:endParaRPr lang="en-US"/>
           </a:p>
@@ -4107,7 +4275,7 @@
           <a:p>
             <a:fld id="{4263717A-E3C1-4BED-ABE0-B7069385E023}" type="datetimeFigureOut">
               <a:rPr lang="en-US" smtClean="0"/>
-              <a:t>9/27/2021</a:t>
+              <a:t>12/13/2021</a:t>
             </a:fld>
             <a:endParaRPr lang="en-US"/>
           </a:p>
@@ -4318,7 +4486,7 @@
           <a:p>
             <a:fld id="{4263717A-E3C1-4BED-ABE0-B7069385E023}" type="datetimeFigureOut">
               <a:rPr lang="en-US" smtClean="0"/>
-              <a:t>9/27/2021</a:t>
+              <a:t>12/13/2021</a:t>
             </a:fld>
             <a:endParaRPr lang="en-US"/>
           </a:p>
@@ -5506,6 +5674,178 @@
       </p:grpSpPr>
       <p:sp>
         <p:nvSpPr>
+          <p:cNvPr id="2" name="Title 1">
+            <a:extLst>
+              <a:ext uri="{FF2B5EF4-FFF2-40B4-BE49-F238E27FC236}">
+                <a16:creationId xmlns:a16="http://schemas.microsoft.com/office/drawing/2014/main" id="{D81D747D-1BC8-47E8-B050-54475B04757A}"/>
+              </a:ext>
+            </a:extLst>
+          </p:cNvPr>
+          <p:cNvSpPr>
+            <a:spLocks noGrp="1"/>
+          </p:cNvSpPr>
+          <p:nvPr>
+            <p:ph type="title"/>
+          </p:nvPr>
+        </p:nvSpPr>
+        <p:spPr/>
+        <p:txBody>
+          <a:bodyPr/>
+          <a:lstStyle/>
+          <a:p>
+            <a:r>
+              <a:rPr lang="en-US" dirty="0"/>
+              <a:t>Alternative (Windows version of dd)</a:t>
+            </a:r>
+          </a:p>
+        </p:txBody>
+      </p:sp>
+      <p:sp>
+        <p:nvSpPr>
+          <p:cNvPr id="3" name="Content Placeholder 2">
+            <a:extLst>
+              <a:ext uri="{FF2B5EF4-FFF2-40B4-BE49-F238E27FC236}">
+                <a16:creationId xmlns:a16="http://schemas.microsoft.com/office/drawing/2014/main" id="{F2AD0191-A8F3-4FF5-B489-0CA6106CADF0}"/>
+              </a:ext>
+            </a:extLst>
+          </p:cNvPr>
+          <p:cNvSpPr>
+            <a:spLocks noGrp="1"/>
+          </p:cNvSpPr>
+          <p:nvPr>
+            <p:ph idx="1"/>
+          </p:nvPr>
+        </p:nvSpPr>
+        <p:spPr/>
+        <p:txBody>
+          <a:bodyPr/>
+          <a:lstStyle/>
+          <a:p>
+            <a:r>
+              <a:rPr lang="en-GB" dirty="0"/>
+              <a:t>Download dd utility:</a:t>
+            </a:r>
+          </a:p>
+          <a:p>
+            <a:pPr lvl="1"/>
+            <a:r>
+              <a:rPr lang="en-GB" dirty="0">
+                <a:hlinkClick r:id="rId2"/>
+              </a:rPr>
+              <a:t>http://www.chrysocome.net/downloads/dd-0.5.zip</a:t>
+            </a:r>
+            <a:endParaRPr lang="en-GB" dirty="0"/>
+          </a:p>
+          <a:p>
+            <a:r>
+              <a:rPr lang="en-GB" dirty="0"/>
+              <a:t>Unzip it and make a copy on your Desktop</a:t>
+            </a:r>
+          </a:p>
+          <a:p>
+            <a:r>
+              <a:rPr lang="en-GB" dirty="0"/>
+              <a:t>Check disks </a:t>
+            </a:r>
+          </a:p>
+          <a:p>
+            <a:pPr lvl="1"/>
+            <a:r>
+              <a:rPr lang="en-GB" i="1" dirty="0">
+                <a:solidFill>
+                  <a:srgbClr val="7030A0"/>
+                </a:solidFill>
+              </a:rPr>
+              <a:t>dd --list</a:t>
+            </a:r>
+          </a:p>
+          <a:p>
+            <a:r>
+              <a:rPr lang="en-GB" dirty="0"/>
+              <a:t>Acquire the disk image</a:t>
+            </a:r>
+          </a:p>
+          <a:p>
+            <a:pPr lvl="1"/>
+            <a:r>
+              <a:rPr lang="en-GB" i="1" dirty="0">
+                <a:solidFill>
+                  <a:srgbClr val="7030A0"/>
+                </a:solidFill>
+              </a:rPr>
+              <a:t>dd if=\\.\Volume{6d634efd-0000-0000-0000-501f00000000} of=c:\usb.img</a:t>
+            </a:r>
+          </a:p>
+          <a:p>
+            <a:endParaRPr lang="en-GB" dirty="0"/>
+          </a:p>
+          <a:p>
+            <a:endParaRPr lang="en-US" dirty="0"/>
+          </a:p>
+        </p:txBody>
+      </p:sp>
+      <p:pic>
+        <p:nvPicPr>
+          <p:cNvPr id="5" name="Picture 4">
+            <a:extLst>
+              <a:ext uri="{FF2B5EF4-FFF2-40B4-BE49-F238E27FC236}">
+                <a16:creationId xmlns:a16="http://schemas.microsoft.com/office/drawing/2014/main" id="{6A0504FE-8A1D-4CD9-9D1D-3B5870781274}"/>
+              </a:ext>
+            </a:extLst>
+          </p:cNvPr>
+          <p:cNvPicPr>
+            <a:picLocks noChangeAspect="1"/>
+          </p:cNvPicPr>
+          <p:nvPr/>
+        </p:nvPicPr>
+        <p:blipFill>
+          <a:blip r:embed="rId3"/>
+          <a:stretch>
+            <a:fillRect/>
+          </a:stretch>
+        </p:blipFill>
+        <p:spPr>
+          <a:xfrm>
+            <a:off x="5561428" y="3260740"/>
+            <a:ext cx="3638844" cy="1317228"/>
+          </a:xfrm>
+          <a:prstGeom prst="rect">
+            <a:avLst/>
+          </a:prstGeom>
+        </p:spPr>
+      </p:pic>
+    </p:spTree>
+    <p:extLst>
+      <p:ext uri="{BB962C8B-B14F-4D97-AF65-F5344CB8AC3E}">
+        <p14:creationId xmlns:p14="http://schemas.microsoft.com/office/powerpoint/2010/main" val="3376442847"/>
+      </p:ext>
+    </p:extLst>
+  </p:cSld>
+  <p:clrMapOvr>
+    <a:masterClrMapping/>
+  </p:clrMapOvr>
+</p:sld>
+</file>
+
+<file path=ppt/slides/slide17.xml><?xml version="1.0" encoding="utf-8"?>
+<p:sld xmlns:a="http://schemas.openxmlformats.org/drawingml/2006/main" xmlns:r="http://schemas.openxmlformats.org/officeDocument/2006/relationships" xmlns:p="http://schemas.openxmlformats.org/presentationml/2006/main">
+  <p:cSld>
+    <p:spTree>
+      <p:nvGrpSpPr>
+        <p:cNvPr id="1" name=""/>
+        <p:cNvGrpSpPr/>
+        <p:nvPr/>
+      </p:nvGrpSpPr>
+      <p:grpSpPr>
+        <a:xfrm>
+          <a:off x="0" y="0"/>
+          <a:ext cx="0" cy="0"/>
+          <a:chOff x="0" y="0"/>
+          <a:chExt cx="0" cy="0"/>
+        </a:xfrm>
+      </p:grpSpPr>
+      <p:sp>
+        <p:nvSpPr>
           <p:cNvPr id="4" name="Title 3">
             <a:extLst>
               <a:ext uri="{FF2B5EF4-FFF2-40B4-BE49-F238E27FC236}">
@@ -5575,7 +5915,7 @@
 </p:sld>
 </file>
 
-<file path=ppt/slides/slide17.xml><?xml version="1.0" encoding="utf-8"?>
+<file path=ppt/slides/slide18.xml><?xml version="1.0" encoding="utf-8"?>
 <p:sld xmlns:a="http://schemas.openxmlformats.org/drawingml/2006/main" xmlns:r="http://schemas.openxmlformats.org/officeDocument/2006/relationships" xmlns:p="http://schemas.openxmlformats.org/presentationml/2006/main">
   <p:cSld>
     <p:spTree>
@@ -5629,7 +5969,7 @@
 </p:sld>
 </file>
 
-<file path=ppt/slides/slide18.xml><?xml version="1.0" encoding="utf-8"?>
+<file path=ppt/slides/slide19.xml><?xml version="1.0" encoding="utf-8"?>
 <p:sld xmlns:a="http://schemas.openxmlformats.org/drawingml/2006/main" xmlns:r="http://schemas.openxmlformats.org/officeDocument/2006/relationships" xmlns:p="http://schemas.openxmlformats.org/presentationml/2006/main">
   <p:cSld>
     <p:spTree>
@@ -5665,7 +6005,7 @@
             <a:fld id="{00000000-1234-1234-1234-123412341234}" type="slidenum">
               <a:rPr lang="en" smtClean="0"/>
               <a:pPr algn="ctr"/>
-              <a:t>18</a:t>
+              <a:t>19</a:t>
             </a:fld>
             <a:endParaRPr lang="en"/>
           </a:p>
@@ -5708,7 +6048,7 @@
 </p:sld>
 </file>
 
-<file path=ppt/slides/slide19.xml><?xml version="1.0" encoding="utf-8"?>
+<file path=ppt/slides/slide2.xml><?xml version="1.0" encoding="utf-8"?>
 <p:sld xmlns:a="http://schemas.openxmlformats.org/drawingml/2006/main" xmlns:r="http://schemas.openxmlformats.org/officeDocument/2006/relationships" xmlns:p="http://schemas.openxmlformats.org/presentationml/2006/main">
   <p:cSld>
     <p:spTree>
@@ -5727,6 +6067,131 @@
       </p:grpSpPr>
       <p:sp>
         <p:nvSpPr>
+          <p:cNvPr id="2" name="Title 1">
+            <a:extLst>
+              <a:ext uri="{FF2B5EF4-FFF2-40B4-BE49-F238E27FC236}">
+                <a16:creationId xmlns:a16="http://schemas.microsoft.com/office/drawing/2014/main" id="{4CC713A4-5641-49BC-BC65-986D4CDAB154}"/>
+              </a:ext>
+            </a:extLst>
+          </p:cNvPr>
+          <p:cNvSpPr>
+            <a:spLocks noGrp="1"/>
+          </p:cNvSpPr>
+          <p:nvPr>
+            <p:ph type="title"/>
+          </p:nvPr>
+        </p:nvSpPr>
+        <p:spPr/>
+        <p:txBody>
+          <a:bodyPr/>
+          <a:lstStyle/>
+          <a:p>
+            <a:r>
+              <a:rPr lang="en-US" dirty="0"/>
+              <a:t>Overview</a:t>
+            </a:r>
+          </a:p>
+        </p:txBody>
+      </p:sp>
+      <p:sp>
+        <p:nvSpPr>
+          <p:cNvPr id="3" name="Content Placeholder 2">
+            <a:extLst>
+              <a:ext uri="{FF2B5EF4-FFF2-40B4-BE49-F238E27FC236}">
+                <a16:creationId xmlns:a16="http://schemas.microsoft.com/office/drawing/2014/main" id="{80AF8B4B-0AED-47A5-98E8-44AA44B780B5}"/>
+              </a:ext>
+            </a:extLst>
+          </p:cNvPr>
+          <p:cNvSpPr>
+            <a:spLocks noGrp="1"/>
+          </p:cNvSpPr>
+          <p:nvPr>
+            <p:ph idx="1"/>
+          </p:nvPr>
+        </p:nvSpPr>
+        <p:spPr/>
+        <p:txBody>
+          <a:bodyPr/>
+          <a:lstStyle/>
+          <a:p>
+            <a:r>
+              <a:rPr lang="en-GB" dirty="0"/>
+              <a:t>What is a disk image?</a:t>
+            </a:r>
+          </a:p>
+          <a:p>
+            <a:r>
+              <a:rPr lang="en-GB" dirty="0"/>
+              <a:t>Acquisition a USB in Windows using </a:t>
+            </a:r>
+            <a:r>
+              <a:rPr lang="en-GB" i="1" dirty="0">
+                <a:solidFill>
+                  <a:srgbClr val="7030A0"/>
+                </a:solidFill>
+              </a:rPr>
+              <a:t>FTK Imager</a:t>
+            </a:r>
+          </a:p>
+          <a:p>
+            <a:r>
+              <a:rPr lang="en-US" dirty="0"/>
+              <a:t>Acquisition a USB in Linux using </a:t>
+            </a:r>
+            <a:r>
+              <a:rPr lang="en-US" i="1" dirty="0">
+                <a:solidFill>
+                  <a:srgbClr val="7030A0"/>
+                </a:solidFill>
+              </a:rPr>
+              <a:t>DD</a:t>
+            </a:r>
+            <a:endParaRPr lang="en-GB" i="1" dirty="0">
+              <a:solidFill>
+                <a:srgbClr val="7030A0"/>
+              </a:solidFill>
+            </a:endParaRPr>
+          </a:p>
+          <a:p>
+            <a:r>
+              <a:rPr lang="en-US" dirty="0"/>
+              <a:t>Acquisition via Network</a:t>
+            </a:r>
+          </a:p>
+        </p:txBody>
+      </p:sp>
+    </p:spTree>
+    <p:extLst>
+      <p:ext uri="{BB962C8B-B14F-4D97-AF65-F5344CB8AC3E}">
+        <p14:creationId xmlns:p14="http://schemas.microsoft.com/office/powerpoint/2010/main" val="4131676587"/>
+      </p:ext>
+    </p:extLst>
+  </p:cSld>
+  <p:clrMapOvr>
+    <a:masterClrMapping/>
+  </p:clrMapOvr>
+</p:sld>
+</file>
+
+<file path=ppt/slides/slide20.xml><?xml version="1.0" encoding="utf-8"?>
+<p:sld xmlns:a="http://schemas.openxmlformats.org/drawingml/2006/main" xmlns:r="http://schemas.openxmlformats.org/officeDocument/2006/relationships" xmlns:p="http://schemas.openxmlformats.org/presentationml/2006/main">
+  <p:cSld>
+    <p:spTree>
+      <p:nvGrpSpPr>
+        <p:cNvPr id="1" name=""/>
+        <p:cNvGrpSpPr/>
+        <p:nvPr/>
+      </p:nvGrpSpPr>
+      <p:grpSpPr>
+        <a:xfrm>
+          <a:off x="0" y="0"/>
+          <a:ext cx="0" cy="0"/>
+          <a:chOff x="0" y="0"/>
+          <a:chExt cx="0" cy="0"/>
+        </a:xfrm>
+      </p:grpSpPr>
+      <p:sp>
+        <p:nvSpPr>
           <p:cNvPr id="2" name="Slide Number Placeholder 1"/>
           <p:cNvSpPr>
             <a:spLocks noGrp="1"/>
@@ -5744,7 +6209,7 @@
             <a:fld id="{00000000-1234-1234-1234-123412341234}" type="slidenum">
               <a:rPr lang="en" smtClean="0"/>
               <a:pPr algn="ctr"/>
-              <a:t>19</a:t>
+              <a:t>20</a:t>
             </a:fld>
             <a:endParaRPr lang="en"/>
           </a:p>
@@ -5787,7 +6252,7 @@
 </p:sld>
 </file>
 
-<file path=ppt/slides/slide2.xml><?xml version="1.0" encoding="utf-8"?>
+<file path=ppt/slides/slide21.xml><?xml version="1.0" encoding="utf-8"?>
 <p:sld xmlns:a="http://schemas.openxmlformats.org/drawingml/2006/main" xmlns:r="http://schemas.openxmlformats.org/officeDocument/2006/relationships" xmlns:p="http://schemas.openxmlformats.org/presentationml/2006/main">
   <p:cSld>
     <p:spTree>
@@ -5806,131 +6271,6 @@
       </p:grpSpPr>
       <p:sp>
         <p:nvSpPr>
-          <p:cNvPr id="2" name="Title 1">
-            <a:extLst>
-              <a:ext uri="{FF2B5EF4-FFF2-40B4-BE49-F238E27FC236}">
-                <a16:creationId xmlns:a16="http://schemas.microsoft.com/office/drawing/2014/main" id="{4CC713A4-5641-49BC-BC65-986D4CDAB154}"/>
-              </a:ext>
-            </a:extLst>
-          </p:cNvPr>
-          <p:cNvSpPr>
-            <a:spLocks noGrp="1"/>
-          </p:cNvSpPr>
-          <p:nvPr>
-            <p:ph type="title"/>
-          </p:nvPr>
-        </p:nvSpPr>
-        <p:spPr/>
-        <p:txBody>
-          <a:bodyPr/>
-          <a:lstStyle/>
-          <a:p>
-            <a:r>
-              <a:rPr lang="en-US" dirty="0"/>
-              <a:t>Overview</a:t>
-            </a:r>
-          </a:p>
-        </p:txBody>
-      </p:sp>
-      <p:sp>
-        <p:nvSpPr>
-          <p:cNvPr id="3" name="Content Placeholder 2">
-            <a:extLst>
-              <a:ext uri="{FF2B5EF4-FFF2-40B4-BE49-F238E27FC236}">
-                <a16:creationId xmlns:a16="http://schemas.microsoft.com/office/drawing/2014/main" id="{80AF8B4B-0AED-47A5-98E8-44AA44B780B5}"/>
-              </a:ext>
-            </a:extLst>
-          </p:cNvPr>
-          <p:cNvSpPr>
-            <a:spLocks noGrp="1"/>
-          </p:cNvSpPr>
-          <p:nvPr>
-            <p:ph idx="1"/>
-          </p:nvPr>
-        </p:nvSpPr>
-        <p:spPr/>
-        <p:txBody>
-          <a:bodyPr/>
-          <a:lstStyle/>
-          <a:p>
-            <a:r>
-              <a:rPr lang="en-GB" dirty="0"/>
-              <a:t>What is a disk image?</a:t>
-            </a:r>
-          </a:p>
-          <a:p>
-            <a:r>
-              <a:rPr lang="en-GB" dirty="0"/>
-              <a:t>Acquisition a USB in Windows using </a:t>
-            </a:r>
-            <a:r>
-              <a:rPr lang="en-GB" i="1" dirty="0">
-                <a:solidFill>
-                  <a:srgbClr val="7030A0"/>
-                </a:solidFill>
-              </a:rPr>
-              <a:t>FTK Imager</a:t>
-            </a:r>
-          </a:p>
-          <a:p>
-            <a:r>
-              <a:rPr lang="en-US" dirty="0"/>
-              <a:t>Acquisition a USB in Linux using </a:t>
-            </a:r>
-            <a:r>
-              <a:rPr lang="en-US" i="1" dirty="0">
-                <a:solidFill>
-                  <a:srgbClr val="7030A0"/>
-                </a:solidFill>
-              </a:rPr>
-              <a:t>DD</a:t>
-            </a:r>
-            <a:endParaRPr lang="en-GB" i="1" dirty="0">
-              <a:solidFill>
-                <a:srgbClr val="7030A0"/>
-              </a:solidFill>
-            </a:endParaRPr>
-          </a:p>
-          <a:p>
-            <a:r>
-              <a:rPr lang="en-US" dirty="0"/>
-              <a:t>Acquisition via Network</a:t>
-            </a:r>
-          </a:p>
-        </p:txBody>
-      </p:sp>
-    </p:spTree>
-    <p:extLst>
-      <p:ext uri="{BB962C8B-B14F-4D97-AF65-F5344CB8AC3E}">
-        <p14:creationId xmlns:p14="http://schemas.microsoft.com/office/powerpoint/2010/main" val="4131676587"/>
-      </p:ext>
-    </p:extLst>
-  </p:cSld>
-  <p:clrMapOvr>
-    <a:masterClrMapping/>
-  </p:clrMapOvr>
-</p:sld>
-</file>
-
-<file path=ppt/slides/slide20.xml><?xml version="1.0" encoding="utf-8"?>
-<p:sld xmlns:a="http://schemas.openxmlformats.org/drawingml/2006/main" xmlns:r="http://schemas.openxmlformats.org/officeDocument/2006/relationships" xmlns:p="http://schemas.openxmlformats.org/presentationml/2006/main">
-  <p:cSld>
-    <p:spTree>
-      <p:nvGrpSpPr>
-        <p:cNvPr id="1" name=""/>
-        <p:cNvGrpSpPr/>
-        <p:nvPr/>
-      </p:nvGrpSpPr>
-      <p:grpSpPr>
-        <a:xfrm>
-          <a:off x="0" y="0"/>
-          <a:ext cx="0" cy="0"/>
-          <a:chOff x="0" y="0"/>
-          <a:chExt cx="0" cy="0"/>
-        </a:xfrm>
-      </p:grpSpPr>
-      <p:sp>
-        <p:nvSpPr>
           <p:cNvPr id="2" name="Slide Number Placeholder 1"/>
           <p:cNvSpPr>
             <a:spLocks noGrp="1"/>
@@ -5948,7 +6288,7 @@
             <a:fld id="{00000000-1234-1234-1234-123412341234}" type="slidenum">
               <a:rPr lang="en" smtClean="0"/>
               <a:pPr algn="ctr"/>
-              <a:t>20</a:t>
+              <a:t>21</a:t>
             </a:fld>
             <a:endParaRPr lang="en"/>
           </a:p>
@@ -5991,7 +6331,7 @@
 </p:sld>
 </file>
 
-<file path=ppt/slides/slide21.xml><?xml version="1.0" encoding="utf-8"?>
+<file path=ppt/slides/slide22.xml><?xml version="1.0" encoding="utf-8"?>
 <p:sld xmlns:a="http://schemas.openxmlformats.org/drawingml/2006/main" xmlns:r="http://schemas.openxmlformats.org/officeDocument/2006/relationships" xmlns:p="http://schemas.openxmlformats.org/presentationml/2006/main">
   <p:cSld>
     <p:spTree>
@@ -6027,7 +6367,7 @@
             <a:fld id="{00000000-1234-1234-1234-123412341234}" type="slidenum">
               <a:rPr lang="en" smtClean="0"/>
               <a:pPr algn="ctr"/>
-              <a:t>21</a:t>
+              <a:t>22</a:t>
             </a:fld>
             <a:endParaRPr lang="en"/>
           </a:p>
@@ -6094,7 +6434,7 @@
 </p:sld>
 </file>
 
-<file path=ppt/slides/slide22.xml><?xml version="1.0" encoding="utf-8"?>
+<file path=ppt/slides/slide23.xml><?xml version="1.0" encoding="utf-8"?>
 <p:sld xmlns:a="http://schemas.openxmlformats.org/drawingml/2006/main" xmlns:r="http://schemas.openxmlformats.org/officeDocument/2006/relationships" xmlns:p="http://schemas.openxmlformats.org/presentationml/2006/main">
   <p:cSld>
     <p:spTree>
@@ -6130,7 +6470,7 @@
             <a:fld id="{00000000-1234-1234-1234-123412341234}" type="slidenum">
               <a:rPr lang="en" smtClean="0"/>
               <a:pPr algn="ctr"/>
-              <a:t>22</a:t>
+              <a:t>23</a:t>
             </a:fld>
             <a:endParaRPr lang="en"/>
           </a:p>
@@ -6173,7 +6513,7 @@
 </p:sld>
 </file>
 
-<file path=ppt/slides/slide23.xml><?xml version="1.0" encoding="utf-8"?>
+<file path=ppt/slides/slide24.xml><?xml version="1.0" encoding="utf-8"?>
 <p:sld xmlns:a="http://schemas.openxmlformats.org/drawingml/2006/main" xmlns:r="http://schemas.openxmlformats.org/officeDocument/2006/relationships" xmlns:p="http://schemas.openxmlformats.org/presentationml/2006/main">
   <p:cSld>
     <p:spTree>
@@ -6235,7 +6575,7 @@
             <a:fld id="{00000000-1234-1234-1234-123412341234}" type="slidenum">
               <a:rPr lang="en" smtClean="0"/>
               <a:pPr algn="ctr"/>
-              <a:t>23</a:t>
+              <a:t>24</a:t>
             </a:fld>
             <a:endParaRPr lang="en"/>
           </a:p>
@@ -6278,7 +6618,7 @@
 </p:sld>
 </file>
 
-<file path=ppt/slides/slide24.xml><?xml version="1.0" encoding="utf-8"?>
+<file path=ppt/slides/slide25.xml><?xml version="1.0" encoding="utf-8"?>
 <p:sld xmlns:a="http://schemas.openxmlformats.org/drawingml/2006/main" xmlns:r="http://schemas.openxmlformats.org/officeDocument/2006/relationships" xmlns:p="http://schemas.openxmlformats.org/presentationml/2006/main">
   <p:cSld>
     <p:spTree>
@@ -6341,7 +6681,7 @@
             <a:fld id="{00000000-1234-1234-1234-123412341234}" type="slidenum">
               <a:rPr lang="en" smtClean="0"/>
               <a:pPr algn="ctr"/>
-              <a:t>24</a:t>
+              <a:t>25</a:t>
             </a:fld>
             <a:endParaRPr lang="en"/>
           </a:p>
@@ -6384,89 +6724,6 @@
 </p:sld>
 </file>
 
-<file path=ppt/slides/slide25.xml><?xml version="1.0" encoding="utf-8"?>
-<p:sld xmlns:a="http://schemas.openxmlformats.org/drawingml/2006/main" xmlns:r="http://schemas.openxmlformats.org/officeDocument/2006/relationships" xmlns:p="http://schemas.openxmlformats.org/presentationml/2006/main">
-  <p:cSld>
-    <p:spTree>
-      <p:nvGrpSpPr>
-        <p:cNvPr id="1" name=""/>
-        <p:cNvGrpSpPr/>
-        <p:nvPr/>
-      </p:nvGrpSpPr>
-      <p:grpSpPr>
-        <a:xfrm>
-          <a:off x="0" y="0"/>
-          <a:ext cx="0" cy="0"/>
-          <a:chOff x="0" y="0"/>
-          <a:chExt cx="0" cy="0"/>
-        </a:xfrm>
-      </p:grpSpPr>
-      <p:sp>
-        <p:nvSpPr>
-          <p:cNvPr id="3" name="Title 2">
-            <a:extLst>
-              <a:ext uri="{FF2B5EF4-FFF2-40B4-BE49-F238E27FC236}">
-                <a16:creationId xmlns:a16="http://schemas.microsoft.com/office/drawing/2014/main" id="{ECFFC3FD-A54E-4D5B-B43E-B1F48A32F42D}"/>
-              </a:ext>
-            </a:extLst>
-          </p:cNvPr>
-          <p:cNvSpPr>
-            <a:spLocks noGrp="1"/>
-          </p:cNvSpPr>
-          <p:nvPr>
-            <p:ph type="title"/>
-          </p:nvPr>
-        </p:nvSpPr>
-        <p:spPr/>
-        <p:txBody>
-          <a:bodyPr/>
-          <a:lstStyle/>
-          <a:p>
-            <a:r>
-              <a:rPr lang="en-US" dirty="0"/>
-              <a:t>Image Acquisition via Network</a:t>
-            </a:r>
-          </a:p>
-        </p:txBody>
-      </p:sp>
-      <p:sp>
-        <p:nvSpPr>
-          <p:cNvPr id="4" name="Text Placeholder 3">
-            <a:extLst>
-              <a:ext uri="{FF2B5EF4-FFF2-40B4-BE49-F238E27FC236}">
-                <a16:creationId xmlns:a16="http://schemas.microsoft.com/office/drawing/2014/main" id="{FD7A0FC0-D5F6-403E-9688-6AA8F81E27F1}"/>
-              </a:ext>
-            </a:extLst>
-          </p:cNvPr>
-          <p:cNvSpPr>
-            <a:spLocks noGrp="1"/>
-          </p:cNvSpPr>
-          <p:nvPr>
-            <p:ph type="body" idx="1"/>
-          </p:nvPr>
-        </p:nvSpPr>
-        <p:spPr/>
-        <p:txBody>
-          <a:bodyPr/>
-          <a:lstStyle/>
-          <a:p>
-            <a:endParaRPr lang="en-US" dirty="0"/>
-          </a:p>
-        </p:txBody>
-      </p:sp>
-    </p:spTree>
-    <p:extLst>
-      <p:ext uri="{BB962C8B-B14F-4D97-AF65-F5344CB8AC3E}">
-        <p14:creationId xmlns:p14="http://schemas.microsoft.com/office/powerpoint/2010/main" val="3427908052"/>
-      </p:ext>
-    </p:extLst>
-  </p:cSld>
-  <p:clrMapOvr>
-    <a:masterClrMapping/>
-  </p:clrMapOvr>
-</p:sld>
-</file>
-
 <file path=ppt/slides/slide26.xml><?xml version="1.0" encoding="utf-8"?>
 <p:sld xmlns:a="http://schemas.openxmlformats.org/drawingml/2006/main" xmlns:r="http://schemas.openxmlformats.org/officeDocument/2006/relationships" xmlns:p="http://schemas.openxmlformats.org/presentationml/2006/main">
   <p:cSld>
@@ -6486,6 +6743,89 @@
       </p:grpSpPr>
       <p:sp>
         <p:nvSpPr>
+          <p:cNvPr id="3" name="Title 2">
+            <a:extLst>
+              <a:ext uri="{FF2B5EF4-FFF2-40B4-BE49-F238E27FC236}">
+                <a16:creationId xmlns:a16="http://schemas.microsoft.com/office/drawing/2014/main" id="{ECFFC3FD-A54E-4D5B-B43E-B1F48A32F42D}"/>
+              </a:ext>
+            </a:extLst>
+          </p:cNvPr>
+          <p:cNvSpPr>
+            <a:spLocks noGrp="1"/>
+          </p:cNvSpPr>
+          <p:nvPr>
+            <p:ph type="title"/>
+          </p:nvPr>
+        </p:nvSpPr>
+        <p:spPr/>
+        <p:txBody>
+          <a:bodyPr/>
+          <a:lstStyle/>
+          <a:p>
+            <a:r>
+              <a:rPr lang="en-US" dirty="0"/>
+              <a:t>Image Acquisition via Network</a:t>
+            </a:r>
+          </a:p>
+        </p:txBody>
+      </p:sp>
+      <p:sp>
+        <p:nvSpPr>
+          <p:cNvPr id="4" name="Text Placeholder 3">
+            <a:extLst>
+              <a:ext uri="{FF2B5EF4-FFF2-40B4-BE49-F238E27FC236}">
+                <a16:creationId xmlns:a16="http://schemas.microsoft.com/office/drawing/2014/main" id="{FD7A0FC0-D5F6-403E-9688-6AA8F81E27F1}"/>
+              </a:ext>
+            </a:extLst>
+          </p:cNvPr>
+          <p:cNvSpPr>
+            <a:spLocks noGrp="1"/>
+          </p:cNvSpPr>
+          <p:nvPr>
+            <p:ph type="body" idx="1"/>
+          </p:nvPr>
+        </p:nvSpPr>
+        <p:spPr/>
+        <p:txBody>
+          <a:bodyPr/>
+          <a:lstStyle/>
+          <a:p>
+            <a:endParaRPr lang="en-US" dirty="0"/>
+          </a:p>
+        </p:txBody>
+      </p:sp>
+    </p:spTree>
+    <p:extLst>
+      <p:ext uri="{BB962C8B-B14F-4D97-AF65-F5344CB8AC3E}">
+        <p14:creationId xmlns:p14="http://schemas.microsoft.com/office/powerpoint/2010/main" val="3427908052"/>
+      </p:ext>
+    </p:extLst>
+  </p:cSld>
+  <p:clrMapOvr>
+    <a:masterClrMapping/>
+  </p:clrMapOvr>
+</p:sld>
+</file>
+
+<file path=ppt/slides/slide27.xml><?xml version="1.0" encoding="utf-8"?>
+<p:sld xmlns:a="http://schemas.openxmlformats.org/drawingml/2006/main" xmlns:r="http://schemas.openxmlformats.org/officeDocument/2006/relationships" xmlns:p="http://schemas.openxmlformats.org/presentationml/2006/main">
+  <p:cSld>
+    <p:spTree>
+      <p:nvGrpSpPr>
+        <p:cNvPr id="1" name=""/>
+        <p:cNvGrpSpPr/>
+        <p:nvPr/>
+      </p:nvGrpSpPr>
+      <p:grpSpPr>
+        <a:xfrm>
+          <a:off x="0" y="0"/>
+          <a:ext cx="0" cy="0"/>
+          <a:chOff x="0" y="0"/>
+          <a:chExt cx="0" cy="0"/>
+        </a:xfrm>
+      </p:grpSpPr>
+      <p:sp>
+        <p:nvSpPr>
           <p:cNvPr id="4" name="Title 3">
             <a:extLst>
               <a:ext uri="{FF2B5EF4-FFF2-40B4-BE49-F238E27FC236}">
@@ -6507,7 +6847,7 @@
           <a:p>
             <a:r>
               <a:rPr lang="en-US" dirty="0"/>
-              <a:t>Goal: Acquire a disk image in Kali </a:t>
+              <a:t>Goal 1: Kali =&gt; Windows</a:t>
             </a:r>
           </a:p>
         </p:txBody>
@@ -6602,7 +6942,7 @@
 </p:sld>
 </file>
 
-<file path=ppt/slides/slide27.xml><?xml version="1.0" encoding="utf-8"?>
+<file path=ppt/slides/slide28.xml><?xml version="1.0" encoding="utf-8"?>
 <p:sld xmlns:a="http://schemas.openxmlformats.org/drawingml/2006/main" xmlns:r="http://schemas.openxmlformats.org/officeDocument/2006/relationships" xmlns:p="http://schemas.openxmlformats.org/presentationml/2006/main">
   <p:cSld>
     <p:spTree>
@@ -6695,7 +7035,7 @@
 </p:sld>
 </file>
 
-<file path=ppt/slides/slide28.xml><?xml version="1.0" encoding="utf-8"?>
+<file path=ppt/slides/slide29.xml><?xml version="1.0" encoding="utf-8"?>
 <p:sld xmlns:a="http://schemas.openxmlformats.org/drawingml/2006/main" xmlns:r="http://schemas.openxmlformats.org/officeDocument/2006/relationships" xmlns:p="http://schemas.openxmlformats.org/presentationml/2006/main">
   <p:cSld>
     <p:spTree>
@@ -6783,7 +7123,7 @@
 </p:sld>
 </file>
 
-<file path=ppt/slides/slide29.xml><?xml version="1.0" encoding="utf-8"?>
+<file path=ppt/slides/slide3.xml><?xml version="1.0" encoding="utf-8"?>
 <p:sld xmlns:a="http://schemas.openxmlformats.org/drawingml/2006/main" xmlns:r="http://schemas.openxmlformats.org/officeDocument/2006/relationships" xmlns:p="http://schemas.openxmlformats.org/presentationml/2006/main">
   <p:cSld>
     <p:spTree>
@@ -6805,6 +7145,198 @@
           <p:cNvPr id="2" name="Title 1">
             <a:extLst>
               <a:ext uri="{FF2B5EF4-FFF2-40B4-BE49-F238E27FC236}">
+                <a16:creationId xmlns:a16="http://schemas.microsoft.com/office/drawing/2014/main" id="{E0C68A92-D781-4B3B-A14F-9EDE8CE2C74B}"/>
+              </a:ext>
+            </a:extLst>
+          </p:cNvPr>
+          <p:cNvSpPr>
+            <a:spLocks noGrp="1"/>
+          </p:cNvSpPr>
+          <p:nvPr>
+            <p:ph type="title"/>
+          </p:nvPr>
+        </p:nvSpPr>
+        <p:spPr/>
+        <p:txBody>
+          <a:bodyPr/>
+          <a:lstStyle/>
+          <a:p>
+            <a:r>
+              <a:rPr lang="en-US" dirty="0"/>
+              <a:t>What is a disk image?</a:t>
+            </a:r>
+          </a:p>
+        </p:txBody>
+      </p:sp>
+      <p:sp>
+        <p:nvSpPr>
+          <p:cNvPr id="3" name="Content Placeholder 2">
+            <a:extLst>
+              <a:ext uri="{FF2B5EF4-FFF2-40B4-BE49-F238E27FC236}">
+                <a16:creationId xmlns:a16="http://schemas.microsoft.com/office/drawing/2014/main" id="{9FEFF1C0-97E6-4D4F-A349-32811975D57B}"/>
+              </a:ext>
+            </a:extLst>
+          </p:cNvPr>
+          <p:cNvSpPr>
+            <a:spLocks noGrp="1"/>
+          </p:cNvSpPr>
+          <p:nvPr>
+            <p:ph idx="1"/>
+          </p:nvPr>
+        </p:nvSpPr>
+        <p:spPr/>
+        <p:txBody>
+          <a:bodyPr>
+            <a:normAutofit fontScale="92500" lnSpcReduction="10000"/>
+          </a:bodyPr>
+          <a:lstStyle/>
+          <a:p>
+            <a:r>
+              <a:rPr lang="en-GB" dirty="0"/>
+              <a:t>A disk image is a computer file </a:t>
+            </a:r>
+          </a:p>
+          <a:p>
+            <a:pPr lvl="1"/>
+            <a:r>
+              <a:rPr lang="en-GB" dirty="0"/>
+              <a:t>containing the </a:t>
+            </a:r>
+            <a:r>
+              <a:rPr lang="en-GB" dirty="0">
+                <a:solidFill>
+                  <a:srgbClr val="FF0000"/>
+                </a:solidFill>
+              </a:rPr>
+              <a:t>contents</a:t>
+            </a:r>
+            <a:r>
+              <a:rPr lang="en-GB" dirty="0"/>
+              <a:t> and </a:t>
+            </a:r>
+            <a:r>
+              <a:rPr lang="en-GB" dirty="0">
+                <a:solidFill>
+                  <a:srgbClr val="FF0000"/>
+                </a:solidFill>
+              </a:rPr>
+              <a:t>structure</a:t>
+            </a:r>
+            <a:r>
+              <a:rPr lang="en-GB" dirty="0"/>
+              <a:t> of a disk volume (partition) or</a:t>
+            </a:r>
+          </a:p>
+          <a:p>
+            <a:pPr lvl="1"/>
+            <a:r>
+              <a:rPr lang="en-GB" dirty="0"/>
+              <a:t>containing an </a:t>
+            </a:r>
+            <a:r>
+              <a:rPr lang="en-GB" dirty="0">
+                <a:solidFill>
+                  <a:srgbClr val="FF0000"/>
+                </a:solidFill>
+              </a:rPr>
+              <a:t>entire</a:t>
+            </a:r>
+            <a:r>
+              <a:rPr lang="en-GB" dirty="0"/>
+              <a:t> data storage device, </a:t>
+            </a:r>
+          </a:p>
+          <a:p>
+            <a:r>
+              <a:rPr lang="en-GB" dirty="0"/>
+              <a:t>Storage devices</a:t>
+            </a:r>
+          </a:p>
+          <a:p>
+            <a:pPr lvl="1"/>
+            <a:r>
+              <a:rPr lang="en-GB" dirty="0"/>
+              <a:t>a hard disk drive, tape drive, floppy disk, optical disc, or USB flash drive</a:t>
+            </a:r>
+          </a:p>
+          <a:p>
+            <a:r>
+              <a:rPr lang="en-GB" dirty="0"/>
+              <a:t>The file format </a:t>
+            </a:r>
+          </a:p>
+          <a:p>
+            <a:pPr lvl="1"/>
+            <a:r>
+              <a:rPr lang="en-GB" dirty="0"/>
+              <a:t>open standard: such as the ISO image format for optical disc images, </a:t>
+            </a:r>
+          </a:p>
+          <a:p>
+            <a:pPr lvl="1"/>
+            <a:r>
+              <a:rPr lang="en-GB" dirty="0"/>
+              <a:t>unique to a particular software application: encase, FTK</a:t>
+            </a:r>
+            <a:endParaRPr lang="en-US" dirty="0"/>
+          </a:p>
+          <a:p>
+            <a:r>
+              <a:rPr lang="en-US" dirty="0"/>
+              <a:t>Image acquisition can be done in </a:t>
+            </a:r>
+          </a:p>
+          <a:p>
+            <a:pPr lvl="1"/>
+            <a:r>
+              <a:rPr lang="en-US" dirty="0"/>
+              <a:t>Windows</a:t>
+            </a:r>
+          </a:p>
+          <a:p>
+            <a:pPr lvl="1"/>
+            <a:r>
+              <a:rPr lang="en-US" dirty="0"/>
+              <a:t>Linux</a:t>
+            </a:r>
+          </a:p>
+        </p:txBody>
+      </p:sp>
+    </p:spTree>
+    <p:extLst>
+      <p:ext uri="{BB962C8B-B14F-4D97-AF65-F5344CB8AC3E}">
+        <p14:creationId xmlns:p14="http://schemas.microsoft.com/office/powerpoint/2010/main" val="542080552"/>
+      </p:ext>
+    </p:extLst>
+  </p:cSld>
+  <p:clrMapOvr>
+    <a:masterClrMapping/>
+  </p:clrMapOvr>
+</p:sld>
+</file>
+
+<file path=ppt/slides/slide30.xml><?xml version="1.0" encoding="utf-8"?>
+<p:sld xmlns:a="http://schemas.openxmlformats.org/drawingml/2006/main" xmlns:r="http://schemas.openxmlformats.org/officeDocument/2006/relationships" xmlns:p="http://schemas.openxmlformats.org/presentationml/2006/main">
+  <p:cSld>
+    <p:spTree>
+      <p:nvGrpSpPr>
+        <p:cNvPr id="1" name=""/>
+        <p:cNvGrpSpPr/>
+        <p:nvPr/>
+      </p:nvGrpSpPr>
+      <p:grpSpPr>
+        <a:xfrm>
+          <a:off x="0" y="0"/>
+          <a:ext cx="0" cy="0"/>
+          <a:chOff x="0" y="0"/>
+          <a:chExt cx="0" cy="0"/>
+        </a:xfrm>
+      </p:grpSpPr>
+      <p:sp>
+        <p:nvSpPr>
+          <p:cNvPr id="2" name="Title 1">
+            <a:extLst>
+              <a:ext uri="{FF2B5EF4-FFF2-40B4-BE49-F238E27FC236}">
                 <a16:creationId xmlns:a16="http://schemas.microsoft.com/office/drawing/2014/main" id="{6BA701DE-AE27-47C6-B424-0681D17AA407}"/>
               </a:ext>
             </a:extLst>
@@ -6823,7 +7355,7 @@
           <a:p>
             <a:r>
               <a:rPr lang="en-US" dirty="0"/>
-              <a:t>Verify the acquired hash</a:t>
+              <a:t>Verify the acquired image hash</a:t>
             </a:r>
           </a:p>
         </p:txBody>
@@ -6871,7 +7403,7 @@
 </p:sld>
 </file>
 
-<file path=ppt/slides/slide3.xml><?xml version="1.0" encoding="utf-8"?>
+<file path=ppt/slides/slide31.xml><?xml version="1.0" encoding="utf-8"?>
 <p:sld xmlns:a="http://schemas.openxmlformats.org/drawingml/2006/main" xmlns:r="http://schemas.openxmlformats.org/officeDocument/2006/relationships" xmlns:p="http://schemas.openxmlformats.org/presentationml/2006/main">
   <p:cSld>
     <p:spTree>
@@ -6893,7 +7425,7 @@
           <p:cNvPr id="2" name="Title 1">
             <a:extLst>
               <a:ext uri="{FF2B5EF4-FFF2-40B4-BE49-F238E27FC236}">
-                <a16:creationId xmlns:a16="http://schemas.microsoft.com/office/drawing/2014/main" id="{E0C68A92-D781-4B3B-A14F-9EDE8CE2C74B}"/>
+                <a16:creationId xmlns:a16="http://schemas.microsoft.com/office/drawing/2014/main" id="{E0A1AB2A-4CED-4DD1-9C9C-34F77918C7D2}"/>
               </a:ext>
             </a:extLst>
           </p:cNvPr>
@@ -6911,7 +7443,7 @@
           <a:p>
             <a:r>
               <a:rPr lang="en-US" dirty="0"/>
-              <a:t>What is a disk image?</a:t>
+              <a:t>Goal 2: Windows =&gt; Kali  </a:t>
             </a:r>
           </a:p>
         </p:txBody>
@@ -6921,7 +7453,7 @@
           <p:cNvPr id="3" name="Content Placeholder 2">
             <a:extLst>
               <a:ext uri="{FF2B5EF4-FFF2-40B4-BE49-F238E27FC236}">
-                <a16:creationId xmlns:a16="http://schemas.microsoft.com/office/drawing/2014/main" id="{9FEFF1C0-97E6-4D4F-A349-32811975D57B}"/>
+                <a16:creationId xmlns:a16="http://schemas.microsoft.com/office/drawing/2014/main" id="{BF9B68A6-BD88-4FBF-BB17-05A4E678B00D}"/>
               </a:ext>
             </a:extLst>
           </p:cNvPr>
@@ -6934,126 +7466,415 @@
         </p:nvSpPr>
         <p:spPr/>
         <p:txBody>
-          <a:bodyPr>
-            <a:normAutofit fontScale="92500" lnSpcReduction="10000"/>
-          </a:bodyPr>
+          <a:bodyPr/>
           <a:lstStyle/>
           <a:p>
             <a:r>
               <a:rPr lang="en-GB" dirty="0"/>
-              <a:t>A disk image is a computer file </a:t>
-            </a:r>
-          </a:p>
-          <a:p>
-            <a:pPr lvl="1"/>
+              <a:t>Set up a listener in Kali to listen to network traffic</a:t>
+            </a:r>
+          </a:p>
+          <a:p>
             <a:r>
               <a:rPr lang="en-GB" dirty="0"/>
-              <a:t>containing the </a:t>
-            </a:r>
-            <a:r>
-              <a:rPr lang="en-GB" dirty="0">
-                <a:solidFill>
-                  <a:srgbClr val="FF0000"/>
-                </a:solidFill>
-              </a:rPr>
-              <a:t>contents</a:t>
+              <a:t>Acquire a file in Windows and send the  file to Kali (</a:t>
+            </a:r>
+            <a:r>
+              <a:rPr lang="en-GB" dirty="0" err="1"/>
+              <a:t>ncat</a:t>
             </a:r>
             <a:r>
               <a:rPr lang="en-GB" dirty="0"/>
-              <a:t> and </a:t>
-            </a:r>
-            <a:r>
-              <a:rPr lang="en-GB" dirty="0">
-                <a:solidFill>
-                  <a:srgbClr val="FF0000"/>
-                </a:solidFill>
-              </a:rPr>
-              <a:t>structure</a:t>
-            </a:r>
+              <a:t>) </a:t>
+            </a:r>
+          </a:p>
+          <a:p>
             <a:r>
               <a:rPr lang="en-GB" dirty="0"/>
-              <a:t> of a disk volume (partition) or</a:t>
-            </a:r>
-          </a:p>
-          <a:p>
-            <a:pPr lvl="1"/>
-            <a:r>
-              <a:rPr lang="en-GB" dirty="0"/>
-              <a:t>containing an </a:t>
-            </a:r>
-            <a:r>
-              <a:rPr lang="en-GB" dirty="0">
-                <a:solidFill>
-                  <a:srgbClr val="FF0000"/>
-                </a:solidFill>
-              </a:rPr>
-              <a:t>entire</a:t>
-            </a:r>
-            <a:r>
-              <a:rPr lang="en-GB" dirty="0"/>
-              <a:t> data storage device, </a:t>
-            </a:r>
-          </a:p>
-          <a:p>
-            <a:r>
-              <a:rPr lang="en-GB" dirty="0"/>
-              <a:t>Storage devices</a:t>
-            </a:r>
-          </a:p>
-          <a:p>
-            <a:pPr lvl="1"/>
-            <a:r>
-              <a:rPr lang="en-GB" dirty="0"/>
-              <a:t>a hard disk drive, tape drive, floppy disk, optical disc, or USB flash drive</a:t>
-            </a:r>
-          </a:p>
-          <a:p>
-            <a:r>
-              <a:rPr lang="en-GB" dirty="0"/>
-              <a:t>The file format </a:t>
-            </a:r>
-          </a:p>
-          <a:p>
-            <a:pPr lvl="1"/>
-            <a:r>
-              <a:rPr lang="en-GB" dirty="0"/>
-              <a:t>open standard: such as the ISO image format for optical disc images, </a:t>
-            </a:r>
-          </a:p>
-          <a:p>
-            <a:pPr lvl="1"/>
-            <a:r>
-              <a:rPr lang="en-GB" dirty="0"/>
-              <a:t>unique to a particular software application: encase, FTK</a:t>
-            </a:r>
+              <a:t>Verify hash code of images at both OS</a:t>
+            </a:r>
+          </a:p>
+          <a:p>
             <a:endParaRPr lang="en-US" dirty="0"/>
-          </a:p>
-          <a:p>
-            <a:r>
-              <a:rPr lang="en-US" dirty="0"/>
-              <a:t>Image acquisition can be done in </a:t>
-            </a:r>
-          </a:p>
-          <a:p>
-            <a:pPr lvl="1"/>
-            <a:r>
-              <a:rPr lang="en-US" dirty="0"/>
-              <a:t>Windows</a:t>
-            </a:r>
-          </a:p>
-          <a:p>
-            <a:pPr lvl="1"/>
-            <a:r>
-              <a:rPr lang="en-US" dirty="0"/>
-              <a:t>Linux</a:t>
-            </a:r>
           </a:p>
         </p:txBody>
       </p:sp>
     </p:spTree>
     <p:extLst>
       <p:ext uri="{BB962C8B-B14F-4D97-AF65-F5344CB8AC3E}">
-        <p14:creationId xmlns:p14="http://schemas.microsoft.com/office/powerpoint/2010/main" val="542080552"/>
+        <p14:creationId xmlns:p14="http://schemas.microsoft.com/office/powerpoint/2010/main" val="2344545590"/>
+      </p:ext>
+    </p:extLst>
+  </p:cSld>
+  <p:clrMapOvr>
+    <a:masterClrMapping/>
+  </p:clrMapOvr>
+</p:sld>
+</file>
+
+<file path=ppt/slides/slide32.xml><?xml version="1.0" encoding="utf-8"?>
+<p:sld xmlns:a="http://schemas.openxmlformats.org/drawingml/2006/main" xmlns:r="http://schemas.openxmlformats.org/officeDocument/2006/relationships" xmlns:p="http://schemas.openxmlformats.org/presentationml/2006/main">
+  <p:cSld>
+    <p:spTree>
+      <p:nvGrpSpPr>
+        <p:cNvPr id="1" name=""/>
+        <p:cNvGrpSpPr/>
+        <p:nvPr/>
+      </p:nvGrpSpPr>
+      <p:grpSpPr>
+        <a:xfrm>
+          <a:off x="0" y="0"/>
+          <a:ext cx="0" cy="0"/>
+          <a:chOff x="0" y="0"/>
+          <a:chExt cx="0" cy="0"/>
+        </a:xfrm>
+      </p:grpSpPr>
+      <p:sp>
+        <p:nvSpPr>
+          <p:cNvPr id="2" name="Title 1">
+            <a:extLst>
+              <a:ext uri="{FF2B5EF4-FFF2-40B4-BE49-F238E27FC236}">
+                <a16:creationId xmlns:a16="http://schemas.microsoft.com/office/drawing/2014/main" id="{AB13E184-3303-42E2-B8C9-659504832D95}"/>
+              </a:ext>
+            </a:extLst>
+          </p:cNvPr>
+          <p:cNvSpPr>
+            <a:spLocks noGrp="1"/>
+          </p:cNvSpPr>
+          <p:nvPr>
+            <p:ph type="title"/>
+          </p:nvPr>
+        </p:nvSpPr>
+        <p:spPr/>
+        <p:txBody>
+          <a:bodyPr/>
+          <a:lstStyle/>
+          <a:p>
+            <a:r>
+              <a:rPr lang="en-US" dirty="0"/>
+              <a:t>Create an example file</a:t>
+            </a:r>
+          </a:p>
+        </p:txBody>
+      </p:sp>
+      <p:pic>
+        <p:nvPicPr>
+          <p:cNvPr id="4" name="Picture 3">
+            <a:extLst>
+              <a:ext uri="{FF2B5EF4-FFF2-40B4-BE49-F238E27FC236}">
+                <a16:creationId xmlns:a16="http://schemas.microsoft.com/office/drawing/2014/main" id="{2B8FA0A6-1D6C-4A87-82E4-C207EF0DC8FA}"/>
+              </a:ext>
+            </a:extLst>
+          </p:cNvPr>
+          <p:cNvPicPr>
+            <a:picLocks noChangeAspect="1"/>
+          </p:cNvPicPr>
+          <p:nvPr/>
+        </p:nvPicPr>
+        <p:blipFill>
+          <a:blip r:embed="rId2"/>
+          <a:stretch>
+            <a:fillRect/>
+          </a:stretch>
+        </p:blipFill>
+        <p:spPr>
+          <a:xfrm>
+            <a:off x="838199" y="2177144"/>
+            <a:ext cx="7855825" cy="3183074"/>
+          </a:xfrm>
+          <a:prstGeom prst="rect">
+            <a:avLst/>
+          </a:prstGeom>
+        </p:spPr>
+      </p:pic>
+    </p:spTree>
+    <p:extLst>
+      <p:ext uri="{BB962C8B-B14F-4D97-AF65-F5344CB8AC3E}">
+        <p14:creationId xmlns:p14="http://schemas.microsoft.com/office/powerpoint/2010/main" val="3992522744"/>
+      </p:ext>
+    </p:extLst>
+  </p:cSld>
+  <p:clrMapOvr>
+    <a:masterClrMapping/>
+  </p:clrMapOvr>
+</p:sld>
+</file>
+
+<file path=ppt/slides/slide33.xml><?xml version="1.0" encoding="utf-8"?>
+<p:sld xmlns:a="http://schemas.openxmlformats.org/drawingml/2006/main" xmlns:r="http://schemas.openxmlformats.org/officeDocument/2006/relationships" xmlns:p="http://schemas.openxmlformats.org/presentationml/2006/main">
+  <p:cSld>
+    <p:spTree>
+      <p:nvGrpSpPr>
+        <p:cNvPr id="1" name=""/>
+        <p:cNvGrpSpPr/>
+        <p:nvPr/>
+      </p:nvGrpSpPr>
+      <p:grpSpPr>
+        <a:xfrm>
+          <a:off x="0" y="0"/>
+          <a:ext cx="0" cy="0"/>
+          <a:chOff x="0" y="0"/>
+          <a:chExt cx="0" cy="0"/>
+        </a:xfrm>
+      </p:grpSpPr>
+      <p:sp>
+        <p:nvSpPr>
+          <p:cNvPr id="2" name="Title 1">
+            <a:extLst>
+              <a:ext uri="{FF2B5EF4-FFF2-40B4-BE49-F238E27FC236}">
+                <a16:creationId xmlns:a16="http://schemas.microsoft.com/office/drawing/2014/main" id="{BA0FC3C2-DA3F-4770-8FD3-B130E52EB1B9}"/>
+              </a:ext>
+            </a:extLst>
+          </p:cNvPr>
+          <p:cNvSpPr>
+            <a:spLocks noGrp="1"/>
+          </p:cNvSpPr>
+          <p:nvPr>
+            <p:ph type="title"/>
+          </p:nvPr>
+        </p:nvSpPr>
+        <p:spPr/>
+        <p:txBody>
+          <a:bodyPr/>
+          <a:lstStyle/>
+          <a:p>
+            <a:r>
+              <a:rPr lang="en-US" dirty="0"/>
+              <a:t>Listen and send</a:t>
+            </a:r>
+          </a:p>
+        </p:txBody>
+      </p:sp>
+      <p:pic>
+        <p:nvPicPr>
+          <p:cNvPr id="4" name="Picture 3">
+            <a:extLst>
+              <a:ext uri="{FF2B5EF4-FFF2-40B4-BE49-F238E27FC236}">
+                <a16:creationId xmlns:a16="http://schemas.microsoft.com/office/drawing/2014/main" id="{A5D5BA62-4309-4684-AB74-59359668D6FC}"/>
+              </a:ext>
+            </a:extLst>
+          </p:cNvPr>
+          <p:cNvPicPr>
+            <a:picLocks noChangeAspect="1"/>
+          </p:cNvPicPr>
+          <p:nvPr/>
+        </p:nvPicPr>
+        <p:blipFill rotWithShape="1">
+          <a:blip r:embed="rId2"/>
+          <a:srcRect r="13237"/>
+          <a:stretch/>
+        </p:blipFill>
+        <p:spPr>
+          <a:xfrm>
+            <a:off x="838200" y="2529762"/>
+            <a:ext cx="4813509" cy="2545301"/>
+          </a:xfrm>
+          <a:prstGeom prst="rect">
+            <a:avLst/>
+          </a:prstGeom>
+        </p:spPr>
+      </p:pic>
+      <p:pic>
+        <p:nvPicPr>
+          <p:cNvPr id="6" name="Picture 5">
+            <a:extLst>
+              <a:ext uri="{FF2B5EF4-FFF2-40B4-BE49-F238E27FC236}">
+                <a16:creationId xmlns:a16="http://schemas.microsoft.com/office/drawing/2014/main" id="{DB1ACF2B-28E4-41B7-A8A0-8FB8624D8CCD}"/>
+              </a:ext>
+            </a:extLst>
+          </p:cNvPr>
+          <p:cNvPicPr>
+            <a:picLocks noChangeAspect="1"/>
+          </p:cNvPicPr>
+          <p:nvPr/>
+        </p:nvPicPr>
+        <p:blipFill>
+          <a:blip r:embed="rId3"/>
+          <a:stretch>
+            <a:fillRect/>
+          </a:stretch>
+        </p:blipFill>
+        <p:spPr>
+          <a:xfrm>
+            <a:off x="5967298" y="2608139"/>
+            <a:ext cx="5761219" cy="1798476"/>
+          </a:xfrm>
+          <a:prstGeom prst="rect">
+            <a:avLst/>
+          </a:prstGeom>
+        </p:spPr>
+      </p:pic>
+      <p:sp>
+        <p:nvSpPr>
+          <p:cNvPr id="8" name="TextBox 7">
+            <a:extLst>
+              <a:ext uri="{FF2B5EF4-FFF2-40B4-BE49-F238E27FC236}">
+                <a16:creationId xmlns:a16="http://schemas.microsoft.com/office/drawing/2014/main" id="{88970998-0931-4E19-8CB3-1CCE0B175418}"/>
+              </a:ext>
+            </a:extLst>
+          </p:cNvPr>
+          <p:cNvSpPr txBox="1"/>
+          <p:nvPr/>
+        </p:nvSpPr>
+        <p:spPr>
+          <a:xfrm>
+            <a:off x="838200" y="2073625"/>
+            <a:ext cx="1347548" cy="369332"/>
+          </a:xfrm>
+          <a:prstGeom prst="rect">
+            <a:avLst/>
+          </a:prstGeom>
+          <a:solidFill>
+            <a:schemeClr val="accent4"/>
+          </a:solidFill>
+        </p:spPr>
+        <p:txBody>
+          <a:bodyPr wrap="none" rtlCol="0">
+            <a:spAutoFit/>
+          </a:bodyPr>
+          <a:lstStyle/>
+          <a:p>
+            <a:r>
+              <a:rPr lang="en-US" dirty="0"/>
+              <a:t>Listen in Kali</a:t>
+            </a:r>
+          </a:p>
+        </p:txBody>
+      </p:sp>
+      <p:sp>
+        <p:nvSpPr>
+          <p:cNvPr id="9" name="TextBox 8">
+            <a:extLst>
+              <a:ext uri="{FF2B5EF4-FFF2-40B4-BE49-F238E27FC236}">
+                <a16:creationId xmlns:a16="http://schemas.microsoft.com/office/drawing/2014/main" id="{C0B8EB65-DA9E-41A1-B75E-E015CA10F24F}"/>
+              </a:ext>
+            </a:extLst>
+          </p:cNvPr>
+          <p:cNvSpPr txBox="1"/>
+          <p:nvPr/>
+        </p:nvSpPr>
+        <p:spPr>
+          <a:xfrm>
+            <a:off x="5998664" y="2080552"/>
+            <a:ext cx="2083968" cy="369332"/>
+          </a:xfrm>
+          <a:prstGeom prst="rect">
+            <a:avLst/>
+          </a:prstGeom>
+          <a:solidFill>
+            <a:schemeClr val="accent4"/>
+          </a:solidFill>
+        </p:spPr>
+        <p:txBody>
+          <a:bodyPr wrap="none" rtlCol="0">
+            <a:spAutoFit/>
+          </a:bodyPr>
+          <a:lstStyle/>
+          <a:p>
+            <a:r>
+              <a:rPr lang="en-US" dirty="0"/>
+              <a:t>Send from Windows</a:t>
+            </a:r>
+          </a:p>
+        </p:txBody>
+      </p:sp>
+    </p:spTree>
+    <p:extLst>
+      <p:ext uri="{BB962C8B-B14F-4D97-AF65-F5344CB8AC3E}">
+        <p14:creationId xmlns:p14="http://schemas.microsoft.com/office/powerpoint/2010/main" val="2603918265"/>
+      </p:ext>
+    </p:extLst>
+  </p:cSld>
+  <p:clrMapOvr>
+    <a:masterClrMapping/>
+  </p:clrMapOvr>
+</p:sld>
+</file>
+
+<file path=ppt/slides/slide34.xml><?xml version="1.0" encoding="utf-8"?>
+<p:sld xmlns:a="http://schemas.openxmlformats.org/drawingml/2006/main" xmlns:r="http://schemas.openxmlformats.org/officeDocument/2006/relationships" xmlns:p="http://schemas.openxmlformats.org/presentationml/2006/main">
+  <p:cSld>
+    <p:spTree>
+      <p:nvGrpSpPr>
+        <p:cNvPr id="1" name=""/>
+        <p:cNvGrpSpPr/>
+        <p:nvPr/>
+      </p:nvGrpSpPr>
+      <p:grpSpPr>
+        <a:xfrm>
+          <a:off x="0" y="0"/>
+          <a:ext cx="0" cy="0"/>
+          <a:chOff x="0" y="0"/>
+          <a:chExt cx="0" cy="0"/>
+        </a:xfrm>
+      </p:grpSpPr>
+      <p:pic>
+        <p:nvPicPr>
+          <p:cNvPr id="4" name="Picture 3">
+            <a:extLst>
+              <a:ext uri="{FF2B5EF4-FFF2-40B4-BE49-F238E27FC236}">
+                <a16:creationId xmlns:a16="http://schemas.microsoft.com/office/drawing/2014/main" id="{B7691A99-45D1-4C91-99E7-191C01D17A8D}"/>
+              </a:ext>
+            </a:extLst>
+          </p:cNvPr>
+          <p:cNvPicPr>
+            <a:picLocks noChangeAspect="1"/>
+          </p:cNvPicPr>
+          <p:nvPr/>
+        </p:nvPicPr>
+        <p:blipFill>
+          <a:blip r:embed="rId2"/>
+          <a:stretch>
+            <a:fillRect/>
+          </a:stretch>
+        </p:blipFill>
+        <p:spPr>
+          <a:xfrm>
+            <a:off x="838200" y="2040518"/>
+            <a:ext cx="6939361" cy="4137430"/>
+          </a:xfrm>
+          <a:prstGeom prst="rect">
+            <a:avLst/>
+          </a:prstGeom>
+        </p:spPr>
+      </p:pic>
+      <p:sp>
+        <p:nvSpPr>
+          <p:cNvPr id="5" name="Title 4">
+            <a:extLst>
+              <a:ext uri="{FF2B5EF4-FFF2-40B4-BE49-F238E27FC236}">
+                <a16:creationId xmlns:a16="http://schemas.microsoft.com/office/drawing/2014/main" id="{8AEBD18F-93BE-4520-A0FE-C81395920CE5}"/>
+              </a:ext>
+            </a:extLst>
+          </p:cNvPr>
+          <p:cNvSpPr>
+            <a:spLocks noGrp="1"/>
+          </p:cNvSpPr>
+          <p:nvPr>
+            <p:ph type="title"/>
+          </p:nvPr>
+        </p:nvSpPr>
+        <p:spPr/>
+        <p:txBody>
+          <a:bodyPr/>
+          <a:lstStyle/>
+          <a:p>
+            <a:r>
+              <a:rPr lang="en-US" dirty="0"/>
+              <a:t>Verify the </a:t>
+            </a:r>
+            <a:r>
+              <a:rPr lang="en-US"/>
+              <a:t>acquired file hash</a:t>
+            </a:r>
+            <a:endParaRPr lang="en-US" dirty="0"/>
+          </a:p>
+        </p:txBody>
+      </p:sp>
+    </p:spTree>
+    <p:extLst>
+      <p:ext uri="{BB962C8B-B14F-4D97-AF65-F5344CB8AC3E}">
+        <p14:creationId xmlns:p14="http://schemas.microsoft.com/office/powerpoint/2010/main" val="3328413051"/>
       </p:ext>
     </p:extLst>
   </p:cSld>

--- a/Basic_Computer_Skills_for_Forensics/7_USB_Image_Acquisition.pptx
+++ b/Basic_Computer_Skills_for_Forensics/7_USB_Image_Acquisition.pptx
@@ -813,7 +813,7 @@
   <pc:docChgLst>
     <pc:chgData name="Weifeng Xu" userId="e7aed605-a3dd-4d5a-a692-a87037af107b" providerId="ADAL" clId="{E1DC02F5-E919-4A93-A2D0-6D7A4E94E8EF}"/>
     <pc:docChg chg="undo custSel addSld delSld modSld">
-      <pc:chgData name="Weifeng Xu" userId="e7aed605-a3dd-4d5a-a692-a87037af107b" providerId="ADAL" clId="{E1DC02F5-E919-4A93-A2D0-6D7A4E94E8EF}" dt="2021-12-13T16:02:37.352" v="968" actId="108"/>
+      <pc:chgData name="Weifeng Xu" userId="e7aed605-a3dd-4d5a-a692-a87037af107b" providerId="ADAL" clId="{E1DC02F5-E919-4A93-A2D0-6D7A4E94E8EF}" dt="2022-03-14T14:43:54.180" v="970" actId="478"/>
       <pc:docMkLst>
         <pc:docMk/>
       </pc:docMkLst>
@@ -832,6 +832,21 @@
           </ac:spMkLst>
         </pc:spChg>
       </pc:sldChg>
+      <pc:sldChg chg="delSp mod">
+        <pc:chgData name="Weifeng Xu" userId="e7aed605-a3dd-4d5a-a692-a87037af107b" providerId="ADAL" clId="{E1DC02F5-E919-4A93-A2D0-6D7A4E94E8EF}" dt="2022-03-14T14:43:54.180" v="970" actId="478"/>
+        <pc:sldMkLst>
+          <pc:docMk/>
+          <pc:sldMk cId="831770719" sldId="332"/>
+        </pc:sldMkLst>
+        <pc:spChg chg="del">
+          <ac:chgData name="Weifeng Xu" userId="e7aed605-a3dd-4d5a-a692-a87037af107b" providerId="ADAL" clId="{E1DC02F5-E919-4A93-A2D0-6D7A4E94E8EF}" dt="2022-03-14T14:43:54.180" v="970" actId="478"/>
+          <ac:spMkLst>
+            <pc:docMk/>
+            <pc:sldMk cId="831770719" sldId="332"/>
+            <ac:spMk id="3" creationId="{00000000-0000-0000-0000-000000000000}"/>
+          </ac:spMkLst>
+        </pc:spChg>
+      </pc:sldChg>
       <pc:sldChg chg="modSp mod">
         <pc:chgData name="Weifeng Xu" userId="e7aed605-a3dd-4d5a-a692-a87037af107b" providerId="ADAL" clId="{E1DC02F5-E919-4A93-A2D0-6D7A4E94E8EF}" dt="2021-09-13T19:32:34.684" v="514" actId="20577"/>
         <pc:sldMkLst>
@@ -844,6 +859,21 @@
             <pc:docMk/>
             <pc:sldMk cId="687037807" sldId="338"/>
             <ac:spMk id="4" creationId="{4CB24BF6-8129-4B15-948E-E66DB75F0552}"/>
+          </ac:spMkLst>
+        </pc:spChg>
+      </pc:sldChg>
+      <pc:sldChg chg="delSp mod">
+        <pc:chgData name="Weifeng Xu" userId="e7aed605-a3dd-4d5a-a692-a87037af107b" providerId="ADAL" clId="{E1DC02F5-E919-4A93-A2D0-6D7A4E94E8EF}" dt="2022-03-08T13:12:54.466" v="969" actId="478"/>
+        <pc:sldMkLst>
+          <pc:docMk/>
+          <pc:sldMk cId="3990954786" sldId="351"/>
+        </pc:sldMkLst>
+        <pc:spChg chg="del">
+          <ac:chgData name="Weifeng Xu" userId="e7aed605-a3dd-4d5a-a692-a87037af107b" providerId="ADAL" clId="{E1DC02F5-E919-4A93-A2D0-6D7A4E94E8EF}" dt="2022-03-08T13:12:54.466" v="969" actId="478"/>
+          <ac:spMkLst>
+            <pc:docMk/>
+            <pc:sldMk cId="3990954786" sldId="351"/>
+            <ac:spMk id="2" creationId="{00000000-0000-0000-0000-000000000000}"/>
           </ac:spMkLst>
         </pc:spChg>
       </pc:sldChg>
@@ -1321,7 +1351,7 @@
           <a:p>
             <a:fld id="{EE41F6E3-57F9-402E-BDBA-5B2DE11C8530}" type="datetimeFigureOut">
               <a:rPr lang="en-US" smtClean="0"/>
-              <a:t>12/13/2021</a:t>
+              <a:t>3/14/2022</a:t>
             </a:fld>
             <a:endParaRPr lang="en-US"/>
           </a:p>
@@ -2179,7 +2209,7 @@
           <a:p>
             <a:fld id="{4263717A-E3C1-4BED-ABE0-B7069385E023}" type="datetimeFigureOut">
               <a:rPr lang="en-US" smtClean="0"/>
-              <a:t>12/13/2021</a:t>
+              <a:t>3/14/2022</a:t>
             </a:fld>
             <a:endParaRPr lang="en-US"/>
           </a:p>
@@ -2352,7 +2382,7 @@
           <a:p>
             <a:fld id="{4263717A-E3C1-4BED-ABE0-B7069385E023}" type="datetimeFigureOut">
               <a:rPr lang="en-US" smtClean="0"/>
-              <a:t>12/13/2021</a:t>
+              <a:t>3/14/2022</a:t>
             </a:fld>
             <a:endParaRPr lang="en-US"/>
           </a:p>
@@ -2530,7 +2560,7 @@
           <a:p>
             <a:fld id="{4263717A-E3C1-4BED-ABE0-B7069385E023}" type="datetimeFigureOut">
               <a:rPr lang="en-US" smtClean="0"/>
-              <a:t>12/13/2021</a:t>
+              <a:t>3/14/2022</a:t>
             </a:fld>
             <a:endParaRPr lang="en-US"/>
           </a:p>
@@ -2698,7 +2728,7 @@
           <a:p>
             <a:fld id="{4263717A-E3C1-4BED-ABE0-B7069385E023}" type="datetimeFigureOut">
               <a:rPr lang="en-US" smtClean="0"/>
-              <a:t>12/13/2021</a:t>
+              <a:t>3/14/2022</a:t>
             </a:fld>
             <a:endParaRPr lang="en-US"/>
           </a:p>
@@ -2943,7 +2973,7 @@
           <a:p>
             <a:fld id="{4263717A-E3C1-4BED-ABE0-B7069385E023}" type="datetimeFigureOut">
               <a:rPr lang="en-US" smtClean="0"/>
-              <a:t>12/13/2021</a:t>
+              <a:t>3/14/2022</a:t>
             </a:fld>
             <a:endParaRPr lang="en-US"/>
           </a:p>
@@ -3172,7 +3202,7 @@
           <a:p>
             <a:fld id="{4263717A-E3C1-4BED-ABE0-B7069385E023}" type="datetimeFigureOut">
               <a:rPr lang="en-US" smtClean="0"/>
-              <a:t>12/13/2021</a:t>
+              <a:t>3/14/2022</a:t>
             </a:fld>
             <a:endParaRPr lang="en-US"/>
           </a:p>
@@ -3536,7 +3566,7 @@
           <a:p>
             <a:fld id="{4263717A-E3C1-4BED-ABE0-B7069385E023}" type="datetimeFigureOut">
               <a:rPr lang="en-US" smtClean="0"/>
-              <a:t>12/13/2021</a:t>
+              <a:t>3/14/2022</a:t>
             </a:fld>
             <a:endParaRPr lang="en-US"/>
           </a:p>
@@ -3653,7 +3683,7 @@
           <a:p>
             <a:fld id="{4263717A-E3C1-4BED-ABE0-B7069385E023}" type="datetimeFigureOut">
               <a:rPr lang="en-US" smtClean="0"/>
-              <a:t>12/13/2021</a:t>
+              <a:t>3/14/2022</a:t>
             </a:fld>
             <a:endParaRPr lang="en-US"/>
           </a:p>
@@ -3748,7 +3778,7 @@
           <a:p>
             <a:fld id="{4263717A-E3C1-4BED-ABE0-B7069385E023}" type="datetimeFigureOut">
               <a:rPr lang="en-US" smtClean="0"/>
-              <a:t>12/13/2021</a:t>
+              <a:t>3/14/2022</a:t>
             </a:fld>
             <a:endParaRPr lang="en-US"/>
           </a:p>
@@ -4023,7 +4053,7 @@
           <a:p>
             <a:fld id="{4263717A-E3C1-4BED-ABE0-B7069385E023}" type="datetimeFigureOut">
               <a:rPr lang="en-US" smtClean="0"/>
-              <a:t>12/13/2021</a:t>
+              <a:t>3/14/2022</a:t>
             </a:fld>
             <a:endParaRPr lang="en-US"/>
           </a:p>
@@ -4275,7 +4305,7 @@
           <a:p>
             <a:fld id="{4263717A-E3C1-4BED-ABE0-B7069385E023}" type="datetimeFigureOut">
               <a:rPr lang="en-US" smtClean="0"/>
-              <a:t>12/13/2021</a:t>
+              <a:t>3/14/2022</a:t>
             </a:fld>
             <a:endParaRPr lang="en-US"/>
           </a:p>
@@ -4486,7 +4516,7 @@
           <a:p>
             <a:fld id="{4263717A-E3C1-4BED-ABE0-B7069385E023}" type="datetimeFigureOut">
               <a:rPr lang="en-US" smtClean="0"/>
-              <a:t>12/13/2021</a:t>
+              <a:t>3/14/2022</a:t>
             </a:fld>
             <a:endParaRPr lang="en-US"/>
           </a:p>
@@ -6556,31 +6586,6 @@
           </a:p>
         </p:txBody>
       </p:sp>
-      <p:sp>
-        <p:nvSpPr>
-          <p:cNvPr id="2" name="Slide Number Placeholder 1"/>
-          <p:cNvSpPr>
-            <a:spLocks noGrp="1"/>
-          </p:cNvSpPr>
-          <p:nvPr>
-            <p:ph type="sldNum" idx="12"/>
-          </p:nvPr>
-        </p:nvSpPr>
-        <p:spPr/>
-        <p:txBody>
-          <a:bodyPr/>
-          <a:lstStyle/>
-          <a:p>
-            <a:pPr algn="ctr"/>
-            <a:fld id="{00000000-1234-1234-1234-123412341234}" type="slidenum">
-              <a:rPr lang="en" smtClean="0"/>
-              <a:pPr algn="ctr"/>
-              <a:t>24</a:t>
-            </a:fld>
-            <a:endParaRPr lang="en"/>
-          </a:p>
-        </p:txBody>
-      </p:sp>
       <p:pic>
         <p:nvPicPr>
           <p:cNvPr id="5" name="Picture 4"/>
@@ -8724,31 +8729,6 @@
           <a:chExt cx="0" cy="0"/>
         </a:xfrm>
       </p:grpSpPr>
-      <p:sp>
-        <p:nvSpPr>
-          <p:cNvPr id="3" name="Slide Number Placeholder 2"/>
-          <p:cNvSpPr>
-            <a:spLocks noGrp="1"/>
-          </p:cNvSpPr>
-          <p:nvPr>
-            <p:ph type="sldNum" idx="12"/>
-          </p:nvPr>
-        </p:nvSpPr>
-        <p:spPr/>
-        <p:txBody>
-          <a:bodyPr/>
-          <a:lstStyle/>
-          <a:p>
-            <a:pPr algn="l"/>
-            <a:fld id="{00000000-1234-1234-1234-123412341234}" type="slidenum">
-              <a:rPr lang="en" smtClean="0"/>
-              <a:pPr algn="l"/>
-              <a:t>9</a:t>
-            </a:fld>
-            <a:endParaRPr lang="en"/>
-          </a:p>
-        </p:txBody>
-      </p:sp>
       <p:pic>
         <p:nvPicPr>
           <p:cNvPr id="4" name="Picture 3"/>

--- a/Basic_Computer_Skills_for_Forensics/7_USB_Image_Acquisition.pptx
+++ b/Basic_Computer_Skills_for_Forensics/7_USB_Image_Acquisition.pptx
@@ -5,7 +5,7 @@
     <p:sldMasterId id="2147483648" r:id="rId1"/>
   </p:sldMasterIdLst>
   <p:notesMasterIdLst>
-    <p:notesMasterId r:id="rId36"/>
+    <p:notesMasterId r:id="rId38"/>
   </p:notesMasterIdLst>
   <p:sldIdLst>
     <p:sldId id="256" r:id="rId2"/>
@@ -25,23 +25,25 @@
     <p:sldId id="337" r:id="rId16"/>
     <p:sldId id="363" r:id="rId17"/>
     <p:sldId id="338" r:id="rId18"/>
-    <p:sldId id="344" r:id="rId19"/>
-    <p:sldId id="345" r:id="rId20"/>
-    <p:sldId id="346" r:id="rId21"/>
-    <p:sldId id="347" r:id="rId22"/>
-    <p:sldId id="348" r:id="rId23"/>
-    <p:sldId id="349" r:id="rId24"/>
-    <p:sldId id="351" r:id="rId25"/>
-    <p:sldId id="352" r:id="rId26"/>
-    <p:sldId id="353" r:id="rId27"/>
-    <p:sldId id="355" r:id="rId28"/>
-    <p:sldId id="354" r:id="rId29"/>
-    <p:sldId id="356" r:id="rId30"/>
-    <p:sldId id="357" r:id="rId31"/>
-    <p:sldId id="362" r:id="rId32"/>
-    <p:sldId id="359" r:id="rId33"/>
-    <p:sldId id="360" r:id="rId34"/>
-    <p:sldId id="361" r:id="rId35"/>
+    <p:sldId id="364" r:id="rId19"/>
+    <p:sldId id="344" r:id="rId20"/>
+    <p:sldId id="345" r:id="rId21"/>
+    <p:sldId id="346" r:id="rId22"/>
+    <p:sldId id="347" r:id="rId23"/>
+    <p:sldId id="348" r:id="rId24"/>
+    <p:sldId id="349" r:id="rId25"/>
+    <p:sldId id="365" r:id="rId26"/>
+    <p:sldId id="351" r:id="rId27"/>
+    <p:sldId id="352" r:id="rId28"/>
+    <p:sldId id="353" r:id="rId29"/>
+    <p:sldId id="355" r:id="rId30"/>
+    <p:sldId id="354" r:id="rId31"/>
+    <p:sldId id="356" r:id="rId32"/>
+    <p:sldId id="357" r:id="rId33"/>
+    <p:sldId id="362" r:id="rId34"/>
+    <p:sldId id="359" r:id="rId35"/>
+    <p:sldId id="360" r:id="rId36"/>
+    <p:sldId id="361" r:id="rId37"/>
   </p:sldIdLst>
   <p:sldSz cx="12192000" cy="6858000"/>
   <p:notesSz cx="6858000" cy="9144000"/>
@@ -151,7 +153,7 @@
 <file path=ppt/revisionInfo.xml><?xml version="1.0" encoding="utf-8"?>
 <p1510:revInfo xmlns:a="http://schemas.openxmlformats.org/drawingml/2006/main" xmlns:r="http://schemas.openxmlformats.org/officeDocument/2006/relationships" xmlns:p1510="http://schemas.microsoft.com/office/powerpoint/2015/10/main">
   <p1510:revLst>
-    <p1510:client id="{E1DC02F5-E919-4A93-A2D0-6D7A4E94E8EF}" v="9" dt="2021-12-13T15:57:49.037"/>
+    <p1510:client id="{E1DC02F5-E919-4A93-A2D0-6D7A4E94E8EF}" v="73" dt="2022-10-06T12:55:56.354"/>
   </p1510:revLst>
 </p1510:revInfo>
 </file>
@@ -813,10 +815,25 @@
   <pc:docChgLst>
     <pc:chgData name="Weifeng Xu" userId="e7aed605-a3dd-4d5a-a692-a87037af107b" providerId="ADAL" clId="{E1DC02F5-E919-4A93-A2D0-6D7A4E94E8EF}"/>
     <pc:docChg chg="undo custSel addSld delSld modSld">
-      <pc:chgData name="Weifeng Xu" userId="e7aed605-a3dd-4d5a-a692-a87037af107b" providerId="ADAL" clId="{E1DC02F5-E919-4A93-A2D0-6D7A4E94E8EF}" dt="2022-03-14T14:43:54.180" v="970" actId="478"/>
+      <pc:chgData name="Weifeng Xu" userId="e7aed605-a3dd-4d5a-a692-a87037af107b" providerId="ADAL" clId="{E1DC02F5-E919-4A93-A2D0-6D7A4E94E8EF}" dt="2022-10-10T14:30:10.469" v="1390" actId="20577"/>
       <pc:docMkLst>
         <pc:docMk/>
       </pc:docMkLst>
+      <pc:sldChg chg="modSp mod">
+        <pc:chgData name="Weifeng Xu" userId="e7aed605-a3dd-4d5a-a692-a87037af107b" providerId="ADAL" clId="{E1DC02F5-E919-4A93-A2D0-6D7A4E94E8EF}" dt="2022-10-06T12:58:37.194" v="1377" actId="20577"/>
+        <pc:sldMkLst>
+          <pc:docMk/>
+          <pc:sldMk cId="162022530" sldId="256"/>
+        </pc:sldMkLst>
+        <pc:spChg chg="mod">
+          <ac:chgData name="Weifeng Xu" userId="e7aed605-a3dd-4d5a-a692-a87037af107b" providerId="ADAL" clId="{E1DC02F5-E919-4A93-A2D0-6D7A4E94E8EF}" dt="2022-10-06T12:58:37.194" v="1377" actId="20577"/>
+          <ac:spMkLst>
+            <pc:docMk/>
+            <pc:sldMk cId="162022530" sldId="256"/>
+            <ac:spMk id="2" creationId="{00000000-0000-0000-0000-000000000000}"/>
+          </ac:spMkLst>
+        </pc:spChg>
+      </pc:sldChg>
       <pc:sldChg chg="modSp mod">
         <pc:chgData name="Weifeng Xu" userId="e7aed605-a3dd-4d5a-a692-a87037af107b" providerId="ADAL" clId="{E1DC02F5-E919-4A93-A2D0-6D7A4E94E8EF}" dt="2021-09-27T21:47:01.625" v="563" actId="6549"/>
         <pc:sldMkLst>
@@ -829,6 +846,21 @@
             <pc:docMk/>
             <pc:sldMk cId="542080552" sldId="258"/>
             <ac:spMk id="3" creationId="{9FEFF1C0-97E6-4D4F-A349-32811975D57B}"/>
+          </ac:spMkLst>
+        </pc:spChg>
+      </pc:sldChg>
+      <pc:sldChg chg="addSp modSp mod">
+        <pc:chgData name="Weifeng Xu" userId="e7aed605-a3dd-4d5a-a692-a87037af107b" providerId="ADAL" clId="{E1DC02F5-E919-4A93-A2D0-6D7A4E94E8EF}" dt="2022-10-06T12:14:33.383" v="1229" actId="1076"/>
+        <pc:sldMkLst>
+          <pc:docMk/>
+          <pc:sldMk cId="2795880567" sldId="260"/>
+        </pc:sldMkLst>
+        <pc:spChg chg="add mod">
+          <ac:chgData name="Weifeng Xu" userId="e7aed605-a3dd-4d5a-a692-a87037af107b" providerId="ADAL" clId="{E1DC02F5-E919-4A93-A2D0-6D7A4E94E8EF}" dt="2022-10-06T12:14:33.383" v="1229" actId="1076"/>
+          <ac:spMkLst>
+            <pc:docMk/>
+            <pc:sldMk cId="2795880567" sldId="260"/>
+            <ac:spMk id="8" creationId="{9215BCE8-B4ED-9EDE-1CA9-C776AC63B71E}"/>
           </ac:spMkLst>
         </pc:spChg>
       </pc:sldChg>
@@ -847,8 +879,63 @@
           </ac:spMkLst>
         </pc:spChg>
       </pc:sldChg>
-      <pc:sldChg chg="modSp mod">
-        <pc:chgData name="Weifeng Xu" userId="e7aed605-a3dd-4d5a-a692-a87037af107b" providerId="ADAL" clId="{E1DC02F5-E919-4A93-A2D0-6D7A4E94E8EF}" dt="2021-09-13T19:32:34.684" v="514" actId="20577"/>
+      <pc:sldChg chg="addSp modSp mod modNotesTx">
+        <pc:chgData name="Weifeng Xu" userId="e7aed605-a3dd-4d5a-a692-a87037af107b" providerId="ADAL" clId="{E1DC02F5-E919-4A93-A2D0-6D7A4E94E8EF}" dt="2022-10-10T14:30:10.469" v="1390" actId="20577"/>
+        <pc:sldMkLst>
+          <pc:docMk/>
+          <pc:sldMk cId="122673006" sldId="333"/>
+        </pc:sldMkLst>
+        <pc:spChg chg="add mod">
+          <ac:chgData name="Weifeng Xu" userId="e7aed605-a3dd-4d5a-a692-a87037af107b" providerId="ADAL" clId="{E1DC02F5-E919-4A93-A2D0-6D7A4E94E8EF}" dt="2022-10-10T14:30:10.469" v="1390" actId="20577"/>
+          <ac:spMkLst>
+            <pc:docMk/>
+            <pc:sldMk cId="122673006" sldId="333"/>
+            <ac:spMk id="6" creationId="{3925623D-799D-DF74-626B-29239197721D}"/>
+          </ac:spMkLst>
+        </pc:spChg>
+        <pc:picChg chg="mod">
+          <ac:chgData name="Weifeng Xu" userId="e7aed605-a3dd-4d5a-a692-a87037af107b" providerId="ADAL" clId="{E1DC02F5-E919-4A93-A2D0-6D7A4E94E8EF}" dt="2022-10-06T12:24:16.147" v="1240" actId="1076"/>
+          <ac:picMkLst>
+            <pc:docMk/>
+            <pc:sldMk cId="122673006" sldId="333"/>
+            <ac:picMk id="4" creationId="{00000000-0000-0000-0000-000000000000}"/>
+          </ac:picMkLst>
+        </pc:picChg>
+        <pc:cxnChg chg="add mod">
+          <ac:chgData name="Weifeng Xu" userId="e7aed605-a3dd-4d5a-a692-a87037af107b" providerId="ADAL" clId="{E1DC02F5-E919-4A93-A2D0-6D7A4E94E8EF}" dt="2022-10-06T12:26:42.682" v="1252" actId="13822"/>
+          <ac:cxnSpMkLst>
+            <pc:docMk/>
+            <pc:sldMk cId="122673006" sldId="333"/>
+            <ac:cxnSpMk id="8" creationId="{AC038767-EC46-EB22-19A3-5C808840586B}"/>
+          </ac:cxnSpMkLst>
+        </pc:cxnChg>
+        <pc:cxnChg chg="add mod">
+          <ac:chgData name="Weifeng Xu" userId="e7aed605-a3dd-4d5a-a692-a87037af107b" providerId="ADAL" clId="{E1DC02F5-E919-4A93-A2D0-6D7A4E94E8EF}" dt="2022-10-06T12:26:48.175" v="1254" actId="13822"/>
+          <ac:cxnSpMkLst>
+            <pc:docMk/>
+            <pc:sldMk cId="122673006" sldId="333"/>
+            <ac:cxnSpMk id="10" creationId="{6A4F9A1A-5931-1B78-FB07-2E5721C076D7}"/>
+          </ac:cxnSpMkLst>
+        </pc:cxnChg>
+        <pc:cxnChg chg="add mod">
+          <ac:chgData name="Weifeng Xu" userId="e7aed605-a3dd-4d5a-a692-a87037af107b" providerId="ADAL" clId="{E1DC02F5-E919-4A93-A2D0-6D7A4E94E8EF}" dt="2022-10-06T12:26:54.276" v="1256" actId="13822"/>
+          <ac:cxnSpMkLst>
+            <pc:docMk/>
+            <pc:sldMk cId="122673006" sldId="333"/>
+            <ac:cxnSpMk id="12" creationId="{1209F5E6-8F36-1BDC-BA44-FBBAE9877B42}"/>
+          </ac:cxnSpMkLst>
+        </pc:cxnChg>
+        <pc:cxnChg chg="add mod">
+          <ac:chgData name="Weifeng Xu" userId="e7aed605-a3dd-4d5a-a692-a87037af107b" providerId="ADAL" clId="{E1DC02F5-E919-4A93-A2D0-6D7A4E94E8EF}" dt="2022-10-06T12:29:03.951" v="1262" actId="1076"/>
+          <ac:cxnSpMkLst>
+            <pc:docMk/>
+            <pc:sldMk cId="122673006" sldId="333"/>
+            <ac:cxnSpMk id="14" creationId="{4B9C441D-165E-EC75-D324-5B53A86E8210}"/>
+          </ac:cxnSpMkLst>
+        </pc:cxnChg>
+      </pc:sldChg>
+      <pc:sldChg chg="addSp modSp mod">
+        <pc:chgData name="Weifeng Xu" userId="e7aed605-a3dd-4d5a-a692-a87037af107b" providerId="ADAL" clId="{E1DC02F5-E919-4A93-A2D0-6D7A4E94E8EF}" dt="2022-10-06T12:44:51.528" v="1292" actId="1076"/>
         <pc:sldMkLst>
           <pc:docMk/>
           <pc:sldMk cId="687037807" sldId="338"/>
@@ -859,6 +946,45 @@
             <pc:docMk/>
             <pc:sldMk cId="687037807" sldId="338"/>
             <ac:spMk id="4" creationId="{4CB24BF6-8129-4B15-948E-E66DB75F0552}"/>
+          </ac:spMkLst>
+        </pc:spChg>
+        <pc:picChg chg="add mod">
+          <ac:chgData name="Weifeng Xu" userId="e7aed605-a3dd-4d5a-a692-a87037af107b" providerId="ADAL" clId="{E1DC02F5-E919-4A93-A2D0-6D7A4E94E8EF}" dt="2022-10-06T12:44:51.528" v="1292" actId="1076"/>
+          <ac:picMkLst>
+            <pc:docMk/>
+            <pc:sldMk cId="687037807" sldId="338"/>
+            <ac:picMk id="2" creationId="{EE631520-828C-C151-F00E-EF6B8D42111B}"/>
+          </ac:picMkLst>
+        </pc:picChg>
+        <pc:picChg chg="add mod">
+          <ac:chgData name="Weifeng Xu" userId="e7aed605-a3dd-4d5a-a692-a87037af107b" providerId="ADAL" clId="{E1DC02F5-E919-4A93-A2D0-6D7A4E94E8EF}" dt="2022-10-06T12:44:51.528" v="1292" actId="1076"/>
+          <ac:picMkLst>
+            <pc:docMk/>
+            <pc:sldMk cId="687037807" sldId="338"/>
+            <ac:picMk id="3" creationId="{A876120F-6685-E55A-FA7E-6D4494850EB8}"/>
+          </ac:picMkLst>
+        </pc:picChg>
+      </pc:sldChg>
+      <pc:sldChg chg="addSp modSp mod">
+        <pc:chgData name="Weifeng Xu" userId="e7aed605-a3dd-4d5a-a692-a87037af107b" providerId="ADAL" clId="{E1DC02F5-E919-4A93-A2D0-6D7A4E94E8EF}" dt="2022-10-06T02:26:39.517" v="1213" actId="1076"/>
+        <pc:sldMkLst>
+          <pc:docMk/>
+          <pc:sldMk cId="3407532157" sldId="348"/>
+        </pc:sldMkLst>
+        <pc:spChg chg="add mod">
+          <ac:chgData name="Weifeng Xu" userId="e7aed605-a3dd-4d5a-a692-a87037af107b" providerId="ADAL" clId="{E1DC02F5-E919-4A93-A2D0-6D7A4E94E8EF}" dt="2022-10-06T02:26:27.106" v="1211" actId="1076"/>
+          <ac:spMkLst>
+            <pc:docMk/>
+            <pc:sldMk cId="3407532157" sldId="348"/>
+            <ac:spMk id="3" creationId="{449C4AA8-ECF8-456D-AA9B-07491B7DB9F3}"/>
+          </ac:spMkLst>
+        </pc:spChg>
+        <pc:spChg chg="add mod">
+          <ac:chgData name="Weifeng Xu" userId="e7aed605-a3dd-4d5a-a692-a87037af107b" providerId="ADAL" clId="{E1DC02F5-E919-4A93-A2D0-6D7A4E94E8EF}" dt="2022-10-06T02:26:39.517" v="1213" actId="1076"/>
+          <ac:spMkLst>
+            <pc:docMk/>
+            <pc:sldMk cId="3407532157" sldId="348"/>
+            <ac:spMk id="6" creationId="{07AE8C4D-1F91-35B4-EFFE-E24EF2544BFF}"/>
           </ac:spMkLst>
         </pc:spChg>
       </pc:sldChg>
@@ -955,7 +1081,7 @@
         </pc:picChg>
       </pc:sldChg>
       <pc:sldChg chg="addSp delSp modSp new mod modClrScheme chgLayout">
-        <pc:chgData name="Weifeng Xu" userId="e7aed605-a3dd-4d5a-a692-a87037af107b" providerId="ADAL" clId="{E1DC02F5-E919-4A93-A2D0-6D7A4E94E8EF}" dt="2021-12-13T14:55:19.450" v="604" actId="6549"/>
+        <pc:chgData name="Weifeng Xu" userId="e7aed605-a3dd-4d5a-a692-a87037af107b" providerId="ADAL" clId="{E1DC02F5-E919-4A93-A2D0-6D7A4E94E8EF}" dt="2022-10-06T13:18:18.954" v="1388" actId="313"/>
         <pc:sldMkLst>
           <pc:docMk/>
           <pc:sldMk cId="59612101" sldId="355"/>
@@ -985,7 +1111,7 @@
           </ac:spMkLst>
         </pc:spChg>
         <pc:spChg chg="add mod ord">
-          <ac:chgData name="Weifeng Xu" userId="e7aed605-a3dd-4d5a-a692-a87037af107b" providerId="ADAL" clId="{E1DC02F5-E919-4A93-A2D0-6D7A4E94E8EF}" dt="2021-09-13T19:25:52.308" v="435" actId="20577"/>
+          <ac:chgData name="Weifeng Xu" userId="e7aed605-a3dd-4d5a-a692-a87037af107b" providerId="ADAL" clId="{E1DC02F5-E919-4A93-A2D0-6D7A4E94E8EF}" dt="2022-10-06T13:18:18.954" v="1388" actId="313"/>
           <ac:spMkLst>
             <pc:docMk/>
             <pc:sldMk cId="59612101" sldId="355"/>
@@ -1234,7 +1360,7 @@
         </pc:spChg>
       </pc:sldChg>
       <pc:sldChg chg="addSp modSp new mod modClrScheme chgLayout">
-        <pc:chgData name="Weifeng Xu" userId="e7aed605-a3dd-4d5a-a692-a87037af107b" providerId="ADAL" clId="{E1DC02F5-E919-4A93-A2D0-6D7A4E94E8EF}" dt="2021-12-13T16:02:37.352" v="968" actId="108"/>
+        <pc:chgData name="Weifeng Xu" userId="e7aed605-a3dd-4d5a-a692-a87037af107b" providerId="ADAL" clId="{E1DC02F5-E919-4A93-A2D0-6D7A4E94E8EF}" dt="2022-10-06T12:35:14.942" v="1270" actId="14100"/>
         <pc:sldMkLst>
           <pc:docMk/>
           <pc:sldMk cId="3376442847" sldId="363"/>
@@ -1248,7 +1374,7 @@
           </ac:spMkLst>
         </pc:spChg>
         <pc:spChg chg="add mod">
-          <ac:chgData name="Weifeng Xu" userId="e7aed605-a3dd-4d5a-a692-a87037af107b" providerId="ADAL" clId="{E1DC02F5-E919-4A93-A2D0-6D7A4E94E8EF}" dt="2021-12-13T16:02:37.352" v="968" actId="108"/>
+          <ac:chgData name="Weifeng Xu" userId="e7aed605-a3dd-4d5a-a692-a87037af107b" providerId="ADAL" clId="{E1DC02F5-E919-4A93-A2D0-6D7A4E94E8EF}" dt="2022-10-06T12:34:40.113" v="1265" actId="14100"/>
           <ac:spMkLst>
             <pc:docMk/>
             <pc:sldMk cId="3376442847" sldId="363"/>
@@ -1256,7 +1382,7 @@
           </ac:spMkLst>
         </pc:spChg>
         <pc:picChg chg="add mod">
-          <ac:chgData name="Weifeng Xu" userId="e7aed605-a3dd-4d5a-a692-a87037af107b" providerId="ADAL" clId="{E1DC02F5-E919-4A93-A2D0-6D7A4E94E8EF}" dt="2021-12-13T16:01:15.701" v="962" actId="1076"/>
+          <ac:chgData name="Weifeng Xu" userId="e7aed605-a3dd-4d5a-a692-a87037af107b" providerId="ADAL" clId="{E1DC02F5-E919-4A93-A2D0-6D7A4E94E8EF}" dt="2022-10-06T12:35:14.942" v="1270" actId="14100"/>
           <ac:picMkLst>
             <pc:docMk/>
             <pc:sldMk cId="3376442847" sldId="363"/>
@@ -1264,9 +1390,903 @@
           </ac:picMkLst>
         </pc:picChg>
       </pc:sldChg>
+      <pc:sldChg chg="addSp delSp modSp new mod modClrScheme chgLayout">
+        <pc:chgData name="Weifeng Xu" userId="e7aed605-a3dd-4d5a-a692-a87037af107b" providerId="ADAL" clId="{E1DC02F5-E919-4A93-A2D0-6D7A4E94E8EF}" dt="2022-10-06T02:27:14.300" v="1225" actId="20577"/>
+        <pc:sldMkLst>
+          <pc:docMk/>
+          <pc:sldMk cId="2682292851" sldId="364"/>
+        </pc:sldMkLst>
+        <pc:spChg chg="del mod ord">
+          <ac:chgData name="Weifeng Xu" userId="e7aed605-a3dd-4d5a-a692-a87037af107b" providerId="ADAL" clId="{E1DC02F5-E919-4A93-A2D0-6D7A4E94E8EF}" dt="2022-10-06T02:15:28.928" v="972" actId="700"/>
+          <ac:spMkLst>
+            <pc:docMk/>
+            <pc:sldMk cId="2682292851" sldId="364"/>
+            <ac:spMk id="2" creationId="{2BD43903-C8D0-72BF-7FA8-CB8F092C2E97}"/>
+          </ac:spMkLst>
+        </pc:spChg>
+        <pc:spChg chg="del mod ord">
+          <ac:chgData name="Weifeng Xu" userId="e7aed605-a3dd-4d5a-a692-a87037af107b" providerId="ADAL" clId="{E1DC02F5-E919-4A93-A2D0-6D7A4E94E8EF}" dt="2022-10-06T02:15:28.928" v="972" actId="700"/>
+          <ac:spMkLst>
+            <pc:docMk/>
+            <pc:sldMk cId="2682292851" sldId="364"/>
+            <ac:spMk id="3" creationId="{B4066678-26D0-666D-DFB4-D2EB341A903E}"/>
+          </ac:spMkLst>
+        </pc:spChg>
+        <pc:spChg chg="add mod ord">
+          <ac:chgData name="Weifeng Xu" userId="e7aed605-a3dd-4d5a-a692-a87037af107b" providerId="ADAL" clId="{E1DC02F5-E919-4A93-A2D0-6D7A4E94E8EF}" dt="2022-10-06T02:16:07.119" v="1024" actId="20577"/>
+          <ac:spMkLst>
+            <pc:docMk/>
+            <pc:sldMk cId="2682292851" sldId="364"/>
+            <ac:spMk id="4" creationId="{095372BD-D20A-998E-3C78-C63BAF31520A}"/>
+          </ac:spMkLst>
+        </pc:spChg>
+        <pc:spChg chg="add mod ord">
+          <ac:chgData name="Weifeng Xu" userId="e7aed605-a3dd-4d5a-a692-a87037af107b" providerId="ADAL" clId="{E1DC02F5-E919-4A93-A2D0-6D7A4E94E8EF}" dt="2022-10-06T02:27:14.300" v="1225" actId="20577"/>
+          <ac:spMkLst>
+            <pc:docMk/>
+            <pc:sldMk cId="2682292851" sldId="364"/>
+            <ac:spMk id="5" creationId="{4E6A00C8-F81C-8E57-8CE4-108CFE918943}"/>
+          </ac:spMkLst>
+        </pc:spChg>
+      </pc:sldChg>
+      <pc:sldChg chg="addSp delSp modSp new mod modClrScheme chgLayout">
+        <pc:chgData name="Weifeng Xu" userId="e7aed605-a3dd-4d5a-a692-a87037af107b" providerId="ADAL" clId="{E1DC02F5-E919-4A93-A2D0-6D7A4E94E8EF}" dt="2022-10-06T12:55:56.353" v="1376" actId="1076"/>
+        <pc:sldMkLst>
+          <pc:docMk/>
+          <pc:sldMk cId="614827596" sldId="365"/>
+        </pc:sldMkLst>
+        <pc:spChg chg="add del mod">
+          <ac:chgData name="Weifeng Xu" userId="e7aed605-a3dd-4d5a-a692-a87037af107b" providerId="ADAL" clId="{E1DC02F5-E919-4A93-A2D0-6D7A4E94E8EF}" dt="2022-10-06T12:40:15.008" v="1278" actId="700"/>
+          <ac:spMkLst>
+            <pc:docMk/>
+            <pc:sldMk cId="614827596" sldId="365"/>
+            <ac:spMk id="2" creationId="{73E38802-2604-3AA1-3D94-EC089712C7BD}"/>
+          </ac:spMkLst>
+        </pc:spChg>
+        <pc:spChg chg="add del mod">
+          <ac:chgData name="Weifeng Xu" userId="e7aed605-a3dd-4d5a-a692-a87037af107b" providerId="ADAL" clId="{E1DC02F5-E919-4A93-A2D0-6D7A4E94E8EF}" dt="2022-10-06T12:40:15.008" v="1278" actId="700"/>
+          <ac:spMkLst>
+            <pc:docMk/>
+            <pc:sldMk cId="614827596" sldId="365"/>
+            <ac:spMk id="3" creationId="{0A9F0A2E-E7D6-F356-52B0-B0BE1A2EECC8}"/>
+          </ac:spMkLst>
+        </pc:spChg>
+        <pc:spChg chg="add del">
+          <ac:chgData name="Weifeng Xu" userId="e7aed605-a3dd-4d5a-a692-a87037af107b" providerId="ADAL" clId="{E1DC02F5-E919-4A93-A2D0-6D7A4E94E8EF}" dt="2022-10-06T12:42:51.261" v="1289" actId="478"/>
+          <ac:spMkLst>
+            <pc:docMk/>
+            <pc:sldMk cId="614827596" sldId="365"/>
+            <ac:spMk id="7" creationId="{8FDA222B-FF95-0B1A-C6CC-B9088A773114}"/>
+          </ac:spMkLst>
+        </pc:spChg>
+        <pc:grpChg chg="mod">
+          <ac:chgData name="Weifeng Xu" userId="e7aed605-a3dd-4d5a-a692-a87037af107b" providerId="ADAL" clId="{E1DC02F5-E919-4A93-A2D0-6D7A4E94E8EF}" dt="2022-10-06T12:50:56.879" v="1304"/>
+          <ac:grpSpMkLst>
+            <pc:docMk/>
+            <pc:sldMk cId="614827596" sldId="365"/>
+            <ac:grpSpMk id="11" creationId="{FA6E7D81-767E-1439-60C7-BFC45C56109F}"/>
+          </ac:grpSpMkLst>
+        </pc:grpChg>
+        <pc:grpChg chg="mod">
+          <ac:chgData name="Weifeng Xu" userId="e7aed605-a3dd-4d5a-a692-a87037af107b" providerId="ADAL" clId="{E1DC02F5-E919-4A93-A2D0-6D7A4E94E8EF}" dt="2022-10-06T12:52:07.308" v="1327" actId="1076"/>
+          <ac:grpSpMkLst>
+            <pc:docMk/>
+            <pc:sldMk cId="614827596" sldId="365"/>
+            <ac:grpSpMk id="15" creationId="{27FE8C25-FB39-20ED-D730-DFB7C3D8A9C5}"/>
+          </ac:grpSpMkLst>
+        </pc:grpChg>
+        <pc:grpChg chg="mod">
+          <ac:chgData name="Weifeng Xu" userId="e7aed605-a3dd-4d5a-a692-a87037af107b" providerId="ADAL" clId="{E1DC02F5-E919-4A93-A2D0-6D7A4E94E8EF}" dt="2022-10-06T12:51:31.863" v="1315"/>
+          <ac:grpSpMkLst>
+            <pc:docMk/>
+            <pc:sldMk cId="614827596" sldId="365"/>
+            <ac:grpSpMk id="18" creationId="{CE5C3DE9-73D4-8270-2B5A-39901280F420}"/>
+          </ac:grpSpMkLst>
+        </pc:grpChg>
+        <pc:grpChg chg="mod">
+          <ac:chgData name="Weifeng Xu" userId="e7aed605-a3dd-4d5a-a692-a87037af107b" providerId="ADAL" clId="{E1DC02F5-E919-4A93-A2D0-6D7A4E94E8EF}" dt="2022-10-06T12:52:07.308" v="1327" actId="1076"/>
+          <ac:grpSpMkLst>
+            <pc:docMk/>
+            <pc:sldMk cId="614827596" sldId="365"/>
+            <ac:grpSpMk id="21" creationId="{2A02B0DD-9213-D27F-3D3B-47E2137E81C0}"/>
+          </ac:grpSpMkLst>
+        </pc:grpChg>
+        <pc:grpChg chg="mod">
+          <ac:chgData name="Weifeng Xu" userId="e7aed605-a3dd-4d5a-a692-a87037af107b" providerId="ADAL" clId="{E1DC02F5-E919-4A93-A2D0-6D7A4E94E8EF}" dt="2022-10-06T12:52:07.308" v="1327" actId="1076"/>
+          <ac:grpSpMkLst>
+            <pc:docMk/>
+            <pc:sldMk cId="614827596" sldId="365"/>
+            <ac:grpSpMk id="24" creationId="{B3DB4EB1-0580-E57C-3BE0-8C480C31570E}"/>
+          </ac:grpSpMkLst>
+        </pc:grpChg>
+        <pc:grpChg chg="del mod">
+          <ac:chgData name="Weifeng Xu" userId="e7aed605-a3dd-4d5a-a692-a87037af107b" providerId="ADAL" clId="{E1DC02F5-E919-4A93-A2D0-6D7A4E94E8EF}" dt="2022-10-06T12:53:01.054" v="1333"/>
+          <ac:grpSpMkLst>
+            <pc:docMk/>
+            <pc:sldMk cId="614827596" sldId="365"/>
+            <ac:grpSpMk id="30" creationId="{AEB005EE-5392-2D1C-B9A9-00BD9CB427DC}"/>
+          </ac:grpSpMkLst>
+        </pc:grpChg>
+        <pc:grpChg chg="mod">
+          <ac:chgData name="Weifeng Xu" userId="e7aed605-a3dd-4d5a-a692-a87037af107b" providerId="ADAL" clId="{E1DC02F5-E919-4A93-A2D0-6D7A4E94E8EF}" dt="2022-10-06T12:53:26.043" v="1349" actId="1076"/>
+          <ac:grpSpMkLst>
+            <pc:docMk/>
+            <pc:sldMk cId="614827596" sldId="365"/>
+            <ac:grpSpMk id="33" creationId="{FBE1A5AB-5B66-A6B2-6523-DEFBB0125D57}"/>
+          </ac:grpSpMkLst>
+        </pc:grpChg>
+        <pc:grpChg chg="add del mod">
+          <ac:chgData name="Weifeng Xu" userId="e7aed605-a3dd-4d5a-a692-a87037af107b" providerId="ADAL" clId="{E1DC02F5-E919-4A93-A2D0-6D7A4E94E8EF}" dt="2022-10-06T12:53:17.317" v="1346"/>
+          <ac:grpSpMkLst>
+            <pc:docMk/>
+            <pc:sldMk cId="614827596" sldId="365"/>
+            <ac:grpSpMk id="36" creationId="{0EDA49B2-4D9D-FA07-2F45-DBB61096049C}"/>
+          </ac:grpSpMkLst>
+        </pc:grpChg>
+        <pc:grpChg chg="add del mod">
+          <ac:chgData name="Weifeng Xu" userId="e7aed605-a3dd-4d5a-a692-a87037af107b" providerId="ADAL" clId="{E1DC02F5-E919-4A93-A2D0-6D7A4E94E8EF}" dt="2022-10-06T12:53:16.996" v="1344"/>
+          <ac:grpSpMkLst>
+            <pc:docMk/>
+            <pc:sldMk cId="614827596" sldId="365"/>
+            <ac:grpSpMk id="38" creationId="{B9F124EE-8004-9724-F493-0995F312D3DD}"/>
+          </ac:grpSpMkLst>
+        </pc:grpChg>
+        <pc:grpChg chg="mod">
+          <ac:chgData name="Weifeng Xu" userId="e7aed605-a3dd-4d5a-a692-a87037af107b" providerId="ADAL" clId="{E1DC02F5-E919-4A93-A2D0-6D7A4E94E8EF}" dt="2022-10-06T12:53:16.413" v="1342"/>
+          <ac:grpSpMkLst>
+            <pc:docMk/>
+            <pc:sldMk cId="614827596" sldId="365"/>
+            <ac:grpSpMk id="40" creationId="{FAA742FE-5677-1A8E-47CC-54F03715CAF6}"/>
+          </ac:grpSpMkLst>
+        </pc:grpChg>
+        <pc:grpChg chg="add mod">
+          <ac:chgData name="Weifeng Xu" userId="e7aed605-a3dd-4d5a-a692-a87037af107b" providerId="ADAL" clId="{E1DC02F5-E919-4A93-A2D0-6D7A4E94E8EF}" dt="2022-10-06T12:53:22.353" v="1348"/>
+          <ac:grpSpMkLst>
+            <pc:docMk/>
+            <pc:sldMk cId="614827596" sldId="365"/>
+            <ac:grpSpMk id="41" creationId="{53AB4999-912B-3320-1C30-1F25BFC405A6}"/>
+          </ac:grpSpMkLst>
+        </pc:grpChg>
+        <pc:picChg chg="add mod">
+          <ac:chgData name="Weifeng Xu" userId="e7aed605-a3dd-4d5a-a692-a87037af107b" providerId="ADAL" clId="{E1DC02F5-E919-4A93-A2D0-6D7A4E94E8EF}" dt="2022-10-06T12:40:22.100" v="1280" actId="1076"/>
+          <ac:picMkLst>
+            <pc:docMk/>
+            <pc:sldMk cId="614827596" sldId="365"/>
+            <ac:picMk id="5" creationId="{42875411-47ED-7F53-A390-1C0B6E4CA73E}"/>
+          </ac:picMkLst>
+        </pc:picChg>
+        <pc:picChg chg="add mod">
+          <ac:chgData name="Weifeng Xu" userId="e7aed605-a3dd-4d5a-a692-a87037af107b" providerId="ADAL" clId="{E1DC02F5-E919-4A93-A2D0-6D7A4E94E8EF}" dt="2022-10-06T12:52:07.308" v="1327" actId="1076"/>
+          <ac:picMkLst>
+            <pc:docMk/>
+            <pc:sldMk cId="614827596" sldId="365"/>
+            <ac:picMk id="8" creationId="{416BD7EE-5AF2-0945-5F92-73F023A29EFF}"/>
+          </ac:picMkLst>
+        </pc:picChg>
+        <pc:picChg chg="add del mod">
+          <ac:chgData name="Weifeng Xu" userId="e7aed605-a3dd-4d5a-a692-a87037af107b" providerId="ADAL" clId="{E1DC02F5-E919-4A93-A2D0-6D7A4E94E8EF}" dt="2022-10-06T12:45:04.250" v="1293" actId="478"/>
+          <ac:picMkLst>
+            <pc:docMk/>
+            <pc:sldMk cId="614827596" sldId="365"/>
+            <ac:picMk id="1026" creationId="{85341555-4092-D652-30F5-86F36DF83871}"/>
+          </ac:picMkLst>
+        </pc:picChg>
+        <pc:picChg chg="add del mod">
+          <ac:chgData name="Weifeng Xu" userId="e7aed605-a3dd-4d5a-a692-a87037af107b" providerId="ADAL" clId="{E1DC02F5-E919-4A93-A2D0-6D7A4E94E8EF}" dt="2022-10-06T12:45:04.250" v="1293" actId="478"/>
+          <ac:picMkLst>
+            <pc:docMk/>
+            <pc:sldMk cId="614827596" sldId="365"/>
+            <ac:picMk id="1028" creationId="{A9585E49-01BA-54DC-C1DA-058B6102A906}"/>
+          </ac:picMkLst>
+        </pc:picChg>
+        <pc:picChg chg="add mod">
+          <ac:chgData name="Weifeng Xu" userId="e7aed605-a3dd-4d5a-a692-a87037af107b" providerId="ADAL" clId="{E1DC02F5-E919-4A93-A2D0-6D7A4E94E8EF}" dt="2022-10-06T12:52:07.308" v="1327" actId="1076"/>
+          <ac:picMkLst>
+            <pc:docMk/>
+            <pc:sldMk cId="614827596" sldId="365"/>
+            <ac:picMk id="1030" creationId="{5F96BE48-55C4-83B3-25D4-616201889C9B}"/>
+          </ac:picMkLst>
+        </pc:picChg>
+        <pc:picChg chg="add mod">
+          <ac:chgData name="Weifeng Xu" userId="e7aed605-a3dd-4d5a-a692-a87037af107b" providerId="ADAL" clId="{E1DC02F5-E919-4A93-A2D0-6D7A4E94E8EF}" dt="2022-10-06T12:54:54.721" v="1362" actId="1076"/>
+          <ac:picMkLst>
+            <pc:docMk/>
+            <pc:sldMk cId="614827596" sldId="365"/>
+            <ac:picMk id="1032" creationId="{2AF36134-50D7-5AA2-B9CF-5B30D8919B17}"/>
+          </ac:picMkLst>
+        </pc:picChg>
+        <pc:picChg chg="add del mod">
+          <ac:chgData name="Weifeng Xu" userId="e7aed605-a3dd-4d5a-a692-a87037af107b" providerId="ADAL" clId="{E1DC02F5-E919-4A93-A2D0-6D7A4E94E8EF}" dt="2022-10-06T12:54:44.802" v="1357" actId="478"/>
+          <ac:picMkLst>
+            <pc:docMk/>
+            <pc:sldMk cId="614827596" sldId="365"/>
+            <ac:picMk id="1034" creationId="{AC880542-3FF2-3066-F0F0-E231F513C3BC}"/>
+          </ac:picMkLst>
+        </pc:picChg>
+        <pc:picChg chg="add mod">
+          <ac:chgData name="Weifeng Xu" userId="e7aed605-a3dd-4d5a-a692-a87037af107b" providerId="ADAL" clId="{E1DC02F5-E919-4A93-A2D0-6D7A4E94E8EF}" dt="2022-10-06T12:54:58.685" v="1365" actId="1076"/>
+          <ac:picMkLst>
+            <pc:docMk/>
+            <pc:sldMk cId="614827596" sldId="365"/>
+            <ac:picMk id="1036" creationId="{4CA66925-C9E4-27C9-80E2-E469DC93EF51}"/>
+          </ac:picMkLst>
+        </pc:picChg>
+        <pc:picChg chg="add mod">
+          <ac:chgData name="Weifeng Xu" userId="e7aed605-a3dd-4d5a-a692-a87037af107b" providerId="ADAL" clId="{E1DC02F5-E919-4A93-A2D0-6D7A4E94E8EF}" dt="2022-10-06T12:55:48.658" v="1373" actId="1076"/>
+          <ac:picMkLst>
+            <pc:docMk/>
+            <pc:sldMk cId="614827596" sldId="365"/>
+            <ac:picMk id="1038" creationId="{A4CD2615-2B2D-588E-6249-A32D57FD81AE}"/>
+          </ac:picMkLst>
+        </pc:picChg>
+        <pc:picChg chg="add mod">
+          <ac:chgData name="Weifeng Xu" userId="e7aed605-a3dd-4d5a-a692-a87037af107b" providerId="ADAL" clId="{E1DC02F5-E919-4A93-A2D0-6D7A4E94E8EF}" dt="2022-10-06T12:55:56.353" v="1376" actId="1076"/>
+          <ac:picMkLst>
+            <pc:docMk/>
+            <pc:sldMk cId="614827596" sldId="365"/>
+            <ac:picMk id="1040" creationId="{03529080-5064-9963-14EF-1B27DA88ED20}"/>
+          </ac:picMkLst>
+        </pc:picChg>
+        <pc:inkChg chg="add del mod">
+          <ac:chgData name="Weifeng Xu" userId="e7aed605-a3dd-4d5a-a692-a87037af107b" providerId="ADAL" clId="{E1DC02F5-E919-4A93-A2D0-6D7A4E94E8EF}" dt="2022-10-06T12:50:57.334" v="1305" actId="9405"/>
+          <ac:inkMkLst>
+            <pc:docMk/>
+            <pc:sldMk cId="614827596" sldId="365"/>
+            <ac:inkMk id="9" creationId="{5595DA88-A9C5-7DF6-35AD-D30ADD6C1862}"/>
+          </ac:inkMkLst>
+        </pc:inkChg>
+        <pc:inkChg chg="add del mod">
+          <ac:chgData name="Weifeng Xu" userId="e7aed605-a3dd-4d5a-a692-a87037af107b" providerId="ADAL" clId="{E1DC02F5-E919-4A93-A2D0-6D7A4E94E8EF}" dt="2022-10-06T12:50:56.879" v="1304"/>
+          <ac:inkMkLst>
+            <pc:docMk/>
+            <pc:sldMk cId="614827596" sldId="365"/>
+            <ac:inkMk id="10" creationId="{AB6F0139-236A-808A-455F-041848D31DAF}"/>
+          </ac:inkMkLst>
+        </pc:inkChg>
+        <pc:inkChg chg="add del">
+          <ac:chgData name="Weifeng Xu" userId="e7aed605-a3dd-4d5a-a692-a87037af107b" providerId="ADAL" clId="{E1DC02F5-E919-4A93-A2D0-6D7A4E94E8EF}" dt="2022-10-06T12:51:06.173" v="1307" actId="9405"/>
+          <ac:inkMkLst>
+            <pc:docMk/>
+            <pc:sldMk cId="614827596" sldId="365"/>
+            <ac:inkMk id="12" creationId="{AC465ED5-FE86-AE4E-7A7C-25B7316874DD}"/>
+          </ac:inkMkLst>
+        </pc:inkChg>
+        <pc:inkChg chg="add mod">
+          <ac:chgData name="Weifeng Xu" userId="e7aed605-a3dd-4d5a-a692-a87037af107b" providerId="ADAL" clId="{E1DC02F5-E919-4A93-A2D0-6D7A4E94E8EF}" dt="2022-10-06T12:52:07.308" v="1327" actId="1076"/>
+          <ac:inkMkLst>
+            <pc:docMk/>
+            <pc:sldMk cId="614827596" sldId="365"/>
+            <ac:inkMk id="13" creationId="{6C5957C1-D2BE-1148-DC60-F166B60B8248}"/>
+          </ac:inkMkLst>
+        </pc:inkChg>
+        <pc:inkChg chg="add mod">
+          <ac:chgData name="Weifeng Xu" userId="e7aed605-a3dd-4d5a-a692-a87037af107b" providerId="ADAL" clId="{E1DC02F5-E919-4A93-A2D0-6D7A4E94E8EF}" dt="2022-10-06T12:52:07.308" v="1327" actId="1076"/>
+          <ac:inkMkLst>
+            <pc:docMk/>
+            <pc:sldMk cId="614827596" sldId="365"/>
+            <ac:inkMk id="14" creationId="{EC1614A1-2277-ACC8-FF4F-52A3DDB1EB8E}"/>
+          </ac:inkMkLst>
+        </pc:inkChg>
+        <pc:inkChg chg="add del mod">
+          <ac:chgData name="Weifeng Xu" userId="e7aed605-a3dd-4d5a-a692-a87037af107b" providerId="ADAL" clId="{E1DC02F5-E919-4A93-A2D0-6D7A4E94E8EF}" dt="2022-10-06T12:51:32.478" v="1316" actId="9405"/>
+          <ac:inkMkLst>
+            <pc:docMk/>
+            <pc:sldMk cId="614827596" sldId="365"/>
+            <ac:inkMk id="16" creationId="{B0902C5F-0A61-7A98-625D-48C275ADA91A}"/>
+          </ac:inkMkLst>
+        </pc:inkChg>
+        <pc:inkChg chg="add del mod">
+          <ac:chgData name="Weifeng Xu" userId="e7aed605-a3dd-4d5a-a692-a87037af107b" providerId="ADAL" clId="{E1DC02F5-E919-4A93-A2D0-6D7A4E94E8EF}" dt="2022-10-06T12:51:31.863" v="1315"/>
+          <ac:inkMkLst>
+            <pc:docMk/>
+            <pc:sldMk cId="614827596" sldId="365"/>
+            <ac:inkMk id="17" creationId="{E871975E-1770-9A1C-EB11-86199A8EF13F}"/>
+          </ac:inkMkLst>
+        </pc:inkChg>
+        <pc:inkChg chg="add mod">
+          <ac:chgData name="Weifeng Xu" userId="e7aed605-a3dd-4d5a-a692-a87037af107b" providerId="ADAL" clId="{E1DC02F5-E919-4A93-A2D0-6D7A4E94E8EF}" dt="2022-10-06T12:52:07.308" v="1327" actId="1076"/>
+          <ac:inkMkLst>
+            <pc:docMk/>
+            <pc:sldMk cId="614827596" sldId="365"/>
+            <ac:inkMk id="19" creationId="{B40CE8A8-4C2F-5D73-D575-B82C29940621}"/>
+          </ac:inkMkLst>
+        </pc:inkChg>
+        <pc:inkChg chg="add mod">
+          <ac:chgData name="Weifeng Xu" userId="e7aed605-a3dd-4d5a-a692-a87037af107b" providerId="ADAL" clId="{E1DC02F5-E919-4A93-A2D0-6D7A4E94E8EF}" dt="2022-10-06T12:52:07.308" v="1327" actId="1076"/>
+          <ac:inkMkLst>
+            <pc:docMk/>
+            <pc:sldMk cId="614827596" sldId="365"/>
+            <ac:inkMk id="20" creationId="{41C74CE1-AA80-2608-8517-E80D718FB0C3}"/>
+          </ac:inkMkLst>
+        </pc:inkChg>
+        <pc:inkChg chg="add mod">
+          <ac:chgData name="Weifeng Xu" userId="e7aed605-a3dd-4d5a-a692-a87037af107b" providerId="ADAL" clId="{E1DC02F5-E919-4A93-A2D0-6D7A4E94E8EF}" dt="2022-10-06T12:52:07.308" v="1327" actId="1076"/>
+          <ac:inkMkLst>
+            <pc:docMk/>
+            <pc:sldMk cId="614827596" sldId="365"/>
+            <ac:inkMk id="22" creationId="{0F8A4ECA-8368-75AF-E808-E7AA80CF6DC4}"/>
+          </ac:inkMkLst>
+        </pc:inkChg>
+        <pc:inkChg chg="add mod">
+          <ac:chgData name="Weifeng Xu" userId="e7aed605-a3dd-4d5a-a692-a87037af107b" providerId="ADAL" clId="{E1DC02F5-E919-4A93-A2D0-6D7A4E94E8EF}" dt="2022-10-06T12:52:07.308" v="1327" actId="1076"/>
+          <ac:inkMkLst>
+            <pc:docMk/>
+            <pc:sldMk cId="614827596" sldId="365"/>
+            <ac:inkMk id="23" creationId="{6D1DF228-639B-87DC-C5D4-2545DCC1B8DE}"/>
+          </ac:inkMkLst>
+        </pc:inkChg>
+        <pc:inkChg chg="add">
+          <ac:chgData name="Weifeng Xu" userId="e7aed605-a3dd-4d5a-a692-a87037af107b" providerId="ADAL" clId="{E1DC02F5-E919-4A93-A2D0-6D7A4E94E8EF}" dt="2022-10-06T12:51:52.766" v="1323" actId="9405"/>
+          <ac:inkMkLst>
+            <pc:docMk/>
+            <pc:sldMk cId="614827596" sldId="365"/>
+            <ac:inkMk id="25" creationId="{49A591A0-978F-5347-0739-FFF1CB472CC4}"/>
+          </ac:inkMkLst>
+        </pc:inkChg>
+        <pc:inkChg chg="add">
+          <ac:chgData name="Weifeng Xu" userId="e7aed605-a3dd-4d5a-a692-a87037af107b" providerId="ADAL" clId="{E1DC02F5-E919-4A93-A2D0-6D7A4E94E8EF}" dt="2022-10-06T12:51:57.316" v="1324" actId="9405"/>
+          <ac:inkMkLst>
+            <pc:docMk/>
+            <pc:sldMk cId="614827596" sldId="365"/>
+            <ac:inkMk id="26" creationId="{A2141EB9-E937-8297-1717-98886F61513C}"/>
+          </ac:inkMkLst>
+        </pc:inkChg>
+        <pc:inkChg chg="add del">
+          <ac:chgData name="Weifeng Xu" userId="e7aed605-a3dd-4d5a-a692-a87037af107b" providerId="ADAL" clId="{E1DC02F5-E919-4A93-A2D0-6D7A4E94E8EF}" dt="2022-10-06T12:51:59.462" v="1326" actId="9405"/>
+          <ac:inkMkLst>
+            <pc:docMk/>
+            <pc:sldMk cId="614827596" sldId="365"/>
+            <ac:inkMk id="27" creationId="{FC98F612-CA42-36DE-9482-557DE377CDC2}"/>
+          </ac:inkMkLst>
+        </pc:inkChg>
+        <pc:inkChg chg="add mod">
+          <ac:chgData name="Weifeng Xu" userId="e7aed605-a3dd-4d5a-a692-a87037af107b" providerId="ADAL" clId="{E1DC02F5-E919-4A93-A2D0-6D7A4E94E8EF}" dt="2022-10-06T12:53:01.054" v="1333"/>
+          <ac:inkMkLst>
+            <pc:docMk/>
+            <pc:sldMk cId="614827596" sldId="365"/>
+            <ac:inkMk id="28" creationId="{9D674BF6-FCBC-BC38-5BFC-AC4E81B1BC8B}"/>
+          </ac:inkMkLst>
+        </pc:inkChg>
+        <pc:inkChg chg="add mod">
+          <ac:chgData name="Weifeng Xu" userId="e7aed605-a3dd-4d5a-a692-a87037af107b" providerId="ADAL" clId="{E1DC02F5-E919-4A93-A2D0-6D7A4E94E8EF}" dt="2022-10-06T12:53:01.054" v="1333"/>
+          <ac:inkMkLst>
+            <pc:docMk/>
+            <pc:sldMk cId="614827596" sldId="365"/>
+            <ac:inkMk id="29" creationId="{76C72A4D-8648-944E-992B-06831401BC13}"/>
+          </ac:inkMkLst>
+        </pc:inkChg>
+        <pc:inkChg chg="add mod">
+          <ac:chgData name="Weifeng Xu" userId="e7aed605-a3dd-4d5a-a692-a87037af107b" providerId="ADAL" clId="{E1DC02F5-E919-4A93-A2D0-6D7A4E94E8EF}" dt="2022-10-06T12:53:01.054" v="1333"/>
+          <ac:inkMkLst>
+            <pc:docMk/>
+            <pc:sldMk cId="614827596" sldId="365"/>
+            <ac:inkMk id="31" creationId="{53011B55-8B5C-B061-A9D7-D0A8A19DFB76}"/>
+          </ac:inkMkLst>
+        </pc:inkChg>
+        <pc:inkChg chg="add mod">
+          <ac:chgData name="Weifeng Xu" userId="e7aed605-a3dd-4d5a-a692-a87037af107b" providerId="ADAL" clId="{E1DC02F5-E919-4A93-A2D0-6D7A4E94E8EF}" dt="2022-10-06T12:53:01.054" v="1333"/>
+          <ac:inkMkLst>
+            <pc:docMk/>
+            <pc:sldMk cId="614827596" sldId="365"/>
+            <ac:inkMk id="32" creationId="{9E590E3E-07C6-15B9-7413-F8F4B9D516AF}"/>
+          </ac:inkMkLst>
+        </pc:inkChg>
+        <pc:inkChg chg="add del mod">
+          <ac:chgData name="Weifeng Xu" userId="e7aed605-a3dd-4d5a-a692-a87037af107b" providerId="ADAL" clId="{E1DC02F5-E919-4A93-A2D0-6D7A4E94E8EF}" dt="2022-10-06T12:53:17.980" v="1347" actId="9405"/>
+          <ac:inkMkLst>
+            <pc:docMk/>
+            <pc:sldMk cId="614827596" sldId="365"/>
+            <ac:inkMk id="34" creationId="{FE21FF46-097E-E270-6E28-10F42961F8BC}"/>
+          </ac:inkMkLst>
+        </pc:inkChg>
+        <pc:inkChg chg="add del mod">
+          <ac:chgData name="Weifeng Xu" userId="e7aed605-a3dd-4d5a-a692-a87037af107b" providerId="ADAL" clId="{E1DC02F5-E919-4A93-A2D0-6D7A4E94E8EF}" dt="2022-10-06T12:53:17.317" v="1346"/>
+          <ac:inkMkLst>
+            <pc:docMk/>
+            <pc:sldMk cId="614827596" sldId="365"/>
+            <ac:inkMk id="35" creationId="{0D30E437-F353-7DB3-7F71-17962F815F9A}"/>
+          </ac:inkMkLst>
+        </pc:inkChg>
+        <pc:inkChg chg="add del mod">
+          <ac:chgData name="Weifeng Xu" userId="e7aed605-a3dd-4d5a-a692-a87037af107b" providerId="ADAL" clId="{E1DC02F5-E919-4A93-A2D0-6D7A4E94E8EF}" dt="2022-10-06T12:53:16.996" v="1344"/>
+          <ac:inkMkLst>
+            <pc:docMk/>
+            <pc:sldMk cId="614827596" sldId="365"/>
+            <ac:inkMk id="37" creationId="{F906A1C7-AE7B-41AB-E976-30A5297EDC8F}"/>
+          </ac:inkMkLst>
+        </pc:inkChg>
+        <pc:inkChg chg="add del mod">
+          <ac:chgData name="Weifeng Xu" userId="e7aed605-a3dd-4d5a-a692-a87037af107b" providerId="ADAL" clId="{E1DC02F5-E919-4A93-A2D0-6D7A4E94E8EF}" dt="2022-10-06T12:53:16.413" v="1342"/>
+          <ac:inkMkLst>
+            <pc:docMk/>
+            <pc:sldMk cId="614827596" sldId="365"/>
+            <ac:inkMk id="39" creationId="{9FE527F2-1C1E-8BA8-EC28-F5BE3CCDF9AA}"/>
+          </ac:inkMkLst>
+        </pc:inkChg>
+        <pc:inkChg chg="mod">
+          <ac:chgData name="Weifeng Xu" userId="e7aed605-a3dd-4d5a-a692-a87037af107b" providerId="ADAL" clId="{E1DC02F5-E919-4A93-A2D0-6D7A4E94E8EF}" dt="2022-10-06T12:53:22.353" v="1348"/>
+          <ac:inkMkLst>
+            <pc:docMk/>
+            <pc:sldMk cId="614827596" sldId="365"/>
+            <ac:inkMk id="42" creationId="{D34BA065-B9D7-D9F4-C6C4-19D2BDC22555}"/>
+          </ac:inkMkLst>
+        </pc:inkChg>
+        <pc:inkChg chg="mod">
+          <ac:chgData name="Weifeng Xu" userId="e7aed605-a3dd-4d5a-a692-a87037af107b" providerId="ADAL" clId="{E1DC02F5-E919-4A93-A2D0-6D7A4E94E8EF}" dt="2022-10-06T12:53:22.353" v="1348"/>
+          <ac:inkMkLst>
+            <pc:docMk/>
+            <pc:sldMk cId="614827596" sldId="365"/>
+            <ac:inkMk id="43" creationId="{ABC99D72-F7AF-5633-DC58-A80F85EE3336}"/>
+          </ac:inkMkLst>
+        </pc:inkChg>
+        <pc:inkChg chg="mod">
+          <ac:chgData name="Weifeng Xu" userId="e7aed605-a3dd-4d5a-a692-a87037af107b" providerId="ADAL" clId="{E1DC02F5-E919-4A93-A2D0-6D7A4E94E8EF}" dt="2022-10-06T12:53:22.353" v="1348"/>
+          <ac:inkMkLst>
+            <pc:docMk/>
+            <pc:sldMk cId="614827596" sldId="365"/>
+            <ac:inkMk id="44" creationId="{D7B8EF13-931D-C930-D032-BD4F105CCD45}"/>
+          </ac:inkMkLst>
+        </pc:inkChg>
+        <pc:inkChg chg="mod">
+          <ac:chgData name="Weifeng Xu" userId="e7aed605-a3dd-4d5a-a692-a87037af107b" providerId="ADAL" clId="{E1DC02F5-E919-4A93-A2D0-6D7A4E94E8EF}" dt="2022-10-06T12:53:22.353" v="1348"/>
+          <ac:inkMkLst>
+            <pc:docMk/>
+            <pc:sldMk cId="614827596" sldId="365"/>
+            <ac:inkMk id="45" creationId="{9271AC79-BA62-5993-1E52-9400813E728D}"/>
+          </ac:inkMkLst>
+        </pc:inkChg>
+      </pc:sldChg>
     </pc:docChg>
   </pc:docChgLst>
 </pc:chgInfo>
+</file>
+
+<file path=ppt/ink/ink1.xml><?xml version="1.0" encoding="utf-8"?>
+<inkml:ink xmlns:inkml="http://www.w3.org/2003/InkML">
+  <inkml:definitions>
+    <inkml:context xml:id="ctx0">
+      <inkml:inkSource xml:id="inkSrc0">
+        <inkml:traceFormat>
+          <inkml:channel name="X" type="integer" min="-2.14748E9" max="2.14748E9" units="cm"/>
+          <inkml:channel name="Y" type="integer" min="-2.14748E9" max="2.14748E9" units="cm"/>
+          <inkml:channel name="F" type="integer" max="32767" units="dev"/>
+        </inkml:traceFormat>
+        <inkml:channelProperties>
+          <inkml:channelProperty channel="X" name="resolution" value="1000" units="1/cm"/>
+          <inkml:channelProperty channel="Y" name="resolution" value="1000" units="1/cm"/>
+          <inkml:channelProperty channel="F" name="resolution" value="0" units="1/dev"/>
+        </inkml:channelProperties>
+      </inkml:inkSource>
+      <inkml:timestamp xml:id="ts0" timeString="2022-10-06T12:51:16.556"/>
+    </inkml:context>
+    <inkml:brush xml:id="br0">
+      <inkml:brushProperty name="width" value="0.1" units="cm"/>
+      <inkml:brushProperty name="height" value="0.1" units="cm"/>
+      <inkml:brushProperty name="color" value="#E71224"/>
+    </inkml:brush>
+  </inkml:definitions>
+  <inkml:trace contextRef="#ctx0" brushRef="#br0">0 4574 24575,'1'-18'0,"1"0"0,0 0 0,2 0 0,0 1 0,9-26 0,-5 18 0,-1-2 0,-1 7 0,0 0 0,1 0 0,18-34 0,22-46 0,-24 58 0,2 2 0,45-56 0,-59 82 0,-1-1 0,11-19 0,-12 18 0,1 0 0,13-16 0,-17 25 0,-1-1 0,0 0 0,-1 0 0,6-13 0,-6 12 0,0 1 0,0 0 0,1-1 0,9-10 0,11-9 0,-15 17 0,0 1 0,-1-1 0,0-1 0,-1 1 0,7-16 0,-6 12 0,1 0 0,0 0 0,20-22 0,-16 20 0,22-33 0,6-6 0,-13 18 0,-21 25 0,0-1 0,-1 0 0,8-24 0,-9 23 0,0 0 0,1 0 0,13-21 0,12-6 0,48-48 0,-49 58 0,-2-1 0,42-63 0,-61 80 0,50-75 0,-52 82 0,0-1 0,0 1 0,1 0 0,1 1 0,-1 0 0,20-11 0,-13 7 0,1-1 0,-2 0 0,0-2 0,17-20 0,-30 33 0,103-133 0,112-106 0,-194 218 0,-16 17 0,-1-1 0,1 1 0,-1-2 0,-1 1 0,1 0 0,-1-1 0,5-11 0,-7 13 0,1 1 0,-1-1 0,1 1 0,0 0 0,1 1 0,-1-1 0,1 1 0,9-8 0,15-14 0,7-10 0,53-43 0,-50 47 0,48-51 0,-76 73 0,0 1 0,0 0 0,1 0 0,0 1 0,1 1 0,18-9 0,-14 7 0,1-1 0,24-18 0,48-34 0,-75 52 0,-8 5 0,-1 0 0,0 0 0,-1 0 0,6-8 0,-6 8 0,0 0 0,0 0 0,0 0 0,1 0 0,8-5 0,52-36 0,-54 37 0,0 0 0,0 0 0,1 1 0,0 1 0,0 0 0,1 1 0,21-8 0,-28 12 0,-1-1 0,1 0 0,-1 0 0,0-1 0,0 1 0,-1-1 0,1-1 0,-1 1 0,1-1 0,-2 0 0,1 0 0,7-11 0,-5 7 0,0 1 0,1 0 0,0 0 0,11-7 0,13-7 0,59-37 0,-65 43 0,30-24 0,-38 26 0,0 1 0,0 1 0,40-20 0,-27 17 0,-1-1 0,41-30 0,-29 19 0,-8 10 0,-28 14 0,-1 1 0,0 0 0,1-1 0,-1 0 0,0 0 0,0-1 0,-1 1 0,6-6 0,0-3 0,1 1 0,0 0 0,1 0 0,0 1 0,0 1 0,1 0 0,28-15 0,-3 6 0,13-4 0,66-21 0,-96 33 0,31-20 0,16-8 0,-36 25 0,7-4 0,73-41 0,-78 40 0,1 1 0,1 1 0,62-18 0,4-2 0,-88 31 0,-1 1 0,1 1 0,16-2 0,34-9 0,31-13 10,21-8-170,136-44-565,-149 49 697,6-1 28,124-41 0,-203 64 0,1 1 0,-1 1 0,52-3 0,-41 5 0,58-12 0,-2-9 0,-20 4 0,80-11 0,-143 30 0,202-34-10,23-1-1034,-74 15 999,8 5 45,-113 14 0,65-12 0,-67 7 0,88-2 0,-74 7 0,25-7 24,28-1-439,1143 10 258,-577 3-461,-527 9 618,-14 0 0,140 14 0,-130-8 0,50 5-147,-114-10 147,161 42 0,-234-49 0,108 22 0,-67-15 0,78 24 0,-102-25-36,1-2 1,57 6-1,-63-10 28,22 0 8,-40-5 0,0 2 0,0 0 0,-1 1 0,22 6 0,113 34 591,-99-31-228,-2 3-1,0 2 1,68 32-1,-67-25-362,85 27 0,25 12 0,-133-52 0,0 0 0,42 8 0,-41-12 0,0 2 0,44 18 0,143 69 0,-166-73 158,50 31 0,-57-29 17,73 30 0,-88-42-117,0 0 0,-1 2 0,46 33 0,51 23 472,-10-8-569,-73-34 39,-22-15 0,1-1 0,0-1 0,39 18 0,-24-15 0,0 1 0,-1 2 0,-1 2 0,-1 0 0,57 50 0,-53-42 0,44 25 0,-21-15 0,-15-11 0,-28-17 0,0 0 0,30 25 0,92 84 0,-38-36 0,140 113 0,-214-174 0,42 45 0,13 11 0,-29-41 0,-35-26 0,-1 1 0,26 24 0,32 29 0,-52-48 0,-1 2 0,0 1 0,21 27 0,-11-12 0,1-1 0,56 45 0,-62-56 0,-13-12 0,-1 0 0,0 1 0,-1 0 0,-1 1 0,0 0 0,0 1 0,-2 0 0,1 0 0,-2 1 0,9 23 0,-10-25 0,0 0 0,1-1 0,1 1 0,0-2 0,1 1 0,0-1 0,16 15 0,18 25 0,3 15 0,-26-36 0,48 56 0,-59-77 0,2 2 0,1 1 0,-2 0 0,0 1 0,-1 0 0,14 25 0,28 58 0,-48-90-195,-1 0 0,1-1 0,0 0 0,1 1 0,-1-1 0,7 6 0</inkml:trace>
+</inkml:ink>
+</file>
+
+<file path=ppt/ink/ink10.xml><?xml version="1.0" encoding="utf-8"?>
+<inkml:ink xmlns:inkml="http://www.w3.org/2003/InkML">
+  <inkml:definitions>
+    <inkml:context xml:id="ctx0">
+      <inkml:inkSource xml:id="inkSrc0">
+        <inkml:traceFormat>
+          <inkml:channel name="X" type="integer" min="-2.14748E9" max="2.14748E9" units="cm"/>
+          <inkml:channel name="Y" type="integer" min="-2.14748E9" max="2.14748E9" units="cm"/>
+          <inkml:channel name="F" type="integer" max="32767" units="dev"/>
+        </inkml:traceFormat>
+        <inkml:channelProperties>
+          <inkml:channelProperty channel="X" name="resolution" value="1000" units="1/cm"/>
+          <inkml:channelProperty channel="Y" name="resolution" value="1000" units="1/cm"/>
+          <inkml:channelProperty channel="F" name="resolution" value="0" units="1/dev"/>
+        </inkml:channelProperties>
+      </inkml:inkSource>
+      <inkml:timestamp xml:id="ts0" timeString="2022-10-06T12:52:56.961"/>
+    </inkml:context>
+    <inkml:brush xml:id="br0">
+      <inkml:brushProperty name="width" value="0.1" units="cm"/>
+      <inkml:brushProperty name="height" value="0.1" units="cm"/>
+      <inkml:brushProperty name="color" value="#FF0066"/>
+    </inkml:brush>
+  </inkml:definitions>
+  <inkml:trace contextRef="#ctx0" brushRef="#br0">0 124 24575,'2'-3'0,"-1"1"0,1-1 0,0 1 0,0-1 0,0 1 0,0 0 0,0 0 0,1 0 0,-1 0 0,1 0 0,-1 1 0,6-3 0,3-4 0,-5 4 0,0 0 0,0 1 0,0 0 0,0 0 0,0 0 0,0 1 0,1 0 0,-1 0 0,1 1 0,-1 0 0,11-1 0,12 1 0,41 3 0,-22 1 0,-40-3 0,0 0 0,-1-1 0,1 1 0,-1-1 0,1-1 0,-1 1 0,1-1 0,-1-1 0,0 1 0,12-7 0,-7 4 0,1 0 0,0 1 0,0 0 0,1 1 0,-1 1 0,18-1 0,29-6 0,-43 6-1365</inkml:trace>
+</inkml:ink>
+</file>
+
+<file path=ppt/ink/ink11.xml><?xml version="1.0" encoding="utf-8"?>
+<inkml:ink xmlns:inkml="http://www.w3.org/2003/InkML">
+  <inkml:definitions>
+    <inkml:context xml:id="ctx0">
+      <inkml:inkSource xml:id="inkSrc0">
+        <inkml:traceFormat>
+          <inkml:channel name="X" type="integer" min="-2.14748E9" max="2.14748E9" units="cm"/>
+          <inkml:channel name="Y" type="integer" min="-2.14748E9" max="2.14748E9" units="cm"/>
+          <inkml:channel name="F" type="integer" max="32767" units="dev"/>
+        </inkml:traceFormat>
+        <inkml:channelProperties>
+          <inkml:channelProperty channel="X" name="resolution" value="1000" units="1/cm"/>
+          <inkml:channelProperty channel="Y" name="resolution" value="1000" units="1/cm"/>
+          <inkml:channelProperty channel="F" name="resolution" value="0" units="1/dev"/>
+        </inkml:channelProperties>
+      </inkml:inkSource>
+      <inkml:timestamp xml:id="ts0" timeString="2022-10-06T12:52:58.499"/>
+    </inkml:context>
+    <inkml:brush xml:id="br0">
+      <inkml:brushProperty name="width" value="0.1" units="cm"/>
+      <inkml:brushProperty name="height" value="0.1" units="cm"/>
+      <inkml:brushProperty name="color" value="#FF0066"/>
+    </inkml:brush>
+  </inkml:definitions>
+  <inkml:trace contextRef="#ctx0" brushRef="#br0">55 1 24575,'0'34'0,"-2"0"0,-8 46 0,0 2 0,9-54 0,-10 41 0,5-31 0,2-1 0,2 0 0,4 75 0,0-27 0,0-10 0,-4 83 0,-1-142 120,3-15-158,0-1 0,0 1 0,0-1 0,0 0 0,0 1 0,-1-1-1,1 0 1,0 1 0,0-1 0,0 0 0,0 1 0,0-1 0,0 0 0,0 1 0,-1-1 0,1 0 0,0 1 0,0-1 0,-1 0-1,1 0 1,0 1 0,0-1 0,-1 0 0,1 0 0,0 1 0,-1-1 0,1 0 0,0 0 0,-1 0 0,1 0 0,0 1 0,-1-1-1,1 0 1,0 0 0,-1 0 0,1 0 0,0 0 0,-1 0 0</inkml:trace>
+</inkml:ink>
+</file>
+
+<file path=ppt/ink/ink12.xml><?xml version="1.0" encoding="utf-8"?>
+<inkml:ink xmlns:inkml="http://www.w3.org/2003/InkML">
+  <inkml:definitions>
+    <inkml:context xml:id="ctx0">
+      <inkml:inkSource xml:id="inkSrc0">
+        <inkml:traceFormat>
+          <inkml:channel name="X" type="integer" min="-2.14748E9" max="2.14748E9" units="cm"/>
+          <inkml:channel name="Y" type="integer" min="-2.14748E9" max="2.14748E9" units="cm"/>
+          <inkml:channel name="F" type="integer" max="32767" units="dev"/>
+        </inkml:traceFormat>
+        <inkml:channelProperties>
+          <inkml:channelProperty channel="X" name="resolution" value="1000" units="1/cm"/>
+          <inkml:channelProperty channel="Y" name="resolution" value="1000" units="1/cm"/>
+          <inkml:channelProperty channel="F" name="resolution" value="0" units="1/dev"/>
+        </inkml:channelProperties>
+      </inkml:inkSource>
+      <inkml:timestamp xml:id="ts0" timeString="2022-10-06T12:53:00.068"/>
+    </inkml:context>
+    <inkml:brush xml:id="br0">
+      <inkml:brushProperty name="width" value="0.1" units="cm"/>
+      <inkml:brushProperty name="height" value="0.1" units="cm"/>
+      <inkml:brushProperty name="color" value="#FF0066"/>
+    </inkml:brush>
+  </inkml:definitions>
+  <inkml:trace contextRef="#ctx0" brushRef="#br0">0 48 24575,'3'-1'0,"0"0"0,-1 0 0,1 0 0,0 0 0,-1 0 0,1-1 0,-1 1 0,0-1 0,4-2 0,10-7 0,-4 7 0,2-1 0,-1 2 0,0 0 0,1 0 0,-1 1 0,1 1 0,0 0 0,-1 1 0,1 1 0,0 0 0,23 5 0,-32-5 0,0 1 0,-1 0 0,1 0 0,-1 0 0,1 1 0,-1-1 0,0 1 0,0 0 0,0 0 0,-1 0 0,1 1 0,-1 0 0,1-1 0,-1 1 0,-1 0 0,1 1 0,0-1 0,-1 0 0,0 1 0,0-1 0,0 1 0,-1 0 0,1 0 0,0 7 0,2 12 0,-2 0 0,0 0 0,-3 46 0,0-33 0,0-25 0,1-1 0,-1 1 0,-1-1 0,0 1 0,-1-1 0,0 0 0,0 0 0,-10 19 0,-4 7 0,6-9 0,-23 35 0,-45 47 0,78-109 0,1-1 0,0 0 0,0 1 0,-1-1 0,1 1 0,0-1 0,0 0 0,-1 1 0,1-1 0,0 1 0,0-1 0,0 1 0,0-1 0,0 1 0,0-1 0,0 1 0,0-1 0,0 1 0,0-1 0,0 1 0,0-1 0,0 1 0,0-1 0,0 0 0,1 1 0,-1-1 0,0 1 0,0-1 0,1 1 0,-1-1 0,0 0 0,0 1 0,1 0 0,19 6 0,32-7 0,-44 0 0,25-2 0,49 3 0,-74 0 0,0 0 0,0 0 0,-1 1 0,1 0 0,0 1 0,-1 0 0,0 0 0,9 5 0,-10-5 12,1 0-1,-1-1 1,0 0 0,1 0-1,0 0 1,-1-1 0,1 0-1,0 0 1,11-1-1,30 6-1492</inkml:trace>
+</inkml:ink>
+</file>
+
+<file path=ppt/ink/ink13.xml><?xml version="1.0" encoding="utf-8"?>
+<inkml:ink xmlns:inkml="http://www.w3.org/2003/InkML">
+  <inkml:definitions>
+    <inkml:context xml:id="ctx0">
+      <inkml:inkSource xml:id="inkSrc0">
+        <inkml:traceFormat>
+          <inkml:channel name="X" type="integer" min="-2.14748E9" max="2.14748E9" units="cm"/>
+          <inkml:channel name="Y" type="integer" min="-2.14748E9" max="2.14748E9" units="cm"/>
+          <inkml:channel name="F" type="integer" max="32767" units="dev"/>
+        </inkml:traceFormat>
+        <inkml:channelProperties>
+          <inkml:channelProperty channel="X" name="resolution" value="1000" units="1/cm"/>
+          <inkml:channelProperty channel="Y" name="resolution" value="1000" units="1/cm"/>
+          <inkml:channelProperty channel="F" name="resolution" value="0" units="1/dev"/>
+        </inkml:channelProperties>
+      </inkml:inkSource>
+      <inkml:timestamp xml:id="ts0" timeString="2022-10-06T12:53:22.353"/>
+    </inkml:context>
+    <inkml:brush xml:id="br0">
+      <inkml:brushProperty name="width" value="0.1" units="cm"/>
+      <inkml:brushProperty name="height" value="0.1" units="cm"/>
+      <inkml:brushProperty name="color" value="#FF0066"/>
+    </inkml:brush>
+  </inkml:definitions>
+  <inkml:trace contextRef="#ctx0" brushRef="#br0">0 1 24575,'17'44'0,"10"123"0,-18-110 0,-5-35 0,-1-1 0,1 28 0,-5-32 0,0 1 0,-2 0 0,-5 23 0,4-25 0,4-16 0,0 0 0,0 0 0,0 0 0,1 1 0,-1-1 0,0 0 0,0 0 0,0 0 0,0 0 0,0 0 0,1 0 0,-1 1 0,0-1 0,0 0 0,0 0 0,0 0 0,1 0 0,-1 0 0,0 0 0,0 0 0,0 0 0,0 0 0,1 0 0,-1 0 0,0 0 0,0 0 0,0 0 0,1 0 0,-1 0 0,0 0 0,0 0 0,0 0 0,0 0 0,1 0 0,-1 0 0,0 0 0,0 0 0,0-1 0,0 1 0,0 0 0,1 0 0,-1 0 0,0 0 0,0 0 0,0 0 0,0-1 0,0 1 0,0 0 0,1 0 0,20-11 0,-13 6 0,0 1 0,0 0 0,0 0 0,0 1 0,0 0 0,1 1 0,10-2 0,-13 4 0,1 1 0,-1 0 0,0 0 0,1 0 0,-1 1 0,0 0 0,0 0 0,0 1 0,0 0 0,0 0 0,0 0 0,-1 1 0,0-1 0,0 1 0,7 7 0,3 5 0,-1 0 0,-1 1 0,15 26 0,-24-35 0,-1-1 0,0 0 0,0 0 0,-1 1 0,0 0 0,0-1 0,0 12 0,0-9 0,-1-1 0,2 1 0,-1-1 0,7 15 0,-5-13 0,1 1 0,-1 0 0,-1-1 0,0 1 0,-1 1 0,0-1 0,-1 0 0,0 0 0,-1 1 0,0-1 0,-1 0 0,-1 1 0,0-1 0,-6 22 0,5-30 0,0 1 0,-1-1 0,0 0 0,1 0 0,-1 0 0,-1 0 0,1 0 0,0-1 0,-1 0 0,-8 5 0,-17 12 0,25-16 0,1-1 0,-1 0 0,-1 0 0,1 0 0,0-1 0,-1 0 0,1 0 0,-1 0 0,0-1 0,1 1 0,-1-1 0,-7 0 0,-11 0 0,-41-3 0,24 0 0,39 3-52,-1-1-1,0 0 1,1 0-1,-1 0 1,1 0-1,-1 0 1,1-1-1,-1 1 1,1-1-1,-1 1 1,1-1-1,-1 0 1,1 0-1,0 0 1,0-1-1,-1 1 1,1 0-1,0-1 1,0 1-1,0-1 0,0 0 1,1 0-1,-1 1 1,0-1-1,-1-3 1</inkml:trace>
+</inkml:ink>
+</file>
+
+<file path=ppt/ink/ink14.xml><?xml version="1.0" encoding="utf-8"?>
+<inkml:ink xmlns:inkml="http://www.w3.org/2003/InkML">
+  <inkml:definitions>
+    <inkml:context xml:id="ctx0">
+      <inkml:inkSource xml:id="inkSrc0">
+        <inkml:traceFormat>
+          <inkml:channel name="X" type="integer" min="-2.14748E9" max="2.14748E9" units="cm"/>
+          <inkml:channel name="Y" type="integer" min="-2.14748E9" max="2.14748E9" units="cm"/>
+          <inkml:channel name="F" type="integer" max="32767" units="dev"/>
+        </inkml:traceFormat>
+        <inkml:channelProperties>
+          <inkml:channelProperty channel="X" name="resolution" value="1000" units="1/cm"/>
+          <inkml:channelProperty channel="Y" name="resolution" value="1000" units="1/cm"/>
+          <inkml:channelProperty channel="F" name="resolution" value="0" units="1/dev"/>
+        </inkml:channelProperties>
+      </inkml:inkSource>
+      <inkml:timestamp xml:id="ts0" timeString="2022-10-06T12:53:22.354"/>
+    </inkml:context>
+    <inkml:brush xml:id="br0">
+      <inkml:brushProperty name="width" value="0.1" units="cm"/>
+      <inkml:brushProperty name="height" value="0.1" units="cm"/>
+      <inkml:brushProperty name="color" value="#FF0066"/>
+    </inkml:brush>
+  </inkml:definitions>
+  <inkml:trace contextRef="#ctx0" brushRef="#br0">0 124 24575,'2'-3'0,"-1"1"0,1-1 0,0 1 0,0-1 0,0 1 0,0 0 0,0 0 0,1 0 0,-1 0 0,1 0 0,-1 1 0,6-3 0,3-4 0,-5 4 0,0 0 0,0 1 0,0 0 0,0 0 0,0 0 0,0 1 0,1 0 0,-1 0 0,1 1 0,-1 0 0,11-1 0,12 1 0,41 3 0,-22 1 0,-40-3 0,0 0 0,-1-1 0,1 1 0,-1-1 0,1-1 0,-1 1 0,1-1 0,-1-1 0,0 1 0,12-7 0,-7 4 0,1 0 0,0 1 0,0 0 0,1 1 0,-1 1 0,18-1 0,29-6 0,-43 6-1365</inkml:trace>
+</inkml:ink>
+</file>
+
+<file path=ppt/ink/ink15.xml><?xml version="1.0" encoding="utf-8"?>
+<inkml:ink xmlns:inkml="http://www.w3.org/2003/InkML">
+  <inkml:definitions>
+    <inkml:context xml:id="ctx0">
+      <inkml:inkSource xml:id="inkSrc0">
+        <inkml:traceFormat>
+          <inkml:channel name="X" type="integer" min="-2.14748E9" max="2.14748E9" units="cm"/>
+          <inkml:channel name="Y" type="integer" min="-2.14748E9" max="2.14748E9" units="cm"/>
+          <inkml:channel name="F" type="integer" max="32767" units="dev"/>
+        </inkml:traceFormat>
+        <inkml:channelProperties>
+          <inkml:channelProperty channel="X" name="resolution" value="1000" units="1/cm"/>
+          <inkml:channelProperty channel="Y" name="resolution" value="1000" units="1/cm"/>
+          <inkml:channelProperty channel="F" name="resolution" value="0" units="1/dev"/>
+        </inkml:channelProperties>
+      </inkml:inkSource>
+      <inkml:timestamp xml:id="ts0" timeString="2022-10-06T12:53:22.355"/>
+    </inkml:context>
+    <inkml:brush xml:id="br0">
+      <inkml:brushProperty name="width" value="0.1" units="cm"/>
+      <inkml:brushProperty name="height" value="0.1" units="cm"/>
+      <inkml:brushProperty name="color" value="#FF0066"/>
+    </inkml:brush>
+  </inkml:definitions>
+  <inkml:trace contextRef="#ctx0" brushRef="#br0">55 1 24575,'0'34'0,"-2"0"0,-8 46 0,0 2 0,9-54 0,-10 41 0,5-31 0,2-1 0,2 0 0,4 75 0,0-27 0,0-10 0,-4 83 0,-1-142 120,3-15-158,0-1 0,0 1 0,0-1 0,0 0 0,0 1 0,-1-1-1,1 0 1,0 1 0,0-1 0,0 0 0,0 1 0,0-1 0,0 0 0,0 1 0,-1-1 0,1 0 0,0 1 0,0-1 0,-1 0-1,1 0 1,0 1 0,0-1 0,-1 0 0,1 0 0,0 1 0,-1-1 0,1 0 0,0 0 0,-1 0 0,1 0 0,0 1 0,-1-1-1,1 0 1,0 0 0,-1 0 0,1 0 0,0 0 0,-1 0 0</inkml:trace>
+</inkml:ink>
+</file>
+
+<file path=ppt/ink/ink16.xml><?xml version="1.0" encoding="utf-8"?>
+<inkml:ink xmlns:inkml="http://www.w3.org/2003/InkML">
+  <inkml:definitions>
+    <inkml:context xml:id="ctx0">
+      <inkml:inkSource xml:id="inkSrc0">
+        <inkml:traceFormat>
+          <inkml:channel name="X" type="integer" min="-2.14748E9" max="2.14748E9" units="cm"/>
+          <inkml:channel name="Y" type="integer" min="-2.14748E9" max="2.14748E9" units="cm"/>
+          <inkml:channel name="F" type="integer" max="32767" units="dev"/>
+        </inkml:traceFormat>
+        <inkml:channelProperties>
+          <inkml:channelProperty channel="X" name="resolution" value="1000" units="1/cm"/>
+          <inkml:channelProperty channel="Y" name="resolution" value="1000" units="1/cm"/>
+          <inkml:channelProperty channel="F" name="resolution" value="0" units="1/dev"/>
+        </inkml:channelProperties>
+      </inkml:inkSource>
+      <inkml:timestamp xml:id="ts0" timeString="2022-10-06T12:53:22.356"/>
+    </inkml:context>
+    <inkml:brush xml:id="br0">
+      <inkml:brushProperty name="width" value="0.1" units="cm"/>
+      <inkml:brushProperty name="height" value="0.1" units="cm"/>
+      <inkml:brushProperty name="color" value="#FF0066"/>
+    </inkml:brush>
+  </inkml:definitions>
+  <inkml:trace contextRef="#ctx0" brushRef="#br0">0 48 24575,'3'-1'0,"0"0"0,-1 0 0,1 0 0,0 0 0,-1 0 0,1-1 0,-1 1 0,0-1 0,4-2 0,10-7 0,-4 7 0,2-1 0,-1 2 0,0 0 0,1 0 0,-1 1 0,1 1 0,0 0 0,-1 1 0,1 1 0,0 0 0,23 5 0,-32-5 0,0 1 0,-1 0 0,1 0 0,-1 0 0,1 1 0,-1-1 0,0 1 0,0 0 0,0 0 0,-1 0 0,1 1 0,-1 0 0,1-1 0,-1 1 0,-1 0 0,1 1 0,0-1 0,-1 0 0,0 1 0,0-1 0,0 1 0,-1 0 0,1 0 0,0 7 0,2 12 0,-2 0 0,0 0 0,-3 46 0,0-33 0,0-25 0,1-1 0,-1 1 0,-1-1 0,0 1 0,-1-1 0,0 0 0,0 0 0,-10 19 0,-4 7 0,6-9 0,-23 35 0,-45 47 0,78-109 0,1-1 0,0 0 0,0 1 0,-1-1 0,1 1 0,0-1 0,0 0 0,-1 1 0,1-1 0,0 1 0,0-1 0,0 1 0,0-1 0,0 1 0,0-1 0,0 1 0,0-1 0,0 1 0,0-1 0,0 1 0,0-1 0,0 1 0,0-1 0,0 0 0,1 1 0,-1-1 0,0 1 0,0-1 0,1 1 0,-1-1 0,0 0 0,0 1 0,1 0 0,19 6 0,32-7 0,-44 0 0,25-2 0,49 3 0,-74 0 0,0 0 0,0 0 0,-1 1 0,1 0 0,0 1 0,-1 0 0,0 0 0,9 5 0,-10-5 12,1 0-1,-1-1 1,0 0 0,1 0-1,0 0 1,-1-1 0,1 0-1,0 0 1,11-1-1,30 6-1492</inkml:trace>
+</inkml:ink>
+</file>
+
+<file path=ppt/ink/ink2.xml><?xml version="1.0" encoding="utf-8"?>
+<inkml:ink xmlns:inkml="http://www.w3.org/2003/InkML">
+  <inkml:definitions>
+    <inkml:context xml:id="ctx0">
+      <inkml:inkSource xml:id="inkSrc0">
+        <inkml:traceFormat>
+          <inkml:channel name="X" type="integer" min="-2.14748E9" max="2.14748E9" units="cm"/>
+          <inkml:channel name="Y" type="integer" min="-2.14748E9" max="2.14748E9" units="cm"/>
+          <inkml:channel name="F" type="integer" max="32767" units="dev"/>
+        </inkml:traceFormat>
+        <inkml:channelProperties>
+          <inkml:channelProperty channel="X" name="resolution" value="1000" units="1/cm"/>
+          <inkml:channelProperty channel="Y" name="resolution" value="1000" units="1/cm"/>
+          <inkml:channelProperty channel="F" name="resolution" value="0" units="1/dev"/>
+        </inkml:channelProperties>
+      </inkml:inkSource>
+      <inkml:timestamp xml:id="ts0" timeString="2022-10-06T12:51:18.188"/>
+    </inkml:context>
+    <inkml:brush xml:id="br0">
+      <inkml:brushProperty name="width" value="0.1" units="cm"/>
+      <inkml:brushProperty name="height" value="0.1" units="cm"/>
+      <inkml:brushProperty name="color" value="#E71224"/>
+    </inkml:brush>
+  </inkml:definitions>
+  <inkml:trace contextRef="#ctx0" brushRef="#br0">313 1 24575,'0'19'0,"-1"1"0,-1-1 0,-8 36 0,4-19 0,2 1 0,1 0 0,2 0 0,4 42 0,-1 7 0,-2 295 0,5-337 0,-3-38 0,-1 0 0,0 0 0,-1 1 0,1-1 0,-1 0 0,-1 8 0,0-11 0,0 0 0,0 0 0,0-1 0,0 1 0,0 0 0,-1-1 0,1 1 0,-1-1 0,0 1 0,0-1 0,0 0 0,0 0 0,0 0 0,0 0 0,0 0 0,-1 0 0,-3 2 0,-12 6 0,-40 17 0,42-21 0,1 1 0,0 1 0,0 0 0,-18 13 0,24-15 34,0 0-1,-1 0 1,-15 6-1,-18 10-1532</inkml:trace>
+</inkml:ink>
+</file>
+
+<file path=ppt/ink/ink3.xml><?xml version="1.0" encoding="utf-8"?>
+<inkml:ink xmlns:inkml="http://www.w3.org/2003/InkML">
+  <inkml:definitions>
+    <inkml:context xml:id="ctx0">
+      <inkml:inkSource xml:id="inkSrc0">
+        <inkml:traceFormat>
+          <inkml:channel name="X" type="integer" min="-2.14748E9" max="2.14748E9" units="cm"/>
+          <inkml:channel name="Y" type="integer" min="-2.14748E9" max="2.14748E9" units="cm"/>
+          <inkml:channel name="F" type="integer" max="32767" units="dev"/>
+        </inkml:traceFormat>
+        <inkml:channelProperties>
+          <inkml:channelProperty channel="X" name="resolution" value="1000" units="1/cm"/>
+          <inkml:channelProperty channel="Y" name="resolution" value="1000" units="1/cm"/>
+          <inkml:channelProperty channel="F" name="resolution" value="0" units="1/dev"/>
+        </inkml:channelProperties>
+      </inkml:inkSource>
+      <inkml:timestamp xml:id="ts0" timeString="2022-10-06T12:51:40.070"/>
+    </inkml:context>
+    <inkml:brush xml:id="br0">
+      <inkml:brushProperty name="width" value="0.1" units="cm"/>
+      <inkml:brushProperty name="height" value="0.1" units="cm"/>
+      <inkml:brushProperty name="color" value="#F6630D"/>
+    </inkml:brush>
+  </inkml:definitions>
+  <inkml:trace contextRef="#ctx0" brushRef="#br0">0 1 24575,'2'14'0,"1"0"0,0-1 0,1 1 0,0 0 0,1-1 0,0 0 0,1 0 0,12 18 0,47 98 0,-2-25 0,33 30 0,-46-51 0,-8 2 0,-11-34 0,2-1 0,3-2 0,58 62 0,19 22 0,-80-91 0,-27-33 0,0 0 0,0 0 0,1-1 0,13 12 0,-9-9 0,0 0 0,-1 1 0,15 19 0,14 15 0,14 4 0,104 76 0,-120-99 0,17 12 0,70 37 0,-60-33 0,-49-32 0,0 0 0,0 0 0,23 9 0,30 15 0,-50-24 0,0-1 0,0 0 0,29 8 0,-35-13 0,0 1 0,-1 0 0,1 0 0,-1 1 0,-1 1 0,20 15 0,1 0 0,-19-15 0,1 0 0,0-1 0,0-1 0,1 0 0,22 5 0,-20-6 0,0 1 0,0 0 0,24 13 0,6 4 0,1-1 0,65 18 0,4 2 0,-92-32 0,1-1 0,1-1 0,-1-1 0,41 4 0,-29-4 0,0 2 0,0 1 0,60 25 0,34 9 0,-90-33 0,66 6 0,-73-10 0,-1 1 0,47 15 0,6 2 0,-4 3 0,-15-5 0,-20-11 0,68 6 0,-66-10 0,1-2 0,-26-3 0,1 2 0,47 12 0,-50-11 0,0 0 0,1-2 0,-1 0 0,0-2 0,32-1 0,33 3 0,20 16 0,61 4 0,-105-14 0,-35-4 0,51 3 0,33 2 0,-6 0 0,-75-8 0,33 7 0,-34-4 0,42 1 0,-43-5 0,40 8 0,24 1 0,-76-9 0,8-1 0,0 1 0,-1 1 0,29 7 0,43 5 0,-41-7 0,-9-2 0,1-2 0,53-4 0,55 2 0,-85 10 0,-45-7 0,49 4 0,-39-8 0,0 2 0,43 8 0,-24-4 0,-1-1 0,107-6 0,-59-1 0,1436 2 0,-1514-1 0,46-9 0,-44 6 0,36-3 0,16 8 0,-45 0 0,0-1 0,-1-1 0,44-8 0,-29 2 0,1 2 0,-1 3 0,63 3 0,41-2 0,-62-9 0,-51 5 0,41-1 0,-8 6 0,-4 1 0,115-14 0,-1-9 0,28 2 0,-155 11 0,-10 1 0,0 2 0,56-1 0,-69 5 0,1-1 0,0-1 0,30-9 0,-29 6 0,0 1 0,47-2 0,-49 6 0,33-6 0,-35 3 0,41-1 0,96-8 0,-97 6 0,-41 4 0,47-13 0,15-3 0,59-2 0,-130 19 0,-1-1 0,25-8 0,25-6 0,97-18 0,-27 5 0,11 7 0,-132 22 0,-1-2 0,1 0 0,21-9 0,32-8 0,140-18-551,1 1 546,-140 25-83,152-34-375,-63 10 667,-36 6 102,263-50 291,-267 50-719,-74 17 19,80-12 1,19 5 429,-114 16-327,-1-1 0,44-16 0,31-7 0,-73 21 0,0-1 0,35-15 0,-36 12 0,0 1 0,40-8 0,-28 9 0,62-23 0,-60 17 0,49-10 0,-56 17 0,56-24 0,-64 21 0,-6 4 0,-1 1 0,1 1 0,1 1 0,32-3 0,-41 4 0,1 0 0,0-1 0,-1 0 0,0-1 0,0-1 0,-1 0 0,21-14 0,34-16 0,79-24 0,-103 37 0,-38 19 0,1 1 0,0-1 0,1 1 0,-1 1 0,16-5 0,10-2 0,0-2 0,-1-1 0,41-21 0,-25 10 0,-37 19 0,-1 2 0,1-1 0,13-2 0,26-7 0,112-59 0,-58 29 0,-82 33 0,-13 6 0,0 0 0,-1-1 0,1 0 0,-1-1 0,0 0 0,14-12 0,-7 6 0,0 0 0,1 0 0,1 2 0,0 0 0,0 1 0,24-8 0,-23 9 0,51-17 0,-54 21 0,0-1 0,-1-1 0,0 0 0,0-1 0,-1-1 0,0 0 0,22-17 0,-16 10 0,0 1 0,35-19 0,-5 4 0,113-62 0,-135 76 0,81-32 0,-51 28 0,7-2 0,-29 7 0,-26 11 0,-1-1 0,1 0 0,0 0 0,-1-1 0,0-1 0,0 1 0,-1-1 0,0-1 0,11-10 0,-12 10-170,0 1-1,1 0 0,0 0 1,-1 1-1,2 0 0,-1 0 1,15-6-1</inkml:trace>
+</inkml:ink>
+</file>
+
+<file path=ppt/ink/ink4.xml><?xml version="1.0" encoding="utf-8"?>
+<inkml:ink xmlns:inkml="http://www.w3.org/2003/InkML">
+  <inkml:definitions>
+    <inkml:context xml:id="ctx0">
+      <inkml:inkSource xml:id="inkSrc0">
+        <inkml:traceFormat>
+          <inkml:channel name="X" type="integer" min="-2.14748E9" max="2.14748E9" units="cm"/>
+          <inkml:channel name="Y" type="integer" min="-2.14748E9" max="2.14748E9" units="cm"/>
+          <inkml:channel name="F" type="integer" max="32767" units="dev"/>
+        </inkml:traceFormat>
+        <inkml:channelProperties>
+          <inkml:channelProperty channel="X" name="resolution" value="1000" units="1/cm"/>
+          <inkml:channelProperty channel="Y" name="resolution" value="1000" units="1/cm"/>
+          <inkml:channelProperty channel="F" name="resolution" value="0" units="1/dev"/>
+        </inkml:channelProperties>
+      </inkml:inkSource>
+      <inkml:timestamp xml:id="ts0" timeString="2022-10-06T12:51:42.052"/>
+    </inkml:context>
+    <inkml:brush xml:id="br0">
+      <inkml:brushProperty name="width" value="0.1" units="cm"/>
+      <inkml:brushProperty name="height" value="0.1" units="cm"/>
+      <inkml:brushProperty name="color" value="#F6630D"/>
+    </inkml:brush>
+  </inkml:definitions>
+  <inkml:trace contextRef="#ctx0" brushRef="#br0">0 1 24575,'45'17'0,"22"6"0,77 21 0,-135-41 0,0 0 0,0 1 0,0 0 0,-1 0 0,1 1 0,-1 0 0,12 10 0,-11-8 0,0-1 0,0 0 0,1 0 0,0-1 0,12 5 0,106 32 0,-125-41 0,-1 0 0,1 0 0,-1 0 0,0 1 0,1-1 0,-1 1 0,0 0 0,0 0 0,0 0 0,0 0 0,0 0 0,0 0 0,-1 0 0,1 0 0,-1 1 0,1-1 0,-1 1 0,0-1 0,0 1 0,0 0 0,0-1 0,-1 1 0,1 0 0,0 5 0,0 8 0,0 0 0,-1 0 0,-3 21 0,1-7 0,2-8 0,0-1 0,-2 1 0,-1 0 0,-1-1 0,0 0 0,-13 33 0,12-39 0,2-1 0,-1 1 0,2 0 0,-2 24 0,-5 28 0,3-32-1365,5-18-5461</inkml:trace>
+</inkml:ink>
+</file>
+
+<file path=ppt/ink/ink5.xml><?xml version="1.0" encoding="utf-8"?>
+<inkml:ink xmlns:inkml="http://www.w3.org/2003/InkML">
+  <inkml:definitions>
+    <inkml:context xml:id="ctx0">
+      <inkml:inkSource xml:id="inkSrc0">
+        <inkml:traceFormat>
+          <inkml:channel name="X" type="integer" min="-2.14748E9" max="2.14748E9" units="cm"/>
+          <inkml:channel name="Y" type="integer" min="-2.14748E9" max="2.14748E9" units="cm"/>
+          <inkml:channel name="F" type="integer" max="32767" units="dev"/>
+        </inkml:traceFormat>
+        <inkml:channelProperties>
+          <inkml:channelProperty channel="X" name="resolution" value="1000" units="1/cm"/>
+          <inkml:channelProperty channel="Y" name="resolution" value="1000" units="1/cm"/>
+          <inkml:channelProperty channel="F" name="resolution" value="0" units="1/dev"/>
+        </inkml:channelProperties>
+      </inkml:inkSource>
+      <inkml:timestamp xml:id="ts0" timeString="2022-10-06T12:51:49.105"/>
+    </inkml:context>
+    <inkml:brush xml:id="br0">
+      <inkml:brushProperty name="width" value="0.1" units="cm"/>
+      <inkml:brushProperty name="height" value="0.1" units="cm"/>
+      <inkml:brushProperty name="color" value="#FFC114"/>
+    </inkml:brush>
+  </inkml:definitions>
+  <inkml:trace contextRef="#ctx0" brushRef="#br0">0 1 24575,'1082'0'0,"-1038"2"0,0 2 0,48 11 0,-50-7 0,1-1 0,55 0 0,-51-6 0,72 13 0,156 26 0,-84-19 0,-156-17 0,0-1 0,64-3 0,28 1 0,-58 9 0,-43-5 0,47 2 0,51-10 0,91 5 0,-144 8 0,-45-5 0,47 2 0,-42-7 0,-5-1 0,1 2 0,-1 0 0,42 9 0,-32-4 0,0-2 0,0-1 0,1-2 0,41-4 0,8 1 0,-37 1 0,0 0 0,0 2 0,79 12 0,-77-6 0,1-3 0,0-1 0,53-6 0,-5 1 0,-71 3 0,48 9 0,-47-5 0,45 2 0,-40-6 0,36 8 0,-37-4 0,39 1 0,-46-5 0,40 8 0,-40-5 0,41 3 0,-23-7 0,75 11 0,-50-3 0,1-3 0,97-7 0,-49 0 0,2633 2 0,-2728 1 0,46 8 0,-44-4 0,36 1 0,91-5 0,163 10 0,-244-5-251,88-5 0,38 1-143,-115 8 394,-42-4 0,45 1 0,-32-8 0,-11 1 0,1 1 0,69 10 0,-61 0 0,1-3 0,96 3 0,232-11 896,-356 1-896,46 9 0,-46-6 0,44 3 0,-57-7 0,62 0 0,77 11 0,37 15 0,-105-20 0,-50-4 0,40 7 0,-32-3 0,1-3 0,-1-1 0,56-4 0,64 2 0,-91 10 0,-44-5 0,47 2 0,11-9 0,64 3 0,-91 9 0,-41-6 0,-1-1 0,24 1 0,521-2 0,-272-4 0,156 2 0,-428 1 0,0 0 0,27 7 0,-25-4 0,-1-1 0,20 1 0,63-4 0,-53-1 0,-1 2 0,79 11 0,-89-7 0,-1-1 0,43-2 0,-43-2 0,1 2 0,41 6 0,-49-3 0,36 0 0,-39-4 0,0 1 0,32 7 0,-22-3 0,1-2 0,0-1 0,0-2 0,45-4 0,4 1 0,-61 3 0,47 9 0,-46-6 0,44 3 0,-51-6 0,0 1 0,22 5 0,-21-3 0,35 2 0,16-6 0,-40-1 0,0 2 0,0 0 0,52 10 0,163 54 0,-180-53 0,81 6 0,-90-8 0,-39-6 0,0-2 0,20 2 0,-5-4-28,-21-1-239,0 1-1,0 0 1,0 1-1,15 3 1</inkml:trace>
+</inkml:ink>
+</file>
+
+<file path=ppt/ink/ink6.xml><?xml version="1.0" encoding="utf-8"?>
+<inkml:ink xmlns:inkml="http://www.w3.org/2003/InkML">
+  <inkml:definitions>
+    <inkml:context xml:id="ctx0">
+      <inkml:inkSource xml:id="inkSrc0">
+        <inkml:traceFormat>
+          <inkml:channel name="X" type="integer" min="-2.14748E9" max="2.14748E9" units="cm"/>
+          <inkml:channel name="Y" type="integer" min="-2.14748E9" max="2.14748E9" units="cm"/>
+          <inkml:channel name="F" type="integer" max="32767" units="dev"/>
+        </inkml:traceFormat>
+        <inkml:channelProperties>
+          <inkml:channelProperty channel="X" name="resolution" value="1000" units="1/cm"/>
+          <inkml:channelProperty channel="Y" name="resolution" value="1000" units="1/cm"/>
+          <inkml:channelProperty channel="F" name="resolution" value="0" units="1/dev"/>
+        </inkml:channelProperties>
+      </inkml:inkSource>
+      <inkml:timestamp xml:id="ts0" timeString="2022-10-06T12:51:50.312"/>
+    </inkml:context>
+    <inkml:brush xml:id="br0">
+      <inkml:brushProperty name="width" value="0.1" units="cm"/>
+      <inkml:brushProperty name="height" value="0.1" units="cm"/>
+      <inkml:brushProperty name="color" value="#FFC114"/>
+    </inkml:brush>
+  </inkml:definitions>
+  <inkml:trace contextRef="#ctx0" brushRef="#br0">171 1 24575,'2'6'0,"0"-1"0,0 1 0,1 0 0,0-1 0,0 0 0,0 1 0,5 5 0,-6-8 0,26 34 0,-17-23 0,-1 0 0,13 23 0,-18-28 0,0-1 0,1-1 0,0 1 0,11 11 0,-12-15 0,0 2 0,0-1 0,0 0 0,-1 1 0,0 0 0,0 0 0,0 0 0,-1 0 0,0 1 0,3 9 0,-2-1 0,0 0 0,1 0 0,1 0 0,0-1 0,1 0 0,12 17 0,-17-27 0,-1-1 0,1 0 0,0 1 0,-1-1 0,0 1 0,1 0 0,-2-1 0,1 1 0,0 0 0,-1 0 0,1-1 0,-1 1 0,0 0 0,-1 0 0,1 0 0,0-1 0,-1 1 0,0 0 0,0-1 0,0 1 0,-1 0 0,1-1 0,-1 1 0,0-1 0,0 0 0,-3 5 0,-6 6 0,-1 1 0,-1-2 0,0 0 0,-20 15 0,4-2 0,4-2 0,1 1 0,-37 50 0,56-69 0,-1 0 0,0 0 0,0-1 0,0 0 0,0 0 0,-1 0 0,0-1 0,-9 5 0,8-5 0,0 0 0,1 1 0,0 0 0,0 0 0,0 1 0,0 0 0,-6 7 0,4-1-341,-1 0 0,-1-1-1,-12 11 1</inkml:trace>
+</inkml:ink>
+</file>
+
+<file path=ppt/ink/ink7.xml><?xml version="1.0" encoding="utf-8"?>
+<inkml:ink xmlns:inkml="http://www.w3.org/2003/InkML">
+  <inkml:definitions>
+    <inkml:context xml:id="ctx0">
+      <inkml:inkSource xml:id="inkSrc0">
+        <inkml:traceFormat>
+          <inkml:channel name="X" type="integer" min="-2.14748E9" max="2.14748E9" units="cm"/>
+          <inkml:channel name="Y" type="integer" min="-2.14748E9" max="2.14748E9" units="cm"/>
+          <inkml:channel name="F" type="integer" max="32767" units="dev"/>
+        </inkml:traceFormat>
+        <inkml:channelProperties>
+          <inkml:channelProperty channel="X" name="resolution" value="1000" units="1/cm"/>
+          <inkml:channelProperty channel="Y" name="resolution" value="1000" units="1/cm"/>
+          <inkml:channelProperty channel="F" name="resolution" value="0" units="1/dev"/>
+        </inkml:channelProperties>
+      </inkml:inkSource>
+      <inkml:timestamp xml:id="ts0" timeString="2022-10-06T12:51:52.764"/>
+    </inkml:context>
+    <inkml:brush xml:id="br0">
+      <inkml:brushProperty name="width" value="0.1" units="cm"/>
+      <inkml:brushProperty name="height" value="0.1" units="cm"/>
+      <inkml:brushProperty name="color" value="#FFC114"/>
+    </inkml:brush>
+  </inkml:definitions>
+  <inkml:trace contextRef="#ctx0" brushRef="#br0">0 1 24575,'0'0'-8191</inkml:trace>
+</inkml:ink>
+</file>
+
+<file path=ppt/ink/ink8.xml><?xml version="1.0" encoding="utf-8"?>
+<inkml:ink xmlns:inkml="http://www.w3.org/2003/InkML">
+  <inkml:definitions>
+    <inkml:context xml:id="ctx0">
+      <inkml:inkSource xml:id="inkSrc0">
+        <inkml:traceFormat>
+          <inkml:channel name="X" type="integer" min="-2.14748E9" max="2.14748E9" units="cm"/>
+          <inkml:channel name="Y" type="integer" min="-2.14748E9" max="2.14748E9" units="cm"/>
+          <inkml:channel name="F" type="integer" max="32767" units="dev"/>
+        </inkml:traceFormat>
+        <inkml:channelProperties>
+          <inkml:channelProperty channel="X" name="resolution" value="1000" units="1/cm"/>
+          <inkml:channelProperty channel="Y" name="resolution" value="1000" units="1/cm"/>
+          <inkml:channelProperty channel="F" name="resolution" value="0" units="1/dev"/>
+        </inkml:channelProperties>
+      </inkml:inkSource>
+      <inkml:timestamp xml:id="ts0" timeString="2022-10-06T12:51:57.315"/>
+    </inkml:context>
+    <inkml:brush xml:id="br0">
+      <inkml:brushProperty name="width" value="0.1" units="cm"/>
+      <inkml:brushProperty name="height" value="0.1" units="cm"/>
+      <inkml:brushProperty name="color" value="#FFC114"/>
+    </inkml:brush>
+  </inkml:definitions>
+  <inkml:trace contextRef="#ctx0" brushRef="#br0">0 1 24575,'0'0'-8191</inkml:trace>
+</inkml:ink>
+</file>
+
+<file path=ppt/ink/ink9.xml><?xml version="1.0" encoding="utf-8"?>
+<inkml:ink xmlns:inkml="http://www.w3.org/2003/InkML">
+  <inkml:definitions>
+    <inkml:context xml:id="ctx0">
+      <inkml:inkSource xml:id="inkSrc0">
+        <inkml:traceFormat>
+          <inkml:channel name="X" type="integer" min="-2.14748E9" max="2.14748E9" units="cm"/>
+          <inkml:channel name="Y" type="integer" min="-2.14748E9" max="2.14748E9" units="cm"/>
+          <inkml:channel name="F" type="integer" max="32767" units="dev"/>
+        </inkml:traceFormat>
+        <inkml:channelProperties>
+          <inkml:channelProperty channel="X" name="resolution" value="1000" units="1/cm"/>
+          <inkml:channelProperty channel="Y" name="resolution" value="1000" units="1/cm"/>
+          <inkml:channelProperty channel="F" name="resolution" value="0" units="1/dev"/>
+        </inkml:channelProperties>
+      </inkml:inkSource>
+      <inkml:timestamp xml:id="ts0" timeString="2022-10-06T12:52:55.535"/>
+    </inkml:context>
+    <inkml:brush xml:id="br0">
+      <inkml:brushProperty name="width" value="0.1" units="cm"/>
+      <inkml:brushProperty name="height" value="0.1" units="cm"/>
+      <inkml:brushProperty name="color" value="#FF0066"/>
+    </inkml:brush>
+  </inkml:definitions>
+  <inkml:trace contextRef="#ctx0" brushRef="#br0">0 1 24575,'17'44'0,"10"123"0,-18-110 0,-5-35 0,-1-1 0,1 28 0,-5-32 0,0 1 0,-2 0 0,-5 23 0,4-25 0,4-16 0,0 0 0,0 0 0,0 0 0,1 1 0,-1-1 0,0 0 0,0 0 0,0 0 0,0 0 0,0 0 0,1 0 0,-1 1 0,0-1 0,0 0 0,0 0 0,0 0 0,1 0 0,-1 0 0,0 0 0,0 0 0,0 0 0,0 0 0,1 0 0,-1 0 0,0 0 0,0 0 0,0 0 0,1 0 0,-1 0 0,0 0 0,0 0 0,0 0 0,0 0 0,1 0 0,-1 0 0,0 0 0,0 0 0,0-1 0,0 1 0,0 0 0,1 0 0,-1 0 0,0 0 0,0 0 0,0 0 0,0-1 0,0 1 0,0 0 0,1 0 0,20-11 0,-13 6 0,0 1 0,0 0 0,0 0 0,0 1 0,0 0 0,1 1 0,10-2 0,-13 4 0,1 1 0,-1 0 0,0 0 0,1 0 0,-1 1 0,0 0 0,0 0 0,0 1 0,0 0 0,0 0 0,0 0 0,-1 1 0,0-1 0,0 1 0,7 7 0,3 5 0,-1 0 0,-1 1 0,15 26 0,-24-35 0,-1-1 0,0 0 0,0 0 0,-1 1 0,0 0 0,0-1 0,0 12 0,0-9 0,-1-1 0,2 1 0,-1-1 0,7 15 0,-5-13 0,1 1 0,-1 0 0,-1-1 0,0 1 0,-1 1 0,0-1 0,-1 0 0,0 0 0,-1 1 0,0-1 0,-1 0 0,-1 1 0,0-1 0,-6 22 0,5-30 0,0 1 0,-1-1 0,0 0 0,1 0 0,-1 0 0,-1 0 0,1 0 0,0-1 0,-1 0 0,-8 5 0,-17 12 0,25-16 0,1-1 0,-1 0 0,-1 0 0,1 0 0,0-1 0,-1 0 0,1 0 0,-1 0 0,0-1 0,1 1 0,-1-1 0,-7 0 0,-11 0 0,-41-3 0,24 0 0,39 3-52,-1-1-1,0 0 1,1 0-1,-1 0 1,1 0-1,-1 0 1,1-1-1,-1 1 1,1-1-1,-1 1 1,1-1-1,-1 0 1,1 0-1,0 0 1,0-1-1,-1 1 1,1 0-1,0-1 1,0 1-1,0-1 0,0 0 1,1 0-1,-1 1 1,0-1-1,-1-3 1</inkml:trace>
+</inkml:ink>
 </file>
 
 <file path=ppt/notesMasters/notesMaster1.xml><?xml version="1.0" encoding="utf-8"?>
@@ -1351,7 +2371,7 @@
           <a:p>
             <a:fld id="{EE41F6E3-57F9-402E-BDBA-5B2DE11C8530}" type="datetimeFigureOut">
               <a:rPr lang="en-US" smtClean="0"/>
-              <a:t>3/14/2022</a:t>
+              <a:t>10/10/2022</a:t>
             </a:fld>
             <a:endParaRPr lang="en-US"/>
           </a:p>
@@ -1833,100 +2853,40 @@
           <a:bodyPr/>
           <a:lstStyle/>
           <a:p>
-            <a:pPr marL="457200" marR="0" lvl="0" indent="-317500" algn="l" defTabSz="914400" rtl="0" eaLnBrk="1" fontAlgn="auto" latinLnBrk="0" hangingPunct="1">
-              <a:lnSpc>
-                <a:spcPct val="100000"/>
-              </a:lnSpc>
-              <a:spcBef>
-                <a:spcPts val="0"/>
-              </a:spcBef>
-              <a:spcAft>
-                <a:spcPts val="0"/>
-              </a:spcAft>
-              <a:buClr>
-                <a:srgbClr val="000000"/>
-              </a:buClr>
-              <a:buSzPts val="1400"/>
-              <a:buFont typeface="Arial"/>
-              <a:buChar char="●"/>
-              <a:tabLst/>
-              <a:defRPr/>
-            </a:pPr>
-            <a:r>
-              <a:rPr lang="en-US" sz="1100" b="0" i="0" u="none" strike="noStrike" cap="none" dirty="0">
-                <a:solidFill>
-                  <a:srgbClr val="000000"/>
-                </a:solidFill>
-                <a:effectLst/>
-                <a:latin typeface="Arial"/>
-                <a:ea typeface="Arial"/>
-                <a:cs typeface="Arial"/>
-                <a:sym typeface="Arial"/>
-              </a:rPr>
-              <a:t>If there are any errors, the above command will fail. If you give the parameter </a:t>
-            </a:r>
-            <a:r>
-              <a:rPr lang="en-US" sz="1100" b="0" i="1" u="none" strike="noStrike" cap="none" dirty="0">
-                <a:solidFill>
-                  <a:srgbClr val="000000"/>
-                </a:solidFill>
-                <a:effectLst/>
-                <a:latin typeface="Arial"/>
-                <a:ea typeface="Arial"/>
-                <a:cs typeface="Arial"/>
-                <a:sym typeface="Arial"/>
-              </a:rPr>
-              <a:t>“conv=</a:t>
-            </a:r>
-            <a:r>
-              <a:rPr lang="en-US" sz="1100" b="0" i="1" u="none" strike="noStrike" cap="none" dirty="0" err="1">
-                <a:solidFill>
-                  <a:srgbClr val="000000"/>
-                </a:solidFill>
-                <a:effectLst/>
-                <a:latin typeface="Arial"/>
-                <a:ea typeface="Arial"/>
-                <a:cs typeface="Arial"/>
-                <a:sym typeface="Arial"/>
-              </a:rPr>
-              <a:t>noerror</a:t>
-            </a:r>
-            <a:r>
-              <a:rPr lang="en-US" sz="1100" b="0" i="1" u="none" strike="noStrike" cap="none" dirty="0">
-                <a:solidFill>
-                  <a:srgbClr val="000000"/>
-                </a:solidFill>
-                <a:effectLst/>
-                <a:latin typeface="Arial"/>
-                <a:ea typeface="Arial"/>
-                <a:cs typeface="Arial"/>
-                <a:sym typeface="Arial"/>
-              </a:rPr>
-              <a:t>”</a:t>
-            </a:r>
-            <a:r>
-              <a:rPr lang="en-US" sz="1100" b="0" i="0" u="none" strike="noStrike" cap="none" dirty="0">
-                <a:solidFill>
-                  <a:srgbClr val="000000"/>
-                </a:solidFill>
-                <a:effectLst/>
-                <a:latin typeface="Arial"/>
-                <a:ea typeface="Arial"/>
-                <a:cs typeface="Arial"/>
-                <a:sym typeface="Arial"/>
-              </a:rPr>
-              <a:t> then it will continue to copy if there are read errors.</a:t>
-            </a:r>
-          </a:p>
-          <a:p>
-            <a:endParaRPr lang="en-US" dirty="0"/>
+            <a:r>
+              <a:rPr lang="en-US" dirty="0"/>
+              <a:t>http://www.asrdata.com/forensic-software/smart-for-linux/</a:t>
+            </a:r>
+          </a:p>
+        </p:txBody>
+      </p:sp>
+      <p:sp>
+        <p:nvSpPr>
+          <p:cNvPr id="4" name="Slide Number Placeholder 3"/>
+          <p:cNvSpPr>
+            <a:spLocks noGrp="1"/>
+          </p:cNvSpPr>
+          <p:nvPr>
+            <p:ph type="sldNum" sz="quarter" idx="5"/>
+          </p:nvPr>
+        </p:nvSpPr>
+        <p:spPr/>
+        <p:txBody>
+          <a:bodyPr/>
+          <a:lstStyle/>
+          <a:p>
+            <a:fld id="{DDBF98C7-164A-4723-84F0-B1E4B080DDEC}" type="slidenum">
+              <a:rPr lang="en-US" smtClean="0"/>
+              <a:t>10</a:t>
+            </a:fld>
+            <a:endParaRPr lang="en-US"/>
           </a:p>
         </p:txBody>
       </p:sp>
     </p:spTree>
     <p:extLst>
       <p:ext uri="{BB962C8B-B14F-4D97-AF65-F5344CB8AC3E}">
-        <p14:creationId xmlns:p14="http://schemas.microsoft.com/office/powerpoint/2010/main" val="1858446840"/>
+        <p14:creationId xmlns:p14="http://schemas.microsoft.com/office/powerpoint/2010/main" val="2651279775"/>
       </p:ext>
     </p:extLst>
   </p:cSld>
@@ -1980,6 +2940,237 @@
           <a:bodyPr/>
           <a:lstStyle/>
           <a:p>
+            <a:endParaRPr lang="en-US" dirty="0"/>
+          </a:p>
+        </p:txBody>
+      </p:sp>
+      <p:sp>
+        <p:nvSpPr>
+          <p:cNvPr id="4" name="Slide Number Placeholder 3"/>
+          <p:cNvSpPr>
+            <a:spLocks noGrp="1"/>
+          </p:cNvSpPr>
+          <p:nvPr>
+            <p:ph type="sldNum" sz="quarter" idx="5"/>
+          </p:nvPr>
+        </p:nvSpPr>
+        <p:spPr/>
+        <p:txBody>
+          <a:bodyPr/>
+          <a:lstStyle/>
+          <a:p>
+            <a:fld id="{DDBF98C7-164A-4723-84F0-B1E4B080DDEC}" type="slidenum">
+              <a:rPr lang="en-US" smtClean="0"/>
+              <a:t>18</a:t>
+            </a:fld>
+            <a:endParaRPr lang="en-US"/>
+          </a:p>
+        </p:txBody>
+      </p:sp>
+    </p:spTree>
+    <p:extLst>
+      <p:ext uri="{BB962C8B-B14F-4D97-AF65-F5344CB8AC3E}">
+        <p14:creationId xmlns:p14="http://schemas.microsoft.com/office/powerpoint/2010/main" val="1923283836"/>
+      </p:ext>
+    </p:extLst>
+  </p:cSld>
+  <p:clrMapOvr>
+    <a:masterClrMapping/>
+  </p:clrMapOvr>
+</p:notes>
+</file>
+
+<file path=ppt/notesSlides/notesSlide5.xml><?xml version="1.0" encoding="utf-8"?>
+<p:notes xmlns:a="http://schemas.openxmlformats.org/drawingml/2006/main" xmlns:r="http://schemas.openxmlformats.org/officeDocument/2006/relationships" xmlns:p="http://schemas.openxmlformats.org/presentationml/2006/main">
+  <p:cSld>
+    <p:spTree>
+      <p:nvGrpSpPr>
+        <p:cNvPr id="1" name=""/>
+        <p:cNvGrpSpPr/>
+        <p:nvPr/>
+      </p:nvGrpSpPr>
+      <p:grpSpPr>
+        <a:xfrm>
+          <a:off x="0" y="0"/>
+          <a:ext cx="0" cy="0"/>
+          <a:chOff x="0" y="0"/>
+          <a:chExt cx="0" cy="0"/>
+        </a:xfrm>
+      </p:grpSpPr>
+      <p:sp>
+        <p:nvSpPr>
+          <p:cNvPr id="2" name="Slide Image Placeholder 1"/>
+          <p:cNvSpPr>
+            <a:spLocks noGrp="1" noRot="1" noChangeAspect="1"/>
+          </p:cNvSpPr>
+          <p:nvPr>
+            <p:ph type="sldImg"/>
+          </p:nvPr>
+        </p:nvSpPr>
+        <p:spPr/>
+      </p:sp>
+      <p:sp>
+        <p:nvSpPr>
+          <p:cNvPr id="3" name="Notes Placeholder 2"/>
+          <p:cNvSpPr>
+            <a:spLocks noGrp="1"/>
+          </p:cNvSpPr>
+          <p:nvPr>
+            <p:ph type="body" idx="1"/>
+          </p:nvPr>
+        </p:nvSpPr>
+        <p:spPr/>
+        <p:txBody>
+          <a:bodyPr/>
+          <a:lstStyle/>
+          <a:p>
+            <a:pPr marL="457200" marR="0" lvl="0" indent="-317500" algn="l" defTabSz="914400" rtl="0" eaLnBrk="1" fontAlgn="auto" latinLnBrk="0" hangingPunct="1">
+              <a:lnSpc>
+                <a:spcPct val="100000"/>
+              </a:lnSpc>
+              <a:spcBef>
+                <a:spcPts val="0"/>
+              </a:spcBef>
+              <a:spcAft>
+                <a:spcPts val="0"/>
+              </a:spcAft>
+              <a:buClr>
+                <a:srgbClr val="000000"/>
+              </a:buClr>
+              <a:buSzPts val="1400"/>
+              <a:buFont typeface="Arial"/>
+              <a:buChar char="●"/>
+              <a:tabLst/>
+              <a:defRPr/>
+            </a:pPr>
+            <a:r>
+              <a:rPr lang="en-US" sz="1100" b="0" i="0" u="none" strike="noStrike" cap="none" dirty="0">
+                <a:solidFill>
+                  <a:srgbClr val="000000"/>
+                </a:solidFill>
+                <a:effectLst/>
+                <a:latin typeface="Arial"/>
+                <a:ea typeface="Arial"/>
+                <a:cs typeface="Arial"/>
+                <a:sym typeface="Arial"/>
+              </a:rPr>
+              <a:t>If there are any errors, the above command will fail. If you give the parameter </a:t>
+            </a:r>
+            <a:r>
+              <a:rPr lang="en-US" sz="1100" b="0" i="1" u="none" strike="noStrike" cap="none" dirty="0">
+                <a:solidFill>
+                  <a:srgbClr val="000000"/>
+                </a:solidFill>
+                <a:effectLst/>
+                <a:latin typeface="Arial"/>
+                <a:ea typeface="Arial"/>
+                <a:cs typeface="Arial"/>
+                <a:sym typeface="Arial"/>
+              </a:rPr>
+              <a:t>“conv=</a:t>
+            </a:r>
+            <a:r>
+              <a:rPr lang="en-US" sz="1100" b="0" i="1" u="none" strike="noStrike" cap="none" dirty="0" err="1">
+                <a:solidFill>
+                  <a:srgbClr val="000000"/>
+                </a:solidFill>
+                <a:effectLst/>
+                <a:latin typeface="Arial"/>
+                <a:ea typeface="Arial"/>
+                <a:cs typeface="Arial"/>
+                <a:sym typeface="Arial"/>
+              </a:rPr>
+              <a:t>noerror</a:t>
+            </a:r>
+            <a:r>
+              <a:rPr lang="en-US" sz="1100" b="0" i="1" u="none" strike="noStrike" cap="none" dirty="0">
+                <a:solidFill>
+                  <a:srgbClr val="000000"/>
+                </a:solidFill>
+                <a:effectLst/>
+                <a:latin typeface="Arial"/>
+                <a:ea typeface="Arial"/>
+                <a:cs typeface="Arial"/>
+                <a:sym typeface="Arial"/>
+              </a:rPr>
+              <a:t>”</a:t>
+            </a:r>
+            <a:r>
+              <a:rPr lang="en-US" sz="1100" b="0" i="0" u="none" strike="noStrike" cap="none" dirty="0">
+                <a:solidFill>
+                  <a:srgbClr val="000000"/>
+                </a:solidFill>
+                <a:effectLst/>
+                <a:latin typeface="Arial"/>
+                <a:ea typeface="Arial"/>
+                <a:cs typeface="Arial"/>
+                <a:sym typeface="Arial"/>
+              </a:rPr>
+              <a:t> then it will continue to copy if there are read errors.</a:t>
+            </a:r>
+          </a:p>
+          <a:p>
+            <a:endParaRPr lang="en-US" dirty="0"/>
+          </a:p>
+        </p:txBody>
+      </p:sp>
+    </p:spTree>
+    <p:extLst>
+      <p:ext uri="{BB962C8B-B14F-4D97-AF65-F5344CB8AC3E}">
+        <p14:creationId xmlns:p14="http://schemas.microsoft.com/office/powerpoint/2010/main" val="1858446840"/>
+      </p:ext>
+    </p:extLst>
+  </p:cSld>
+  <p:clrMapOvr>
+    <a:masterClrMapping/>
+  </p:clrMapOvr>
+</p:notes>
+</file>
+
+<file path=ppt/notesSlides/notesSlide6.xml><?xml version="1.0" encoding="utf-8"?>
+<p:notes xmlns:a="http://schemas.openxmlformats.org/drawingml/2006/main" xmlns:r="http://schemas.openxmlformats.org/officeDocument/2006/relationships" xmlns:p="http://schemas.openxmlformats.org/presentationml/2006/main">
+  <p:cSld>
+    <p:spTree>
+      <p:nvGrpSpPr>
+        <p:cNvPr id="1" name=""/>
+        <p:cNvGrpSpPr/>
+        <p:nvPr/>
+      </p:nvGrpSpPr>
+      <p:grpSpPr>
+        <a:xfrm>
+          <a:off x="0" y="0"/>
+          <a:ext cx="0" cy="0"/>
+          <a:chOff x="0" y="0"/>
+          <a:chExt cx="0" cy="0"/>
+        </a:xfrm>
+      </p:grpSpPr>
+      <p:sp>
+        <p:nvSpPr>
+          <p:cNvPr id="2" name="Slide Image Placeholder 1"/>
+          <p:cNvSpPr>
+            <a:spLocks noGrp="1" noRot="1" noChangeAspect="1"/>
+          </p:cNvSpPr>
+          <p:nvPr>
+            <p:ph type="sldImg"/>
+          </p:nvPr>
+        </p:nvSpPr>
+        <p:spPr/>
+      </p:sp>
+      <p:sp>
+        <p:nvSpPr>
+          <p:cNvPr id="3" name="Notes Placeholder 2"/>
+          <p:cNvSpPr>
+            <a:spLocks noGrp="1"/>
+          </p:cNvSpPr>
+          <p:nvPr>
+            <p:ph type="body" idx="1"/>
+          </p:nvPr>
+        </p:nvSpPr>
+        <p:spPr/>
+        <p:txBody>
+          <a:bodyPr/>
+          <a:lstStyle/>
+          <a:p>
             <a:r>
               <a:rPr lang="en-GB" dirty="0" err="1"/>
               <a:t>sudo</a:t>
@@ -2061,7 +3252,7 @@
           <a:p>
             <a:fld id="{DDBF98C7-164A-4723-84F0-B1E4B080DDEC}" type="slidenum">
               <a:rPr lang="en-US" smtClean="0"/>
-              <a:t>25</a:t>
+              <a:t>27</a:t>
             </a:fld>
             <a:endParaRPr lang="en-US"/>
           </a:p>
@@ -2209,7 +3400,7 @@
           <a:p>
             <a:fld id="{4263717A-E3C1-4BED-ABE0-B7069385E023}" type="datetimeFigureOut">
               <a:rPr lang="en-US" smtClean="0"/>
-              <a:t>3/14/2022</a:t>
+              <a:t>10/10/2022</a:t>
             </a:fld>
             <a:endParaRPr lang="en-US"/>
           </a:p>
@@ -2382,7 +3573,7 @@
           <a:p>
             <a:fld id="{4263717A-E3C1-4BED-ABE0-B7069385E023}" type="datetimeFigureOut">
               <a:rPr lang="en-US" smtClean="0"/>
-              <a:t>3/14/2022</a:t>
+              <a:t>10/10/2022</a:t>
             </a:fld>
             <a:endParaRPr lang="en-US"/>
           </a:p>
@@ -2560,7 +3751,7 @@
           <a:p>
             <a:fld id="{4263717A-E3C1-4BED-ABE0-B7069385E023}" type="datetimeFigureOut">
               <a:rPr lang="en-US" smtClean="0"/>
-              <a:t>3/14/2022</a:t>
+              <a:t>10/10/2022</a:t>
             </a:fld>
             <a:endParaRPr lang="en-US"/>
           </a:p>
@@ -2728,7 +3919,7 @@
           <a:p>
             <a:fld id="{4263717A-E3C1-4BED-ABE0-B7069385E023}" type="datetimeFigureOut">
               <a:rPr lang="en-US" smtClean="0"/>
-              <a:t>3/14/2022</a:t>
+              <a:t>10/10/2022</a:t>
             </a:fld>
             <a:endParaRPr lang="en-US"/>
           </a:p>
@@ -2973,7 +4164,7 @@
           <a:p>
             <a:fld id="{4263717A-E3C1-4BED-ABE0-B7069385E023}" type="datetimeFigureOut">
               <a:rPr lang="en-US" smtClean="0"/>
-              <a:t>3/14/2022</a:t>
+              <a:t>10/10/2022</a:t>
             </a:fld>
             <a:endParaRPr lang="en-US"/>
           </a:p>
@@ -3202,7 +4393,7 @@
           <a:p>
             <a:fld id="{4263717A-E3C1-4BED-ABE0-B7069385E023}" type="datetimeFigureOut">
               <a:rPr lang="en-US" smtClean="0"/>
-              <a:t>3/14/2022</a:t>
+              <a:t>10/10/2022</a:t>
             </a:fld>
             <a:endParaRPr lang="en-US"/>
           </a:p>
@@ -3566,7 +4757,7 @@
           <a:p>
             <a:fld id="{4263717A-E3C1-4BED-ABE0-B7069385E023}" type="datetimeFigureOut">
               <a:rPr lang="en-US" smtClean="0"/>
-              <a:t>3/14/2022</a:t>
+              <a:t>10/10/2022</a:t>
             </a:fld>
             <a:endParaRPr lang="en-US"/>
           </a:p>
@@ -3683,7 +4874,7 @@
           <a:p>
             <a:fld id="{4263717A-E3C1-4BED-ABE0-B7069385E023}" type="datetimeFigureOut">
               <a:rPr lang="en-US" smtClean="0"/>
-              <a:t>3/14/2022</a:t>
+              <a:t>10/10/2022</a:t>
             </a:fld>
             <a:endParaRPr lang="en-US"/>
           </a:p>
@@ -3778,7 +4969,7 @@
           <a:p>
             <a:fld id="{4263717A-E3C1-4BED-ABE0-B7069385E023}" type="datetimeFigureOut">
               <a:rPr lang="en-US" smtClean="0"/>
-              <a:t>3/14/2022</a:t>
+              <a:t>10/10/2022</a:t>
             </a:fld>
             <a:endParaRPr lang="en-US"/>
           </a:p>
@@ -4053,7 +5244,7 @@
           <a:p>
             <a:fld id="{4263717A-E3C1-4BED-ABE0-B7069385E023}" type="datetimeFigureOut">
               <a:rPr lang="en-US" smtClean="0"/>
-              <a:t>3/14/2022</a:t>
+              <a:t>10/10/2022</a:t>
             </a:fld>
             <a:endParaRPr lang="en-US"/>
           </a:p>
@@ -4305,7 +5496,7 @@
           <a:p>
             <a:fld id="{4263717A-E3C1-4BED-ABE0-B7069385E023}" type="datetimeFigureOut">
               <a:rPr lang="en-US" smtClean="0"/>
-              <a:t>3/14/2022</a:t>
+              <a:t>10/10/2022</a:t>
             </a:fld>
             <a:endParaRPr lang="en-US"/>
           </a:p>
@@ -4516,7 +5707,7 @@
           <a:p>
             <a:fld id="{4263717A-E3C1-4BED-ABE0-B7069385E023}" type="datetimeFigureOut">
               <a:rPr lang="en-US" smtClean="0"/>
-              <a:t>3/14/2022</a:t>
+              <a:t>10/10/2022</a:t>
             </a:fld>
             <a:endParaRPr lang="en-US"/>
           </a:p>
@@ -5102,7 +6293,7 @@
           <a:p>
             <a:r>
               <a:rPr lang="en-US" dirty="0"/>
-              <a:t>Acquiring the USB image</a:t>
+              <a:t>Acquiring a USB image</a:t>
             </a:r>
           </a:p>
         </p:txBody>
@@ -5190,7 +6381,7 @@
           <p:nvPr/>
         </p:nvPicPr>
         <p:blipFill>
-          <a:blip r:embed="rId2"/>
+          <a:blip r:embed="rId3"/>
           <a:stretch>
             <a:fillRect/>
           </a:stretch>
@@ -5214,7 +6405,7 @@
           <p:nvPr/>
         </p:nvPicPr>
         <p:blipFill>
-          <a:blip r:embed="rId3"/>
+          <a:blip r:embed="rId4"/>
           <a:stretch>
             <a:fillRect/>
           </a:stretch>
@@ -5229,6 +6420,260 @@
           </a:prstGeom>
         </p:spPr>
       </p:pic>
+      <p:sp>
+        <p:nvSpPr>
+          <p:cNvPr id="6" name="TextBox 5">
+            <a:extLst>
+              <a:ext uri="{FF2B5EF4-FFF2-40B4-BE49-F238E27FC236}">
+                <a16:creationId xmlns:a16="http://schemas.microsoft.com/office/drawing/2014/main" id="{3925623D-799D-DF74-626B-29239197721D}"/>
+              </a:ext>
+            </a:extLst>
+          </p:cNvPr>
+          <p:cNvSpPr txBox="1"/>
+          <p:nvPr/>
+        </p:nvSpPr>
+        <p:spPr>
+          <a:xfrm>
+            <a:off x="7620000" y="2123777"/>
+            <a:ext cx="3177242" cy="2031325"/>
+          </a:xfrm>
+          <a:prstGeom prst="rect">
+            <a:avLst/>
+          </a:prstGeom>
+          <a:noFill/>
+        </p:spPr>
+        <p:txBody>
+          <a:bodyPr wrap="square">
+            <a:spAutoFit/>
+          </a:bodyPr>
+          <a:lstStyle/>
+          <a:p>
+            <a:pPr marL="342900" indent="-342900">
+              <a:buFont typeface="Arial" panose="020B0604020202020204" pitchFamily="34" charset="0"/>
+              <a:buChar char="•"/>
+            </a:pPr>
+            <a:r>
+              <a:rPr lang="en-GB" sz="1400" dirty="0">
+                <a:solidFill>
+                  <a:srgbClr val="7030A0"/>
+                </a:solidFill>
+              </a:rPr>
+              <a:t> created with an imaging tool called DD</a:t>
+            </a:r>
+          </a:p>
+          <a:p>
+            <a:pPr marL="342900" indent="-342900">
+              <a:buFont typeface="Arial" panose="020B0604020202020204" pitchFamily="34" charset="0"/>
+              <a:buChar char="•"/>
+            </a:pPr>
+            <a:r>
+              <a:rPr lang="en-GB" sz="1400" dirty="0" err="1">
+                <a:solidFill>
+                  <a:srgbClr val="7030A0"/>
+                </a:solidFill>
+              </a:rPr>
+              <a:t>SMARTLinux</a:t>
+            </a:r>
+            <a:r>
+              <a:rPr lang="en-GB" sz="1400" dirty="0">
+                <a:solidFill>
+                  <a:srgbClr val="7030A0"/>
+                </a:solidFill>
+              </a:rPr>
+              <a:t> has been customized and designed for Data Forensics. http://www.asrdata.com</a:t>
+            </a:r>
+          </a:p>
+          <a:p>
+            <a:pPr marL="342900" indent="-342900">
+              <a:buFont typeface="Arial" panose="020B0604020202020204" pitchFamily="34" charset="0"/>
+              <a:buChar char="•"/>
+            </a:pPr>
+            <a:r>
+              <a:rPr lang="en-GB" sz="1400" dirty="0">
+                <a:solidFill>
+                  <a:srgbClr val="7030A0"/>
+                </a:solidFill>
+              </a:rPr>
+              <a:t>EnCase image file format used by EnCase software</a:t>
+            </a:r>
+          </a:p>
+          <a:p>
+            <a:pPr marL="342900" indent="-342900">
+              <a:buFont typeface="Arial" panose="020B0604020202020204" pitchFamily="34" charset="0"/>
+              <a:buChar char="•"/>
+            </a:pPr>
+            <a:r>
+              <a:rPr lang="en-GB" sz="1400" dirty="0">
+                <a:solidFill>
+                  <a:srgbClr val="7030A0"/>
+                </a:solidFill>
+              </a:rPr>
+              <a:t>Advanced Forensics Format (AFF), an open file format</a:t>
+            </a:r>
+            <a:endParaRPr lang="en-US" sz="1400" dirty="0">
+              <a:solidFill>
+                <a:srgbClr val="7030A0"/>
+              </a:solidFill>
+            </a:endParaRPr>
+          </a:p>
+        </p:txBody>
+      </p:sp>
+      <p:cxnSp>
+        <p:nvCxnSpPr>
+          <p:cNvPr id="8" name="Straight Arrow Connector 7">
+            <a:extLst>
+              <a:ext uri="{FF2B5EF4-FFF2-40B4-BE49-F238E27FC236}">
+                <a16:creationId xmlns:a16="http://schemas.microsoft.com/office/drawing/2014/main" id="{AC038767-EC46-EB22-19A3-5C808840586B}"/>
+              </a:ext>
+            </a:extLst>
+          </p:cNvPr>
+          <p:cNvCxnSpPr/>
+          <p:nvPr/>
+        </p:nvCxnSpPr>
+        <p:spPr>
+          <a:xfrm flipH="1">
+            <a:off x="7056120" y="2636520"/>
+            <a:ext cx="563880" cy="182880"/>
+          </a:xfrm>
+          <a:prstGeom prst="straightConnector1">
+            <a:avLst/>
+          </a:prstGeom>
+          <a:ln>
+            <a:tailEnd type="triangle"/>
+          </a:ln>
+        </p:spPr>
+        <p:style>
+          <a:lnRef idx="1">
+            <a:schemeClr val="accent2"/>
+          </a:lnRef>
+          <a:fillRef idx="0">
+            <a:schemeClr val="accent2"/>
+          </a:fillRef>
+          <a:effectRef idx="0">
+            <a:schemeClr val="accent2"/>
+          </a:effectRef>
+          <a:fontRef idx="minor">
+            <a:schemeClr val="tx1"/>
+          </a:fontRef>
+        </p:style>
+      </p:cxnSp>
+      <p:cxnSp>
+        <p:nvCxnSpPr>
+          <p:cNvPr id="10" name="Straight Arrow Connector 9">
+            <a:extLst>
+              <a:ext uri="{FF2B5EF4-FFF2-40B4-BE49-F238E27FC236}">
+                <a16:creationId xmlns:a16="http://schemas.microsoft.com/office/drawing/2014/main" id="{6A4F9A1A-5931-1B78-FB07-2E5721C076D7}"/>
+              </a:ext>
+            </a:extLst>
+          </p:cNvPr>
+          <p:cNvCxnSpPr/>
+          <p:nvPr/>
+        </p:nvCxnSpPr>
+        <p:spPr>
+          <a:xfrm flipH="1">
+            <a:off x="6850380" y="3258354"/>
+            <a:ext cx="663238" cy="0"/>
+          </a:xfrm>
+          <a:prstGeom prst="straightConnector1">
+            <a:avLst/>
+          </a:prstGeom>
+          <a:ln>
+            <a:tailEnd type="triangle"/>
+          </a:ln>
+        </p:spPr>
+        <p:style>
+          <a:lnRef idx="1">
+            <a:schemeClr val="accent2"/>
+          </a:lnRef>
+          <a:fillRef idx="0">
+            <a:schemeClr val="accent2"/>
+          </a:fillRef>
+          <a:effectRef idx="0">
+            <a:schemeClr val="accent2"/>
+          </a:effectRef>
+          <a:fontRef idx="minor">
+            <a:schemeClr val="tx1"/>
+          </a:fontRef>
+        </p:style>
+      </p:cxnSp>
+      <p:cxnSp>
+        <p:nvCxnSpPr>
+          <p:cNvPr id="12" name="Straight Arrow Connector 11">
+            <a:extLst>
+              <a:ext uri="{FF2B5EF4-FFF2-40B4-BE49-F238E27FC236}">
+                <a16:creationId xmlns:a16="http://schemas.microsoft.com/office/drawing/2014/main" id="{1209F5E6-8F36-1BDC-BA44-FBBAE9877B42}"/>
+              </a:ext>
+            </a:extLst>
+          </p:cNvPr>
+          <p:cNvCxnSpPr/>
+          <p:nvPr/>
+        </p:nvCxnSpPr>
+        <p:spPr>
+          <a:xfrm flipH="1">
+            <a:off x="6812280" y="3718560"/>
+            <a:ext cx="807720" cy="0"/>
+          </a:xfrm>
+          <a:prstGeom prst="straightConnector1">
+            <a:avLst/>
+          </a:prstGeom>
+          <a:ln>
+            <a:tailEnd type="triangle"/>
+          </a:ln>
+        </p:spPr>
+        <p:style>
+          <a:lnRef idx="1">
+            <a:schemeClr val="accent2"/>
+          </a:lnRef>
+          <a:fillRef idx="0">
+            <a:schemeClr val="accent2"/>
+          </a:fillRef>
+          <a:effectRef idx="0">
+            <a:schemeClr val="accent2"/>
+          </a:effectRef>
+          <a:fontRef idx="minor">
+            <a:schemeClr val="tx1"/>
+          </a:fontRef>
+        </p:style>
+      </p:cxnSp>
+      <p:cxnSp>
+        <p:nvCxnSpPr>
+          <p:cNvPr id="14" name="Straight Arrow Connector 13">
+            <a:extLst>
+              <a:ext uri="{FF2B5EF4-FFF2-40B4-BE49-F238E27FC236}">
+                <a16:creationId xmlns:a16="http://schemas.microsoft.com/office/drawing/2014/main" id="{4B9C441D-165E-EC75-D324-5B53A86E8210}"/>
+              </a:ext>
+            </a:extLst>
+          </p:cNvPr>
+          <p:cNvCxnSpPr/>
+          <p:nvPr/>
+        </p:nvCxnSpPr>
+        <p:spPr>
+          <a:xfrm flipH="1">
+            <a:off x="7265968" y="2263140"/>
+            <a:ext cx="495300" cy="0"/>
+          </a:xfrm>
+          <a:prstGeom prst="straightConnector1">
+            <a:avLst/>
+          </a:prstGeom>
+          <a:ln>
+            <a:tailEnd type="triangle"/>
+          </a:ln>
+        </p:spPr>
+        <p:style>
+          <a:lnRef idx="1">
+            <a:schemeClr val="accent2"/>
+          </a:lnRef>
+          <a:fillRef idx="0">
+            <a:schemeClr val="accent2"/>
+          </a:fillRef>
+          <a:effectRef idx="0">
+            <a:schemeClr val="accent2"/>
+          </a:effectRef>
+          <a:fontRef idx="minor">
+            <a:schemeClr val="tx1"/>
+          </a:fontRef>
+        </p:style>
+      </p:cxnSp>
     </p:spTree>
     <p:extLst>
       <p:ext uri="{BB962C8B-B14F-4D97-AF65-F5344CB8AC3E}">
@@ -5746,7 +7191,12 @@
             <p:ph idx="1"/>
           </p:nvPr>
         </p:nvSpPr>
-        <p:spPr/>
+        <p:spPr>
+          <a:xfrm>
+            <a:off x="838200" y="1825625"/>
+            <a:ext cx="10515600" cy="4351338"/>
+          </a:xfrm>
+        </p:spPr>
         <p:txBody>
           <a:bodyPr/>
           <a:lstStyle/>
@@ -5836,8 +7286,8 @@
         </p:blipFill>
         <p:spPr>
           <a:xfrm>
-            <a:off x="5561428" y="3260740"/>
-            <a:ext cx="3638844" cy="1317228"/>
+            <a:off x="7078980" y="5007134"/>
+            <a:ext cx="5113020" cy="1850866"/>
           </a:xfrm>
           <a:prstGeom prst="rect">
             <a:avLst/>
@@ -5932,6 +7382,100 @@
           </a:p>
         </p:txBody>
       </p:sp>
+      <p:pic>
+        <p:nvPicPr>
+          <p:cNvPr id="2" name="Picture 2" descr="dd (Disk Dump) : 7 exemples pratiques d'utilisation - SysReseau.net">
+            <a:extLst>
+              <a:ext uri="{FF2B5EF4-FFF2-40B4-BE49-F238E27FC236}">
+                <a16:creationId xmlns:a16="http://schemas.microsoft.com/office/drawing/2014/main" id="{EE631520-828C-C151-F00E-EF6B8D42111B}"/>
+              </a:ext>
+            </a:extLst>
+          </p:cNvPr>
+          <p:cNvPicPr>
+            <a:picLocks noChangeAspect="1" noChangeArrowheads="1"/>
+          </p:cNvPicPr>
+          <p:nvPr/>
+        </p:nvPicPr>
+        <p:blipFill>
+          <a:blip r:embed="rId2">
+            <a:extLst>
+              <a:ext uri="{28A0092B-C50C-407E-A947-70E740481C1C}">
+                <a14:useLocalDpi xmlns:a14="http://schemas.microsoft.com/office/drawing/2010/main" val="0"/>
+              </a:ext>
+            </a:extLst>
+          </a:blip>
+          <a:srcRect/>
+          <a:stretch>
+            <a:fillRect/>
+          </a:stretch>
+        </p:blipFill>
+        <p:spPr bwMode="auto">
+          <a:xfrm>
+            <a:off x="7155180" y="614474"/>
+            <a:ext cx="4563758" cy="2014632"/>
+          </a:xfrm>
+          <a:prstGeom prst="rect">
+            <a:avLst/>
+          </a:prstGeom>
+          <a:noFill/>
+          <a:extLst>
+            <a:ext uri="{909E8E84-426E-40DD-AFC4-6F175D3DCCD1}">
+              <a14:hiddenFill xmlns:a14="http://schemas.microsoft.com/office/drawing/2010/main">
+                <a:solidFill>
+                  <a:srgbClr val="FFFFFF"/>
+                </a:solidFill>
+              </a14:hiddenFill>
+            </a:ext>
+          </a:extLst>
+        </p:spPr>
+      </p:pic>
+      <p:pic>
+        <p:nvPicPr>
+          <p:cNvPr id="3" name="Picture 4">
+            <a:extLst>
+              <a:ext uri="{FF2B5EF4-FFF2-40B4-BE49-F238E27FC236}">
+                <a16:creationId xmlns:a16="http://schemas.microsoft.com/office/drawing/2014/main" id="{A876120F-6685-E55A-FA7E-6D4494850EB8}"/>
+              </a:ext>
+            </a:extLst>
+          </p:cNvPr>
+          <p:cNvPicPr>
+            <a:picLocks noChangeAspect="1" noChangeArrowheads="1"/>
+          </p:cNvPicPr>
+          <p:nvPr/>
+        </p:nvPicPr>
+        <p:blipFill>
+          <a:blip r:embed="rId3">
+            <a:extLst>
+              <a:ext uri="{28A0092B-C50C-407E-A947-70E740481C1C}">
+                <a14:useLocalDpi xmlns:a14="http://schemas.microsoft.com/office/drawing/2010/main" val="0"/>
+              </a:ext>
+            </a:extLst>
+          </a:blip>
+          <a:srcRect/>
+          <a:stretch>
+            <a:fillRect/>
+          </a:stretch>
+        </p:blipFill>
+        <p:spPr bwMode="auto">
+          <a:xfrm>
+            <a:off x="8401050" y="247761"/>
+            <a:ext cx="2552700" cy="733425"/>
+          </a:xfrm>
+          <a:prstGeom prst="rect">
+            <a:avLst/>
+          </a:prstGeom>
+          <a:noFill/>
+          <a:extLst>
+            <a:ext uri="{909E8E84-426E-40DD-AFC4-6F175D3DCCD1}">
+              <a14:hiddenFill xmlns:a14="http://schemas.microsoft.com/office/drawing/2010/main">
+                <a:solidFill>
+                  <a:srgbClr val="FFFFFF"/>
+                </a:solidFill>
+              </a14:hiddenFill>
+            </a:ext>
+          </a:extLst>
+        </p:spPr>
+      </p:pic>
     </p:spTree>
     <p:extLst>
       <p:ext uri="{BB962C8B-B14F-4D97-AF65-F5344CB8AC3E}">
@@ -5946,6 +7490,148 @@
 </file>
 
 <file path=ppt/slides/slide18.xml><?xml version="1.0" encoding="utf-8"?>
+<p:sld xmlns:a="http://schemas.openxmlformats.org/drawingml/2006/main" xmlns:r="http://schemas.openxmlformats.org/officeDocument/2006/relationships" xmlns:p="http://schemas.openxmlformats.org/presentationml/2006/main">
+  <p:cSld>
+    <p:spTree>
+      <p:nvGrpSpPr>
+        <p:cNvPr id="1" name=""/>
+        <p:cNvGrpSpPr/>
+        <p:nvPr/>
+      </p:nvGrpSpPr>
+      <p:grpSpPr>
+        <a:xfrm>
+          <a:off x="0" y="0"/>
+          <a:ext cx="0" cy="0"/>
+          <a:chOff x="0" y="0"/>
+          <a:chExt cx="0" cy="0"/>
+        </a:xfrm>
+      </p:grpSpPr>
+      <p:sp>
+        <p:nvSpPr>
+          <p:cNvPr id="4" name="Title 3">
+            <a:extLst>
+              <a:ext uri="{FF2B5EF4-FFF2-40B4-BE49-F238E27FC236}">
+                <a16:creationId xmlns:a16="http://schemas.microsoft.com/office/drawing/2014/main" id="{095372BD-D20A-998E-3C78-C63BAF31520A}"/>
+              </a:ext>
+            </a:extLst>
+          </p:cNvPr>
+          <p:cNvSpPr>
+            <a:spLocks noGrp="1"/>
+          </p:cNvSpPr>
+          <p:nvPr>
+            <p:ph type="title"/>
+          </p:nvPr>
+        </p:nvSpPr>
+        <p:spPr/>
+        <p:txBody>
+          <a:bodyPr/>
+          <a:lstStyle/>
+          <a:p>
+            <a:r>
+              <a:rPr lang="en-US" dirty="0"/>
+              <a:t>The Lab has to be done on your local host PC</a:t>
+            </a:r>
+          </a:p>
+        </p:txBody>
+      </p:sp>
+      <p:sp>
+        <p:nvSpPr>
+          <p:cNvPr id="5" name="Content Placeholder 4">
+            <a:extLst>
+              <a:ext uri="{FF2B5EF4-FFF2-40B4-BE49-F238E27FC236}">
+                <a16:creationId xmlns:a16="http://schemas.microsoft.com/office/drawing/2014/main" id="{4E6A00C8-F81C-8E57-8CE4-108CFE918943}"/>
+              </a:ext>
+            </a:extLst>
+          </p:cNvPr>
+          <p:cNvSpPr>
+            <a:spLocks noGrp="1"/>
+          </p:cNvSpPr>
+          <p:nvPr>
+            <p:ph idx="1"/>
+          </p:nvPr>
+        </p:nvSpPr>
+        <p:spPr/>
+        <p:txBody>
+          <a:bodyPr/>
+          <a:lstStyle/>
+          <a:p>
+            <a:r>
+              <a:rPr lang="en-US" dirty="0"/>
+              <a:t>Install VirtualBox</a:t>
+            </a:r>
+          </a:p>
+          <a:p>
+            <a:r>
+              <a:rPr lang="en-US" dirty="0"/>
+              <a:t>Install VirtualBox Guest Additions</a:t>
+            </a:r>
+          </a:p>
+          <a:p>
+            <a:pPr lvl="1"/>
+            <a:r>
+              <a:rPr lang="en-US" dirty="0"/>
+              <a:t>Your PC will recognize USB</a:t>
+            </a:r>
+          </a:p>
+          <a:p>
+            <a:r>
+              <a:rPr lang="en-US" dirty="0"/>
+              <a:t>Install customized Kali from </a:t>
+            </a:r>
+          </a:p>
+          <a:p>
+            <a:pPr lvl="1"/>
+            <a:r>
+              <a:rPr lang="en-US" dirty="0"/>
+              <a:t>Contains all necessary tools</a:t>
+            </a:r>
+          </a:p>
+          <a:p>
+            <a:pPr lvl="1"/>
+            <a:r>
+              <a:rPr lang="en-US" dirty="0">
+                <a:hlinkClick r:id="rId3"/>
+              </a:rPr>
+              <a:t>https://github.com/frankwxu/digital-forensics-lab</a:t>
+            </a:r>
+            <a:endParaRPr lang="en-US" dirty="0"/>
+          </a:p>
+          <a:p>
+            <a:r>
+              <a:rPr lang="en-US" dirty="0"/>
+              <a:t>Suggested reading</a:t>
+            </a:r>
+          </a:p>
+          <a:p>
+            <a:pPr lvl="1"/>
+            <a:r>
+              <a:rPr lang="en-US" dirty="0"/>
+              <a:t>https://www.linuxbabe.com/virtualbox/access-usb-from-virtualbox-guest-os</a:t>
+            </a:r>
+          </a:p>
+          <a:p>
+            <a:pPr lvl="1"/>
+            <a:r>
+              <a:rPr lang="en-US" dirty="0"/>
+              <a:t>https://www.net-usb.com/virtual-usb/virtualbox-usb-passthrough/virtualbox-usb-linux/</a:t>
+            </a:r>
+          </a:p>
+        </p:txBody>
+      </p:sp>
+    </p:spTree>
+    <p:extLst>
+      <p:ext uri="{BB962C8B-B14F-4D97-AF65-F5344CB8AC3E}">
+        <p14:creationId xmlns:p14="http://schemas.microsoft.com/office/powerpoint/2010/main" val="2682292851"/>
+      </p:ext>
+    </p:extLst>
+  </p:cSld>
+  <p:clrMapOvr>
+    <a:masterClrMapping/>
+  </p:clrMapOvr>
+</p:sld>
+</file>
+
+<file path=ppt/slides/slide19.xml><?xml version="1.0" encoding="utf-8"?>
 <p:sld xmlns:a="http://schemas.openxmlformats.org/drawingml/2006/main" xmlns:r="http://schemas.openxmlformats.org/officeDocument/2006/relationships" xmlns:p="http://schemas.openxmlformats.org/presentationml/2006/main">
   <p:cSld>
     <p:spTree>
@@ -5999,7 +7685,7 @@
 </p:sld>
 </file>
 
-<file path=ppt/slides/slide19.xml><?xml version="1.0" encoding="utf-8"?>
+<file path=ppt/slides/slide2.xml><?xml version="1.0" encoding="utf-8"?>
 <p:sld xmlns:a="http://schemas.openxmlformats.org/drawingml/2006/main" xmlns:r="http://schemas.openxmlformats.org/officeDocument/2006/relationships" xmlns:p="http://schemas.openxmlformats.org/presentationml/2006/main">
   <p:cSld>
     <p:spTree>
@@ -6018,6 +7704,131 @@
       </p:grpSpPr>
       <p:sp>
         <p:nvSpPr>
+          <p:cNvPr id="2" name="Title 1">
+            <a:extLst>
+              <a:ext uri="{FF2B5EF4-FFF2-40B4-BE49-F238E27FC236}">
+                <a16:creationId xmlns:a16="http://schemas.microsoft.com/office/drawing/2014/main" id="{4CC713A4-5641-49BC-BC65-986D4CDAB154}"/>
+              </a:ext>
+            </a:extLst>
+          </p:cNvPr>
+          <p:cNvSpPr>
+            <a:spLocks noGrp="1"/>
+          </p:cNvSpPr>
+          <p:nvPr>
+            <p:ph type="title"/>
+          </p:nvPr>
+        </p:nvSpPr>
+        <p:spPr/>
+        <p:txBody>
+          <a:bodyPr/>
+          <a:lstStyle/>
+          <a:p>
+            <a:r>
+              <a:rPr lang="en-US" dirty="0"/>
+              <a:t>Overview</a:t>
+            </a:r>
+          </a:p>
+        </p:txBody>
+      </p:sp>
+      <p:sp>
+        <p:nvSpPr>
+          <p:cNvPr id="3" name="Content Placeholder 2">
+            <a:extLst>
+              <a:ext uri="{FF2B5EF4-FFF2-40B4-BE49-F238E27FC236}">
+                <a16:creationId xmlns:a16="http://schemas.microsoft.com/office/drawing/2014/main" id="{80AF8B4B-0AED-47A5-98E8-44AA44B780B5}"/>
+              </a:ext>
+            </a:extLst>
+          </p:cNvPr>
+          <p:cNvSpPr>
+            <a:spLocks noGrp="1"/>
+          </p:cNvSpPr>
+          <p:nvPr>
+            <p:ph idx="1"/>
+          </p:nvPr>
+        </p:nvSpPr>
+        <p:spPr/>
+        <p:txBody>
+          <a:bodyPr/>
+          <a:lstStyle/>
+          <a:p>
+            <a:r>
+              <a:rPr lang="en-GB" dirty="0"/>
+              <a:t>What is a disk image?</a:t>
+            </a:r>
+          </a:p>
+          <a:p>
+            <a:r>
+              <a:rPr lang="en-GB" dirty="0"/>
+              <a:t>Acquisition a USB in Windows using </a:t>
+            </a:r>
+            <a:r>
+              <a:rPr lang="en-GB" i="1" dirty="0">
+                <a:solidFill>
+                  <a:srgbClr val="7030A0"/>
+                </a:solidFill>
+              </a:rPr>
+              <a:t>FTK Imager</a:t>
+            </a:r>
+          </a:p>
+          <a:p>
+            <a:r>
+              <a:rPr lang="en-US" dirty="0"/>
+              <a:t>Acquisition a USB in Linux using </a:t>
+            </a:r>
+            <a:r>
+              <a:rPr lang="en-US" i="1" dirty="0">
+                <a:solidFill>
+                  <a:srgbClr val="7030A0"/>
+                </a:solidFill>
+              </a:rPr>
+              <a:t>DD</a:t>
+            </a:r>
+            <a:endParaRPr lang="en-GB" i="1" dirty="0">
+              <a:solidFill>
+                <a:srgbClr val="7030A0"/>
+              </a:solidFill>
+            </a:endParaRPr>
+          </a:p>
+          <a:p>
+            <a:r>
+              <a:rPr lang="en-US" dirty="0"/>
+              <a:t>Acquisition via Network</a:t>
+            </a:r>
+          </a:p>
+        </p:txBody>
+      </p:sp>
+    </p:spTree>
+    <p:extLst>
+      <p:ext uri="{BB962C8B-B14F-4D97-AF65-F5344CB8AC3E}">
+        <p14:creationId xmlns:p14="http://schemas.microsoft.com/office/powerpoint/2010/main" val="4131676587"/>
+      </p:ext>
+    </p:extLst>
+  </p:cSld>
+  <p:clrMapOvr>
+    <a:masterClrMapping/>
+  </p:clrMapOvr>
+</p:sld>
+</file>
+
+<file path=ppt/slides/slide20.xml><?xml version="1.0" encoding="utf-8"?>
+<p:sld xmlns:a="http://schemas.openxmlformats.org/drawingml/2006/main" xmlns:r="http://schemas.openxmlformats.org/officeDocument/2006/relationships" xmlns:p="http://schemas.openxmlformats.org/presentationml/2006/main">
+  <p:cSld>
+    <p:spTree>
+      <p:nvGrpSpPr>
+        <p:cNvPr id="1" name=""/>
+        <p:cNvGrpSpPr/>
+        <p:nvPr/>
+      </p:nvGrpSpPr>
+      <p:grpSpPr>
+        <a:xfrm>
+          <a:off x="0" y="0"/>
+          <a:ext cx="0" cy="0"/>
+          <a:chOff x="0" y="0"/>
+          <a:chExt cx="0" cy="0"/>
+        </a:xfrm>
+      </p:grpSpPr>
+      <p:sp>
+        <p:nvSpPr>
           <p:cNvPr id="2" name="Slide Number Placeholder 1"/>
           <p:cNvSpPr>
             <a:spLocks noGrp="1"/>
@@ -6035,7 +7846,7 @@
             <a:fld id="{00000000-1234-1234-1234-123412341234}" type="slidenum">
               <a:rPr lang="en" smtClean="0"/>
               <a:pPr algn="ctr"/>
-              <a:t>19</a:t>
+              <a:t>20</a:t>
             </a:fld>
             <a:endParaRPr lang="en"/>
           </a:p>
@@ -6078,7 +7889,7 @@
 </p:sld>
 </file>
 
-<file path=ppt/slides/slide2.xml><?xml version="1.0" encoding="utf-8"?>
+<file path=ppt/slides/slide21.xml><?xml version="1.0" encoding="utf-8"?>
 <p:sld xmlns:a="http://schemas.openxmlformats.org/drawingml/2006/main" xmlns:r="http://schemas.openxmlformats.org/officeDocument/2006/relationships" xmlns:p="http://schemas.openxmlformats.org/presentationml/2006/main">
   <p:cSld>
     <p:spTree>
@@ -6097,131 +7908,6 @@
       </p:grpSpPr>
       <p:sp>
         <p:nvSpPr>
-          <p:cNvPr id="2" name="Title 1">
-            <a:extLst>
-              <a:ext uri="{FF2B5EF4-FFF2-40B4-BE49-F238E27FC236}">
-                <a16:creationId xmlns:a16="http://schemas.microsoft.com/office/drawing/2014/main" id="{4CC713A4-5641-49BC-BC65-986D4CDAB154}"/>
-              </a:ext>
-            </a:extLst>
-          </p:cNvPr>
-          <p:cNvSpPr>
-            <a:spLocks noGrp="1"/>
-          </p:cNvSpPr>
-          <p:nvPr>
-            <p:ph type="title"/>
-          </p:nvPr>
-        </p:nvSpPr>
-        <p:spPr/>
-        <p:txBody>
-          <a:bodyPr/>
-          <a:lstStyle/>
-          <a:p>
-            <a:r>
-              <a:rPr lang="en-US" dirty="0"/>
-              <a:t>Overview</a:t>
-            </a:r>
-          </a:p>
-        </p:txBody>
-      </p:sp>
-      <p:sp>
-        <p:nvSpPr>
-          <p:cNvPr id="3" name="Content Placeholder 2">
-            <a:extLst>
-              <a:ext uri="{FF2B5EF4-FFF2-40B4-BE49-F238E27FC236}">
-                <a16:creationId xmlns:a16="http://schemas.microsoft.com/office/drawing/2014/main" id="{80AF8B4B-0AED-47A5-98E8-44AA44B780B5}"/>
-              </a:ext>
-            </a:extLst>
-          </p:cNvPr>
-          <p:cNvSpPr>
-            <a:spLocks noGrp="1"/>
-          </p:cNvSpPr>
-          <p:nvPr>
-            <p:ph idx="1"/>
-          </p:nvPr>
-        </p:nvSpPr>
-        <p:spPr/>
-        <p:txBody>
-          <a:bodyPr/>
-          <a:lstStyle/>
-          <a:p>
-            <a:r>
-              <a:rPr lang="en-GB" dirty="0"/>
-              <a:t>What is a disk image?</a:t>
-            </a:r>
-          </a:p>
-          <a:p>
-            <a:r>
-              <a:rPr lang="en-GB" dirty="0"/>
-              <a:t>Acquisition a USB in Windows using </a:t>
-            </a:r>
-            <a:r>
-              <a:rPr lang="en-GB" i="1" dirty="0">
-                <a:solidFill>
-                  <a:srgbClr val="7030A0"/>
-                </a:solidFill>
-              </a:rPr>
-              <a:t>FTK Imager</a:t>
-            </a:r>
-          </a:p>
-          <a:p>
-            <a:r>
-              <a:rPr lang="en-US" dirty="0"/>
-              <a:t>Acquisition a USB in Linux using </a:t>
-            </a:r>
-            <a:r>
-              <a:rPr lang="en-US" i="1" dirty="0">
-                <a:solidFill>
-                  <a:srgbClr val="7030A0"/>
-                </a:solidFill>
-              </a:rPr>
-              <a:t>DD</a:t>
-            </a:r>
-            <a:endParaRPr lang="en-GB" i="1" dirty="0">
-              <a:solidFill>
-                <a:srgbClr val="7030A0"/>
-              </a:solidFill>
-            </a:endParaRPr>
-          </a:p>
-          <a:p>
-            <a:r>
-              <a:rPr lang="en-US" dirty="0"/>
-              <a:t>Acquisition via Network</a:t>
-            </a:r>
-          </a:p>
-        </p:txBody>
-      </p:sp>
-    </p:spTree>
-    <p:extLst>
-      <p:ext uri="{BB962C8B-B14F-4D97-AF65-F5344CB8AC3E}">
-        <p14:creationId xmlns:p14="http://schemas.microsoft.com/office/powerpoint/2010/main" val="4131676587"/>
-      </p:ext>
-    </p:extLst>
-  </p:cSld>
-  <p:clrMapOvr>
-    <a:masterClrMapping/>
-  </p:clrMapOvr>
-</p:sld>
-</file>
-
-<file path=ppt/slides/slide20.xml><?xml version="1.0" encoding="utf-8"?>
-<p:sld xmlns:a="http://schemas.openxmlformats.org/drawingml/2006/main" xmlns:r="http://schemas.openxmlformats.org/officeDocument/2006/relationships" xmlns:p="http://schemas.openxmlformats.org/presentationml/2006/main">
-  <p:cSld>
-    <p:spTree>
-      <p:nvGrpSpPr>
-        <p:cNvPr id="1" name=""/>
-        <p:cNvGrpSpPr/>
-        <p:nvPr/>
-      </p:nvGrpSpPr>
-      <p:grpSpPr>
-        <a:xfrm>
-          <a:off x="0" y="0"/>
-          <a:ext cx="0" cy="0"/>
-          <a:chOff x="0" y="0"/>
-          <a:chExt cx="0" cy="0"/>
-        </a:xfrm>
-      </p:grpSpPr>
-      <p:sp>
-        <p:nvSpPr>
           <p:cNvPr id="2" name="Slide Number Placeholder 1"/>
           <p:cNvSpPr>
             <a:spLocks noGrp="1"/>
@@ -6239,7 +7925,7 @@
             <a:fld id="{00000000-1234-1234-1234-123412341234}" type="slidenum">
               <a:rPr lang="en" smtClean="0"/>
               <a:pPr algn="ctr"/>
-              <a:t>20</a:t>
+              <a:t>21</a:t>
             </a:fld>
             <a:endParaRPr lang="en"/>
           </a:p>
@@ -6282,7 +7968,7 @@
 </p:sld>
 </file>
 
-<file path=ppt/slides/slide21.xml><?xml version="1.0" encoding="utf-8"?>
+<file path=ppt/slides/slide22.xml><?xml version="1.0" encoding="utf-8"?>
 <p:sld xmlns:a="http://schemas.openxmlformats.org/drawingml/2006/main" xmlns:r="http://schemas.openxmlformats.org/officeDocument/2006/relationships" xmlns:p="http://schemas.openxmlformats.org/presentationml/2006/main">
   <p:cSld>
     <p:spTree>
@@ -6318,7 +8004,7 @@
             <a:fld id="{00000000-1234-1234-1234-123412341234}" type="slidenum">
               <a:rPr lang="en" smtClean="0"/>
               <a:pPr algn="ctr"/>
-              <a:t>21</a:t>
+              <a:t>22</a:t>
             </a:fld>
             <a:endParaRPr lang="en"/>
           </a:p>
@@ -6361,7 +8047,7 @@
 </p:sld>
 </file>
 
-<file path=ppt/slides/slide22.xml><?xml version="1.0" encoding="utf-8"?>
+<file path=ppt/slides/slide23.xml><?xml version="1.0" encoding="utf-8"?>
 <p:sld xmlns:a="http://schemas.openxmlformats.org/drawingml/2006/main" xmlns:r="http://schemas.openxmlformats.org/officeDocument/2006/relationships" xmlns:p="http://schemas.openxmlformats.org/presentationml/2006/main">
   <p:cSld>
     <p:spTree>
@@ -6397,7 +8083,7 @@
             <a:fld id="{00000000-1234-1234-1234-123412341234}" type="slidenum">
               <a:rPr lang="en" smtClean="0"/>
               <a:pPr algn="ctr"/>
-              <a:t>22</a:t>
+              <a:t>23</a:t>
             </a:fld>
             <a:endParaRPr lang="en"/>
           </a:p>
@@ -6451,6 +8137,122 @@
           </a:prstGeom>
         </p:spPr>
       </p:pic>
+      <p:sp>
+        <p:nvSpPr>
+          <p:cNvPr id="3" name="TextBox 2">
+            <a:extLst>
+              <a:ext uri="{FF2B5EF4-FFF2-40B4-BE49-F238E27FC236}">
+                <a16:creationId xmlns:a16="http://schemas.microsoft.com/office/drawing/2014/main" id="{449C4AA8-ECF8-456D-AA9B-07491B7DB9F3}"/>
+              </a:ext>
+            </a:extLst>
+          </p:cNvPr>
+          <p:cNvSpPr txBox="1"/>
+          <p:nvPr/>
+        </p:nvSpPr>
+        <p:spPr>
+          <a:xfrm>
+            <a:off x="3760056" y="3514725"/>
+            <a:ext cx="2781082" cy="369332"/>
+          </a:xfrm>
+          <a:prstGeom prst="rect">
+            <a:avLst/>
+          </a:prstGeom>
+          <a:noFill/>
+        </p:spPr>
+        <p:txBody>
+          <a:bodyPr wrap="none" rtlCol="0">
+            <a:spAutoFit/>
+          </a:bodyPr>
+          <a:lstStyle/>
+          <a:p>
+            <a:r>
+              <a:rPr lang="en-US" dirty="0">
+                <a:highlight>
+                  <a:srgbClr val="FFFF00"/>
+                </a:highlight>
+              </a:rPr>
+              <a:t>or </a:t>
+            </a:r>
+            <a:r>
+              <a:rPr lang="en-US" dirty="0">
+                <a:solidFill>
+                  <a:srgbClr val="FF0000"/>
+                </a:solidFill>
+                <a:highlight>
+                  <a:srgbClr val="FFFF00"/>
+                </a:highlight>
+              </a:rPr>
+              <a:t>Kali</a:t>
+            </a:r>
+            <a:r>
+              <a:rPr lang="en-US" dirty="0">
+                <a:highlight>
+                  <a:srgbClr val="FFFF00"/>
+                </a:highlight>
+              </a:rPr>
+              <a:t> based on the version</a:t>
+            </a:r>
+          </a:p>
+        </p:txBody>
+      </p:sp>
+      <p:sp>
+        <p:nvSpPr>
+          <p:cNvPr id="6" name="TextBox 5">
+            <a:extLst>
+              <a:ext uri="{FF2B5EF4-FFF2-40B4-BE49-F238E27FC236}">
+                <a16:creationId xmlns:a16="http://schemas.microsoft.com/office/drawing/2014/main" id="{07AE8C4D-1F91-35B4-EFFE-E24EF2544BFF}"/>
+              </a:ext>
+            </a:extLst>
+          </p:cNvPr>
+          <p:cNvSpPr txBox="1"/>
+          <p:nvPr/>
+        </p:nvSpPr>
+        <p:spPr>
+          <a:xfrm>
+            <a:off x="7691499" y="2428580"/>
+            <a:ext cx="2781082" cy="369332"/>
+          </a:xfrm>
+          <a:prstGeom prst="rect">
+            <a:avLst/>
+          </a:prstGeom>
+          <a:noFill/>
+        </p:spPr>
+        <p:txBody>
+          <a:bodyPr wrap="none" rtlCol="0">
+            <a:spAutoFit/>
+          </a:bodyPr>
+          <a:lstStyle/>
+          <a:p>
+            <a:r>
+              <a:rPr lang="en-US" dirty="0">
+                <a:highlight>
+                  <a:srgbClr val="FFFF00"/>
+                </a:highlight>
+              </a:rPr>
+              <a:t>or </a:t>
+            </a:r>
+            <a:r>
+              <a:rPr lang="en-US" dirty="0">
+                <a:solidFill>
+                  <a:srgbClr val="FF0000"/>
+                </a:solidFill>
+                <a:highlight>
+                  <a:srgbClr val="FFFF00"/>
+                </a:highlight>
+              </a:rPr>
+              <a:t>Kali</a:t>
+            </a:r>
+            <a:r>
+              <a:rPr lang="en-US" dirty="0">
+                <a:highlight>
+                  <a:srgbClr val="FFFF00"/>
+                </a:highlight>
+              </a:rPr>
+              <a:t> based on the version</a:t>
+            </a:r>
+          </a:p>
+        </p:txBody>
+      </p:sp>
     </p:spTree>
     <p:extLst>
       <p:ext uri="{BB962C8B-B14F-4D97-AF65-F5344CB8AC3E}">
@@ -6464,7 +8266,7 @@
 </p:sld>
 </file>
 
-<file path=ppt/slides/slide23.xml><?xml version="1.0" encoding="utf-8"?>
+<file path=ppt/slides/slide24.xml><?xml version="1.0" encoding="utf-8"?>
 <p:sld xmlns:a="http://schemas.openxmlformats.org/drawingml/2006/main" xmlns:r="http://schemas.openxmlformats.org/officeDocument/2006/relationships" xmlns:p="http://schemas.openxmlformats.org/presentationml/2006/main">
   <p:cSld>
     <p:spTree>
@@ -6500,7 +8302,7 @@
             <a:fld id="{00000000-1234-1234-1234-123412341234}" type="slidenum">
               <a:rPr lang="en" smtClean="0"/>
               <a:pPr algn="ctr"/>
-              <a:t>23</a:t>
+              <a:t>24</a:t>
             </a:fld>
             <a:endParaRPr lang="en"/>
           </a:p>
@@ -6543,7 +8345,1270 @@
 </p:sld>
 </file>
 
-<file path=ppt/slides/slide24.xml><?xml version="1.0" encoding="utf-8"?>
+<file path=ppt/slides/slide25.xml><?xml version="1.0" encoding="utf-8"?>
+<p:sld xmlns:a="http://schemas.openxmlformats.org/drawingml/2006/main" xmlns:r="http://schemas.openxmlformats.org/officeDocument/2006/relationships" xmlns:p="http://schemas.openxmlformats.org/presentationml/2006/main">
+  <p:cSld>
+    <p:spTree>
+      <p:nvGrpSpPr>
+        <p:cNvPr id="1" name=""/>
+        <p:cNvGrpSpPr/>
+        <p:nvPr/>
+      </p:nvGrpSpPr>
+      <p:grpSpPr>
+        <a:xfrm>
+          <a:off x="0" y="0"/>
+          <a:ext cx="0" cy="0"/>
+          <a:chOff x="0" y="0"/>
+          <a:chExt cx="0" cy="0"/>
+        </a:xfrm>
+      </p:grpSpPr>
+      <p:pic>
+        <p:nvPicPr>
+          <p:cNvPr id="5" name="Picture 4">
+            <a:extLst>
+              <a:ext uri="{FF2B5EF4-FFF2-40B4-BE49-F238E27FC236}">
+                <a16:creationId xmlns:a16="http://schemas.microsoft.com/office/drawing/2014/main" id="{42875411-47ED-7F53-A390-1C0B6E4CA73E}"/>
+              </a:ext>
+            </a:extLst>
+          </p:cNvPr>
+          <p:cNvPicPr>
+            <a:picLocks noChangeAspect="1"/>
+          </p:cNvPicPr>
+          <p:nvPr/>
+        </p:nvPicPr>
+        <p:blipFill>
+          <a:blip r:embed="rId2"/>
+          <a:stretch>
+            <a:fillRect/>
+          </a:stretch>
+        </p:blipFill>
+        <p:spPr>
+          <a:xfrm>
+            <a:off x="-7620" y="0"/>
+            <a:ext cx="3856054" cy="2392887"/>
+          </a:xfrm>
+          <a:prstGeom prst="rect">
+            <a:avLst/>
+          </a:prstGeom>
+        </p:spPr>
+      </p:pic>
+      <p:pic>
+        <p:nvPicPr>
+          <p:cNvPr id="1030" name="Picture 6" descr="Things To Consider When Putting Your Belongings In Storage | GEICO Living">
+            <a:extLst>
+              <a:ext uri="{FF2B5EF4-FFF2-40B4-BE49-F238E27FC236}">
+                <a16:creationId xmlns:a16="http://schemas.microsoft.com/office/drawing/2014/main" id="{5F96BE48-55C4-83B3-25D4-616201889C9B}"/>
+              </a:ext>
+            </a:extLst>
+          </p:cNvPr>
+          <p:cNvPicPr>
+            <a:picLocks noChangeAspect="1" noChangeArrowheads="1"/>
+          </p:cNvPicPr>
+          <p:nvPr/>
+        </p:nvPicPr>
+        <p:blipFill>
+          <a:blip r:embed="rId3">
+            <a:extLst>
+              <a:ext uri="{28A0092B-C50C-407E-A947-70E740481C1C}">
+                <a14:useLocalDpi xmlns:a14="http://schemas.microsoft.com/office/drawing/2010/main" val="0"/>
+              </a:ext>
+            </a:extLst>
+          </a:blip>
+          <a:srcRect/>
+          <a:stretch>
+            <a:fillRect/>
+          </a:stretch>
+        </p:blipFill>
+        <p:spPr bwMode="auto">
+          <a:xfrm>
+            <a:off x="1318260" y="3238294"/>
+            <a:ext cx="3680460" cy="2453640"/>
+          </a:xfrm>
+          <a:prstGeom prst="rect">
+            <a:avLst/>
+          </a:prstGeom>
+          <a:noFill/>
+          <a:extLst>
+            <a:ext uri="{909E8E84-426E-40DD-AFC4-6F175D3DCCD1}">
+              <a14:hiddenFill xmlns:a14="http://schemas.microsoft.com/office/drawing/2010/main">
+                <a:solidFill>
+                  <a:srgbClr val="FFFFFF"/>
+                </a:solidFill>
+              </a14:hiddenFill>
+            </a:ext>
+          </a:extLst>
+        </p:spPr>
+      </p:pic>
+      <p:pic>
+        <p:nvPicPr>
+          <p:cNvPr id="8" name="Picture 6" descr="Things To Consider When Putting Your Belongings In Storage | GEICO Living">
+            <a:extLst>
+              <a:ext uri="{FF2B5EF4-FFF2-40B4-BE49-F238E27FC236}">
+                <a16:creationId xmlns:a16="http://schemas.microsoft.com/office/drawing/2014/main" id="{416BD7EE-5AF2-0945-5F92-73F023A29EFF}"/>
+              </a:ext>
+            </a:extLst>
+          </p:cNvPr>
+          <p:cNvPicPr>
+            <a:picLocks noChangeAspect="1" noChangeArrowheads="1"/>
+          </p:cNvPicPr>
+          <p:nvPr/>
+        </p:nvPicPr>
+        <p:blipFill>
+          <a:blip r:embed="rId3">
+            <a:extLst>
+              <a:ext uri="{28A0092B-C50C-407E-A947-70E740481C1C}">
+                <a14:useLocalDpi xmlns:a14="http://schemas.microsoft.com/office/drawing/2010/main" val="0"/>
+              </a:ext>
+            </a:extLst>
+          </a:blip>
+          <a:srcRect/>
+          <a:stretch>
+            <a:fillRect/>
+          </a:stretch>
+        </p:blipFill>
+        <p:spPr bwMode="auto">
+          <a:xfrm>
+            <a:off x="7231380" y="3238294"/>
+            <a:ext cx="3680460" cy="2453640"/>
+          </a:xfrm>
+          <a:prstGeom prst="rect">
+            <a:avLst/>
+          </a:prstGeom>
+          <a:noFill/>
+          <a:extLst>
+            <a:ext uri="{909E8E84-426E-40DD-AFC4-6F175D3DCCD1}">
+              <a14:hiddenFill xmlns:a14="http://schemas.microsoft.com/office/drawing/2010/main">
+                <a:solidFill>
+                  <a:srgbClr val="FFFFFF"/>
+                </a:solidFill>
+              </a14:hiddenFill>
+            </a:ext>
+          </a:extLst>
+        </p:spPr>
+      </p:pic>
+      <p:grpSp>
+        <p:nvGrpSpPr>
+          <p:cNvPr id="15" name="Group 14">
+            <a:extLst>
+              <a:ext uri="{FF2B5EF4-FFF2-40B4-BE49-F238E27FC236}">
+                <a16:creationId xmlns:a16="http://schemas.microsoft.com/office/drawing/2014/main" id="{27FE8C25-FB39-20ED-D730-DFB7C3D8A9C5}"/>
+              </a:ext>
+            </a:extLst>
+          </p:cNvPr>
+          <p:cNvGrpSpPr/>
+          <p:nvPr/>
+        </p:nvGrpSpPr>
+        <p:grpSpPr>
+          <a:xfrm>
+            <a:off x="1592340" y="3001294"/>
+            <a:ext cx="5649840" cy="1646640"/>
+            <a:chOff x="609360" y="2765280"/>
+            <a:chExt cx="5649840" cy="1646640"/>
+          </a:xfrm>
+        </p:grpSpPr>
+        <mc:AlternateContent xmlns:mc="http://schemas.openxmlformats.org/markup-compatibility/2006" xmlns:p14="http://schemas.microsoft.com/office/powerpoint/2010/main">
+          <mc:Choice Requires="p14">
+            <p:contentPart p14:bwMode="auto" r:id="rId4">
+              <p14:nvContentPartPr>
+                <p14:cNvPr id="13" name="Ink 12">
+                  <a:extLst>
+                    <a:ext uri="{FF2B5EF4-FFF2-40B4-BE49-F238E27FC236}">
+                      <a16:creationId xmlns:a16="http://schemas.microsoft.com/office/drawing/2014/main" id="{6C5957C1-D2BE-1148-DC60-F166B60B8248}"/>
+                    </a:ext>
+                  </a:extLst>
+                </p14:cNvPr>
+                <p14:cNvContentPartPr/>
+                <p14:nvPr/>
+              </p14:nvContentPartPr>
+              <p14:xfrm>
+                <a:off x="609360" y="2765280"/>
+                <a:ext cx="5649840" cy="1646640"/>
+              </p14:xfrm>
+            </p:contentPart>
+          </mc:Choice>
+          <mc:Fallback xmlns="">
+            <p:pic>
+              <p:nvPicPr>
+                <p:cNvPr id="13" name="Ink 12">
+                  <a:extLst>
+                    <a:ext uri="{FF2B5EF4-FFF2-40B4-BE49-F238E27FC236}">
+                      <a16:creationId xmlns:a16="http://schemas.microsoft.com/office/drawing/2014/main" id="{6C5957C1-D2BE-1148-DC60-F166B60B8248}"/>
+                    </a:ext>
+                  </a:extLst>
+                </p:cNvPr>
+                <p:cNvPicPr/>
+                <p:nvPr/>
+              </p:nvPicPr>
+              <p:blipFill>
+                <a:blip r:embed="rId5"/>
+                <a:stretch>
+                  <a:fillRect/>
+                </a:stretch>
+              </p:blipFill>
+              <p:spPr>
+                <a:xfrm>
+                  <a:off x="591360" y="2747280"/>
+                  <a:ext cx="5685480" cy="1682280"/>
+                </a:xfrm>
+                <a:prstGeom prst="rect">
+                  <a:avLst/>
+                </a:prstGeom>
+              </p:spPr>
+            </p:pic>
+          </mc:Fallback>
+        </mc:AlternateContent>
+        <mc:AlternateContent xmlns:mc="http://schemas.openxmlformats.org/markup-compatibility/2006" xmlns:p14="http://schemas.microsoft.com/office/powerpoint/2010/main">
+          <mc:Choice Requires="p14">
+            <p:contentPart p14:bwMode="auto" r:id="rId6">
+              <p14:nvContentPartPr>
+                <p14:cNvPr id="14" name="Ink 13">
+                  <a:extLst>
+                    <a:ext uri="{FF2B5EF4-FFF2-40B4-BE49-F238E27FC236}">
+                      <a16:creationId xmlns:a16="http://schemas.microsoft.com/office/drawing/2014/main" id="{EC1614A1-2277-ACC8-FF4F-52A3DDB1EB8E}"/>
+                    </a:ext>
+                  </a:extLst>
+                </p14:cNvPr>
+                <p14:cNvContentPartPr/>
+                <p14:nvPr/>
+              </p14:nvContentPartPr>
+              <p14:xfrm>
+                <a:off x="6105120" y="3626760"/>
+                <a:ext cx="113040" cy="390960"/>
+              </p14:xfrm>
+            </p:contentPart>
+          </mc:Choice>
+          <mc:Fallback xmlns="">
+            <p:pic>
+              <p:nvPicPr>
+                <p:cNvPr id="14" name="Ink 13">
+                  <a:extLst>
+                    <a:ext uri="{FF2B5EF4-FFF2-40B4-BE49-F238E27FC236}">
+                      <a16:creationId xmlns:a16="http://schemas.microsoft.com/office/drawing/2014/main" id="{EC1614A1-2277-ACC8-FF4F-52A3DDB1EB8E}"/>
+                    </a:ext>
+                  </a:extLst>
+                </p:cNvPr>
+                <p:cNvPicPr/>
+                <p:nvPr/>
+              </p:nvPicPr>
+              <p:blipFill>
+                <a:blip r:embed="rId7"/>
+                <a:stretch>
+                  <a:fillRect/>
+                </a:stretch>
+              </p:blipFill>
+              <p:spPr>
+                <a:xfrm>
+                  <a:off x="6087120" y="3609120"/>
+                  <a:ext cx="148680" cy="426600"/>
+                </a:xfrm>
+                <a:prstGeom prst="rect">
+                  <a:avLst/>
+                </a:prstGeom>
+              </p:spPr>
+            </p:pic>
+          </mc:Fallback>
+        </mc:AlternateContent>
+      </p:grpSp>
+      <p:grpSp>
+        <p:nvGrpSpPr>
+          <p:cNvPr id="21" name="Group 20">
+            <a:extLst>
+              <a:ext uri="{FF2B5EF4-FFF2-40B4-BE49-F238E27FC236}">
+                <a16:creationId xmlns:a16="http://schemas.microsoft.com/office/drawing/2014/main" id="{2A02B0DD-9213-D27F-3D3B-47E2137E81C0}"/>
+              </a:ext>
+            </a:extLst>
+          </p:cNvPr>
+          <p:cNvGrpSpPr/>
+          <p:nvPr/>
+        </p:nvGrpSpPr>
+        <p:grpSpPr>
+          <a:xfrm>
+            <a:off x="4663140" y="5082094"/>
+            <a:ext cx="6068160" cy="954000"/>
+            <a:chOff x="3680160" y="4846080"/>
+            <a:chExt cx="6068160" cy="954000"/>
+          </a:xfrm>
+        </p:grpSpPr>
+        <mc:AlternateContent xmlns:mc="http://schemas.openxmlformats.org/markup-compatibility/2006" xmlns:p14="http://schemas.microsoft.com/office/powerpoint/2010/main">
+          <mc:Choice Requires="p14">
+            <p:contentPart p14:bwMode="auto" r:id="rId8">
+              <p14:nvContentPartPr>
+                <p14:cNvPr id="19" name="Ink 18">
+                  <a:extLst>
+                    <a:ext uri="{FF2B5EF4-FFF2-40B4-BE49-F238E27FC236}">
+                      <a16:creationId xmlns:a16="http://schemas.microsoft.com/office/drawing/2014/main" id="{B40CE8A8-4C2F-5D73-D575-B82C29940621}"/>
+                    </a:ext>
+                  </a:extLst>
+                </p14:cNvPr>
+                <p14:cNvContentPartPr/>
+                <p14:nvPr/>
+              </p14:nvContentPartPr>
+              <p14:xfrm>
+                <a:off x="3680160" y="4868760"/>
+                <a:ext cx="6051960" cy="931320"/>
+              </p14:xfrm>
+            </p:contentPart>
+          </mc:Choice>
+          <mc:Fallback xmlns="">
+            <p:pic>
+              <p:nvPicPr>
+                <p:cNvPr id="19" name="Ink 18">
+                  <a:extLst>
+                    <a:ext uri="{FF2B5EF4-FFF2-40B4-BE49-F238E27FC236}">
+                      <a16:creationId xmlns:a16="http://schemas.microsoft.com/office/drawing/2014/main" id="{B40CE8A8-4C2F-5D73-D575-B82C29940621}"/>
+                    </a:ext>
+                  </a:extLst>
+                </p:cNvPr>
+                <p:cNvPicPr/>
+                <p:nvPr/>
+              </p:nvPicPr>
+              <p:blipFill>
+                <a:blip r:embed="rId9"/>
+                <a:stretch>
+                  <a:fillRect/>
+                </a:stretch>
+              </p:blipFill>
+              <p:spPr>
+                <a:xfrm>
+                  <a:off x="3662160" y="4851120"/>
+                  <a:ext cx="6087600" cy="966960"/>
+                </a:xfrm>
+                <a:prstGeom prst="rect">
+                  <a:avLst/>
+                </a:prstGeom>
+              </p:spPr>
+            </p:pic>
+          </mc:Fallback>
+        </mc:AlternateContent>
+        <mc:AlternateContent xmlns:mc="http://schemas.openxmlformats.org/markup-compatibility/2006" xmlns:p14="http://schemas.microsoft.com/office/powerpoint/2010/main">
+          <mc:Choice Requires="p14">
+            <p:contentPart p14:bwMode="auto" r:id="rId10">
+              <p14:nvContentPartPr>
+                <p14:cNvPr id="20" name="Ink 19">
+                  <a:extLst>
+                    <a:ext uri="{FF2B5EF4-FFF2-40B4-BE49-F238E27FC236}">
+                      <a16:creationId xmlns:a16="http://schemas.microsoft.com/office/drawing/2014/main" id="{41C74CE1-AA80-2608-8517-E80D718FB0C3}"/>
+                    </a:ext>
+                  </a:extLst>
+                </p14:cNvPr>
+                <p14:cNvContentPartPr/>
+                <p14:nvPr/>
+              </p14:nvContentPartPr>
+              <p14:xfrm>
+                <a:off x="9539880" y="4846080"/>
+                <a:ext cx="208440" cy="281520"/>
+              </p14:xfrm>
+            </p:contentPart>
+          </mc:Choice>
+          <mc:Fallback xmlns="">
+            <p:pic>
+              <p:nvPicPr>
+                <p:cNvPr id="20" name="Ink 19">
+                  <a:extLst>
+                    <a:ext uri="{FF2B5EF4-FFF2-40B4-BE49-F238E27FC236}">
+                      <a16:creationId xmlns:a16="http://schemas.microsoft.com/office/drawing/2014/main" id="{41C74CE1-AA80-2608-8517-E80D718FB0C3}"/>
+                    </a:ext>
+                  </a:extLst>
+                </p:cNvPr>
+                <p:cNvPicPr/>
+                <p:nvPr/>
+              </p:nvPicPr>
+              <p:blipFill>
+                <a:blip r:embed="rId11"/>
+                <a:stretch>
+                  <a:fillRect/>
+                </a:stretch>
+              </p:blipFill>
+              <p:spPr>
+                <a:xfrm>
+                  <a:off x="9521880" y="4828440"/>
+                  <a:ext cx="244080" cy="317160"/>
+                </a:xfrm>
+                <a:prstGeom prst="rect">
+                  <a:avLst/>
+                </a:prstGeom>
+              </p:spPr>
+            </p:pic>
+          </mc:Fallback>
+        </mc:AlternateContent>
+      </p:grpSp>
+      <p:grpSp>
+        <p:nvGrpSpPr>
+          <p:cNvPr id="24" name="Group 23">
+            <a:extLst>
+              <a:ext uri="{FF2B5EF4-FFF2-40B4-BE49-F238E27FC236}">
+                <a16:creationId xmlns:a16="http://schemas.microsoft.com/office/drawing/2014/main" id="{B3DB4EB1-0580-E57C-3BE0-8C480C31570E}"/>
+              </a:ext>
+            </a:extLst>
+          </p:cNvPr>
+          <p:cNvGrpSpPr/>
+          <p:nvPr/>
+        </p:nvGrpSpPr>
+        <p:grpSpPr>
+          <a:xfrm>
+            <a:off x="3207660" y="4708774"/>
+            <a:ext cx="5737320" cy="450360"/>
+            <a:chOff x="2224680" y="4472760"/>
+            <a:chExt cx="5737320" cy="450360"/>
+          </a:xfrm>
+        </p:grpSpPr>
+        <mc:AlternateContent xmlns:mc="http://schemas.openxmlformats.org/markup-compatibility/2006" xmlns:p14="http://schemas.microsoft.com/office/powerpoint/2010/main">
+          <mc:Choice Requires="p14">
+            <p:contentPart p14:bwMode="auto" r:id="rId12">
+              <p14:nvContentPartPr>
+                <p14:cNvPr id="22" name="Ink 21">
+                  <a:extLst>
+                    <a:ext uri="{FF2B5EF4-FFF2-40B4-BE49-F238E27FC236}">
+                      <a16:creationId xmlns:a16="http://schemas.microsoft.com/office/drawing/2014/main" id="{0F8A4ECA-8368-75AF-E808-E7AA80CF6DC4}"/>
+                    </a:ext>
+                  </a:extLst>
+                </p14:cNvPr>
+                <p14:cNvContentPartPr/>
+                <p14:nvPr/>
+              </p14:nvContentPartPr>
+              <p14:xfrm>
+                <a:off x="2224680" y="4472760"/>
+                <a:ext cx="5706360" cy="283680"/>
+              </p14:xfrm>
+            </p:contentPart>
+          </mc:Choice>
+          <mc:Fallback xmlns="">
+            <p:pic>
+              <p:nvPicPr>
+                <p:cNvPr id="22" name="Ink 21">
+                  <a:extLst>
+                    <a:ext uri="{FF2B5EF4-FFF2-40B4-BE49-F238E27FC236}">
+                      <a16:creationId xmlns:a16="http://schemas.microsoft.com/office/drawing/2014/main" id="{0F8A4ECA-8368-75AF-E808-E7AA80CF6DC4}"/>
+                    </a:ext>
+                  </a:extLst>
+                </p:cNvPr>
+                <p:cNvPicPr/>
+                <p:nvPr/>
+              </p:nvPicPr>
+              <p:blipFill>
+                <a:blip r:embed="rId13"/>
+                <a:stretch>
+                  <a:fillRect/>
+                </a:stretch>
+              </p:blipFill>
+              <p:spPr>
+                <a:xfrm>
+                  <a:off x="2206680" y="4455120"/>
+                  <a:ext cx="5742000" cy="319320"/>
+                </a:xfrm>
+                <a:prstGeom prst="rect">
+                  <a:avLst/>
+                </a:prstGeom>
+              </p:spPr>
+            </p:pic>
+          </mc:Fallback>
+        </mc:AlternateContent>
+        <mc:AlternateContent xmlns:mc="http://schemas.openxmlformats.org/markup-compatibility/2006" xmlns:p14="http://schemas.microsoft.com/office/powerpoint/2010/main">
+          <mc:Choice Requires="p14">
+            <p:contentPart p14:bwMode="auto" r:id="rId14">
+              <p14:nvContentPartPr>
+                <p14:cNvPr id="23" name="Ink 22">
+                  <a:extLst>
+                    <a:ext uri="{FF2B5EF4-FFF2-40B4-BE49-F238E27FC236}">
+                      <a16:creationId xmlns:a16="http://schemas.microsoft.com/office/drawing/2014/main" id="{6D1DF228-639B-87DC-C5D4-2545DCC1B8DE}"/>
+                    </a:ext>
+                  </a:extLst>
+                </p14:cNvPr>
+                <p14:cNvContentPartPr/>
+                <p14:nvPr/>
+              </p14:nvContentPartPr>
+              <p14:xfrm>
+                <a:off x="7809720" y="4602360"/>
+                <a:ext cx="152280" cy="320760"/>
+              </p14:xfrm>
+            </p:contentPart>
+          </mc:Choice>
+          <mc:Fallback xmlns="">
+            <p:pic>
+              <p:nvPicPr>
+                <p:cNvPr id="23" name="Ink 22">
+                  <a:extLst>
+                    <a:ext uri="{FF2B5EF4-FFF2-40B4-BE49-F238E27FC236}">
+                      <a16:creationId xmlns:a16="http://schemas.microsoft.com/office/drawing/2014/main" id="{6D1DF228-639B-87DC-C5D4-2545DCC1B8DE}"/>
+                    </a:ext>
+                  </a:extLst>
+                </p:cNvPr>
+                <p:cNvPicPr/>
+                <p:nvPr/>
+              </p:nvPicPr>
+              <p:blipFill>
+                <a:blip r:embed="rId15"/>
+                <a:stretch>
+                  <a:fillRect/>
+                </a:stretch>
+              </p:blipFill>
+              <p:spPr>
+                <a:xfrm>
+                  <a:off x="7792080" y="4584720"/>
+                  <a:ext cx="187920" cy="356400"/>
+                </a:xfrm>
+                <a:prstGeom prst="rect">
+                  <a:avLst/>
+                </a:prstGeom>
+              </p:spPr>
+            </p:pic>
+          </mc:Fallback>
+        </mc:AlternateContent>
+      </p:grpSp>
+      <mc:AlternateContent xmlns:mc="http://schemas.openxmlformats.org/markup-compatibility/2006" xmlns:p14="http://schemas.microsoft.com/office/powerpoint/2010/main">
+        <mc:Choice Requires="p14">
+          <p:contentPart p14:bwMode="auto" r:id="rId16">
+            <p14:nvContentPartPr>
+              <p14:cNvPr id="25" name="Ink 24">
+                <a:extLst>
+                  <a:ext uri="{FF2B5EF4-FFF2-40B4-BE49-F238E27FC236}">
+                    <a16:creationId xmlns:a16="http://schemas.microsoft.com/office/drawing/2014/main" id="{49A591A0-978F-5347-0739-FFF1CB472CC4}"/>
+                  </a:ext>
+                </a:extLst>
+              </p14:cNvPr>
+              <p14:cNvContentPartPr/>
+              <p14:nvPr/>
+            </p14:nvContentPartPr>
+            <p14:xfrm>
+              <a:off x="10263840" y="2102880"/>
+              <a:ext cx="360" cy="360"/>
+            </p14:xfrm>
+          </p:contentPart>
+        </mc:Choice>
+        <mc:Fallback xmlns="">
+          <p:pic>
+            <p:nvPicPr>
+              <p:cNvPr id="25" name="Ink 24">
+                <a:extLst>
+                  <a:ext uri="{FF2B5EF4-FFF2-40B4-BE49-F238E27FC236}">
+                    <a16:creationId xmlns:a16="http://schemas.microsoft.com/office/drawing/2014/main" id="{49A591A0-978F-5347-0739-FFF1CB472CC4}"/>
+                  </a:ext>
+                </a:extLst>
+              </p:cNvPr>
+              <p:cNvPicPr/>
+              <p:nvPr/>
+            </p:nvPicPr>
+            <p:blipFill>
+              <a:blip r:embed="rId17"/>
+              <a:stretch>
+                <a:fillRect/>
+              </a:stretch>
+            </p:blipFill>
+            <p:spPr>
+              <a:xfrm>
+                <a:off x="10245840" y="2085240"/>
+                <a:ext cx="36000" cy="36000"/>
+              </a:xfrm>
+              <a:prstGeom prst="rect">
+                <a:avLst/>
+              </a:prstGeom>
+            </p:spPr>
+          </p:pic>
+        </mc:Fallback>
+      </mc:AlternateContent>
+      <mc:AlternateContent xmlns:mc="http://schemas.openxmlformats.org/markup-compatibility/2006" xmlns:p14="http://schemas.microsoft.com/office/powerpoint/2010/main">
+        <mc:Choice Requires="p14">
+          <p:contentPart p14:bwMode="auto" r:id="rId18">
+            <p14:nvContentPartPr>
+              <p14:cNvPr id="26" name="Ink 25">
+                <a:extLst>
+                  <a:ext uri="{FF2B5EF4-FFF2-40B4-BE49-F238E27FC236}">
+                    <a16:creationId xmlns:a16="http://schemas.microsoft.com/office/drawing/2014/main" id="{A2141EB9-E937-8297-1717-98886F61513C}"/>
+                  </a:ext>
+                </a:extLst>
+              </p14:cNvPr>
+              <p14:cNvContentPartPr/>
+              <p14:nvPr/>
+            </p14:nvContentPartPr>
+            <p14:xfrm>
+              <a:off x="12298260" y="4762320"/>
+              <a:ext cx="360" cy="360"/>
+            </p14:xfrm>
+          </p:contentPart>
+        </mc:Choice>
+        <mc:Fallback xmlns="">
+          <p:pic>
+            <p:nvPicPr>
+              <p:cNvPr id="26" name="Ink 25">
+                <a:extLst>
+                  <a:ext uri="{FF2B5EF4-FFF2-40B4-BE49-F238E27FC236}">
+                    <a16:creationId xmlns:a16="http://schemas.microsoft.com/office/drawing/2014/main" id="{A2141EB9-E937-8297-1717-98886F61513C}"/>
+                  </a:ext>
+                </a:extLst>
+              </p:cNvPr>
+              <p:cNvPicPr/>
+              <p:nvPr/>
+            </p:nvPicPr>
+            <p:blipFill>
+              <a:blip r:embed="rId17"/>
+              <a:stretch>
+                <a:fillRect/>
+              </a:stretch>
+            </p:blipFill>
+            <p:spPr>
+              <a:xfrm>
+                <a:off x="12280260" y="4744680"/>
+                <a:ext cx="36000" cy="36000"/>
+              </a:xfrm>
+              <a:prstGeom prst="rect">
+                <a:avLst/>
+              </a:prstGeom>
+            </p:spPr>
+          </p:pic>
+        </mc:Fallback>
+      </mc:AlternateContent>
+      <p:grpSp>
+        <p:nvGrpSpPr>
+          <p:cNvPr id="33" name="Group 32">
+            <a:extLst>
+              <a:ext uri="{FF2B5EF4-FFF2-40B4-BE49-F238E27FC236}">
+                <a16:creationId xmlns:a16="http://schemas.microsoft.com/office/drawing/2014/main" id="{FBE1A5AB-5B66-A6B2-6523-DEFBB0125D57}"/>
+              </a:ext>
+            </a:extLst>
+          </p:cNvPr>
+          <p:cNvGrpSpPr/>
+          <p:nvPr/>
+        </p:nvGrpSpPr>
+        <p:grpSpPr>
+          <a:xfrm>
+            <a:off x="9029220" y="4838374"/>
+            <a:ext cx="684360" cy="366120"/>
+            <a:chOff x="2811540" y="4801920"/>
+            <a:chExt cx="684360" cy="366120"/>
+          </a:xfrm>
+        </p:grpSpPr>
+        <mc:AlternateContent xmlns:mc="http://schemas.openxmlformats.org/markup-compatibility/2006" xmlns:p14="http://schemas.microsoft.com/office/powerpoint/2010/main">
+          <mc:Choice Requires="p14">
+            <p:contentPart p14:bwMode="auto" r:id="rId19">
+              <p14:nvContentPartPr>
+                <p14:cNvPr id="28" name="Ink 27">
+                  <a:extLst>
+                    <a:ext uri="{FF2B5EF4-FFF2-40B4-BE49-F238E27FC236}">
+                      <a16:creationId xmlns:a16="http://schemas.microsoft.com/office/drawing/2014/main" id="{9D674BF6-FCBC-BC38-5BFC-AC4E81B1BC8B}"/>
+                    </a:ext>
+                  </a:extLst>
+                </p14:cNvPr>
+                <p14:cNvContentPartPr/>
+                <p14:nvPr/>
+              </p14:nvContentPartPr>
+              <p14:xfrm>
+                <a:off x="2811540" y="4808040"/>
+                <a:ext cx="139320" cy="360000"/>
+              </p14:xfrm>
+            </p:contentPart>
+          </mc:Choice>
+          <mc:Fallback xmlns="">
+            <p:pic>
+              <p:nvPicPr>
+                <p:cNvPr id="28" name="Ink 27">
+                  <a:extLst>
+                    <a:ext uri="{FF2B5EF4-FFF2-40B4-BE49-F238E27FC236}">
+                      <a16:creationId xmlns:a16="http://schemas.microsoft.com/office/drawing/2014/main" id="{9D674BF6-FCBC-BC38-5BFC-AC4E81B1BC8B}"/>
+                    </a:ext>
+                  </a:extLst>
+                </p:cNvPr>
+                <p:cNvPicPr/>
+                <p:nvPr/>
+              </p:nvPicPr>
+              <p:blipFill>
+                <a:blip r:embed="rId20"/>
+                <a:stretch>
+                  <a:fillRect/>
+                </a:stretch>
+              </p:blipFill>
+              <p:spPr>
+                <a:xfrm>
+                  <a:off x="2793540" y="4790400"/>
+                  <a:ext cx="174960" cy="395640"/>
+                </a:xfrm>
+                <a:prstGeom prst="rect">
+                  <a:avLst/>
+                </a:prstGeom>
+              </p:spPr>
+            </p:pic>
+          </mc:Fallback>
+        </mc:AlternateContent>
+        <mc:AlternateContent xmlns:mc="http://schemas.openxmlformats.org/markup-compatibility/2006" xmlns:p14="http://schemas.microsoft.com/office/powerpoint/2010/main">
+          <mc:Choice Requires="p14">
+            <p:contentPart p14:bwMode="auto" r:id="rId21">
+              <p14:nvContentPartPr>
+                <p14:cNvPr id="29" name="Ink 28">
+                  <a:extLst>
+                    <a:ext uri="{FF2B5EF4-FFF2-40B4-BE49-F238E27FC236}">
+                      <a16:creationId xmlns:a16="http://schemas.microsoft.com/office/drawing/2014/main" id="{76C72A4D-8648-944E-992B-06831401BC13}"/>
+                    </a:ext>
+                  </a:extLst>
+                </p14:cNvPr>
+                <p14:cNvContentPartPr/>
+                <p14:nvPr/>
+              </p14:nvContentPartPr>
+              <p14:xfrm>
+                <a:off x="2857260" y="4801920"/>
+                <a:ext cx="200160" cy="44640"/>
+              </p14:xfrm>
+            </p:contentPart>
+          </mc:Choice>
+          <mc:Fallback xmlns="">
+            <p:pic>
+              <p:nvPicPr>
+                <p:cNvPr id="29" name="Ink 28">
+                  <a:extLst>
+                    <a:ext uri="{FF2B5EF4-FFF2-40B4-BE49-F238E27FC236}">
+                      <a16:creationId xmlns:a16="http://schemas.microsoft.com/office/drawing/2014/main" id="{76C72A4D-8648-944E-992B-06831401BC13}"/>
+                    </a:ext>
+                  </a:extLst>
+                </p:cNvPr>
+                <p:cNvPicPr/>
+                <p:nvPr/>
+              </p:nvPicPr>
+              <p:blipFill>
+                <a:blip r:embed="rId22"/>
+                <a:stretch>
+                  <a:fillRect/>
+                </a:stretch>
+              </p:blipFill>
+              <p:spPr>
+                <a:xfrm>
+                  <a:off x="2839260" y="4784280"/>
+                  <a:ext cx="235800" cy="80280"/>
+                </a:xfrm>
+                <a:prstGeom prst="rect">
+                  <a:avLst/>
+                </a:prstGeom>
+              </p:spPr>
+            </p:pic>
+          </mc:Fallback>
+        </mc:AlternateContent>
+        <mc:AlternateContent xmlns:mc="http://schemas.openxmlformats.org/markup-compatibility/2006" xmlns:p14="http://schemas.microsoft.com/office/powerpoint/2010/main">
+          <mc:Choice Requires="p14">
+            <p:contentPart p14:bwMode="auto" r:id="rId23">
+              <p14:nvContentPartPr>
+                <p14:cNvPr id="31" name="Ink 30">
+                  <a:extLst>
+                    <a:ext uri="{FF2B5EF4-FFF2-40B4-BE49-F238E27FC236}">
+                      <a16:creationId xmlns:a16="http://schemas.microsoft.com/office/drawing/2014/main" id="{53011B55-8B5C-B061-A9D7-D0A8A19DFB76}"/>
+                    </a:ext>
+                  </a:extLst>
+                </p14:cNvPr>
+                <p14:cNvContentPartPr/>
+                <p14:nvPr/>
+              </p14:nvContentPartPr>
+              <p14:xfrm>
+                <a:off x="3172620" y="4838280"/>
+                <a:ext cx="20160" cy="322560"/>
+              </p14:xfrm>
+            </p:contentPart>
+          </mc:Choice>
+          <mc:Fallback xmlns="">
+            <p:pic>
+              <p:nvPicPr>
+                <p:cNvPr id="31" name="Ink 30">
+                  <a:extLst>
+                    <a:ext uri="{FF2B5EF4-FFF2-40B4-BE49-F238E27FC236}">
+                      <a16:creationId xmlns:a16="http://schemas.microsoft.com/office/drawing/2014/main" id="{53011B55-8B5C-B061-A9D7-D0A8A19DFB76}"/>
+                    </a:ext>
+                  </a:extLst>
+                </p:cNvPr>
+                <p:cNvPicPr/>
+                <p:nvPr/>
+              </p:nvPicPr>
+              <p:blipFill>
+                <a:blip r:embed="rId24"/>
+                <a:stretch>
+                  <a:fillRect/>
+                </a:stretch>
+              </p:blipFill>
+              <p:spPr>
+                <a:xfrm>
+                  <a:off x="3154980" y="4820640"/>
+                  <a:ext cx="55800" cy="358200"/>
+                </a:xfrm>
+                <a:prstGeom prst="rect">
+                  <a:avLst/>
+                </a:prstGeom>
+              </p:spPr>
+            </p:pic>
+          </mc:Fallback>
+        </mc:AlternateContent>
+        <mc:AlternateContent xmlns:mc="http://schemas.openxmlformats.org/markup-compatibility/2006" xmlns:p14="http://schemas.microsoft.com/office/powerpoint/2010/main">
+          <mc:Choice Requires="p14">
+            <p:contentPart p14:bwMode="auto" r:id="rId25">
+              <p14:nvContentPartPr>
+                <p14:cNvPr id="32" name="Ink 31">
+                  <a:extLst>
+                    <a:ext uri="{FF2B5EF4-FFF2-40B4-BE49-F238E27FC236}">
+                      <a16:creationId xmlns:a16="http://schemas.microsoft.com/office/drawing/2014/main" id="{9E590E3E-07C6-15B9-7413-F8F4B9D516AF}"/>
+                    </a:ext>
+                  </a:extLst>
+                </p14:cNvPr>
+                <p14:cNvContentPartPr/>
+                <p14:nvPr/>
+              </p14:nvContentPartPr>
+              <p14:xfrm>
+                <a:off x="3299340" y="4875000"/>
+                <a:ext cx="196560" cy="255600"/>
+              </p14:xfrm>
+            </p:contentPart>
+          </mc:Choice>
+          <mc:Fallback xmlns="">
+            <p:pic>
+              <p:nvPicPr>
+                <p:cNvPr id="32" name="Ink 31">
+                  <a:extLst>
+                    <a:ext uri="{FF2B5EF4-FFF2-40B4-BE49-F238E27FC236}">
+                      <a16:creationId xmlns:a16="http://schemas.microsoft.com/office/drawing/2014/main" id="{9E590E3E-07C6-15B9-7413-F8F4B9D516AF}"/>
+                    </a:ext>
+                  </a:extLst>
+                </p:cNvPr>
+                <p:cNvPicPr/>
+                <p:nvPr/>
+              </p:nvPicPr>
+              <p:blipFill>
+                <a:blip r:embed="rId26"/>
+                <a:stretch>
+                  <a:fillRect/>
+                </a:stretch>
+              </p:blipFill>
+              <p:spPr>
+                <a:xfrm>
+                  <a:off x="3281340" y="4857000"/>
+                  <a:ext cx="232200" cy="291240"/>
+                </a:xfrm>
+                <a:prstGeom prst="rect">
+                  <a:avLst/>
+                </a:prstGeom>
+              </p:spPr>
+            </p:pic>
+          </mc:Fallback>
+        </mc:AlternateContent>
+      </p:grpSp>
+      <p:grpSp>
+        <p:nvGrpSpPr>
+          <p:cNvPr id="41" name="Group 40">
+            <a:extLst>
+              <a:ext uri="{FF2B5EF4-FFF2-40B4-BE49-F238E27FC236}">
+                <a16:creationId xmlns:a16="http://schemas.microsoft.com/office/drawing/2014/main" id="{53AB4999-912B-3320-1C30-1F25BFC405A6}"/>
+              </a:ext>
+            </a:extLst>
+          </p:cNvPr>
+          <p:cNvGrpSpPr/>
+          <p:nvPr/>
+        </p:nvGrpSpPr>
+        <p:grpSpPr>
+          <a:xfrm>
+            <a:off x="2963940" y="4954320"/>
+            <a:ext cx="684360" cy="366120"/>
+            <a:chOff x="2811540" y="4801920"/>
+            <a:chExt cx="684360" cy="366120"/>
+          </a:xfrm>
+        </p:grpSpPr>
+        <mc:AlternateContent xmlns:mc="http://schemas.openxmlformats.org/markup-compatibility/2006" xmlns:p14="http://schemas.microsoft.com/office/powerpoint/2010/main">
+          <mc:Choice Requires="p14">
+            <p:contentPart p14:bwMode="auto" r:id="rId27">
+              <p14:nvContentPartPr>
+                <p14:cNvPr id="42" name="Ink 41">
+                  <a:extLst>
+                    <a:ext uri="{FF2B5EF4-FFF2-40B4-BE49-F238E27FC236}">
+                      <a16:creationId xmlns:a16="http://schemas.microsoft.com/office/drawing/2014/main" id="{D34BA065-B9D7-D9F4-C6C4-19D2BDC22555}"/>
+                    </a:ext>
+                  </a:extLst>
+                </p14:cNvPr>
+                <p14:cNvContentPartPr/>
+                <p14:nvPr/>
+              </p14:nvContentPartPr>
+              <p14:xfrm>
+                <a:off x="2811540" y="4808040"/>
+                <a:ext cx="139320" cy="360000"/>
+              </p14:xfrm>
+            </p:contentPart>
+          </mc:Choice>
+          <mc:Fallback xmlns="">
+            <p:pic>
+              <p:nvPicPr>
+                <p:cNvPr id="42" name="Ink 41">
+                  <a:extLst>
+                    <a:ext uri="{FF2B5EF4-FFF2-40B4-BE49-F238E27FC236}">
+                      <a16:creationId xmlns:a16="http://schemas.microsoft.com/office/drawing/2014/main" id="{D34BA065-B9D7-D9F4-C6C4-19D2BDC22555}"/>
+                    </a:ext>
+                  </a:extLst>
+                </p:cNvPr>
+                <p:cNvPicPr/>
+                <p:nvPr/>
+              </p:nvPicPr>
+              <p:blipFill>
+                <a:blip r:embed="rId20"/>
+                <a:stretch>
+                  <a:fillRect/>
+                </a:stretch>
+              </p:blipFill>
+              <p:spPr>
+                <a:xfrm>
+                  <a:off x="2793540" y="4790400"/>
+                  <a:ext cx="174960" cy="395640"/>
+                </a:xfrm>
+                <a:prstGeom prst="rect">
+                  <a:avLst/>
+                </a:prstGeom>
+              </p:spPr>
+            </p:pic>
+          </mc:Fallback>
+        </mc:AlternateContent>
+        <mc:AlternateContent xmlns:mc="http://schemas.openxmlformats.org/markup-compatibility/2006" xmlns:p14="http://schemas.microsoft.com/office/powerpoint/2010/main">
+          <mc:Choice Requires="p14">
+            <p:contentPart p14:bwMode="auto" r:id="rId28">
+              <p14:nvContentPartPr>
+                <p14:cNvPr id="43" name="Ink 42">
+                  <a:extLst>
+                    <a:ext uri="{FF2B5EF4-FFF2-40B4-BE49-F238E27FC236}">
+                      <a16:creationId xmlns:a16="http://schemas.microsoft.com/office/drawing/2014/main" id="{ABC99D72-F7AF-5633-DC58-A80F85EE3336}"/>
+                    </a:ext>
+                  </a:extLst>
+                </p14:cNvPr>
+                <p14:cNvContentPartPr/>
+                <p14:nvPr/>
+              </p14:nvContentPartPr>
+              <p14:xfrm>
+                <a:off x="2857260" y="4801920"/>
+                <a:ext cx="200160" cy="44640"/>
+              </p14:xfrm>
+            </p:contentPart>
+          </mc:Choice>
+          <mc:Fallback xmlns="">
+            <p:pic>
+              <p:nvPicPr>
+                <p:cNvPr id="43" name="Ink 42">
+                  <a:extLst>
+                    <a:ext uri="{FF2B5EF4-FFF2-40B4-BE49-F238E27FC236}">
+                      <a16:creationId xmlns:a16="http://schemas.microsoft.com/office/drawing/2014/main" id="{ABC99D72-F7AF-5633-DC58-A80F85EE3336}"/>
+                    </a:ext>
+                  </a:extLst>
+                </p:cNvPr>
+                <p:cNvPicPr/>
+                <p:nvPr/>
+              </p:nvPicPr>
+              <p:blipFill>
+                <a:blip r:embed="rId22"/>
+                <a:stretch>
+                  <a:fillRect/>
+                </a:stretch>
+              </p:blipFill>
+              <p:spPr>
+                <a:xfrm>
+                  <a:off x="2839260" y="4784280"/>
+                  <a:ext cx="235800" cy="80280"/>
+                </a:xfrm>
+                <a:prstGeom prst="rect">
+                  <a:avLst/>
+                </a:prstGeom>
+              </p:spPr>
+            </p:pic>
+          </mc:Fallback>
+        </mc:AlternateContent>
+        <mc:AlternateContent xmlns:mc="http://schemas.openxmlformats.org/markup-compatibility/2006" xmlns:p14="http://schemas.microsoft.com/office/powerpoint/2010/main">
+          <mc:Choice Requires="p14">
+            <p:contentPart p14:bwMode="auto" r:id="rId29">
+              <p14:nvContentPartPr>
+                <p14:cNvPr id="44" name="Ink 43">
+                  <a:extLst>
+                    <a:ext uri="{FF2B5EF4-FFF2-40B4-BE49-F238E27FC236}">
+                      <a16:creationId xmlns:a16="http://schemas.microsoft.com/office/drawing/2014/main" id="{D7B8EF13-931D-C930-D032-BD4F105CCD45}"/>
+                    </a:ext>
+                  </a:extLst>
+                </p14:cNvPr>
+                <p14:cNvContentPartPr/>
+                <p14:nvPr/>
+              </p14:nvContentPartPr>
+              <p14:xfrm>
+                <a:off x="3172620" y="4838280"/>
+                <a:ext cx="20160" cy="322560"/>
+              </p14:xfrm>
+            </p:contentPart>
+          </mc:Choice>
+          <mc:Fallback xmlns="">
+            <p:pic>
+              <p:nvPicPr>
+                <p:cNvPr id="44" name="Ink 43">
+                  <a:extLst>
+                    <a:ext uri="{FF2B5EF4-FFF2-40B4-BE49-F238E27FC236}">
+                      <a16:creationId xmlns:a16="http://schemas.microsoft.com/office/drawing/2014/main" id="{D7B8EF13-931D-C930-D032-BD4F105CCD45}"/>
+                    </a:ext>
+                  </a:extLst>
+                </p:cNvPr>
+                <p:cNvPicPr/>
+                <p:nvPr/>
+              </p:nvPicPr>
+              <p:blipFill>
+                <a:blip r:embed="rId24"/>
+                <a:stretch>
+                  <a:fillRect/>
+                </a:stretch>
+              </p:blipFill>
+              <p:spPr>
+                <a:xfrm>
+                  <a:off x="3154980" y="4820640"/>
+                  <a:ext cx="55800" cy="358200"/>
+                </a:xfrm>
+                <a:prstGeom prst="rect">
+                  <a:avLst/>
+                </a:prstGeom>
+              </p:spPr>
+            </p:pic>
+          </mc:Fallback>
+        </mc:AlternateContent>
+        <mc:AlternateContent xmlns:mc="http://schemas.openxmlformats.org/markup-compatibility/2006" xmlns:p14="http://schemas.microsoft.com/office/powerpoint/2010/main">
+          <mc:Choice Requires="p14">
+            <p:contentPart p14:bwMode="auto" r:id="rId30">
+              <p14:nvContentPartPr>
+                <p14:cNvPr id="45" name="Ink 44">
+                  <a:extLst>
+                    <a:ext uri="{FF2B5EF4-FFF2-40B4-BE49-F238E27FC236}">
+                      <a16:creationId xmlns:a16="http://schemas.microsoft.com/office/drawing/2014/main" id="{9271AC79-BA62-5993-1E52-9400813E728D}"/>
+                    </a:ext>
+                  </a:extLst>
+                </p14:cNvPr>
+                <p14:cNvContentPartPr/>
+                <p14:nvPr/>
+              </p14:nvContentPartPr>
+              <p14:xfrm>
+                <a:off x="3299340" y="4875000"/>
+                <a:ext cx="196560" cy="255600"/>
+              </p14:xfrm>
+            </p:contentPart>
+          </mc:Choice>
+          <mc:Fallback xmlns="">
+            <p:pic>
+              <p:nvPicPr>
+                <p:cNvPr id="45" name="Ink 44">
+                  <a:extLst>
+                    <a:ext uri="{FF2B5EF4-FFF2-40B4-BE49-F238E27FC236}">
+                      <a16:creationId xmlns:a16="http://schemas.microsoft.com/office/drawing/2014/main" id="{9271AC79-BA62-5993-1E52-9400813E728D}"/>
+                    </a:ext>
+                  </a:extLst>
+                </p:cNvPr>
+                <p:cNvPicPr/>
+                <p:nvPr/>
+              </p:nvPicPr>
+              <p:blipFill>
+                <a:blip r:embed="rId26"/>
+                <a:stretch>
+                  <a:fillRect/>
+                </a:stretch>
+              </p:blipFill>
+              <p:spPr>
+                <a:xfrm>
+                  <a:off x="3281340" y="4857000"/>
+                  <a:ext cx="232200" cy="291240"/>
+                </a:xfrm>
+                <a:prstGeom prst="rect">
+                  <a:avLst/>
+                </a:prstGeom>
+              </p:spPr>
+            </p:pic>
+          </mc:Fallback>
+        </mc:AlternateContent>
+      </p:grpSp>
+      <p:pic>
+        <p:nvPicPr>
+          <p:cNvPr id="1032" name="Picture 8">
+            <a:extLst>
+              <a:ext uri="{FF2B5EF4-FFF2-40B4-BE49-F238E27FC236}">
+                <a16:creationId xmlns:a16="http://schemas.microsoft.com/office/drawing/2014/main" id="{2AF36134-50D7-5AA2-B9CF-5B30D8919B17}"/>
+              </a:ext>
+            </a:extLst>
+          </p:cNvPr>
+          <p:cNvPicPr>
+            <a:picLocks noChangeAspect="1" noChangeArrowheads="1"/>
+          </p:cNvPicPr>
+          <p:nvPr/>
+        </p:nvPicPr>
+        <p:blipFill>
+          <a:blip r:embed="rId31">
+            <a:extLst>
+              <a:ext uri="{28A0092B-C50C-407E-A947-70E740481C1C}">
+                <a14:useLocalDpi xmlns:a14="http://schemas.microsoft.com/office/drawing/2010/main" val="0"/>
+              </a:ext>
+            </a:extLst>
+          </a:blip>
+          <a:srcRect/>
+          <a:stretch>
+            <a:fillRect/>
+          </a:stretch>
+        </p:blipFill>
+        <p:spPr bwMode="auto">
+          <a:xfrm>
+            <a:off x="2377685" y="5924556"/>
+            <a:ext cx="1659949" cy="612785"/>
+          </a:xfrm>
+          <a:prstGeom prst="rect">
+            <a:avLst/>
+          </a:prstGeom>
+          <a:noFill/>
+          <a:extLst>
+            <a:ext uri="{909E8E84-426E-40DD-AFC4-6F175D3DCCD1}">
+              <a14:hiddenFill xmlns:a14="http://schemas.microsoft.com/office/drawing/2010/main">
+                <a:solidFill>
+                  <a:srgbClr val="FFFFFF"/>
+                </a:solidFill>
+              </a14:hiddenFill>
+            </a:ext>
+          </a:extLst>
+        </p:spPr>
+      </p:pic>
+      <p:pic>
+        <p:nvPicPr>
+          <p:cNvPr id="1036" name="Picture 12">
+            <a:extLst>
+              <a:ext uri="{FF2B5EF4-FFF2-40B4-BE49-F238E27FC236}">
+                <a16:creationId xmlns:a16="http://schemas.microsoft.com/office/drawing/2014/main" id="{4CA66925-C9E4-27C9-80E2-E469DC93EF51}"/>
+              </a:ext>
+            </a:extLst>
+          </p:cNvPr>
+          <p:cNvPicPr>
+            <a:picLocks noChangeAspect="1" noChangeArrowheads="1"/>
+          </p:cNvPicPr>
+          <p:nvPr/>
+        </p:nvPicPr>
+        <p:blipFill>
+          <a:blip r:embed="rId32">
+            <a:extLst>
+              <a:ext uri="{28A0092B-C50C-407E-A947-70E740481C1C}">
+                <a14:useLocalDpi xmlns:a14="http://schemas.microsoft.com/office/drawing/2010/main" val="0"/>
+              </a:ext>
+            </a:extLst>
+          </a:blip>
+          <a:srcRect/>
+          <a:stretch>
+            <a:fillRect/>
+          </a:stretch>
+        </p:blipFill>
+        <p:spPr bwMode="auto">
+          <a:xfrm>
+            <a:off x="8240781" y="5982956"/>
+            <a:ext cx="2068638" cy="645938"/>
+          </a:xfrm>
+          <a:prstGeom prst="rect">
+            <a:avLst/>
+          </a:prstGeom>
+          <a:noFill/>
+          <a:extLst>
+            <a:ext uri="{909E8E84-426E-40DD-AFC4-6F175D3DCCD1}">
+              <a14:hiddenFill xmlns:a14="http://schemas.microsoft.com/office/drawing/2010/main">
+                <a:solidFill>
+                  <a:srgbClr val="FFFFFF"/>
+                </a:solidFill>
+              </a14:hiddenFill>
+            </a:ext>
+          </a:extLst>
+        </p:spPr>
+      </p:pic>
+      <p:pic>
+        <p:nvPicPr>
+          <p:cNvPr id="1038" name="Picture 14">
+            <a:extLst>
+              <a:ext uri="{FF2B5EF4-FFF2-40B4-BE49-F238E27FC236}">
+                <a16:creationId xmlns:a16="http://schemas.microsoft.com/office/drawing/2014/main" id="{A4CD2615-2B2D-588E-6249-A32D57FD81AE}"/>
+              </a:ext>
+            </a:extLst>
+          </p:cNvPr>
+          <p:cNvPicPr>
+            <a:picLocks noChangeAspect="1" noChangeArrowheads="1"/>
+          </p:cNvPicPr>
+          <p:nvPr/>
+        </p:nvPicPr>
+        <p:blipFill>
+          <a:blip r:embed="rId33">
+            <a:extLst>
+              <a:ext uri="{28A0092B-C50C-407E-A947-70E740481C1C}">
+                <a14:useLocalDpi xmlns:a14="http://schemas.microsoft.com/office/drawing/2010/main" val="0"/>
+              </a:ext>
+            </a:extLst>
+          </a:blip>
+          <a:srcRect/>
+          <a:stretch>
+            <a:fillRect/>
+          </a:stretch>
+        </p:blipFill>
+        <p:spPr bwMode="auto">
+          <a:xfrm>
+            <a:off x="2729323" y="4315912"/>
+            <a:ext cx="1191393" cy="307456"/>
+          </a:xfrm>
+          <a:prstGeom prst="rect">
+            <a:avLst/>
+          </a:prstGeom>
+          <a:noFill/>
+          <a:extLst>
+            <a:ext uri="{909E8E84-426E-40DD-AFC4-6F175D3DCCD1}">
+              <a14:hiddenFill xmlns:a14="http://schemas.microsoft.com/office/drawing/2010/main">
+                <a:solidFill>
+                  <a:srgbClr val="FFFFFF"/>
+                </a:solidFill>
+              </a14:hiddenFill>
+            </a:ext>
+          </a:extLst>
+        </p:spPr>
+      </p:pic>
+      <p:pic>
+        <p:nvPicPr>
+          <p:cNvPr id="1040" name="Picture 16">
+            <a:extLst>
+              <a:ext uri="{FF2B5EF4-FFF2-40B4-BE49-F238E27FC236}">
+                <a16:creationId xmlns:a16="http://schemas.microsoft.com/office/drawing/2014/main" id="{03529080-5064-9963-14EF-1B27DA88ED20}"/>
+              </a:ext>
+            </a:extLst>
+          </p:cNvPr>
+          <p:cNvPicPr>
+            <a:picLocks noChangeAspect="1" noChangeArrowheads="1"/>
+          </p:cNvPicPr>
+          <p:nvPr/>
+        </p:nvPicPr>
+        <p:blipFill>
+          <a:blip r:embed="rId33">
+            <a:extLst>
+              <a:ext uri="{28A0092B-C50C-407E-A947-70E740481C1C}">
+                <a14:useLocalDpi xmlns:a14="http://schemas.microsoft.com/office/drawing/2010/main" val="0"/>
+              </a:ext>
+            </a:extLst>
+          </a:blip>
+          <a:srcRect/>
+          <a:stretch>
+            <a:fillRect/>
+          </a:stretch>
+        </p:blipFill>
+        <p:spPr bwMode="auto">
+          <a:xfrm>
+            <a:off x="8443560" y="4386574"/>
+            <a:ext cx="1310640" cy="338230"/>
+          </a:xfrm>
+          <a:prstGeom prst="rect">
+            <a:avLst/>
+          </a:prstGeom>
+          <a:noFill/>
+          <a:extLst>
+            <a:ext uri="{909E8E84-426E-40DD-AFC4-6F175D3DCCD1}">
+              <a14:hiddenFill xmlns:a14="http://schemas.microsoft.com/office/drawing/2010/main">
+                <a:solidFill>
+                  <a:srgbClr val="FFFFFF"/>
+                </a:solidFill>
+              </a14:hiddenFill>
+            </a:ext>
+          </a:extLst>
+        </p:spPr>
+      </p:pic>
+    </p:spTree>
+    <p:extLst>
+      <p:ext uri="{BB962C8B-B14F-4D97-AF65-F5344CB8AC3E}">
+        <p14:creationId xmlns:p14="http://schemas.microsoft.com/office/powerpoint/2010/main" val="614827596"/>
+      </p:ext>
+    </p:extLst>
+  </p:cSld>
+  <p:clrMapOvr>
+    <a:masterClrMapping/>
+  </p:clrMapOvr>
+</p:sld>
+</file>
+
+<file path=ppt/slides/slide26.xml><?xml version="1.0" encoding="utf-8"?>
 <p:sld xmlns:a="http://schemas.openxmlformats.org/drawingml/2006/main" xmlns:r="http://schemas.openxmlformats.org/officeDocument/2006/relationships" xmlns:p="http://schemas.openxmlformats.org/presentationml/2006/main">
   <p:cSld>
     <p:spTree>
@@ -6623,7 +9688,7 @@
 </p:sld>
 </file>
 
-<file path=ppt/slides/slide25.xml><?xml version="1.0" encoding="utf-8"?>
+<file path=ppt/slides/slide27.xml><?xml version="1.0" encoding="utf-8"?>
 <p:sld xmlns:a="http://schemas.openxmlformats.org/drawingml/2006/main" xmlns:r="http://schemas.openxmlformats.org/officeDocument/2006/relationships" xmlns:p="http://schemas.openxmlformats.org/presentationml/2006/main">
   <p:cSld>
     <p:spTree>
@@ -6686,7 +9751,7 @@
             <a:fld id="{00000000-1234-1234-1234-123412341234}" type="slidenum">
               <a:rPr lang="en" smtClean="0"/>
               <a:pPr algn="ctr"/>
-              <a:t>25</a:t>
+              <a:t>27</a:t>
             </a:fld>
             <a:endParaRPr lang="en"/>
           </a:p>
@@ -6729,7 +9794,7 @@
 </p:sld>
 </file>
 
-<file path=ppt/slides/slide26.xml><?xml version="1.0" encoding="utf-8"?>
+<file path=ppt/slides/slide28.xml><?xml version="1.0" encoding="utf-8"?>
 <p:sld xmlns:a="http://schemas.openxmlformats.org/drawingml/2006/main" xmlns:r="http://schemas.openxmlformats.org/officeDocument/2006/relationships" xmlns:p="http://schemas.openxmlformats.org/presentationml/2006/main">
   <p:cSld>
     <p:spTree>
@@ -6812,7 +9877,7 @@
 </p:sld>
 </file>
 
-<file path=ppt/slides/slide27.xml><?xml version="1.0" encoding="utf-8"?>
+<file path=ppt/slides/slide29.xml><?xml version="1.0" encoding="utf-8"?>
 <p:sld xmlns:a="http://schemas.openxmlformats.org/drawingml/2006/main" xmlns:r="http://schemas.openxmlformats.org/officeDocument/2006/relationships" xmlns:p="http://schemas.openxmlformats.org/presentationml/2006/main">
   <p:cSld>
     <p:spTree>
@@ -6881,7 +9946,7 @@
         </p:spPr>
         <p:txBody>
           <a:bodyPr>
-            <a:normAutofit/>
+            <a:normAutofit fontScale="92500" lnSpcReduction="20000"/>
           </a:bodyPr>
           <a:lstStyle/>
           <a:p>
@@ -6893,7 +9958,7 @@
           <a:p>
             <a:r>
               <a:rPr lang="en-US" dirty="0"/>
-              <a:t>Acquire a disk image in Kali using DD and send the image to Windows</a:t>
+              <a:t>Acquire a disk image(volume) in Kali using DD and send the image to Windows</a:t>
             </a:r>
           </a:p>
           <a:p>
@@ -6947,7 +10012,199 @@
 </p:sld>
 </file>
 
-<file path=ppt/slides/slide28.xml><?xml version="1.0" encoding="utf-8"?>
+<file path=ppt/slides/slide3.xml><?xml version="1.0" encoding="utf-8"?>
+<p:sld xmlns:a="http://schemas.openxmlformats.org/drawingml/2006/main" xmlns:r="http://schemas.openxmlformats.org/officeDocument/2006/relationships" xmlns:p="http://schemas.openxmlformats.org/presentationml/2006/main">
+  <p:cSld>
+    <p:spTree>
+      <p:nvGrpSpPr>
+        <p:cNvPr id="1" name=""/>
+        <p:cNvGrpSpPr/>
+        <p:nvPr/>
+      </p:nvGrpSpPr>
+      <p:grpSpPr>
+        <a:xfrm>
+          <a:off x="0" y="0"/>
+          <a:ext cx="0" cy="0"/>
+          <a:chOff x="0" y="0"/>
+          <a:chExt cx="0" cy="0"/>
+        </a:xfrm>
+      </p:grpSpPr>
+      <p:sp>
+        <p:nvSpPr>
+          <p:cNvPr id="2" name="Title 1">
+            <a:extLst>
+              <a:ext uri="{FF2B5EF4-FFF2-40B4-BE49-F238E27FC236}">
+                <a16:creationId xmlns:a16="http://schemas.microsoft.com/office/drawing/2014/main" id="{E0C68A92-D781-4B3B-A14F-9EDE8CE2C74B}"/>
+              </a:ext>
+            </a:extLst>
+          </p:cNvPr>
+          <p:cNvSpPr>
+            <a:spLocks noGrp="1"/>
+          </p:cNvSpPr>
+          <p:nvPr>
+            <p:ph type="title"/>
+          </p:nvPr>
+        </p:nvSpPr>
+        <p:spPr/>
+        <p:txBody>
+          <a:bodyPr/>
+          <a:lstStyle/>
+          <a:p>
+            <a:r>
+              <a:rPr lang="en-US" dirty="0"/>
+              <a:t>What is a disk image?</a:t>
+            </a:r>
+          </a:p>
+        </p:txBody>
+      </p:sp>
+      <p:sp>
+        <p:nvSpPr>
+          <p:cNvPr id="3" name="Content Placeholder 2">
+            <a:extLst>
+              <a:ext uri="{FF2B5EF4-FFF2-40B4-BE49-F238E27FC236}">
+                <a16:creationId xmlns:a16="http://schemas.microsoft.com/office/drawing/2014/main" id="{9FEFF1C0-97E6-4D4F-A349-32811975D57B}"/>
+              </a:ext>
+            </a:extLst>
+          </p:cNvPr>
+          <p:cNvSpPr>
+            <a:spLocks noGrp="1"/>
+          </p:cNvSpPr>
+          <p:nvPr>
+            <p:ph idx="1"/>
+          </p:nvPr>
+        </p:nvSpPr>
+        <p:spPr/>
+        <p:txBody>
+          <a:bodyPr>
+            <a:normAutofit fontScale="92500" lnSpcReduction="10000"/>
+          </a:bodyPr>
+          <a:lstStyle/>
+          <a:p>
+            <a:r>
+              <a:rPr lang="en-GB" dirty="0"/>
+              <a:t>A disk image is a computer file </a:t>
+            </a:r>
+          </a:p>
+          <a:p>
+            <a:pPr lvl="1"/>
+            <a:r>
+              <a:rPr lang="en-GB" dirty="0"/>
+              <a:t>containing the </a:t>
+            </a:r>
+            <a:r>
+              <a:rPr lang="en-GB" dirty="0">
+                <a:solidFill>
+                  <a:srgbClr val="FF0000"/>
+                </a:solidFill>
+              </a:rPr>
+              <a:t>contents</a:t>
+            </a:r>
+            <a:r>
+              <a:rPr lang="en-GB" dirty="0"/>
+              <a:t> and </a:t>
+            </a:r>
+            <a:r>
+              <a:rPr lang="en-GB" dirty="0">
+                <a:solidFill>
+                  <a:srgbClr val="FF0000"/>
+                </a:solidFill>
+              </a:rPr>
+              <a:t>structure</a:t>
+            </a:r>
+            <a:r>
+              <a:rPr lang="en-GB" dirty="0"/>
+              <a:t> of a disk volume (partition) or</a:t>
+            </a:r>
+          </a:p>
+          <a:p>
+            <a:pPr lvl="1"/>
+            <a:r>
+              <a:rPr lang="en-GB" dirty="0"/>
+              <a:t>containing an </a:t>
+            </a:r>
+            <a:r>
+              <a:rPr lang="en-GB" dirty="0">
+                <a:solidFill>
+                  <a:srgbClr val="FF0000"/>
+                </a:solidFill>
+              </a:rPr>
+              <a:t>entire</a:t>
+            </a:r>
+            <a:r>
+              <a:rPr lang="en-GB" dirty="0"/>
+              <a:t> data storage device, </a:t>
+            </a:r>
+          </a:p>
+          <a:p>
+            <a:r>
+              <a:rPr lang="en-GB" dirty="0"/>
+              <a:t>Storage devices</a:t>
+            </a:r>
+          </a:p>
+          <a:p>
+            <a:pPr lvl="1"/>
+            <a:r>
+              <a:rPr lang="en-GB" dirty="0"/>
+              <a:t>a hard disk drive, tape drive, floppy disk, optical disc, or USB flash drive</a:t>
+            </a:r>
+          </a:p>
+          <a:p>
+            <a:r>
+              <a:rPr lang="en-GB" dirty="0"/>
+              <a:t>The file format </a:t>
+            </a:r>
+          </a:p>
+          <a:p>
+            <a:pPr lvl="1"/>
+            <a:r>
+              <a:rPr lang="en-GB" dirty="0"/>
+              <a:t>open standard: such as the ISO image format for optical disc images, </a:t>
+            </a:r>
+          </a:p>
+          <a:p>
+            <a:pPr lvl="1"/>
+            <a:r>
+              <a:rPr lang="en-GB" dirty="0"/>
+              <a:t>unique to a particular software application: encase, FTK</a:t>
+            </a:r>
+            <a:endParaRPr lang="en-US" dirty="0"/>
+          </a:p>
+          <a:p>
+            <a:r>
+              <a:rPr lang="en-US" dirty="0"/>
+              <a:t>Image acquisition can be done in </a:t>
+            </a:r>
+          </a:p>
+          <a:p>
+            <a:pPr lvl="1"/>
+            <a:r>
+              <a:rPr lang="en-US" dirty="0"/>
+              <a:t>Windows</a:t>
+            </a:r>
+          </a:p>
+          <a:p>
+            <a:pPr lvl="1"/>
+            <a:r>
+              <a:rPr lang="en-US" dirty="0"/>
+              <a:t>Linux</a:t>
+            </a:r>
+          </a:p>
+        </p:txBody>
+      </p:sp>
+    </p:spTree>
+    <p:extLst>
+      <p:ext uri="{BB962C8B-B14F-4D97-AF65-F5344CB8AC3E}">
+        <p14:creationId xmlns:p14="http://schemas.microsoft.com/office/powerpoint/2010/main" val="542080552"/>
+      </p:ext>
+    </p:extLst>
+  </p:cSld>
+  <p:clrMapOvr>
+    <a:masterClrMapping/>
+  </p:clrMapOvr>
+</p:sld>
+</file>
+
+<file path=ppt/slides/slide30.xml><?xml version="1.0" encoding="utf-8"?>
 <p:sld xmlns:a="http://schemas.openxmlformats.org/drawingml/2006/main" xmlns:r="http://schemas.openxmlformats.org/officeDocument/2006/relationships" xmlns:p="http://schemas.openxmlformats.org/presentationml/2006/main">
   <p:cSld>
     <p:spTree>
@@ -7040,7 +10297,7 @@
 </p:sld>
 </file>
 
-<file path=ppt/slides/slide29.xml><?xml version="1.0" encoding="utf-8"?>
+<file path=ppt/slides/slide31.xml><?xml version="1.0" encoding="utf-8"?>
 <p:sld xmlns:a="http://schemas.openxmlformats.org/drawingml/2006/main" xmlns:r="http://schemas.openxmlformats.org/officeDocument/2006/relationships" xmlns:p="http://schemas.openxmlformats.org/presentationml/2006/main">
   <p:cSld>
     <p:spTree>
@@ -7128,199 +10385,7 @@
 </p:sld>
 </file>
 
-<file path=ppt/slides/slide3.xml><?xml version="1.0" encoding="utf-8"?>
-<p:sld xmlns:a="http://schemas.openxmlformats.org/drawingml/2006/main" xmlns:r="http://schemas.openxmlformats.org/officeDocument/2006/relationships" xmlns:p="http://schemas.openxmlformats.org/presentationml/2006/main">
-  <p:cSld>
-    <p:spTree>
-      <p:nvGrpSpPr>
-        <p:cNvPr id="1" name=""/>
-        <p:cNvGrpSpPr/>
-        <p:nvPr/>
-      </p:nvGrpSpPr>
-      <p:grpSpPr>
-        <a:xfrm>
-          <a:off x="0" y="0"/>
-          <a:ext cx="0" cy="0"/>
-          <a:chOff x="0" y="0"/>
-          <a:chExt cx="0" cy="0"/>
-        </a:xfrm>
-      </p:grpSpPr>
-      <p:sp>
-        <p:nvSpPr>
-          <p:cNvPr id="2" name="Title 1">
-            <a:extLst>
-              <a:ext uri="{FF2B5EF4-FFF2-40B4-BE49-F238E27FC236}">
-                <a16:creationId xmlns:a16="http://schemas.microsoft.com/office/drawing/2014/main" id="{E0C68A92-D781-4B3B-A14F-9EDE8CE2C74B}"/>
-              </a:ext>
-            </a:extLst>
-          </p:cNvPr>
-          <p:cNvSpPr>
-            <a:spLocks noGrp="1"/>
-          </p:cNvSpPr>
-          <p:nvPr>
-            <p:ph type="title"/>
-          </p:nvPr>
-        </p:nvSpPr>
-        <p:spPr/>
-        <p:txBody>
-          <a:bodyPr/>
-          <a:lstStyle/>
-          <a:p>
-            <a:r>
-              <a:rPr lang="en-US" dirty="0"/>
-              <a:t>What is a disk image?</a:t>
-            </a:r>
-          </a:p>
-        </p:txBody>
-      </p:sp>
-      <p:sp>
-        <p:nvSpPr>
-          <p:cNvPr id="3" name="Content Placeholder 2">
-            <a:extLst>
-              <a:ext uri="{FF2B5EF4-FFF2-40B4-BE49-F238E27FC236}">
-                <a16:creationId xmlns:a16="http://schemas.microsoft.com/office/drawing/2014/main" id="{9FEFF1C0-97E6-4D4F-A349-32811975D57B}"/>
-              </a:ext>
-            </a:extLst>
-          </p:cNvPr>
-          <p:cNvSpPr>
-            <a:spLocks noGrp="1"/>
-          </p:cNvSpPr>
-          <p:nvPr>
-            <p:ph idx="1"/>
-          </p:nvPr>
-        </p:nvSpPr>
-        <p:spPr/>
-        <p:txBody>
-          <a:bodyPr>
-            <a:normAutofit fontScale="92500" lnSpcReduction="10000"/>
-          </a:bodyPr>
-          <a:lstStyle/>
-          <a:p>
-            <a:r>
-              <a:rPr lang="en-GB" dirty="0"/>
-              <a:t>A disk image is a computer file </a:t>
-            </a:r>
-          </a:p>
-          <a:p>
-            <a:pPr lvl="1"/>
-            <a:r>
-              <a:rPr lang="en-GB" dirty="0"/>
-              <a:t>containing the </a:t>
-            </a:r>
-            <a:r>
-              <a:rPr lang="en-GB" dirty="0">
-                <a:solidFill>
-                  <a:srgbClr val="FF0000"/>
-                </a:solidFill>
-              </a:rPr>
-              <a:t>contents</a:t>
-            </a:r>
-            <a:r>
-              <a:rPr lang="en-GB" dirty="0"/>
-              <a:t> and </a:t>
-            </a:r>
-            <a:r>
-              <a:rPr lang="en-GB" dirty="0">
-                <a:solidFill>
-                  <a:srgbClr val="FF0000"/>
-                </a:solidFill>
-              </a:rPr>
-              <a:t>structure</a:t>
-            </a:r>
-            <a:r>
-              <a:rPr lang="en-GB" dirty="0"/>
-              <a:t> of a disk volume (partition) or</a:t>
-            </a:r>
-          </a:p>
-          <a:p>
-            <a:pPr lvl="1"/>
-            <a:r>
-              <a:rPr lang="en-GB" dirty="0"/>
-              <a:t>containing an </a:t>
-            </a:r>
-            <a:r>
-              <a:rPr lang="en-GB" dirty="0">
-                <a:solidFill>
-                  <a:srgbClr val="FF0000"/>
-                </a:solidFill>
-              </a:rPr>
-              <a:t>entire</a:t>
-            </a:r>
-            <a:r>
-              <a:rPr lang="en-GB" dirty="0"/>
-              <a:t> data storage device, </a:t>
-            </a:r>
-          </a:p>
-          <a:p>
-            <a:r>
-              <a:rPr lang="en-GB" dirty="0"/>
-              <a:t>Storage devices</a:t>
-            </a:r>
-          </a:p>
-          <a:p>
-            <a:pPr lvl="1"/>
-            <a:r>
-              <a:rPr lang="en-GB" dirty="0"/>
-              <a:t>a hard disk drive, tape drive, floppy disk, optical disc, or USB flash drive</a:t>
-            </a:r>
-          </a:p>
-          <a:p>
-            <a:r>
-              <a:rPr lang="en-GB" dirty="0"/>
-              <a:t>The file format </a:t>
-            </a:r>
-          </a:p>
-          <a:p>
-            <a:pPr lvl="1"/>
-            <a:r>
-              <a:rPr lang="en-GB" dirty="0"/>
-              <a:t>open standard: such as the ISO image format for optical disc images, </a:t>
-            </a:r>
-          </a:p>
-          <a:p>
-            <a:pPr lvl="1"/>
-            <a:r>
-              <a:rPr lang="en-GB" dirty="0"/>
-              <a:t>unique to a particular software application: encase, FTK</a:t>
-            </a:r>
-            <a:endParaRPr lang="en-US" dirty="0"/>
-          </a:p>
-          <a:p>
-            <a:r>
-              <a:rPr lang="en-US" dirty="0"/>
-              <a:t>Image acquisition can be done in </a:t>
-            </a:r>
-          </a:p>
-          <a:p>
-            <a:pPr lvl="1"/>
-            <a:r>
-              <a:rPr lang="en-US" dirty="0"/>
-              <a:t>Windows</a:t>
-            </a:r>
-          </a:p>
-          <a:p>
-            <a:pPr lvl="1"/>
-            <a:r>
-              <a:rPr lang="en-US" dirty="0"/>
-              <a:t>Linux</a:t>
-            </a:r>
-          </a:p>
-        </p:txBody>
-      </p:sp>
-    </p:spTree>
-    <p:extLst>
-      <p:ext uri="{BB962C8B-B14F-4D97-AF65-F5344CB8AC3E}">
-        <p14:creationId xmlns:p14="http://schemas.microsoft.com/office/powerpoint/2010/main" val="542080552"/>
-      </p:ext>
-    </p:extLst>
-  </p:cSld>
-  <p:clrMapOvr>
-    <a:masterClrMapping/>
-  </p:clrMapOvr>
-</p:sld>
-</file>
-
-<file path=ppt/slides/slide30.xml><?xml version="1.0" encoding="utf-8"?>
+<file path=ppt/slides/slide32.xml><?xml version="1.0" encoding="utf-8"?>
 <p:sld xmlns:a="http://schemas.openxmlformats.org/drawingml/2006/main" xmlns:r="http://schemas.openxmlformats.org/officeDocument/2006/relationships" xmlns:p="http://schemas.openxmlformats.org/presentationml/2006/main">
   <p:cSld>
     <p:spTree>
@@ -7408,7 +10473,7 @@
 </p:sld>
 </file>
 
-<file path=ppt/slides/slide31.xml><?xml version="1.0" encoding="utf-8"?>
+<file path=ppt/slides/slide33.xml><?xml version="1.0" encoding="utf-8"?>
 <p:sld xmlns:a="http://schemas.openxmlformats.org/drawingml/2006/main" xmlns:r="http://schemas.openxmlformats.org/officeDocument/2006/relationships" xmlns:p="http://schemas.openxmlformats.org/presentationml/2006/main">
   <p:cSld>
     <p:spTree>
@@ -7517,7 +10582,7 @@
 </p:sld>
 </file>
 
-<file path=ppt/slides/slide32.xml><?xml version="1.0" encoding="utf-8"?>
+<file path=ppt/slides/slide34.xml><?xml version="1.0" encoding="utf-8"?>
 <p:sld xmlns:a="http://schemas.openxmlformats.org/drawingml/2006/main" xmlns:r="http://schemas.openxmlformats.org/officeDocument/2006/relationships" xmlns:p="http://schemas.openxmlformats.org/presentationml/2006/main">
   <p:cSld>
     <p:spTree>
@@ -7605,7 +10670,7 @@
 </p:sld>
 </file>
 
-<file path=ppt/slides/slide33.xml><?xml version="1.0" encoding="utf-8"?>
+<file path=ppt/slides/slide35.xml><?xml version="1.0" encoding="utf-8"?>
 <p:sld xmlns:a="http://schemas.openxmlformats.org/drawingml/2006/main" xmlns:r="http://schemas.openxmlformats.org/officeDocument/2006/relationships" xmlns:p="http://schemas.openxmlformats.org/presentationml/2006/main">
   <p:cSld>
     <p:spTree>
@@ -7796,7 +10861,7 @@
 </p:sld>
 </file>
 
-<file path=ppt/slides/slide34.xml><?xml version="1.0" encoding="utf-8"?>
+<file path=ppt/slides/slide36.xml><?xml version="1.0" encoding="utf-8"?>
 <p:sld xmlns:a="http://schemas.openxmlformats.org/drawingml/2006/main" xmlns:r="http://schemas.openxmlformats.org/officeDocument/2006/relationships" xmlns:p="http://schemas.openxmlformats.org/presentationml/2006/main">
   <p:cSld>
     <p:spTree>
@@ -8470,6 +11535,50 @@
               <a:rPr lang="en-US" sz="800" dirty="0"/>
               <a:t>https://www.howtogeek.com/wp-content/uploads/2017/09/ximg_59b9b8dfbb300.png.pagespeed.gp+jp+jw+pj+ws+js+rj+rp+rw+ri+cp+md.ic.2DjSUAOnqK.jpg</a:t>
             </a:r>
+          </a:p>
+        </p:txBody>
+      </p:sp>
+      <p:sp>
+        <p:nvSpPr>
+          <p:cNvPr id="8" name="TextBox 7">
+            <a:extLst>
+              <a:ext uri="{FF2B5EF4-FFF2-40B4-BE49-F238E27FC236}">
+                <a16:creationId xmlns:a16="http://schemas.microsoft.com/office/drawing/2014/main" id="{9215BCE8-B4ED-9EDE-1CA9-C776AC63B71E}"/>
+              </a:ext>
+            </a:extLst>
+          </p:cNvPr>
+          <p:cNvSpPr txBox="1"/>
+          <p:nvPr/>
+        </p:nvSpPr>
+        <p:spPr>
+          <a:xfrm>
+            <a:off x="838200" y="5428087"/>
+            <a:ext cx="4389120" cy="369332"/>
+          </a:xfrm>
+          <a:prstGeom prst="rect">
+            <a:avLst/>
+          </a:prstGeom>
+          <a:noFill/>
+        </p:spPr>
+        <p:txBody>
+          <a:bodyPr wrap="square">
+            <a:spAutoFit/>
+          </a:bodyPr>
+          <a:lstStyle/>
+          <a:p>
+            <a:r>
+              <a:rPr lang="en-GB" dirty="0">
+                <a:solidFill>
+                  <a:srgbClr val="FF0000"/>
+                </a:solidFill>
+              </a:rPr>
+              <a:t>The Lab has to be done on your local host PC</a:t>
+            </a:r>
+            <a:endParaRPr lang="en-US" dirty="0">
+              <a:solidFill>
+                <a:srgbClr val="FF0000"/>
+              </a:solidFill>
+            </a:endParaRPr>
           </a:p>
         </p:txBody>
       </p:sp>
